--- a/非受控文档/2_叶柏成/PPT/红灰配色简洁实用PPT模板.pptx
+++ b/非受控文档/2_叶柏成/PPT/红灰配色简洁实用PPT模板.pptx
@@ -5,20 +5,19 @@
     <p:sldMasterId id="2147483648" r:id="rId1"/>
   </p:sldMasterIdLst>
   <p:notesMasterIdLst>
-    <p:notesMasterId r:id="rId14"/>
+    <p:notesMasterId r:id="rId12"/>
   </p:notesMasterIdLst>
   <p:sldIdLst>
-    <p:sldId id="256" r:id="rId3"/>
+    <p:sldId id="256" r:id="rId2"/>
+    <p:sldId id="258" r:id="rId3"/>
     <p:sldId id="257" r:id="rId4"/>
-    <p:sldId id="258" r:id="rId5"/>
-    <p:sldId id="268" r:id="rId6"/>
-    <p:sldId id="265" r:id="rId7"/>
-    <p:sldId id="267" r:id="rId8"/>
-    <p:sldId id="270" r:id="rId9"/>
+    <p:sldId id="267" r:id="rId5"/>
+    <p:sldId id="280" r:id="rId6"/>
+    <p:sldId id="273" r:id="rId7"/>
+    <p:sldId id="286" r:id="rId8"/>
+    <p:sldId id="287" r:id="rId9"/>
     <p:sldId id="272" r:id="rId10"/>
-    <p:sldId id="266" r:id="rId11"/>
-    <p:sldId id="269" r:id="rId12"/>
-    <p:sldId id="264" r:id="rId13"/>
+    <p:sldId id="264" r:id="rId11"/>
   </p:sldIdLst>
   <p:sldSz cx="12192000" cy="6858000"/>
   <p:notesSz cx="6858000" cy="9144000"/>
@@ -117,6 +116,67 @@
       </a:defRPr>
     </a:lvl9pPr>
   </p:defaultTextStyle>
+  <p:extLst>
+    <p:ext uri="{EFAFB233-063F-42B5-8137-9DF3F51BA10A}">
+      <p15:sldGuideLst xmlns:p15="http://schemas.microsoft.com/office/powerpoint/2012/main">
+        <p15:guide id="1" orient="horz" pos="2183">
+          <p15:clr>
+            <a:srgbClr val="A4A3A4"/>
+          </p15:clr>
+        </p15:guide>
+        <p15:guide id="2" orient="horz" pos="3135">
+          <p15:clr>
+            <a:srgbClr val="A4A3A4"/>
+          </p15:clr>
+        </p15:guide>
+        <p15:guide id="3" orient="horz" pos="1094">
+          <p15:clr>
+            <a:srgbClr val="A4A3A4"/>
+          </p15:clr>
+        </p15:guide>
+        <p15:guide id="4" orient="horz" pos="2727">
+          <p15:clr>
+            <a:srgbClr val="A4A3A4"/>
+          </p15:clr>
+        </p15:guide>
+        <p15:guide id="5" orient="horz" pos="1706">
+          <p15:clr>
+            <a:srgbClr val="A4A3A4"/>
+          </p15:clr>
+        </p15:guide>
+        <p15:guide id="6" orient="horz" pos="368">
+          <p15:clr>
+            <a:srgbClr val="A4A3A4"/>
+          </p15:clr>
+        </p15:guide>
+        <p15:guide id="7" orient="horz" pos="3906">
+          <p15:clr>
+            <a:srgbClr val="A4A3A4"/>
+          </p15:clr>
+        </p15:guide>
+        <p15:guide id="8" orient="horz" pos="2908">
+          <p15:clr>
+            <a:srgbClr val="A4A3A4"/>
+          </p15:clr>
+        </p15:guide>
+        <p15:guide id="9" pos="3863">
+          <p15:clr>
+            <a:srgbClr val="A4A3A4"/>
+          </p15:clr>
+        </p15:guide>
+        <p15:guide id="10" pos="370">
+          <p15:clr>
+            <a:srgbClr val="A4A3A4"/>
+          </p15:clr>
+        </p15:guide>
+        <p15:guide id="11" pos="7310">
+          <p15:clr>
+            <a:srgbClr val="A4A3A4"/>
+          </p15:clr>
+        </p15:guide>
+      </p15:sldGuideLst>
+    </p:ext>
+  </p:extLst>
 </p:presentation>
 </file>
 
@@ -202,6 +262,7 @@
           <a:p>
             <a:fld id="{7DF86B5F-ED0D-437B-9A79-F075D74DEADF}" type="datetimeFigureOut">
               <a:rPr lang="zh-CN" altLang="en-US" smtClean="0"/>
+              <a:t>2018/11/4</a:t>
             </a:fld>
             <a:endParaRPr lang="zh-CN" altLang="en-US"/>
           </a:p>
@@ -265,42 +326,37 @@
           <a:p>
             <a:pPr lvl="0"/>
             <a:r>
-              <a:rPr lang="zh-CN" altLang="en-US" smtClean="0"/>
+              <a:rPr lang="zh-CN" altLang="en-US"/>
               <a:t>单击此处编辑母版文本样式</a:t>
             </a:r>
-            <a:endParaRPr lang="zh-CN" altLang="en-US" smtClean="0"/>
           </a:p>
           <a:p>
             <a:pPr lvl="1"/>
             <a:r>
-              <a:rPr lang="zh-CN" altLang="en-US" smtClean="0"/>
+              <a:rPr lang="zh-CN" altLang="en-US"/>
               <a:t>第二级</a:t>
             </a:r>
-            <a:endParaRPr lang="zh-CN" altLang="en-US" smtClean="0"/>
           </a:p>
           <a:p>
             <a:pPr lvl="2"/>
             <a:r>
-              <a:rPr lang="zh-CN" altLang="en-US" smtClean="0"/>
+              <a:rPr lang="zh-CN" altLang="en-US"/>
               <a:t>第三级</a:t>
             </a:r>
-            <a:endParaRPr lang="zh-CN" altLang="en-US" smtClean="0"/>
           </a:p>
           <a:p>
             <a:pPr lvl="3"/>
             <a:r>
-              <a:rPr lang="zh-CN" altLang="en-US" smtClean="0"/>
+              <a:rPr lang="zh-CN" altLang="en-US"/>
               <a:t>第四级</a:t>
             </a:r>
-            <a:endParaRPr lang="zh-CN" altLang="en-US" smtClean="0"/>
           </a:p>
           <a:p>
             <a:pPr lvl="4"/>
             <a:r>
-              <a:rPr lang="zh-CN" altLang="en-US" smtClean="0"/>
+              <a:rPr lang="zh-CN" altLang="en-US"/>
               <a:t>第五级</a:t>
             </a:r>
-            <a:endParaRPr lang="zh-CN" altLang="en-US"/>
           </a:p>
         </p:txBody>
       </p:sp>
@@ -364,6 +420,7 @@
           <a:p>
             <a:fld id="{497CA5E9-242A-4AE6-B3B0-7066F408D434}" type="slidenum">
               <a:rPr lang="zh-CN" altLang="en-US" smtClean="0"/>
+              <a:t>‹#›</a:t>
             </a:fld>
             <a:endParaRPr lang="zh-CN" altLang="en-US"/>
           </a:p>
@@ -467,6 +524,268 @@
 </p:notesMaster>
 </file>
 
+<file path=ppt/notesSlides/notesSlide1.xml><?xml version="1.0" encoding="utf-8"?>
+<p:notes xmlns:a="http://schemas.openxmlformats.org/drawingml/2006/main" xmlns:r="http://schemas.openxmlformats.org/officeDocument/2006/relationships" xmlns:p="http://schemas.openxmlformats.org/presentationml/2006/main">
+  <p:cSld>
+    <p:spTree>
+      <p:nvGrpSpPr>
+        <p:cNvPr id="1" name=""/>
+        <p:cNvGrpSpPr/>
+        <p:nvPr/>
+      </p:nvGrpSpPr>
+      <p:grpSpPr>
+        <a:xfrm>
+          <a:off x="0" y="0"/>
+          <a:ext cx="0" cy="0"/>
+          <a:chOff x="0" y="0"/>
+          <a:chExt cx="0" cy="0"/>
+        </a:xfrm>
+      </p:grpSpPr>
+      <p:sp>
+        <p:nvSpPr>
+          <p:cNvPr id="2" name="幻灯片图像占位符 1"/>
+          <p:cNvSpPr>
+            <a:spLocks noGrp="1" noRot="1" noChangeAspect="1"/>
+          </p:cNvSpPr>
+          <p:nvPr>
+            <p:ph type="sldImg"/>
+          </p:nvPr>
+        </p:nvSpPr>
+        <p:spPr/>
+      </p:sp>
+      <p:sp>
+        <p:nvSpPr>
+          <p:cNvPr id="3" name="备注占位符 2"/>
+          <p:cNvSpPr>
+            <a:spLocks noGrp="1"/>
+          </p:cNvSpPr>
+          <p:nvPr>
+            <p:ph type="body" idx="1"/>
+          </p:nvPr>
+        </p:nvSpPr>
+        <p:spPr/>
+        <p:txBody>
+          <a:bodyPr/>
+          <a:lstStyle/>
+          <a:p>
+            <a:pPr marL="0" marR="0" lvl="0" indent="0" algn="l" defTabSz="914400" rtl="0" eaLnBrk="1" fontAlgn="auto" latinLnBrk="0" hangingPunct="1">
+              <a:lnSpc>
+                <a:spcPct val="100000"/>
+              </a:lnSpc>
+              <a:spcBef>
+                <a:spcPts val="0"/>
+              </a:spcBef>
+              <a:spcAft>
+                <a:spcPts val="0"/>
+              </a:spcAft>
+              <a:buClrTx/>
+              <a:buSzTx/>
+              <a:buFontTx/>
+              <a:buNone/>
+              <a:tabLst/>
+              <a:defRPr/>
+            </a:pPr>
+            <a:r>
+              <a:rPr lang="en-US" altLang="zh-CN" dirty="0"/>
+              <a:t>1.</a:t>
+            </a:r>
+            <a:r>
+              <a:rPr lang="zh-CN" altLang="en-US" dirty="0"/>
+              <a:t>实物模型可以展示用户可用的功能选项，用户界面的外观和感觉（颜色，布局，图形，控件）还有导航结构，但在有些时候，用户可能只看到一条消息，或者发现一些控件没有任何功能。</a:t>
+            </a:r>
+            <a:endParaRPr lang="en-US" altLang="zh-CN" dirty="0"/>
+          </a:p>
+          <a:p>
+            <a:r>
+              <a:rPr lang="en-US" altLang="zh-CN" dirty="0"/>
+              <a:t>2.</a:t>
+            </a:r>
+            <a:r>
+              <a:rPr lang="zh-CN" altLang="en-US" dirty="0"/>
+              <a:t>概念证明原型的运作方式与真是系统相似，因为它触及系统实现的所有层次，不能确定预期架构方法是否合理可行时，或者想优化算法时，评估预期数据库的模式时，确认云解决方案的稳健性或是测试时间需求时，可以创建概念证明原型</a:t>
+            </a:r>
+            <a:endParaRPr lang="en-US" altLang="zh-CN" dirty="0"/>
+          </a:p>
+          <a:p>
+            <a:r>
+              <a:rPr lang="en-US" altLang="zh-CN" dirty="0"/>
+              <a:t>3.</a:t>
+            </a:r>
+            <a:r>
+              <a:rPr lang="zh-CN" altLang="en-US" dirty="0"/>
+              <a:t>抛弃型原型：开发人员在创建可抛弃原型时，会忽略成品软件的构建技术，相比健壮性，可靠性，性能以及长期可维护性，可抛弃型原型更注重快速实现及快速修改。因此千万不可以将可抛弃原型中的低质量代码移植到产品系统中。千万不要把可抛弃原型搞得过于详细复杂。</a:t>
+            </a:r>
+            <a:endParaRPr lang="en-US" altLang="zh-CN" dirty="0"/>
+          </a:p>
+          <a:p>
+            <a:endParaRPr lang="en-US" altLang="zh-CN" dirty="0"/>
+          </a:p>
+          <a:p>
+            <a:r>
+              <a:rPr lang="en-US" altLang="zh-CN" dirty="0"/>
+              <a:t>4.</a:t>
+            </a:r>
+            <a:r>
+              <a:rPr lang="zh-CN" altLang="en-US" dirty="0"/>
+              <a:t>演化型模型一开始就要考虑到健壮性，写产品级质量的代码。这也使得模拟相同的系统功能时，创建演化模型比创建抛弃型原型花费更长时间。开发人员必须重视软件架构和稳健的设计原则。整个产品由一系列对原型进行周期性演化累计而获得的，这样的原型能够快速将可用的功能交付给用户。</a:t>
+            </a:r>
+            <a:endParaRPr lang="en-US" altLang="zh-CN" dirty="0"/>
+          </a:p>
+          <a:p>
+            <a:endParaRPr lang="en-US" altLang="zh-CN" dirty="0"/>
+          </a:p>
+          <a:p>
+            <a:endParaRPr lang="zh-CN" altLang="en-US" dirty="0"/>
+          </a:p>
+        </p:txBody>
+      </p:sp>
+      <p:sp>
+        <p:nvSpPr>
+          <p:cNvPr id="4" name="灯片编号占位符 3"/>
+          <p:cNvSpPr>
+            <a:spLocks noGrp="1"/>
+          </p:cNvSpPr>
+          <p:nvPr>
+            <p:ph type="sldNum" sz="quarter" idx="5"/>
+          </p:nvPr>
+        </p:nvSpPr>
+        <p:spPr/>
+        <p:txBody>
+          <a:bodyPr/>
+          <a:lstStyle/>
+          <a:p>
+            <a:fld id="{497CA5E9-242A-4AE6-B3B0-7066F408D434}" type="slidenum">
+              <a:rPr lang="zh-CN" altLang="en-US" smtClean="0"/>
+              <a:t>4</a:t>
+            </a:fld>
+            <a:endParaRPr lang="zh-CN" altLang="en-US"/>
+          </a:p>
+        </p:txBody>
+      </p:sp>
+    </p:spTree>
+    <p:extLst>
+      <p:ext uri="{BB962C8B-B14F-4D97-AF65-F5344CB8AC3E}">
+        <p14:creationId xmlns:p14="http://schemas.microsoft.com/office/powerpoint/2010/main" val="3822080236"/>
+      </p:ext>
+    </p:extLst>
+  </p:cSld>
+  <p:clrMapOvr>
+    <a:masterClrMapping/>
+  </p:clrMapOvr>
+</p:notes>
+</file>
+
+<file path=ppt/notesSlides/notesSlide2.xml><?xml version="1.0" encoding="utf-8"?>
+<p:notes xmlns:a="http://schemas.openxmlformats.org/drawingml/2006/main" xmlns:r="http://schemas.openxmlformats.org/officeDocument/2006/relationships" xmlns:p="http://schemas.openxmlformats.org/presentationml/2006/main">
+  <p:cSld>
+    <p:spTree>
+      <p:nvGrpSpPr>
+        <p:cNvPr id="1" name=""/>
+        <p:cNvGrpSpPr/>
+        <p:nvPr/>
+      </p:nvGrpSpPr>
+      <p:grpSpPr>
+        <a:xfrm>
+          <a:off x="0" y="0"/>
+          <a:ext cx="0" cy="0"/>
+          <a:chOff x="0" y="0"/>
+          <a:chExt cx="0" cy="0"/>
+        </a:xfrm>
+      </p:grpSpPr>
+      <p:sp>
+        <p:nvSpPr>
+          <p:cNvPr id="2" name="幻灯片图像占位符 1"/>
+          <p:cNvSpPr>
+            <a:spLocks noGrp="1" noRot="1" noChangeAspect="1"/>
+          </p:cNvSpPr>
+          <p:nvPr>
+            <p:ph type="sldImg"/>
+          </p:nvPr>
+        </p:nvSpPr>
+        <p:spPr/>
+      </p:sp>
+      <p:sp>
+        <p:nvSpPr>
+          <p:cNvPr id="3" name="备注占位符 2"/>
+          <p:cNvSpPr>
+            <a:spLocks noGrp="1"/>
+          </p:cNvSpPr>
+          <p:nvPr>
+            <p:ph type="body" idx="1"/>
+          </p:nvPr>
+        </p:nvSpPr>
+        <p:spPr/>
+        <p:txBody>
+          <a:bodyPr/>
+          <a:lstStyle/>
+          <a:p>
+            <a:pPr marL="0" marR="0" lvl="0" indent="0" algn="l" defTabSz="914400" rtl="0" eaLnBrk="1" fontAlgn="auto" latinLnBrk="0" hangingPunct="1">
+              <a:lnSpc>
+                <a:spcPct val="100000"/>
+              </a:lnSpc>
+              <a:spcBef>
+                <a:spcPts val="0"/>
+              </a:spcBef>
+              <a:spcAft>
+                <a:spcPts val="0"/>
+              </a:spcAft>
+              <a:buClrTx/>
+              <a:buSzTx/>
+              <a:buFontTx/>
+              <a:buNone/>
+              <a:tabLst/>
+              <a:defRPr/>
+            </a:pPr>
+            <a:r>
+              <a:rPr lang="en-US" altLang="zh-CN" dirty="0"/>
+              <a:t>1..</a:t>
+            </a:r>
+            <a:r>
+              <a:rPr lang="zh-CN" altLang="en-US" dirty="0"/>
+              <a:t>纸上原型设计的工具简单，可以快速迭代</a:t>
+            </a:r>
+          </a:p>
+          <a:p>
+            <a:endParaRPr lang="zh-CN" altLang="en-US" dirty="0"/>
+          </a:p>
+        </p:txBody>
+      </p:sp>
+      <p:sp>
+        <p:nvSpPr>
+          <p:cNvPr id="4" name="灯片编号占位符 3"/>
+          <p:cNvSpPr>
+            <a:spLocks noGrp="1"/>
+          </p:cNvSpPr>
+          <p:nvPr>
+            <p:ph type="sldNum" sz="quarter" idx="5"/>
+          </p:nvPr>
+        </p:nvSpPr>
+        <p:spPr/>
+        <p:txBody>
+          <a:bodyPr/>
+          <a:lstStyle/>
+          <a:p>
+            <a:fld id="{497CA5E9-242A-4AE6-B3B0-7066F408D434}" type="slidenum">
+              <a:rPr lang="zh-CN" altLang="en-US" smtClean="0"/>
+              <a:t>5</a:t>
+            </a:fld>
+            <a:endParaRPr lang="zh-CN" altLang="en-US"/>
+          </a:p>
+        </p:txBody>
+      </p:sp>
+    </p:spTree>
+    <p:extLst>
+      <p:ext uri="{BB962C8B-B14F-4D97-AF65-F5344CB8AC3E}">
+        <p14:creationId xmlns:p14="http://schemas.microsoft.com/office/powerpoint/2010/main" val="4167368494"/>
+      </p:ext>
+    </p:extLst>
+  </p:cSld>
+  <p:clrMapOvr>
+    <a:masterClrMapping/>
+  </p:clrMapOvr>
+</p:notes>
+</file>
+
 <file path=ppt/slideLayouts/slideLayout1.xml><?xml version="1.0" encoding="utf-8"?>
 <p:sldLayout xmlns:a="http://schemas.openxmlformats.org/drawingml/2006/main" xmlns:r="http://schemas.openxmlformats.org/officeDocument/2006/relationships" xmlns:p="http://schemas.openxmlformats.org/presentationml/2006/main" type="title" preserve="1">
   <p:cSld name="标题幻灯片">
@@ -509,10 +828,9 @@
           </a:lstStyle>
           <a:p>
             <a:r>
-              <a:rPr lang="zh-CN" altLang="en-US" smtClean="0"/>
+              <a:rPr lang="zh-CN" altLang="en-US"/>
               <a:t>单击此处编辑母版标题样式</a:t>
             </a:r>
-            <a:endParaRPr lang="zh-CN" altLang="en-US"/>
           </a:p>
         </p:txBody>
       </p:sp>
@@ -574,10 +892,9 @@
           </a:lstStyle>
           <a:p>
             <a:r>
-              <a:rPr lang="zh-CN" altLang="en-US" smtClean="0"/>
+              <a:rPr lang="zh-CN" altLang="en-US"/>
               <a:t>单击此处编辑母版副标题样式</a:t>
             </a:r>
-            <a:endParaRPr lang="zh-CN" altLang="en-US"/>
           </a:p>
         </p:txBody>
       </p:sp>
@@ -598,6 +915,7 @@
           <a:p>
             <a:fld id="{BBCE6D9E-E757-4830-9317-DBD7492A505E}" type="datetimeFigureOut">
               <a:rPr lang="zh-CN" altLang="en-US" smtClean="0"/>
+              <a:t>2018/11/4</a:t>
             </a:fld>
             <a:endParaRPr lang="zh-CN" altLang="en-US"/>
           </a:p>
@@ -639,6 +957,7 @@
           <a:p>
             <a:fld id="{FF89BF86-97AE-4B04-9B06-3C0BD16A1870}" type="slidenum">
               <a:rPr lang="zh-CN" altLang="en-US" smtClean="0"/>
+              <a:t>‹#›</a:t>
             </a:fld>
             <a:endParaRPr lang="zh-CN" altLang="en-US"/>
           </a:p>
@@ -685,10 +1004,9 @@
           <a:lstStyle/>
           <a:p>
             <a:r>
-              <a:rPr lang="zh-CN" altLang="en-US" smtClean="0"/>
+              <a:rPr lang="zh-CN" altLang="en-US"/>
               <a:t>单击此处编辑母版标题样式</a:t>
             </a:r>
-            <a:endParaRPr lang="zh-CN" altLang="en-US"/>
           </a:p>
         </p:txBody>
       </p:sp>
@@ -709,42 +1027,37 @@
           <a:p>
             <a:pPr lvl="0"/>
             <a:r>
-              <a:rPr lang="zh-CN" altLang="en-US" smtClean="0"/>
+              <a:rPr lang="zh-CN" altLang="en-US"/>
               <a:t>单击此处编辑母版文本样式</a:t>
             </a:r>
-            <a:endParaRPr lang="zh-CN" altLang="en-US" smtClean="0"/>
           </a:p>
           <a:p>
             <a:pPr lvl="1"/>
             <a:r>
-              <a:rPr lang="zh-CN" altLang="en-US" smtClean="0"/>
+              <a:rPr lang="zh-CN" altLang="en-US"/>
               <a:t>第二级</a:t>
             </a:r>
-            <a:endParaRPr lang="zh-CN" altLang="en-US" smtClean="0"/>
           </a:p>
           <a:p>
             <a:pPr lvl="2"/>
             <a:r>
-              <a:rPr lang="zh-CN" altLang="en-US" smtClean="0"/>
+              <a:rPr lang="zh-CN" altLang="en-US"/>
               <a:t>第三级</a:t>
             </a:r>
-            <a:endParaRPr lang="zh-CN" altLang="en-US" smtClean="0"/>
           </a:p>
           <a:p>
             <a:pPr lvl="3"/>
             <a:r>
-              <a:rPr lang="zh-CN" altLang="en-US" smtClean="0"/>
+              <a:rPr lang="zh-CN" altLang="en-US"/>
               <a:t>第四级</a:t>
             </a:r>
-            <a:endParaRPr lang="zh-CN" altLang="en-US" smtClean="0"/>
           </a:p>
           <a:p>
             <a:pPr lvl="4"/>
             <a:r>
-              <a:rPr lang="zh-CN" altLang="en-US" smtClean="0"/>
+              <a:rPr lang="zh-CN" altLang="en-US"/>
               <a:t>第五级</a:t>
             </a:r>
-            <a:endParaRPr lang="zh-CN" altLang="en-US"/>
           </a:p>
         </p:txBody>
       </p:sp>
@@ -765,6 +1078,7 @@
           <a:p>
             <a:fld id="{BBCE6D9E-E757-4830-9317-DBD7492A505E}" type="datetimeFigureOut">
               <a:rPr lang="zh-CN" altLang="en-US" smtClean="0"/>
+              <a:t>2018/11/4</a:t>
             </a:fld>
             <a:endParaRPr lang="zh-CN" altLang="en-US"/>
           </a:p>
@@ -806,6 +1120,7 @@
           <a:p>
             <a:fld id="{FF89BF86-97AE-4B04-9B06-3C0BD16A1870}" type="slidenum">
               <a:rPr lang="zh-CN" altLang="en-US" smtClean="0"/>
+              <a:t>‹#›</a:t>
             </a:fld>
             <a:endParaRPr lang="zh-CN" altLang="en-US"/>
           </a:p>
@@ -857,10 +1172,9 @@
           <a:lstStyle/>
           <a:p>
             <a:r>
-              <a:rPr lang="zh-CN" altLang="en-US" smtClean="0"/>
+              <a:rPr lang="zh-CN" altLang="en-US"/>
               <a:t>单击此处编辑母版标题样式</a:t>
             </a:r>
-            <a:endParaRPr lang="zh-CN" altLang="en-US"/>
           </a:p>
         </p:txBody>
       </p:sp>
@@ -886,42 +1200,37 @@
           <a:p>
             <a:pPr lvl="0"/>
             <a:r>
-              <a:rPr lang="zh-CN" altLang="en-US" smtClean="0"/>
+              <a:rPr lang="zh-CN" altLang="en-US"/>
               <a:t>单击此处编辑母版文本样式</a:t>
             </a:r>
-            <a:endParaRPr lang="zh-CN" altLang="en-US" smtClean="0"/>
           </a:p>
           <a:p>
             <a:pPr lvl="1"/>
             <a:r>
-              <a:rPr lang="zh-CN" altLang="en-US" smtClean="0"/>
+              <a:rPr lang="zh-CN" altLang="en-US"/>
               <a:t>第二级</a:t>
             </a:r>
-            <a:endParaRPr lang="zh-CN" altLang="en-US" smtClean="0"/>
           </a:p>
           <a:p>
             <a:pPr lvl="2"/>
             <a:r>
-              <a:rPr lang="zh-CN" altLang="en-US" smtClean="0"/>
+              <a:rPr lang="zh-CN" altLang="en-US"/>
               <a:t>第三级</a:t>
             </a:r>
-            <a:endParaRPr lang="zh-CN" altLang="en-US" smtClean="0"/>
           </a:p>
           <a:p>
             <a:pPr lvl="3"/>
             <a:r>
-              <a:rPr lang="zh-CN" altLang="en-US" smtClean="0"/>
+              <a:rPr lang="zh-CN" altLang="en-US"/>
               <a:t>第四级</a:t>
             </a:r>
-            <a:endParaRPr lang="zh-CN" altLang="en-US" smtClean="0"/>
           </a:p>
           <a:p>
             <a:pPr lvl="4"/>
             <a:r>
-              <a:rPr lang="zh-CN" altLang="en-US" smtClean="0"/>
+              <a:rPr lang="zh-CN" altLang="en-US"/>
               <a:t>第五级</a:t>
             </a:r>
-            <a:endParaRPr lang="zh-CN" altLang="en-US"/>
           </a:p>
         </p:txBody>
       </p:sp>
@@ -942,6 +1251,7 @@
           <a:p>
             <a:fld id="{BBCE6D9E-E757-4830-9317-DBD7492A505E}" type="datetimeFigureOut">
               <a:rPr lang="zh-CN" altLang="en-US" smtClean="0"/>
+              <a:t>2018/11/4</a:t>
             </a:fld>
             <a:endParaRPr lang="zh-CN" altLang="en-US"/>
           </a:p>
@@ -983,6 +1293,7 @@
           <a:p>
             <a:fld id="{FF89BF86-97AE-4B04-9B06-3C0BD16A1870}" type="slidenum">
               <a:rPr lang="zh-CN" altLang="en-US" smtClean="0"/>
+              <a:t>‹#›</a:t>
             </a:fld>
             <a:endParaRPr lang="zh-CN" altLang="en-US"/>
           </a:p>
@@ -1029,10 +1340,9 @@
           <a:lstStyle/>
           <a:p>
             <a:r>
-              <a:rPr lang="zh-CN" altLang="en-US" smtClean="0"/>
+              <a:rPr lang="zh-CN" altLang="en-US"/>
               <a:t>单击此处编辑母版标题样式</a:t>
             </a:r>
-            <a:endParaRPr lang="zh-CN" altLang="en-US"/>
           </a:p>
         </p:txBody>
       </p:sp>
@@ -1053,42 +1363,37 @@
           <a:p>
             <a:pPr lvl="0"/>
             <a:r>
-              <a:rPr lang="zh-CN" altLang="en-US" smtClean="0"/>
+              <a:rPr lang="zh-CN" altLang="en-US"/>
               <a:t>单击此处编辑母版文本样式</a:t>
             </a:r>
-            <a:endParaRPr lang="zh-CN" altLang="en-US" smtClean="0"/>
           </a:p>
           <a:p>
             <a:pPr lvl="1"/>
             <a:r>
-              <a:rPr lang="zh-CN" altLang="en-US" smtClean="0"/>
+              <a:rPr lang="zh-CN" altLang="en-US"/>
               <a:t>第二级</a:t>
             </a:r>
-            <a:endParaRPr lang="zh-CN" altLang="en-US" smtClean="0"/>
           </a:p>
           <a:p>
             <a:pPr lvl="2"/>
             <a:r>
-              <a:rPr lang="zh-CN" altLang="en-US" smtClean="0"/>
+              <a:rPr lang="zh-CN" altLang="en-US"/>
               <a:t>第三级</a:t>
             </a:r>
-            <a:endParaRPr lang="zh-CN" altLang="en-US" smtClean="0"/>
           </a:p>
           <a:p>
             <a:pPr lvl="3"/>
             <a:r>
-              <a:rPr lang="zh-CN" altLang="en-US" smtClean="0"/>
+              <a:rPr lang="zh-CN" altLang="en-US"/>
               <a:t>第四级</a:t>
             </a:r>
-            <a:endParaRPr lang="zh-CN" altLang="en-US" smtClean="0"/>
           </a:p>
           <a:p>
             <a:pPr lvl="4"/>
             <a:r>
-              <a:rPr lang="zh-CN" altLang="en-US" smtClean="0"/>
+              <a:rPr lang="zh-CN" altLang="en-US"/>
               <a:t>第五级</a:t>
             </a:r>
-            <a:endParaRPr lang="zh-CN" altLang="en-US"/>
           </a:p>
         </p:txBody>
       </p:sp>
@@ -1109,6 +1414,7 @@
           <a:p>
             <a:fld id="{BBCE6D9E-E757-4830-9317-DBD7492A505E}" type="datetimeFigureOut">
               <a:rPr lang="zh-CN" altLang="en-US" smtClean="0"/>
+              <a:t>2018/11/4</a:t>
             </a:fld>
             <a:endParaRPr lang="zh-CN" altLang="en-US"/>
           </a:p>
@@ -1150,6 +1456,7 @@
           <a:p>
             <a:fld id="{FF89BF86-97AE-4B04-9B06-3C0BD16A1870}" type="slidenum">
               <a:rPr lang="zh-CN" altLang="en-US" smtClean="0"/>
+              <a:t>‹#›</a:t>
             </a:fld>
             <a:endParaRPr lang="zh-CN" altLang="en-US"/>
           </a:p>
@@ -1205,10 +1512,9 @@
           </a:lstStyle>
           <a:p>
             <a:r>
-              <a:rPr lang="zh-CN" altLang="en-US" smtClean="0"/>
+              <a:rPr lang="zh-CN" altLang="en-US"/>
               <a:t>单击此处编辑母版标题样式</a:t>
             </a:r>
-            <a:endParaRPr lang="zh-CN" altLang="en-US"/>
           </a:p>
         </p:txBody>
       </p:sp>
@@ -1325,10 +1631,9 @@
           <a:p>
             <a:pPr lvl="0"/>
             <a:r>
-              <a:rPr lang="zh-CN" altLang="en-US" smtClean="0"/>
+              <a:rPr lang="zh-CN" altLang="en-US"/>
               <a:t>单击此处编辑母版文本样式</a:t>
             </a:r>
-            <a:endParaRPr lang="zh-CN" altLang="en-US" smtClean="0"/>
           </a:p>
         </p:txBody>
       </p:sp>
@@ -1349,6 +1654,7 @@
           <a:p>
             <a:fld id="{BBCE6D9E-E757-4830-9317-DBD7492A505E}" type="datetimeFigureOut">
               <a:rPr lang="zh-CN" altLang="en-US" smtClean="0"/>
+              <a:t>2018/11/4</a:t>
             </a:fld>
             <a:endParaRPr lang="zh-CN" altLang="en-US"/>
           </a:p>
@@ -1390,6 +1696,7 @@
           <a:p>
             <a:fld id="{FF89BF86-97AE-4B04-9B06-3C0BD16A1870}" type="slidenum">
               <a:rPr lang="zh-CN" altLang="en-US" smtClean="0"/>
+              <a:t>‹#›</a:t>
             </a:fld>
             <a:endParaRPr lang="zh-CN" altLang="en-US"/>
           </a:p>
@@ -1436,10 +1743,9 @@
           <a:lstStyle/>
           <a:p>
             <a:r>
-              <a:rPr lang="zh-CN" altLang="en-US" smtClean="0"/>
+              <a:rPr lang="zh-CN" altLang="en-US"/>
               <a:t>单击此处编辑母版标题样式</a:t>
             </a:r>
-            <a:endParaRPr lang="zh-CN" altLang="en-US"/>
           </a:p>
         </p:txBody>
       </p:sp>
@@ -1465,42 +1771,37 @@
           <a:p>
             <a:pPr lvl="0"/>
             <a:r>
-              <a:rPr lang="zh-CN" altLang="en-US" smtClean="0"/>
+              <a:rPr lang="zh-CN" altLang="en-US"/>
               <a:t>单击此处编辑母版文本样式</a:t>
             </a:r>
-            <a:endParaRPr lang="zh-CN" altLang="en-US" smtClean="0"/>
           </a:p>
           <a:p>
             <a:pPr lvl="1"/>
             <a:r>
-              <a:rPr lang="zh-CN" altLang="en-US" smtClean="0"/>
+              <a:rPr lang="zh-CN" altLang="en-US"/>
               <a:t>第二级</a:t>
             </a:r>
-            <a:endParaRPr lang="zh-CN" altLang="en-US" smtClean="0"/>
           </a:p>
           <a:p>
             <a:pPr lvl="2"/>
             <a:r>
-              <a:rPr lang="zh-CN" altLang="en-US" smtClean="0"/>
+              <a:rPr lang="zh-CN" altLang="en-US"/>
               <a:t>第三级</a:t>
             </a:r>
-            <a:endParaRPr lang="zh-CN" altLang="en-US" smtClean="0"/>
           </a:p>
           <a:p>
             <a:pPr lvl="3"/>
             <a:r>
-              <a:rPr lang="zh-CN" altLang="en-US" smtClean="0"/>
+              <a:rPr lang="zh-CN" altLang="en-US"/>
               <a:t>第四级</a:t>
             </a:r>
-            <a:endParaRPr lang="zh-CN" altLang="en-US" smtClean="0"/>
           </a:p>
           <a:p>
             <a:pPr lvl="4"/>
             <a:r>
-              <a:rPr lang="zh-CN" altLang="en-US" smtClean="0"/>
+              <a:rPr lang="zh-CN" altLang="en-US"/>
               <a:t>第五级</a:t>
             </a:r>
-            <a:endParaRPr lang="zh-CN" altLang="en-US"/>
           </a:p>
         </p:txBody>
       </p:sp>
@@ -1526,42 +1827,37 @@
           <a:p>
             <a:pPr lvl="0"/>
             <a:r>
-              <a:rPr lang="zh-CN" altLang="en-US" smtClean="0"/>
+              <a:rPr lang="zh-CN" altLang="en-US"/>
               <a:t>单击此处编辑母版文本样式</a:t>
             </a:r>
-            <a:endParaRPr lang="zh-CN" altLang="en-US" smtClean="0"/>
           </a:p>
           <a:p>
             <a:pPr lvl="1"/>
             <a:r>
-              <a:rPr lang="zh-CN" altLang="en-US" smtClean="0"/>
+              <a:rPr lang="zh-CN" altLang="en-US"/>
               <a:t>第二级</a:t>
             </a:r>
-            <a:endParaRPr lang="zh-CN" altLang="en-US" smtClean="0"/>
           </a:p>
           <a:p>
             <a:pPr lvl="2"/>
             <a:r>
-              <a:rPr lang="zh-CN" altLang="en-US" smtClean="0"/>
+              <a:rPr lang="zh-CN" altLang="en-US"/>
               <a:t>第三级</a:t>
             </a:r>
-            <a:endParaRPr lang="zh-CN" altLang="en-US" smtClean="0"/>
           </a:p>
           <a:p>
             <a:pPr lvl="3"/>
             <a:r>
-              <a:rPr lang="zh-CN" altLang="en-US" smtClean="0"/>
+              <a:rPr lang="zh-CN" altLang="en-US"/>
               <a:t>第四级</a:t>
             </a:r>
-            <a:endParaRPr lang="zh-CN" altLang="en-US" smtClean="0"/>
           </a:p>
           <a:p>
             <a:pPr lvl="4"/>
             <a:r>
-              <a:rPr lang="zh-CN" altLang="en-US" smtClean="0"/>
+              <a:rPr lang="zh-CN" altLang="en-US"/>
               <a:t>第五级</a:t>
             </a:r>
-            <a:endParaRPr lang="zh-CN" altLang="en-US"/>
           </a:p>
         </p:txBody>
       </p:sp>
@@ -1582,6 +1878,7 @@
           <a:p>
             <a:fld id="{BBCE6D9E-E757-4830-9317-DBD7492A505E}" type="datetimeFigureOut">
               <a:rPr lang="zh-CN" altLang="en-US" smtClean="0"/>
+              <a:t>2018/11/4</a:t>
             </a:fld>
             <a:endParaRPr lang="zh-CN" altLang="en-US"/>
           </a:p>
@@ -1623,6 +1920,7 @@
           <a:p>
             <a:fld id="{FF89BF86-97AE-4B04-9B06-3C0BD16A1870}" type="slidenum">
               <a:rPr lang="zh-CN" altLang="en-US" smtClean="0"/>
+              <a:t>‹#›</a:t>
             </a:fld>
             <a:endParaRPr lang="zh-CN" altLang="en-US"/>
           </a:p>
@@ -1674,10 +1972,9 @@
           <a:lstStyle/>
           <a:p>
             <a:r>
-              <a:rPr lang="zh-CN" altLang="en-US" smtClean="0"/>
+              <a:rPr lang="zh-CN" altLang="en-US"/>
               <a:t>单击此处编辑母版标题样式</a:t>
             </a:r>
-            <a:endParaRPr lang="zh-CN" altLang="en-US"/>
           </a:p>
         </p:txBody>
       </p:sp>
@@ -1740,10 +2037,9 @@
           <a:p>
             <a:pPr lvl="0"/>
             <a:r>
-              <a:rPr lang="zh-CN" altLang="en-US" smtClean="0"/>
+              <a:rPr lang="zh-CN" altLang="en-US"/>
               <a:t>单击此处编辑母版文本样式</a:t>
             </a:r>
-            <a:endParaRPr lang="zh-CN" altLang="en-US" smtClean="0"/>
           </a:p>
         </p:txBody>
       </p:sp>
@@ -1769,42 +2065,37 @@
           <a:p>
             <a:pPr lvl="0"/>
             <a:r>
-              <a:rPr lang="zh-CN" altLang="en-US" smtClean="0"/>
+              <a:rPr lang="zh-CN" altLang="en-US"/>
               <a:t>单击此处编辑母版文本样式</a:t>
             </a:r>
-            <a:endParaRPr lang="zh-CN" altLang="en-US" smtClean="0"/>
           </a:p>
           <a:p>
             <a:pPr lvl="1"/>
             <a:r>
-              <a:rPr lang="zh-CN" altLang="en-US" smtClean="0"/>
+              <a:rPr lang="zh-CN" altLang="en-US"/>
               <a:t>第二级</a:t>
             </a:r>
-            <a:endParaRPr lang="zh-CN" altLang="en-US" smtClean="0"/>
           </a:p>
           <a:p>
             <a:pPr lvl="2"/>
             <a:r>
-              <a:rPr lang="zh-CN" altLang="en-US" smtClean="0"/>
+              <a:rPr lang="zh-CN" altLang="en-US"/>
               <a:t>第三级</a:t>
             </a:r>
-            <a:endParaRPr lang="zh-CN" altLang="en-US" smtClean="0"/>
           </a:p>
           <a:p>
             <a:pPr lvl="3"/>
             <a:r>
-              <a:rPr lang="zh-CN" altLang="en-US" smtClean="0"/>
+              <a:rPr lang="zh-CN" altLang="en-US"/>
               <a:t>第四级</a:t>
             </a:r>
-            <a:endParaRPr lang="zh-CN" altLang="en-US" smtClean="0"/>
           </a:p>
           <a:p>
             <a:pPr lvl="4"/>
             <a:r>
-              <a:rPr lang="zh-CN" altLang="en-US" smtClean="0"/>
+              <a:rPr lang="zh-CN" altLang="en-US"/>
               <a:t>第五级</a:t>
             </a:r>
-            <a:endParaRPr lang="zh-CN" altLang="en-US"/>
           </a:p>
         </p:txBody>
       </p:sp>
@@ -1867,10 +2158,9 @@
           <a:p>
             <a:pPr lvl="0"/>
             <a:r>
-              <a:rPr lang="zh-CN" altLang="en-US" smtClean="0"/>
+              <a:rPr lang="zh-CN" altLang="en-US"/>
               <a:t>单击此处编辑母版文本样式</a:t>
             </a:r>
-            <a:endParaRPr lang="zh-CN" altLang="en-US" smtClean="0"/>
           </a:p>
         </p:txBody>
       </p:sp>
@@ -1896,42 +2186,37 @@
           <a:p>
             <a:pPr lvl="0"/>
             <a:r>
-              <a:rPr lang="zh-CN" altLang="en-US" smtClean="0"/>
+              <a:rPr lang="zh-CN" altLang="en-US"/>
               <a:t>单击此处编辑母版文本样式</a:t>
             </a:r>
-            <a:endParaRPr lang="zh-CN" altLang="en-US" smtClean="0"/>
           </a:p>
           <a:p>
             <a:pPr lvl="1"/>
             <a:r>
-              <a:rPr lang="zh-CN" altLang="en-US" smtClean="0"/>
+              <a:rPr lang="zh-CN" altLang="en-US"/>
               <a:t>第二级</a:t>
             </a:r>
-            <a:endParaRPr lang="zh-CN" altLang="en-US" smtClean="0"/>
           </a:p>
           <a:p>
             <a:pPr lvl="2"/>
             <a:r>
-              <a:rPr lang="zh-CN" altLang="en-US" smtClean="0"/>
+              <a:rPr lang="zh-CN" altLang="en-US"/>
               <a:t>第三级</a:t>
             </a:r>
-            <a:endParaRPr lang="zh-CN" altLang="en-US" smtClean="0"/>
           </a:p>
           <a:p>
             <a:pPr lvl="3"/>
             <a:r>
-              <a:rPr lang="zh-CN" altLang="en-US" smtClean="0"/>
+              <a:rPr lang="zh-CN" altLang="en-US"/>
               <a:t>第四级</a:t>
             </a:r>
-            <a:endParaRPr lang="zh-CN" altLang="en-US" smtClean="0"/>
           </a:p>
           <a:p>
             <a:pPr lvl="4"/>
             <a:r>
-              <a:rPr lang="zh-CN" altLang="en-US" smtClean="0"/>
+              <a:rPr lang="zh-CN" altLang="en-US"/>
               <a:t>第五级</a:t>
             </a:r>
-            <a:endParaRPr lang="zh-CN" altLang="en-US"/>
           </a:p>
         </p:txBody>
       </p:sp>
@@ -1952,6 +2237,7 @@
           <a:p>
             <a:fld id="{BBCE6D9E-E757-4830-9317-DBD7492A505E}" type="datetimeFigureOut">
               <a:rPr lang="zh-CN" altLang="en-US" smtClean="0"/>
+              <a:t>2018/11/4</a:t>
             </a:fld>
             <a:endParaRPr lang="zh-CN" altLang="en-US"/>
           </a:p>
@@ -1993,6 +2279,7 @@
           <a:p>
             <a:fld id="{FF89BF86-97AE-4B04-9B06-3C0BD16A1870}" type="slidenum">
               <a:rPr lang="zh-CN" altLang="en-US" smtClean="0"/>
+              <a:t>‹#›</a:t>
             </a:fld>
             <a:endParaRPr lang="zh-CN" altLang="en-US"/>
           </a:p>
@@ -2039,10 +2326,9 @@
           <a:lstStyle/>
           <a:p>
             <a:r>
-              <a:rPr lang="zh-CN" altLang="en-US" smtClean="0"/>
+              <a:rPr lang="zh-CN" altLang="en-US"/>
               <a:t>单击此处编辑母版标题样式</a:t>
             </a:r>
-            <a:endParaRPr lang="zh-CN" altLang="en-US"/>
           </a:p>
         </p:txBody>
       </p:sp>
@@ -2063,6 +2349,7 @@
           <a:p>
             <a:fld id="{BBCE6D9E-E757-4830-9317-DBD7492A505E}" type="datetimeFigureOut">
               <a:rPr lang="zh-CN" altLang="en-US" smtClean="0"/>
+              <a:t>2018/11/4</a:t>
             </a:fld>
             <a:endParaRPr lang="zh-CN" altLang="en-US"/>
           </a:p>
@@ -2104,6 +2391,7 @@
           <a:p>
             <a:fld id="{FF89BF86-97AE-4B04-9B06-3C0BD16A1870}" type="slidenum">
               <a:rPr lang="zh-CN" altLang="en-US" smtClean="0"/>
+              <a:t>‹#›</a:t>
             </a:fld>
             <a:endParaRPr lang="zh-CN" altLang="en-US"/>
           </a:p>
@@ -2151,6 +2439,7 @@
           <a:p>
             <a:fld id="{BBCE6D9E-E757-4830-9317-DBD7492A505E}" type="datetimeFigureOut">
               <a:rPr lang="zh-CN" altLang="en-US" smtClean="0"/>
+              <a:t>2018/11/4</a:t>
             </a:fld>
             <a:endParaRPr lang="zh-CN" altLang="en-US"/>
           </a:p>
@@ -2192,6 +2481,7 @@
           <a:p>
             <a:fld id="{FF89BF86-97AE-4B04-9B06-3C0BD16A1870}" type="slidenum">
               <a:rPr lang="zh-CN" altLang="en-US" smtClean="0"/>
+              <a:t>‹#›</a:t>
             </a:fld>
             <a:endParaRPr lang="zh-CN" altLang="en-US"/>
           </a:p>
@@ -2247,10 +2537,9 @@
           </a:lstStyle>
           <a:p>
             <a:r>
-              <a:rPr lang="zh-CN" altLang="en-US" smtClean="0"/>
+              <a:rPr lang="zh-CN" altLang="en-US"/>
               <a:t>单击此处编辑母版标题样式</a:t>
             </a:r>
-            <a:endParaRPr lang="zh-CN" altLang="en-US"/>
           </a:p>
         </p:txBody>
       </p:sp>
@@ -2304,42 +2593,37 @@
           <a:p>
             <a:pPr lvl="0"/>
             <a:r>
-              <a:rPr lang="zh-CN" altLang="en-US" smtClean="0"/>
+              <a:rPr lang="zh-CN" altLang="en-US"/>
               <a:t>单击此处编辑母版文本样式</a:t>
             </a:r>
-            <a:endParaRPr lang="zh-CN" altLang="en-US" smtClean="0"/>
           </a:p>
           <a:p>
             <a:pPr lvl="1"/>
             <a:r>
-              <a:rPr lang="zh-CN" altLang="en-US" smtClean="0"/>
+              <a:rPr lang="zh-CN" altLang="en-US"/>
               <a:t>第二级</a:t>
             </a:r>
-            <a:endParaRPr lang="zh-CN" altLang="en-US" smtClean="0"/>
           </a:p>
           <a:p>
             <a:pPr lvl="2"/>
             <a:r>
-              <a:rPr lang="zh-CN" altLang="en-US" smtClean="0"/>
+              <a:rPr lang="zh-CN" altLang="en-US"/>
               <a:t>第三级</a:t>
             </a:r>
-            <a:endParaRPr lang="zh-CN" altLang="en-US" smtClean="0"/>
           </a:p>
           <a:p>
             <a:pPr lvl="3"/>
             <a:r>
-              <a:rPr lang="zh-CN" altLang="en-US" smtClean="0"/>
+              <a:rPr lang="zh-CN" altLang="en-US"/>
               <a:t>第四级</a:t>
             </a:r>
-            <a:endParaRPr lang="zh-CN" altLang="en-US" smtClean="0"/>
           </a:p>
           <a:p>
             <a:pPr lvl="4"/>
             <a:r>
-              <a:rPr lang="zh-CN" altLang="en-US" smtClean="0"/>
+              <a:rPr lang="zh-CN" altLang="en-US"/>
               <a:t>第五级</a:t>
             </a:r>
-            <a:endParaRPr lang="zh-CN" altLang="en-US"/>
           </a:p>
         </p:txBody>
       </p:sp>
@@ -2402,10 +2686,9 @@
           <a:p>
             <a:pPr lvl="0"/>
             <a:r>
-              <a:rPr lang="zh-CN" altLang="en-US" smtClean="0"/>
+              <a:rPr lang="zh-CN" altLang="en-US"/>
               <a:t>单击此处编辑母版文本样式</a:t>
             </a:r>
-            <a:endParaRPr lang="zh-CN" altLang="en-US" smtClean="0"/>
           </a:p>
         </p:txBody>
       </p:sp>
@@ -2426,6 +2709,7 @@
           <a:p>
             <a:fld id="{BBCE6D9E-E757-4830-9317-DBD7492A505E}" type="datetimeFigureOut">
               <a:rPr lang="zh-CN" altLang="en-US" smtClean="0"/>
+              <a:t>2018/11/4</a:t>
             </a:fld>
             <a:endParaRPr lang="zh-CN" altLang="en-US"/>
           </a:p>
@@ -2467,6 +2751,7 @@
           <a:p>
             <a:fld id="{FF89BF86-97AE-4B04-9B06-3C0BD16A1870}" type="slidenum">
               <a:rPr lang="zh-CN" altLang="en-US" smtClean="0"/>
+              <a:t>‹#›</a:t>
             </a:fld>
             <a:endParaRPr lang="zh-CN" altLang="en-US"/>
           </a:p>
@@ -2522,10 +2807,9 @@
           </a:lstStyle>
           <a:p>
             <a:r>
-              <a:rPr lang="zh-CN" altLang="en-US" smtClean="0"/>
+              <a:rPr lang="zh-CN" altLang="en-US"/>
               <a:t>单击此处编辑母版标题样式</a:t>
             </a:r>
-            <a:endParaRPr lang="zh-CN" altLang="en-US"/>
           </a:p>
         </p:txBody>
       </p:sp>
@@ -2649,10 +2933,9 @@
           <a:p>
             <a:pPr lvl="0"/>
             <a:r>
-              <a:rPr lang="zh-CN" altLang="en-US" smtClean="0"/>
+              <a:rPr lang="zh-CN" altLang="en-US"/>
               <a:t>单击此处编辑母版文本样式</a:t>
             </a:r>
-            <a:endParaRPr lang="zh-CN" altLang="en-US" smtClean="0"/>
           </a:p>
         </p:txBody>
       </p:sp>
@@ -2673,6 +2956,7 @@
           <a:p>
             <a:fld id="{BBCE6D9E-E757-4830-9317-DBD7492A505E}" type="datetimeFigureOut">
               <a:rPr lang="zh-CN" altLang="en-US" smtClean="0"/>
+              <a:t>2018/11/4</a:t>
             </a:fld>
             <a:endParaRPr lang="zh-CN" altLang="en-US"/>
           </a:p>
@@ -2714,6 +2998,7 @@
           <a:p>
             <a:fld id="{FF89BF86-97AE-4B04-9B06-3C0BD16A1870}" type="slidenum">
               <a:rPr lang="zh-CN" altLang="en-US" smtClean="0"/>
+              <a:t>‹#›</a:t>
             </a:fld>
             <a:endParaRPr lang="zh-CN" altLang="en-US"/>
           </a:p>
@@ -2775,10 +3060,9 @@
           <a:lstStyle/>
           <a:p>
             <a:r>
-              <a:rPr lang="zh-CN" altLang="en-US" smtClean="0"/>
+              <a:rPr lang="zh-CN" altLang="en-US"/>
               <a:t>单击此处编辑母版标题样式</a:t>
             </a:r>
-            <a:endParaRPr lang="zh-CN" altLang="en-US"/>
           </a:p>
         </p:txBody>
       </p:sp>
@@ -2809,42 +3093,37 @@
           <a:p>
             <a:pPr lvl="0"/>
             <a:r>
-              <a:rPr lang="zh-CN" altLang="en-US" smtClean="0"/>
+              <a:rPr lang="zh-CN" altLang="en-US"/>
               <a:t>单击此处编辑母版文本样式</a:t>
             </a:r>
-            <a:endParaRPr lang="zh-CN" altLang="en-US" smtClean="0"/>
           </a:p>
           <a:p>
             <a:pPr lvl="1"/>
             <a:r>
-              <a:rPr lang="zh-CN" altLang="en-US" smtClean="0"/>
+              <a:rPr lang="zh-CN" altLang="en-US"/>
               <a:t>第二级</a:t>
             </a:r>
-            <a:endParaRPr lang="zh-CN" altLang="en-US" smtClean="0"/>
           </a:p>
           <a:p>
             <a:pPr lvl="2"/>
             <a:r>
-              <a:rPr lang="zh-CN" altLang="en-US" smtClean="0"/>
+              <a:rPr lang="zh-CN" altLang="en-US"/>
               <a:t>第三级</a:t>
             </a:r>
-            <a:endParaRPr lang="zh-CN" altLang="en-US" smtClean="0"/>
           </a:p>
           <a:p>
             <a:pPr lvl="3"/>
             <a:r>
-              <a:rPr lang="zh-CN" altLang="en-US" smtClean="0"/>
+              <a:rPr lang="zh-CN" altLang="en-US"/>
               <a:t>第四级</a:t>
             </a:r>
-            <a:endParaRPr lang="zh-CN" altLang="en-US" smtClean="0"/>
           </a:p>
           <a:p>
             <a:pPr lvl="4"/>
             <a:r>
-              <a:rPr lang="zh-CN" altLang="en-US" smtClean="0"/>
+              <a:rPr lang="zh-CN" altLang="en-US"/>
               <a:t>第五级</a:t>
             </a:r>
-            <a:endParaRPr lang="zh-CN" altLang="en-US"/>
           </a:p>
         </p:txBody>
       </p:sp>
@@ -2883,6 +3162,7 @@
           <a:p>
             <a:fld id="{BBCE6D9E-E757-4830-9317-DBD7492A505E}" type="datetimeFigureOut">
               <a:rPr lang="zh-CN" altLang="en-US" smtClean="0"/>
+              <a:t>2018/11/4</a:t>
             </a:fld>
             <a:endParaRPr lang="zh-CN" altLang="en-US"/>
           </a:p>
@@ -2960,6 +3240,7 @@
           <a:p>
             <a:fld id="{FF89BF86-97AE-4B04-9B06-3C0BD16A1870}" type="slidenum">
               <a:rPr lang="zh-CN" altLang="en-US" smtClean="0"/>
+              <a:t>‹#›</a:t>
             </a:fld>
             <a:endParaRPr lang="zh-CN" altLang="en-US"/>
           </a:p>
@@ -3399,7 +3680,7 @@
           <a:lstStyle/>
           <a:p>
             <a:r>
-              <a:rPr lang="en-US" altLang="zh-CN" sz="3200" dirty="0" smtClean="0">
+              <a:rPr lang="en-US" altLang="zh-CN" sz="3200" dirty="0">
                 <a:solidFill>
                   <a:srgbClr val="595959"/>
                 </a:solidFill>
@@ -3446,13 +3727,6 @@
               </a:rPr>
               <a:t>请在此处</a:t>
             </a:r>
-            <a:endParaRPr lang="zh-CN" altLang="en-US" sz="2800" b="1" dirty="0">
-              <a:solidFill>
-                <a:schemeClr val="bg1"/>
-              </a:solidFill>
-              <a:latin typeface="幼圆" panose="02010509060101010101" pitchFamily="49" charset="-122"/>
-              <a:ea typeface="幼圆" panose="02010509060101010101" pitchFamily="49" charset="-122"/>
-            </a:endParaRPr>
           </a:p>
         </p:txBody>
       </p:sp>
@@ -3479,7 +3753,7 @@
           <a:lstStyle/>
           <a:p>
             <a:r>
-              <a:rPr lang="zh-CN" altLang="en-US" sz="4400" b="1" dirty="0" smtClean="0">
+              <a:rPr lang="zh-CN" altLang="en-US" sz="4400" b="1" dirty="0">
                 <a:solidFill>
                   <a:schemeClr val="bg1"/>
                 </a:solidFill>
@@ -3488,13 +3762,6 @@
               </a:rPr>
               <a:t>添加幻灯片标题</a:t>
             </a:r>
-            <a:endParaRPr lang="zh-CN" altLang="en-US" sz="4400" b="1" dirty="0">
-              <a:solidFill>
-                <a:schemeClr val="bg1"/>
-              </a:solidFill>
-              <a:latin typeface="幼圆" panose="02010509060101010101" pitchFamily="49" charset="-122"/>
-              <a:ea typeface="幼圆" panose="02010509060101010101" pitchFamily="49" charset="-122"/>
-            </a:endParaRPr>
           </a:p>
         </p:txBody>
       </p:sp>
@@ -3521,7 +3788,7 @@
           <a:lstStyle/>
           <a:p>
             <a:r>
-              <a:rPr lang="en-US" altLang="zh-CN" sz="2400" dirty="0" smtClean="0">
+              <a:rPr lang="en-US" altLang="zh-CN" sz="2400" dirty="0">
                 <a:solidFill>
                   <a:schemeClr val="bg1"/>
                 </a:solidFill>
@@ -3566,25 +3833,8 @@
                 <a:latin typeface="幼圆" panose="02010509060101010101" pitchFamily="49" charset="-122"/>
                 <a:ea typeface="幼圆" panose="02010509060101010101" pitchFamily="49" charset="-122"/>
               </a:rPr>
-              <a:t>请在此处</a:t>
-            </a:r>
-            <a:r>
-              <a:rPr lang="zh-CN" altLang="en-US" sz="2400" b="1" dirty="0" smtClean="0">
-                <a:solidFill>
-                  <a:srgbClr val="595959"/>
-                </a:solidFill>
-                <a:latin typeface="幼圆" panose="02010509060101010101" pitchFamily="49" charset="-122"/>
-                <a:ea typeface="幼圆" panose="02010509060101010101" pitchFamily="49" charset="-122"/>
-              </a:rPr>
-              <a:t>添加您的公司名称</a:t>
-            </a:r>
-            <a:endParaRPr lang="zh-CN" altLang="en-US" sz="2400" b="1" dirty="0">
-              <a:solidFill>
-                <a:srgbClr val="595959"/>
-              </a:solidFill>
-              <a:latin typeface="幼圆" panose="02010509060101010101" pitchFamily="49" charset="-122"/>
-              <a:ea typeface="幼圆" panose="02010509060101010101" pitchFamily="49" charset="-122"/>
-            </a:endParaRPr>
+              <a:t>请在此处添加您的公司名称</a:t>
+            </a:r>
           </a:p>
         </p:txBody>
       </p:sp>
@@ -3687,13 +3937,6 @@
   <p:clrMapOvr>
     <a:masterClrMapping/>
   </p:clrMapOvr>
-  <p:timing>
-    <p:tnLst>
-      <p:par>
-        <p:cTn id="1" dur="indefinite" restart="never" nodeType="tmRoot"/>
-      </p:par>
-    </p:tnLst>
-  </p:timing>
 </p:sld>
 </file>
 
@@ -3716,14 +3959,14 @@
       </p:grpSpPr>
       <p:sp>
         <p:nvSpPr>
-          <p:cNvPr id="6" name="矩形 5"/>
+          <p:cNvPr id="2" name="矩形 1"/>
           <p:cNvSpPr/>
           <p:nvPr/>
         </p:nvSpPr>
         <p:spPr>
           <a:xfrm>
             <a:off x="0" y="0"/>
-            <a:ext cx="609600" cy="620713"/>
+            <a:ext cx="6096000" cy="6858000"/>
           </a:xfrm>
           <a:prstGeom prst="rect">
             <a:avLst/>
@@ -3762,14 +4005,14 @@
       </p:sp>
       <p:sp>
         <p:nvSpPr>
-          <p:cNvPr id="7" name="文本框 6"/>
+          <p:cNvPr id="3" name="文本框 2"/>
           <p:cNvSpPr txBox="1"/>
           <p:nvPr/>
         </p:nvSpPr>
         <p:spPr>
           <a:xfrm>
-            <a:off x="651786" y="30480"/>
-            <a:ext cx="4484094" cy="523220"/>
+            <a:off x="4148667" y="2728153"/>
+            <a:ext cx="2112985" cy="1200329"/>
           </a:xfrm>
           <a:prstGeom prst="rect">
             <a:avLst/>
@@ -3783,1049 +4026,7 @@
           <a:lstStyle/>
           <a:p>
             <a:r>
-              <a:rPr lang="zh-CN" altLang="en-US" sz="2800" b="1" dirty="0">
-                <a:solidFill>
-                  <a:srgbClr val="595959"/>
-                </a:solidFill>
-                <a:latin typeface="幼圆" panose="02010509060101010101" pitchFamily="49" charset="-122"/>
-                <a:ea typeface="幼圆" panose="02010509060101010101" pitchFamily="49" charset="-122"/>
-              </a:rPr>
-              <a:t>请在</a:t>
-            </a:r>
-            <a:r>
-              <a:rPr lang="zh-CN" altLang="en-US" sz="2800" b="1" dirty="0" smtClean="0">
-                <a:solidFill>
-                  <a:srgbClr val="595959"/>
-                </a:solidFill>
-                <a:latin typeface="幼圆" panose="02010509060101010101" pitchFamily="49" charset="-122"/>
-                <a:ea typeface="幼圆" panose="02010509060101010101" pitchFamily="49" charset="-122"/>
-              </a:rPr>
-              <a:t>此处添加幻灯片标题</a:t>
-            </a:r>
-            <a:endParaRPr lang="zh-CN" altLang="en-US" sz="2800" b="1" dirty="0">
-              <a:solidFill>
-                <a:srgbClr val="595959"/>
-              </a:solidFill>
-              <a:latin typeface="幼圆" panose="02010509060101010101" pitchFamily="49" charset="-122"/>
-              <a:ea typeface="幼圆" panose="02010509060101010101" pitchFamily="49" charset="-122"/>
-            </a:endParaRPr>
-          </a:p>
-        </p:txBody>
-      </p:sp>
-      <p:grpSp>
-        <p:nvGrpSpPr>
-          <p:cNvPr id="3" name="组合 2"/>
-          <p:cNvGrpSpPr/>
-          <p:nvPr/>
-        </p:nvGrpSpPr>
-        <p:grpSpPr>
-          <a:xfrm>
-            <a:off x="587375" y="1437958"/>
-            <a:ext cx="2430780" cy="4428331"/>
-            <a:chOff x="587375" y="1773238"/>
-            <a:chExt cx="2430780" cy="4428331"/>
-          </a:xfrm>
-        </p:grpSpPr>
-        <p:sp>
-          <p:nvSpPr>
-            <p:cNvPr id="5" name="文本框 4"/>
-            <p:cNvSpPr txBox="1"/>
-            <p:nvPr/>
-          </p:nvSpPr>
-          <p:spPr>
-            <a:xfrm>
-              <a:off x="1181804" y="1773238"/>
-              <a:ext cx="1241922" cy="1107996"/>
-            </a:xfrm>
-            <a:prstGeom prst="rect">
-              <a:avLst/>
-            </a:prstGeom>
-            <a:noFill/>
-          </p:spPr>
-          <p:txBody>
-            <a:bodyPr wrap="square" rtlCol="0">
-              <a:spAutoFit/>
-            </a:bodyPr>
-            <a:lstStyle/>
-            <a:p>
-              <a:r>
-                <a:rPr lang="en-US" altLang="zh-CN" sz="6600" dirty="0" smtClean="0">
-                  <a:solidFill>
-                    <a:srgbClr val="DB5355"/>
-                  </a:solidFill>
-                  <a:latin typeface="Broadway" panose="04040905080B02020502" pitchFamily="82" charset="0"/>
-                </a:rPr>
-                <a:t>01</a:t>
-              </a:r>
-              <a:endParaRPr lang="zh-CN" altLang="en-US" sz="6600" dirty="0">
-                <a:solidFill>
-                  <a:srgbClr val="DB5355"/>
-                </a:solidFill>
-                <a:latin typeface="Broadway" panose="04040905080B02020502" pitchFamily="82" charset="0"/>
-              </a:endParaRPr>
-            </a:p>
-          </p:txBody>
-        </p:sp>
-        <p:sp>
-          <p:nvSpPr>
-            <p:cNvPr id="8" name="矩形 7"/>
-            <p:cNvSpPr/>
-            <p:nvPr/>
-          </p:nvSpPr>
-          <p:spPr>
-            <a:xfrm>
-              <a:off x="587375" y="2744789"/>
-              <a:ext cx="2430780" cy="3456780"/>
-            </a:xfrm>
-            <a:prstGeom prst="rect">
-              <a:avLst/>
-            </a:prstGeom>
-            <a:solidFill>
-              <a:srgbClr val="DB5355"/>
-            </a:solidFill>
-            <a:ln>
-              <a:noFill/>
-            </a:ln>
-          </p:spPr>
-          <p:style>
-            <a:lnRef idx="2">
-              <a:schemeClr val="accent1">
-                <a:shade val="50000"/>
-              </a:schemeClr>
-            </a:lnRef>
-            <a:fillRef idx="1">
-              <a:schemeClr val="accent1"/>
-            </a:fillRef>
-            <a:effectRef idx="0">
-              <a:schemeClr val="accent1"/>
-            </a:effectRef>
-            <a:fontRef idx="minor">
-              <a:schemeClr val="lt1"/>
-            </a:fontRef>
-          </p:style>
-          <p:txBody>
-            <a:bodyPr rtlCol="0" anchor="ctr"/>
-            <a:lstStyle/>
-            <a:p>
-              <a:pPr algn="ctr"/>
-              <a:endParaRPr lang="zh-CN" altLang="en-US"/>
-            </a:p>
-          </p:txBody>
-        </p:sp>
-        <p:sp>
-          <p:nvSpPr>
-            <p:cNvPr id="9" name="文本框 8"/>
-            <p:cNvSpPr txBox="1"/>
-            <p:nvPr/>
-          </p:nvSpPr>
-          <p:spPr>
-            <a:xfrm>
-              <a:off x="941705" y="2965331"/>
-              <a:ext cx="1722120" cy="3015697"/>
-            </a:xfrm>
-            <a:prstGeom prst="rect">
-              <a:avLst/>
-            </a:prstGeom>
-            <a:noFill/>
-          </p:spPr>
-          <p:txBody>
-            <a:bodyPr wrap="square" rtlCol="0">
-              <a:spAutoFit/>
-            </a:bodyPr>
-            <a:lstStyle/>
-            <a:p>
-              <a:pPr>
-                <a:lnSpc>
-                  <a:spcPct val="120000"/>
-                </a:lnSpc>
-              </a:pPr>
-              <a:r>
-                <a:rPr lang="zh-CN" altLang="en-US" sz="2000" dirty="0" smtClean="0">
-                  <a:solidFill>
-                    <a:schemeClr val="bg1"/>
-                  </a:solidFill>
-                  <a:latin typeface="微软雅黑" panose="020B0503020204020204" pitchFamily="34" charset="-122"/>
-                  <a:ea typeface="微软雅黑" panose="020B0503020204020204" pitchFamily="34" charset="-122"/>
-                </a:rPr>
-                <a:t>请在此处添加内容</a:t>
-              </a:r>
-              <a:r>
-                <a:rPr lang="zh-CN" altLang="en-US" sz="2000" dirty="0">
-                  <a:solidFill>
-                    <a:schemeClr val="bg1"/>
-                  </a:solidFill>
-                  <a:latin typeface="微软雅黑" panose="020B0503020204020204" pitchFamily="34" charset="-122"/>
-                  <a:ea typeface="微软雅黑" panose="020B0503020204020204" pitchFamily="34" charset="-122"/>
-                </a:rPr>
-                <a:t>请在此处添加</a:t>
-              </a:r>
-              <a:r>
-                <a:rPr lang="zh-CN" altLang="en-US" sz="2000" dirty="0" smtClean="0">
-                  <a:solidFill>
-                    <a:schemeClr val="bg1"/>
-                  </a:solidFill>
-                  <a:latin typeface="微软雅黑" panose="020B0503020204020204" pitchFamily="34" charset="-122"/>
-                  <a:ea typeface="微软雅黑" panose="020B0503020204020204" pitchFamily="34" charset="-122"/>
-                </a:rPr>
-                <a:t>内容</a:t>
-              </a:r>
-              <a:r>
-                <a:rPr lang="zh-CN" altLang="en-US" sz="2000" dirty="0">
-                  <a:solidFill>
-                    <a:schemeClr val="bg1"/>
-                  </a:solidFill>
-                  <a:latin typeface="微软雅黑" panose="020B0503020204020204" pitchFamily="34" charset="-122"/>
-                  <a:ea typeface="微软雅黑" panose="020B0503020204020204" pitchFamily="34" charset="-122"/>
-                </a:rPr>
-                <a:t>请在此处添加</a:t>
-              </a:r>
-              <a:r>
-                <a:rPr lang="zh-CN" altLang="en-US" sz="2000" dirty="0" smtClean="0">
-                  <a:solidFill>
-                    <a:schemeClr val="bg1"/>
-                  </a:solidFill>
-                  <a:latin typeface="微软雅黑" panose="020B0503020204020204" pitchFamily="34" charset="-122"/>
-                  <a:ea typeface="微软雅黑" panose="020B0503020204020204" pitchFamily="34" charset="-122"/>
-                </a:rPr>
-                <a:t>内容</a:t>
-              </a:r>
-              <a:r>
-                <a:rPr lang="zh-CN" altLang="en-US" sz="2000" dirty="0">
-                  <a:solidFill>
-                    <a:schemeClr val="bg1"/>
-                  </a:solidFill>
-                  <a:latin typeface="微软雅黑" panose="020B0503020204020204" pitchFamily="34" charset="-122"/>
-                  <a:ea typeface="微软雅黑" panose="020B0503020204020204" pitchFamily="34" charset="-122"/>
-                </a:rPr>
-                <a:t>请在此处添加</a:t>
-              </a:r>
-              <a:r>
-                <a:rPr lang="zh-CN" altLang="en-US" sz="2000" dirty="0" smtClean="0">
-                  <a:solidFill>
-                    <a:schemeClr val="bg1"/>
-                  </a:solidFill>
-                  <a:latin typeface="微软雅黑" panose="020B0503020204020204" pitchFamily="34" charset="-122"/>
-                  <a:ea typeface="微软雅黑" panose="020B0503020204020204" pitchFamily="34" charset="-122"/>
-                </a:rPr>
-                <a:t>内容</a:t>
-              </a:r>
-              <a:r>
-                <a:rPr lang="zh-CN" altLang="en-US" sz="2000" dirty="0">
-                  <a:solidFill>
-                    <a:schemeClr val="bg1"/>
-                  </a:solidFill>
-                  <a:latin typeface="微软雅黑" panose="020B0503020204020204" pitchFamily="34" charset="-122"/>
-                  <a:ea typeface="微软雅黑" panose="020B0503020204020204" pitchFamily="34" charset="-122"/>
-                </a:rPr>
-                <a:t>请在此处添加内容请在此处添加</a:t>
-              </a:r>
-              <a:r>
-                <a:rPr lang="zh-CN" altLang="en-US" sz="2000" dirty="0" smtClean="0">
-                  <a:solidFill>
-                    <a:schemeClr val="bg1"/>
-                  </a:solidFill>
-                  <a:latin typeface="微软雅黑" panose="020B0503020204020204" pitchFamily="34" charset="-122"/>
-                  <a:ea typeface="微软雅黑" panose="020B0503020204020204" pitchFamily="34" charset="-122"/>
-                </a:rPr>
-                <a:t>内容</a:t>
-              </a:r>
-              <a:endParaRPr lang="zh-CN" altLang="en-US" sz="2000" dirty="0">
-                <a:solidFill>
-                  <a:schemeClr val="bg1"/>
-                </a:solidFill>
-                <a:latin typeface="微软雅黑" panose="020B0503020204020204" pitchFamily="34" charset="-122"/>
-                <a:ea typeface="微软雅黑" panose="020B0503020204020204" pitchFamily="34" charset="-122"/>
-              </a:endParaRPr>
-            </a:p>
-          </p:txBody>
-        </p:sp>
-      </p:grpSp>
-      <p:grpSp>
-        <p:nvGrpSpPr>
-          <p:cNvPr id="10" name="组合 9"/>
-          <p:cNvGrpSpPr/>
-          <p:nvPr/>
-        </p:nvGrpSpPr>
-        <p:grpSpPr>
-          <a:xfrm>
-            <a:off x="3449532" y="1437958"/>
-            <a:ext cx="2430780" cy="4428331"/>
-            <a:chOff x="587375" y="1773238"/>
-            <a:chExt cx="2430780" cy="4428331"/>
-          </a:xfrm>
-        </p:grpSpPr>
-        <p:sp>
-          <p:nvSpPr>
-            <p:cNvPr id="11" name="文本框 10"/>
-            <p:cNvSpPr txBox="1"/>
-            <p:nvPr/>
-          </p:nvSpPr>
-          <p:spPr>
-            <a:xfrm>
-              <a:off x="1181803" y="1773238"/>
-              <a:ext cx="1411959" cy="1107996"/>
-            </a:xfrm>
-            <a:prstGeom prst="rect">
-              <a:avLst/>
-            </a:prstGeom>
-            <a:noFill/>
-          </p:spPr>
-          <p:txBody>
-            <a:bodyPr wrap="square" rtlCol="0">
-              <a:spAutoFit/>
-            </a:bodyPr>
-            <a:lstStyle/>
-            <a:p>
-              <a:r>
-                <a:rPr lang="en-US" altLang="zh-CN" sz="6600" dirty="0" smtClean="0">
-                  <a:solidFill>
-                    <a:srgbClr val="DB5355"/>
-                  </a:solidFill>
-                  <a:latin typeface="Broadway" panose="04040905080B02020502" pitchFamily="82" charset="0"/>
-                </a:rPr>
-                <a:t>02</a:t>
-              </a:r>
-              <a:endParaRPr lang="zh-CN" altLang="en-US" sz="6600" dirty="0">
-                <a:solidFill>
-                  <a:srgbClr val="DB5355"/>
-                </a:solidFill>
-                <a:latin typeface="Broadway" panose="04040905080B02020502" pitchFamily="82" charset="0"/>
-              </a:endParaRPr>
-            </a:p>
-          </p:txBody>
-        </p:sp>
-        <p:sp>
-          <p:nvSpPr>
-            <p:cNvPr id="12" name="矩形 11"/>
-            <p:cNvSpPr/>
-            <p:nvPr/>
-          </p:nvSpPr>
-          <p:spPr>
-            <a:xfrm>
-              <a:off x="587375" y="2744789"/>
-              <a:ext cx="2430780" cy="3456780"/>
-            </a:xfrm>
-            <a:prstGeom prst="rect">
-              <a:avLst/>
-            </a:prstGeom>
-            <a:solidFill>
-              <a:srgbClr val="DB5355"/>
-            </a:solidFill>
-            <a:ln>
-              <a:noFill/>
-            </a:ln>
-          </p:spPr>
-          <p:style>
-            <a:lnRef idx="2">
-              <a:schemeClr val="accent1">
-                <a:shade val="50000"/>
-              </a:schemeClr>
-            </a:lnRef>
-            <a:fillRef idx="1">
-              <a:schemeClr val="accent1"/>
-            </a:fillRef>
-            <a:effectRef idx="0">
-              <a:schemeClr val="accent1"/>
-            </a:effectRef>
-            <a:fontRef idx="minor">
-              <a:schemeClr val="lt1"/>
-            </a:fontRef>
-          </p:style>
-          <p:txBody>
-            <a:bodyPr rtlCol="0" anchor="ctr"/>
-            <a:lstStyle/>
-            <a:p>
-              <a:pPr algn="ctr"/>
-              <a:endParaRPr lang="zh-CN" altLang="en-US"/>
-            </a:p>
-          </p:txBody>
-        </p:sp>
-        <p:sp>
-          <p:nvSpPr>
-            <p:cNvPr id="13" name="文本框 12"/>
-            <p:cNvSpPr txBox="1"/>
-            <p:nvPr/>
-          </p:nvSpPr>
-          <p:spPr>
-            <a:xfrm>
-              <a:off x="941705" y="2965331"/>
-              <a:ext cx="1722120" cy="3015697"/>
-            </a:xfrm>
-            <a:prstGeom prst="rect">
-              <a:avLst/>
-            </a:prstGeom>
-            <a:noFill/>
-          </p:spPr>
-          <p:txBody>
-            <a:bodyPr wrap="square" rtlCol="0">
-              <a:spAutoFit/>
-            </a:bodyPr>
-            <a:lstStyle/>
-            <a:p>
-              <a:pPr>
-                <a:lnSpc>
-                  <a:spcPct val="120000"/>
-                </a:lnSpc>
-              </a:pPr>
-              <a:r>
-                <a:rPr lang="zh-CN" altLang="en-US" sz="2000" dirty="0" smtClean="0">
-                  <a:solidFill>
-                    <a:schemeClr val="bg1"/>
-                  </a:solidFill>
-                  <a:latin typeface="微软雅黑" panose="020B0503020204020204" pitchFamily="34" charset="-122"/>
-                  <a:ea typeface="微软雅黑" panose="020B0503020204020204" pitchFamily="34" charset="-122"/>
-                </a:rPr>
-                <a:t>请在此处添加内容</a:t>
-              </a:r>
-              <a:r>
-                <a:rPr lang="zh-CN" altLang="en-US" sz="2000" dirty="0">
-                  <a:solidFill>
-                    <a:schemeClr val="bg1"/>
-                  </a:solidFill>
-                  <a:latin typeface="微软雅黑" panose="020B0503020204020204" pitchFamily="34" charset="-122"/>
-                  <a:ea typeface="微软雅黑" panose="020B0503020204020204" pitchFamily="34" charset="-122"/>
-                </a:rPr>
-                <a:t>请在此处添加</a:t>
-              </a:r>
-              <a:r>
-                <a:rPr lang="zh-CN" altLang="en-US" sz="2000" dirty="0" smtClean="0">
-                  <a:solidFill>
-                    <a:schemeClr val="bg1"/>
-                  </a:solidFill>
-                  <a:latin typeface="微软雅黑" panose="020B0503020204020204" pitchFamily="34" charset="-122"/>
-                  <a:ea typeface="微软雅黑" panose="020B0503020204020204" pitchFamily="34" charset="-122"/>
-                </a:rPr>
-                <a:t>内容</a:t>
-              </a:r>
-              <a:r>
-                <a:rPr lang="zh-CN" altLang="en-US" sz="2000" dirty="0">
-                  <a:solidFill>
-                    <a:schemeClr val="bg1"/>
-                  </a:solidFill>
-                  <a:latin typeface="微软雅黑" panose="020B0503020204020204" pitchFamily="34" charset="-122"/>
-                  <a:ea typeface="微软雅黑" panose="020B0503020204020204" pitchFamily="34" charset="-122"/>
-                </a:rPr>
-                <a:t>请在此处添加</a:t>
-              </a:r>
-              <a:r>
-                <a:rPr lang="zh-CN" altLang="en-US" sz="2000" dirty="0" smtClean="0">
-                  <a:solidFill>
-                    <a:schemeClr val="bg1"/>
-                  </a:solidFill>
-                  <a:latin typeface="微软雅黑" panose="020B0503020204020204" pitchFamily="34" charset="-122"/>
-                  <a:ea typeface="微软雅黑" panose="020B0503020204020204" pitchFamily="34" charset="-122"/>
-                </a:rPr>
-                <a:t>内容</a:t>
-              </a:r>
-              <a:r>
-                <a:rPr lang="zh-CN" altLang="en-US" sz="2000" dirty="0">
-                  <a:solidFill>
-                    <a:schemeClr val="bg1"/>
-                  </a:solidFill>
-                  <a:latin typeface="微软雅黑" panose="020B0503020204020204" pitchFamily="34" charset="-122"/>
-                  <a:ea typeface="微软雅黑" panose="020B0503020204020204" pitchFamily="34" charset="-122"/>
-                </a:rPr>
-                <a:t>请在此处添加</a:t>
-              </a:r>
-              <a:r>
-                <a:rPr lang="zh-CN" altLang="en-US" sz="2000" dirty="0" smtClean="0">
-                  <a:solidFill>
-                    <a:schemeClr val="bg1"/>
-                  </a:solidFill>
-                  <a:latin typeface="微软雅黑" panose="020B0503020204020204" pitchFamily="34" charset="-122"/>
-                  <a:ea typeface="微软雅黑" panose="020B0503020204020204" pitchFamily="34" charset="-122"/>
-                </a:rPr>
-                <a:t>内容</a:t>
-              </a:r>
-              <a:r>
-                <a:rPr lang="zh-CN" altLang="en-US" sz="2000" dirty="0">
-                  <a:solidFill>
-                    <a:schemeClr val="bg1"/>
-                  </a:solidFill>
-                  <a:latin typeface="微软雅黑" panose="020B0503020204020204" pitchFamily="34" charset="-122"/>
-                  <a:ea typeface="微软雅黑" panose="020B0503020204020204" pitchFamily="34" charset="-122"/>
-                </a:rPr>
-                <a:t>请在此处添加内容请在此处添加</a:t>
-              </a:r>
-              <a:r>
-                <a:rPr lang="zh-CN" altLang="en-US" sz="2000" dirty="0" smtClean="0">
-                  <a:solidFill>
-                    <a:schemeClr val="bg1"/>
-                  </a:solidFill>
-                  <a:latin typeface="微软雅黑" panose="020B0503020204020204" pitchFamily="34" charset="-122"/>
-                  <a:ea typeface="微软雅黑" panose="020B0503020204020204" pitchFamily="34" charset="-122"/>
-                </a:rPr>
-                <a:t>内容</a:t>
-              </a:r>
-              <a:endParaRPr lang="zh-CN" altLang="en-US" sz="2000" dirty="0">
-                <a:solidFill>
-                  <a:schemeClr val="bg1"/>
-                </a:solidFill>
-                <a:latin typeface="微软雅黑" panose="020B0503020204020204" pitchFamily="34" charset="-122"/>
-                <a:ea typeface="微软雅黑" panose="020B0503020204020204" pitchFamily="34" charset="-122"/>
-              </a:endParaRPr>
-            </a:p>
-          </p:txBody>
-        </p:sp>
-      </p:grpSp>
-      <p:grpSp>
-        <p:nvGrpSpPr>
-          <p:cNvPr id="14" name="组合 13"/>
-          <p:cNvGrpSpPr/>
-          <p:nvPr/>
-        </p:nvGrpSpPr>
-        <p:grpSpPr>
-          <a:xfrm>
-            <a:off x="6311689" y="1437958"/>
-            <a:ext cx="2430780" cy="4428331"/>
-            <a:chOff x="587375" y="1773238"/>
-            <a:chExt cx="2430780" cy="4428331"/>
-          </a:xfrm>
-        </p:grpSpPr>
-        <p:sp>
-          <p:nvSpPr>
-            <p:cNvPr id="15" name="文本框 14"/>
-            <p:cNvSpPr txBox="1"/>
-            <p:nvPr/>
-          </p:nvSpPr>
-          <p:spPr>
-            <a:xfrm>
-              <a:off x="1181804" y="1773238"/>
-              <a:ext cx="1399682" cy="1107996"/>
-            </a:xfrm>
-            <a:prstGeom prst="rect">
-              <a:avLst/>
-            </a:prstGeom>
-            <a:noFill/>
-          </p:spPr>
-          <p:txBody>
-            <a:bodyPr wrap="square" rtlCol="0">
-              <a:spAutoFit/>
-            </a:bodyPr>
-            <a:lstStyle/>
-            <a:p>
-              <a:r>
-                <a:rPr lang="en-US" altLang="zh-CN" sz="6600" dirty="0" smtClean="0">
-                  <a:solidFill>
-                    <a:srgbClr val="DB5355"/>
-                  </a:solidFill>
-                  <a:latin typeface="Broadway" panose="04040905080B02020502" pitchFamily="82" charset="0"/>
-                </a:rPr>
-                <a:t>03</a:t>
-              </a:r>
-              <a:endParaRPr lang="zh-CN" altLang="en-US" sz="6600" dirty="0">
-                <a:solidFill>
-                  <a:srgbClr val="DB5355"/>
-                </a:solidFill>
-                <a:latin typeface="Broadway" panose="04040905080B02020502" pitchFamily="82" charset="0"/>
-              </a:endParaRPr>
-            </a:p>
-          </p:txBody>
-        </p:sp>
-        <p:sp>
-          <p:nvSpPr>
-            <p:cNvPr id="16" name="矩形 15"/>
-            <p:cNvSpPr/>
-            <p:nvPr/>
-          </p:nvSpPr>
-          <p:spPr>
-            <a:xfrm>
-              <a:off x="587375" y="2744789"/>
-              <a:ext cx="2430780" cy="3456780"/>
-            </a:xfrm>
-            <a:prstGeom prst="rect">
-              <a:avLst/>
-            </a:prstGeom>
-            <a:solidFill>
-              <a:srgbClr val="DB5355"/>
-            </a:solidFill>
-            <a:ln>
-              <a:noFill/>
-            </a:ln>
-          </p:spPr>
-          <p:style>
-            <a:lnRef idx="2">
-              <a:schemeClr val="accent1">
-                <a:shade val="50000"/>
-              </a:schemeClr>
-            </a:lnRef>
-            <a:fillRef idx="1">
-              <a:schemeClr val="accent1"/>
-            </a:fillRef>
-            <a:effectRef idx="0">
-              <a:schemeClr val="accent1"/>
-            </a:effectRef>
-            <a:fontRef idx="minor">
-              <a:schemeClr val="lt1"/>
-            </a:fontRef>
-          </p:style>
-          <p:txBody>
-            <a:bodyPr rtlCol="0" anchor="ctr"/>
-            <a:lstStyle/>
-            <a:p>
-              <a:pPr algn="ctr"/>
-              <a:endParaRPr lang="zh-CN" altLang="en-US"/>
-            </a:p>
-          </p:txBody>
-        </p:sp>
-        <p:sp>
-          <p:nvSpPr>
-            <p:cNvPr id="17" name="文本框 16"/>
-            <p:cNvSpPr txBox="1"/>
-            <p:nvPr/>
-          </p:nvSpPr>
-          <p:spPr>
-            <a:xfrm>
-              <a:off x="941705" y="2965331"/>
-              <a:ext cx="1722120" cy="3015697"/>
-            </a:xfrm>
-            <a:prstGeom prst="rect">
-              <a:avLst/>
-            </a:prstGeom>
-            <a:noFill/>
-          </p:spPr>
-          <p:txBody>
-            <a:bodyPr wrap="square" rtlCol="0">
-              <a:spAutoFit/>
-            </a:bodyPr>
-            <a:lstStyle/>
-            <a:p>
-              <a:pPr>
-                <a:lnSpc>
-                  <a:spcPct val="120000"/>
-                </a:lnSpc>
-              </a:pPr>
-              <a:r>
-                <a:rPr lang="zh-CN" altLang="en-US" sz="2000" dirty="0" smtClean="0">
-                  <a:solidFill>
-                    <a:schemeClr val="bg1"/>
-                  </a:solidFill>
-                  <a:latin typeface="微软雅黑" panose="020B0503020204020204" pitchFamily="34" charset="-122"/>
-                  <a:ea typeface="微软雅黑" panose="020B0503020204020204" pitchFamily="34" charset="-122"/>
-                </a:rPr>
-                <a:t>请在此处添加内容</a:t>
-              </a:r>
-              <a:r>
-                <a:rPr lang="zh-CN" altLang="en-US" sz="2000" dirty="0">
-                  <a:solidFill>
-                    <a:schemeClr val="bg1"/>
-                  </a:solidFill>
-                  <a:latin typeface="微软雅黑" panose="020B0503020204020204" pitchFamily="34" charset="-122"/>
-                  <a:ea typeface="微软雅黑" panose="020B0503020204020204" pitchFamily="34" charset="-122"/>
-                </a:rPr>
-                <a:t>请在此处添加</a:t>
-              </a:r>
-              <a:r>
-                <a:rPr lang="zh-CN" altLang="en-US" sz="2000" dirty="0" smtClean="0">
-                  <a:solidFill>
-                    <a:schemeClr val="bg1"/>
-                  </a:solidFill>
-                  <a:latin typeface="微软雅黑" panose="020B0503020204020204" pitchFamily="34" charset="-122"/>
-                  <a:ea typeface="微软雅黑" panose="020B0503020204020204" pitchFamily="34" charset="-122"/>
-                </a:rPr>
-                <a:t>内容</a:t>
-              </a:r>
-              <a:r>
-                <a:rPr lang="zh-CN" altLang="en-US" sz="2000" dirty="0">
-                  <a:solidFill>
-                    <a:schemeClr val="bg1"/>
-                  </a:solidFill>
-                  <a:latin typeface="微软雅黑" panose="020B0503020204020204" pitchFamily="34" charset="-122"/>
-                  <a:ea typeface="微软雅黑" panose="020B0503020204020204" pitchFamily="34" charset="-122"/>
-                </a:rPr>
-                <a:t>请在此处添加</a:t>
-              </a:r>
-              <a:r>
-                <a:rPr lang="zh-CN" altLang="en-US" sz="2000" dirty="0" smtClean="0">
-                  <a:solidFill>
-                    <a:schemeClr val="bg1"/>
-                  </a:solidFill>
-                  <a:latin typeface="微软雅黑" panose="020B0503020204020204" pitchFamily="34" charset="-122"/>
-                  <a:ea typeface="微软雅黑" panose="020B0503020204020204" pitchFamily="34" charset="-122"/>
-                </a:rPr>
-                <a:t>内容</a:t>
-              </a:r>
-              <a:r>
-                <a:rPr lang="zh-CN" altLang="en-US" sz="2000" dirty="0">
-                  <a:solidFill>
-                    <a:schemeClr val="bg1"/>
-                  </a:solidFill>
-                  <a:latin typeface="微软雅黑" panose="020B0503020204020204" pitchFamily="34" charset="-122"/>
-                  <a:ea typeface="微软雅黑" panose="020B0503020204020204" pitchFamily="34" charset="-122"/>
-                </a:rPr>
-                <a:t>请在此处添加</a:t>
-              </a:r>
-              <a:r>
-                <a:rPr lang="zh-CN" altLang="en-US" sz="2000" dirty="0" smtClean="0">
-                  <a:solidFill>
-                    <a:schemeClr val="bg1"/>
-                  </a:solidFill>
-                  <a:latin typeface="微软雅黑" panose="020B0503020204020204" pitchFamily="34" charset="-122"/>
-                  <a:ea typeface="微软雅黑" panose="020B0503020204020204" pitchFamily="34" charset="-122"/>
-                </a:rPr>
-                <a:t>内容</a:t>
-              </a:r>
-              <a:r>
-                <a:rPr lang="zh-CN" altLang="en-US" sz="2000" dirty="0">
-                  <a:solidFill>
-                    <a:schemeClr val="bg1"/>
-                  </a:solidFill>
-                  <a:latin typeface="微软雅黑" panose="020B0503020204020204" pitchFamily="34" charset="-122"/>
-                  <a:ea typeface="微软雅黑" panose="020B0503020204020204" pitchFamily="34" charset="-122"/>
-                </a:rPr>
-                <a:t>请在此处添加内容请在此处添加</a:t>
-              </a:r>
-              <a:r>
-                <a:rPr lang="zh-CN" altLang="en-US" sz="2000" dirty="0" smtClean="0">
-                  <a:solidFill>
-                    <a:schemeClr val="bg1"/>
-                  </a:solidFill>
-                  <a:latin typeface="微软雅黑" panose="020B0503020204020204" pitchFamily="34" charset="-122"/>
-                  <a:ea typeface="微软雅黑" panose="020B0503020204020204" pitchFamily="34" charset="-122"/>
-                </a:rPr>
-                <a:t>内容</a:t>
-              </a:r>
-              <a:endParaRPr lang="zh-CN" altLang="en-US" sz="2000" dirty="0">
-                <a:solidFill>
-                  <a:schemeClr val="bg1"/>
-                </a:solidFill>
-                <a:latin typeface="微软雅黑" panose="020B0503020204020204" pitchFamily="34" charset="-122"/>
-                <a:ea typeface="微软雅黑" panose="020B0503020204020204" pitchFamily="34" charset="-122"/>
-              </a:endParaRPr>
-            </a:p>
-          </p:txBody>
-        </p:sp>
-      </p:grpSp>
-      <p:grpSp>
-        <p:nvGrpSpPr>
-          <p:cNvPr id="18" name="组合 17"/>
-          <p:cNvGrpSpPr/>
-          <p:nvPr/>
-        </p:nvGrpSpPr>
-        <p:grpSpPr>
-          <a:xfrm>
-            <a:off x="9173845" y="1488600"/>
-            <a:ext cx="2430780" cy="4428331"/>
-            <a:chOff x="587375" y="1773238"/>
-            <a:chExt cx="2430780" cy="4428331"/>
-          </a:xfrm>
-        </p:grpSpPr>
-        <p:sp>
-          <p:nvSpPr>
-            <p:cNvPr id="19" name="文本框 18"/>
-            <p:cNvSpPr txBox="1"/>
-            <p:nvPr/>
-          </p:nvSpPr>
-          <p:spPr>
-            <a:xfrm>
-              <a:off x="1181804" y="1773238"/>
-              <a:ext cx="1509326" cy="1107996"/>
-            </a:xfrm>
-            <a:prstGeom prst="rect">
-              <a:avLst/>
-            </a:prstGeom>
-            <a:noFill/>
-          </p:spPr>
-          <p:txBody>
-            <a:bodyPr wrap="square" rtlCol="0">
-              <a:spAutoFit/>
-            </a:bodyPr>
-            <a:lstStyle/>
-            <a:p>
-              <a:r>
-                <a:rPr lang="en-US" altLang="zh-CN" sz="6600" dirty="0" smtClean="0">
-                  <a:solidFill>
-                    <a:srgbClr val="DB5355"/>
-                  </a:solidFill>
-                  <a:latin typeface="Broadway" panose="04040905080B02020502" pitchFamily="82" charset="0"/>
-                </a:rPr>
-                <a:t>04</a:t>
-              </a:r>
-              <a:endParaRPr lang="zh-CN" altLang="en-US" sz="6600" dirty="0">
-                <a:solidFill>
-                  <a:srgbClr val="DB5355"/>
-                </a:solidFill>
-                <a:latin typeface="Broadway" panose="04040905080B02020502" pitchFamily="82" charset="0"/>
-              </a:endParaRPr>
-            </a:p>
-          </p:txBody>
-        </p:sp>
-        <p:sp>
-          <p:nvSpPr>
-            <p:cNvPr id="20" name="矩形 19"/>
-            <p:cNvSpPr/>
-            <p:nvPr/>
-          </p:nvSpPr>
-          <p:spPr>
-            <a:xfrm>
-              <a:off x="587375" y="2744789"/>
-              <a:ext cx="2430780" cy="3456780"/>
-            </a:xfrm>
-            <a:prstGeom prst="rect">
-              <a:avLst/>
-            </a:prstGeom>
-            <a:solidFill>
-              <a:srgbClr val="DB5355"/>
-            </a:solidFill>
-            <a:ln>
-              <a:noFill/>
-            </a:ln>
-          </p:spPr>
-          <p:style>
-            <a:lnRef idx="2">
-              <a:schemeClr val="accent1">
-                <a:shade val="50000"/>
-              </a:schemeClr>
-            </a:lnRef>
-            <a:fillRef idx="1">
-              <a:schemeClr val="accent1"/>
-            </a:fillRef>
-            <a:effectRef idx="0">
-              <a:schemeClr val="accent1"/>
-            </a:effectRef>
-            <a:fontRef idx="minor">
-              <a:schemeClr val="lt1"/>
-            </a:fontRef>
-          </p:style>
-          <p:txBody>
-            <a:bodyPr rtlCol="0" anchor="ctr"/>
-            <a:lstStyle/>
-            <a:p>
-              <a:pPr algn="ctr"/>
-              <a:endParaRPr lang="zh-CN" altLang="en-US"/>
-            </a:p>
-          </p:txBody>
-        </p:sp>
-        <p:sp>
-          <p:nvSpPr>
-            <p:cNvPr id="21" name="文本框 20"/>
-            <p:cNvSpPr txBox="1"/>
-            <p:nvPr/>
-          </p:nvSpPr>
-          <p:spPr>
-            <a:xfrm>
-              <a:off x="941705" y="2965331"/>
-              <a:ext cx="1722120" cy="3015697"/>
-            </a:xfrm>
-            <a:prstGeom prst="rect">
-              <a:avLst/>
-            </a:prstGeom>
-            <a:noFill/>
-          </p:spPr>
-          <p:txBody>
-            <a:bodyPr wrap="square" rtlCol="0">
-              <a:spAutoFit/>
-            </a:bodyPr>
-            <a:lstStyle/>
-            <a:p>
-              <a:pPr>
-                <a:lnSpc>
-                  <a:spcPct val="120000"/>
-                </a:lnSpc>
-              </a:pPr>
-              <a:r>
-                <a:rPr lang="zh-CN" altLang="en-US" sz="2000" dirty="0" smtClean="0">
-                  <a:solidFill>
-                    <a:schemeClr val="bg1"/>
-                  </a:solidFill>
-                  <a:latin typeface="微软雅黑" panose="020B0503020204020204" pitchFamily="34" charset="-122"/>
-                  <a:ea typeface="微软雅黑" panose="020B0503020204020204" pitchFamily="34" charset="-122"/>
-                </a:rPr>
-                <a:t>请在此处添加内容</a:t>
-              </a:r>
-              <a:r>
-                <a:rPr lang="zh-CN" altLang="en-US" sz="2000" dirty="0">
-                  <a:solidFill>
-                    <a:schemeClr val="bg1"/>
-                  </a:solidFill>
-                  <a:latin typeface="微软雅黑" panose="020B0503020204020204" pitchFamily="34" charset="-122"/>
-                  <a:ea typeface="微软雅黑" panose="020B0503020204020204" pitchFamily="34" charset="-122"/>
-                </a:rPr>
-                <a:t>请在此处添加</a:t>
-              </a:r>
-              <a:r>
-                <a:rPr lang="zh-CN" altLang="en-US" sz="2000" dirty="0" smtClean="0">
-                  <a:solidFill>
-                    <a:schemeClr val="bg1"/>
-                  </a:solidFill>
-                  <a:latin typeface="微软雅黑" panose="020B0503020204020204" pitchFamily="34" charset="-122"/>
-                  <a:ea typeface="微软雅黑" panose="020B0503020204020204" pitchFamily="34" charset="-122"/>
-                </a:rPr>
-                <a:t>内容</a:t>
-              </a:r>
-              <a:r>
-                <a:rPr lang="zh-CN" altLang="en-US" sz="2000" dirty="0">
-                  <a:solidFill>
-                    <a:schemeClr val="bg1"/>
-                  </a:solidFill>
-                  <a:latin typeface="微软雅黑" panose="020B0503020204020204" pitchFamily="34" charset="-122"/>
-                  <a:ea typeface="微软雅黑" panose="020B0503020204020204" pitchFamily="34" charset="-122"/>
-                </a:rPr>
-                <a:t>请在此处添加</a:t>
-              </a:r>
-              <a:r>
-                <a:rPr lang="zh-CN" altLang="en-US" sz="2000" dirty="0" smtClean="0">
-                  <a:solidFill>
-                    <a:schemeClr val="bg1"/>
-                  </a:solidFill>
-                  <a:latin typeface="微软雅黑" panose="020B0503020204020204" pitchFamily="34" charset="-122"/>
-                  <a:ea typeface="微软雅黑" panose="020B0503020204020204" pitchFamily="34" charset="-122"/>
-                </a:rPr>
-                <a:t>内容</a:t>
-              </a:r>
-              <a:r>
-                <a:rPr lang="zh-CN" altLang="en-US" sz="2000" dirty="0">
-                  <a:solidFill>
-                    <a:schemeClr val="bg1"/>
-                  </a:solidFill>
-                  <a:latin typeface="微软雅黑" panose="020B0503020204020204" pitchFamily="34" charset="-122"/>
-                  <a:ea typeface="微软雅黑" panose="020B0503020204020204" pitchFamily="34" charset="-122"/>
-                </a:rPr>
-                <a:t>请在此处添加</a:t>
-              </a:r>
-              <a:r>
-                <a:rPr lang="zh-CN" altLang="en-US" sz="2000" dirty="0" smtClean="0">
-                  <a:solidFill>
-                    <a:schemeClr val="bg1"/>
-                  </a:solidFill>
-                  <a:latin typeface="微软雅黑" panose="020B0503020204020204" pitchFamily="34" charset="-122"/>
-                  <a:ea typeface="微软雅黑" panose="020B0503020204020204" pitchFamily="34" charset="-122"/>
-                </a:rPr>
-                <a:t>内容</a:t>
-              </a:r>
-              <a:r>
-                <a:rPr lang="zh-CN" altLang="en-US" sz="2000" dirty="0">
-                  <a:solidFill>
-                    <a:schemeClr val="bg1"/>
-                  </a:solidFill>
-                  <a:latin typeface="微软雅黑" panose="020B0503020204020204" pitchFamily="34" charset="-122"/>
-                  <a:ea typeface="微软雅黑" panose="020B0503020204020204" pitchFamily="34" charset="-122"/>
-                </a:rPr>
-                <a:t>请在此处添加内容请在此处添加</a:t>
-              </a:r>
-              <a:r>
-                <a:rPr lang="zh-CN" altLang="en-US" sz="2000" dirty="0" smtClean="0">
-                  <a:solidFill>
-                    <a:schemeClr val="bg1"/>
-                  </a:solidFill>
-                  <a:latin typeface="微软雅黑" panose="020B0503020204020204" pitchFamily="34" charset="-122"/>
-                  <a:ea typeface="微软雅黑" panose="020B0503020204020204" pitchFamily="34" charset="-122"/>
-                </a:rPr>
-                <a:t>内容</a:t>
-              </a:r>
-              <a:endParaRPr lang="zh-CN" altLang="en-US" sz="2000" dirty="0">
-                <a:solidFill>
-                  <a:schemeClr val="bg1"/>
-                </a:solidFill>
-                <a:latin typeface="微软雅黑" panose="020B0503020204020204" pitchFamily="34" charset="-122"/>
-                <a:ea typeface="微软雅黑" panose="020B0503020204020204" pitchFamily="34" charset="-122"/>
-              </a:endParaRPr>
-            </a:p>
-          </p:txBody>
-        </p:sp>
-      </p:grpSp>
-    </p:spTree>
-  </p:cSld>
-  <p:clrMapOvr>
-    <a:masterClrMapping/>
-  </p:clrMapOvr>
-  <p:timing>
-    <p:tnLst>
-      <p:par>
-        <p:cTn id="1" dur="indefinite" restart="never" nodeType="tmRoot"/>
-      </p:par>
-    </p:tnLst>
-  </p:timing>
-</p:sld>
-</file>
-
-<file path=ppt/slides/slide11.xml><?xml version="1.0" encoding="utf-8"?>
-<p:sld xmlns:a="http://schemas.openxmlformats.org/drawingml/2006/main" xmlns:r="http://schemas.openxmlformats.org/officeDocument/2006/relationships" xmlns:p="http://schemas.openxmlformats.org/presentationml/2006/main">
-  <p:cSld>
-    <p:spTree>
-      <p:nvGrpSpPr>
-        <p:cNvPr id="1" name=""/>
-        <p:cNvGrpSpPr/>
-        <p:nvPr/>
-      </p:nvGrpSpPr>
-      <p:grpSpPr>
-        <a:xfrm>
-          <a:off x="0" y="0"/>
-          <a:ext cx="0" cy="0"/>
-          <a:chOff x="0" y="0"/>
-          <a:chExt cx="0" cy="0"/>
-        </a:xfrm>
-      </p:grpSpPr>
-      <p:sp>
-        <p:nvSpPr>
-          <p:cNvPr id="2" name="矩形 1"/>
-          <p:cNvSpPr/>
-          <p:nvPr/>
-        </p:nvSpPr>
-        <p:spPr>
-          <a:xfrm>
-            <a:off x="0" y="0"/>
-            <a:ext cx="6096000" cy="6858000"/>
-          </a:xfrm>
-          <a:prstGeom prst="rect">
-            <a:avLst/>
-          </a:prstGeom>
-          <a:solidFill>
-            <a:srgbClr val="DB5355"/>
-          </a:solidFill>
-          <a:ln>
-            <a:noFill/>
-          </a:ln>
-        </p:spPr>
-        <p:style>
-          <a:lnRef idx="2">
-            <a:schemeClr val="accent1">
-              <a:shade val="50000"/>
-            </a:schemeClr>
-          </a:lnRef>
-          <a:fillRef idx="1">
-            <a:schemeClr val="accent1"/>
-          </a:fillRef>
-          <a:effectRef idx="0">
-            <a:schemeClr val="accent1"/>
-          </a:effectRef>
-          <a:fontRef idx="minor">
-            <a:schemeClr val="lt1"/>
-          </a:fontRef>
-        </p:style>
-        <p:txBody>
-          <a:bodyPr rtlCol="0" anchor="ctr"/>
-          <a:lstStyle/>
-          <a:p>
-            <a:pPr algn="ctr"/>
-            <a:endParaRPr lang="zh-CN" altLang="en-US"/>
-          </a:p>
-        </p:txBody>
-      </p:sp>
-      <p:sp>
-        <p:nvSpPr>
-          <p:cNvPr id="3" name="文本框 2"/>
-          <p:cNvSpPr txBox="1"/>
-          <p:nvPr/>
-        </p:nvSpPr>
-        <p:spPr>
-          <a:xfrm>
-            <a:off x="4148667" y="2728153"/>
-            <a:ext cx="2112985" cy="1200329"/>
-          </a:xfrm>
-          <a:prstGeom prst="rect">
-            <a:avLst/>
-          </a:prstGeom>
-          <a:noFill/>
-        </p:spPr>
-        <p:txBody>
-          <a:bodyPr wrap="square" rtlCol="0">
-            <a:spAutoFit/>
-          </a:bodyPr>
-          <a:lstStyle/>
-          <a:p>
-            <a:r>
-              <a:rPr lang="zh-CN" altLang="en-US" sz="7200" b="1" dirty="0" smtClean="0">
+              <a:rPr lang="zh-CN" altLang="en-US" sz="7200" b="1" dirty="0">
                 <a:solidFill>
                   <a:schemeClr val="bg1"/>
                 </a:solidFill>
@@ -4834,13 +4035,6 @@
               </a:rPr>
               <a:t>谢谢</a:t>
             </a:r>
-            <a:endParaRPr lang="zh-CN" altLang="en-US" sz="7200" b="1" dirty="0">
-              <a:solidFill>
-                <a:schemeClr val="bg1"/>
-              </a:solidFill>
-              <a:latin typeface="幼圆" panose="02010509060101010101" pitchFamily="49" charset="-122"/>
-              <a:ea typeface="幼圆" panose="02010509060101010101" pitchFamily="49" charset="-122"/>
-            </a:endParaRPr>
           </a:p>
         </p:txBody>
       </p:sp>
@@ -4867,7 +4061,7 @@
           <a:lstStyle/>
           <a:p>
             <a:r>
-              <a:rPr lang="zh-CN" altLang="en-US" sz="7200" b="1" dirty="0" smtClean="0">
+              <a:rPr lang="zh-CN" altLang="en-US" sz="7200" b="1" dirty="0">
                 <a:solidFill>
                   <a:srgbClr val="DB5355"/>
                 </a:solidFill>
@@ -4876,13 +4070,6 @@
               </a:rPr>
               <a:t>观看</a:t>
             </a:r>
-            <a:endParaRPr lang="zh-CN" altLang="en-US" sz="7200" b="1" dirty="0">
-              <a:solidFill>
-                <a:srgbClr val="DB5355"/>
-              </a:solidFill>
-              <a:latin typeface="幼圆" panose="02010509060101010101" pitchFamily="49" charset="-122"/>
-              <a:ea typeface="幼圆" panose="02010509060101010101" pitchFamily="49" charset="-122"/>
-            </a:endParaRPr>
           </a:p>
         </p:txBody>
       </p:sp>
@@ -4916,25 +4103,8 @@
                 <a:latin typeface="幼圆" panose="02010509060101010101" pitchFamily="49" charset="-122"/>
                 <a:ea typeface="幼圆" panose="02010509060101010101" pitchFamily="49" charset="-122"/>
               </a:rPr>
-              <a:t>请在此处</a:t>
-            </a:r>
-            <a:r>
-              <a:rPr lang="zh-CN" altLang="en-US" sz="2400" b="1" dirty="0" smtClean="0">
-                <a:solidFill>
-                  <a:srgbClr val="595959"/>
-                </a:solidFill>
-                <a:latin typeface="幼圆" panose="02010509060101010101" pitchFamily="49" charset="-122"/>
-                <a:ea typeface="幼圆" panose="02010509060101010101" pitchFamily="49" charset="-122"/>
-              </a:rPr>
-              <a:t>添加您的公司名称</a:t>
-            </a:r>
-            <a:endParaRPr lang="zh-CN" altLang="en-US" sz="2400" b="1" dirty="0">
-              <a:solidFill>
-                <a:srgbClr val="595959"/>
-              </a:solidFill>
-              <a:latin typeface="幼圆" panose="02010509060101010101" pitchFamily="49" charset="-122"/>
-              <a:ea typeface="幼圆" panose="02010509060101010101" pitchFamily="49" charset="-122"/>
-            </a:endParaRPr>
+              <a:t>请在此处添加您的公司名称</a:t>
+            </a:r>
           </a:p>
         </p:txBody>
       </p:sp>
@@ -4943,13 +4113,6 @@
   <p:clrMapOvr>
     <a:masterClrMapping/>
   </p:clrMapOvr>
-  <p:timing>
-    <p:tnLst>
-      <p:par>
-        <p:cTn id="1" dur="indefinite" restart="never" nodeType="tmRoot"/>
-      </p:par>
-    </p:tnLst>
-  </p:timing>
 </p:sld>
 </file>
 
@@ -4972,14 +4135,14 @@
       </p:grpSpPr>
       <p:sp>
         <p:nvSpPr>
-          <p:cNvPr id="4" name="矩形 3"/>
+          <p:cNvPr id="2" name="矩形 1"/>
           <p:cNvSpPr/>
           <p:nvPr/>
         </p:nvSpPr>
         <p:spPr>
           <a:xfrm>
-            <a:off x="0" y="620713"/>
-            <a:ext cx="10535478" cy="5616575"/>
+            <a:off x="0" y="0"/>
+            <a:ext cx="12192000" cy="6858000"/>
           </a:xfrm>
           <a:prstGeom prst="rect">
             <a:avLst/>
@@ -5018,14 +4181,14 @@
       </p:sp>
       <p:sp>
         <p:nvSpPr>
-          <p:cNvPr id="5" name="矩形 4"/>
+          <p:cNvPr id="3" name="矩形 2"/>
           <p:cNvSpPr/>
           <p:nvPr/>
         </p:nvSpPr>
         <p:spPr>
           <a:xfrm>
-            <a:off x="-19878" y="1185332"/>
-            <a:ext cx="2760133" cy="504000"/>
+            <a:off x="1510748" y="0"/>
+            <a:ext cx="993913" cy="2708275"/>
           </a:xfrm>
           <a:prstGeom prst="rect">
             <a:avLst/>
@@ -5064,14 +4227,54 @@
       </p:sp>
       <p:sp>
         <p:nvSpPr>
+          <p:cNvPr id="4" name="文本框 3"/>
+          <p:cNvSpPr txBox="1"/>
+          <p:nvPr/>
+        </p:nvSpPr>
+        <p:spPr>
+          <a:xfrm>
+            <a:off x="1550504" y="1642040"/>
+            <a:ext cx="1212574" cy="830997"/>
+          </a:xfrm>
+          <a:prstGeom prst="rect">
+            <a:avLst/>
+          </a:prstGeom>
+          <a:noFill/>
+        </p:spPr>
+        <p:txBody>
+          <a:bodyPr wrap="square" rtlCol="0">
+            <a:spAutoFit/>
+          </a:bodyPr>
+          <a:lstStyle/>
+          <a:p>
+            <a:r>
+              <a:rPr lang="en-US" altLang="zh-CN" sz="4800" dirty="0">
+                <a:solidFill>
+                  <a:srgbClr val="DB5355"/>
+                </a:solidFill>
+                <a:latin typeface="Broadway" panose="04040905080B02020502" pitchFamily="82" charset="0"/>
+              </a:rPr>
+              <a:t>01</a:t>
+            </a:r>
+            <a:endParaRPr lang="zh-CN" altLang="en-US" sz="4800" dirty="0">
+              <a:solidFill>
+                <a:srgbClr val="DB5355"/>
+              </a:solidFill>
+              <a:latin typeface="Broadway" panose="04040905080B02020502" pitchFamily="82" charset="0"/>
+            </a:endParaRPr>
+          </a:p>
+        </p:txBody>
+      </p:sp>
+      <p:sp>
+        <p:nvSpPr>
           <p:cNvPr id="6" name="文本框 5"/>
           <p:cNvSpPr txBox="1"/>
           <p:nvPr/>
         </p:nvSpPr>
         <p:spPr>
           <a:xfrm>
-            <a:off x="2713750" y="1183632"/>
-            <a:ext cx="2414841" cy="584775"/>
+            <a:off x="3593147" y="1642040"/>
+            <a:ext cx="5333264" cy="769441"/>
           </a:xfrm>
           <a:prstGeom prst="rect">
             <a:avLst/>
@@ -5085,650 +4288,61 @@
           <a:lstStyle/>
           <a:p>
             <a:r>
-              <a:rPr lang="en-US" altLang="zh-CN" sz="3200" dirty="0" smtClean="0">
+              <a:rPr lang="zh-CN" altLang="en-US" sz="4400" b="1" dirty="0">
                 <a:solidFill>
-                  <a:srgbClr val="595959"/>
-                </a:solidFill>
-              </a:rPr>
-              <a:t>ADD LOGO</a:t>
-            </a:r>
-            <a:endParaRPr lang="zh-CN" altLang="en-US" sz="3200" dirty="0">
-              <a:solidFill>
-                <a:srgbClr val="595959"/>
-              </a:solidFill>
-            </a:endParaRPr>
-          </a:p>
-        </p:txBody>
-      </p:sp>
-      <p:sp>
-        <p:nvSpPr>
-          <p:cNvPr id="7" name="文本框 6"/>
-          <p:cNvSpPr txBox="1"/>
-          <p:nvPr/>
-        </p:nvSpPr>
-        <p:spPr>
-          <a:xfrm>
-            <a:off x="-79512" y="1086558"/>
-            <a:ext cx="1093303" cy="584775"/>
-          </a:xfrm>
-          <a:prstGeom prst="rect">
-            <a:avLst/>
-          </a:prstGeom>
-          <a:noFill/>
-        </p:spPr>
-        <p:txBody>
-          <a:bodyPr wrap="square" rtlCol="0">
-            <a:spAutoFit/>
-          </a:bodyPr>
-          <a:lstStyle/>
-          <a:p>
-            <a:r>
-              <a:rPr lang="zh-CN" altLang="en-US" sz="3200" b="1" dirty="0" smtClean="0">
-                <a:solidFill>
-                  <a:srgbClr val="595959"/>
+                  <a:schemeClr val="bg1"/>
                 </a:solidFill>
                 <a:latin typeface="幼圆" panose="02010509060101010101" pitchFamily="49" charset="-122"/>
                 <a:ea typeface="幼圆" panose="02010509060101010101" pitchFamily="49" charset="-122"/>
               </a:rPr>
-              <a:t>目录</a:t>
-            </a:r>
-            <a:endParaRPr lang="zh-CN" altLang="en-US" sz="3200" b="1" dirty="0">
-              <a:solidFill>
-                <a:srgbClr val="595959"/>
-              </a:solidFill>
-              <a:latin typeface="幼圆" panose="02010509060101010101" pitchFamily="49" charset="-122"/>
-              <a:ea typeface="幼圆" panose="02010509060101010101" pitchFamily="49" charset="-122"/>
-            </a:endParaRPr>
-          </a:p>
-        </p:txBody>
-      </p:sp>
-      <p:sp>
-        <p:nvSpPr>
-          <p:cNvPr id="9" name="文本框 8"/>
-          <p:cNvSpPr txBox="1"/>
+              <a:t>界面原型的分类</a:t>
+            </a:r>
+          </a:p>
+        </p:txBody>
+      </p:sp>
+      <p:sp>
+        <p:nvSpPr>
+          <p:cNvPr id="8" name="矩形 7"/>
+          <p:cNvSpPr/>
           <p:nvPr/>
         </p:nvSpPr>
         <p:spPr>
           <a:xfrm>
-            <a:off x="805437" y="1166070"/>
-            <a:ext cx="2414841" cy="584775"/>
-          </a:xfrm>
-          <a:prstGeom prst="rect">
-            <a:avLst/>
-          </a:prstGeom>
-          <a:noFill/>
-        </p:spPr>
-        <p:txBody>
-          <a:bodyPr wrap="square" rtlCol="0">
-            <a:spAutoFit/>
-          </a:bodyPr>
-          <a:lstStyle/>
-          <a:p>
-            <a:r>
-              <a:rPr lang="en-US" altLang="zh-CN" sz="3200" dirty="0" smtClean="0">
-                <a:solidFill>
-                  <a:srgbClr val="595959"/>
-                </a:solidFill>
-              </a:rPr>
-              <a:t>CONTEXTS</a:t>
-            </a:r>
-            <a:endParaRPr lang="zh-CN" altLang="en-US" sz="3200" dirty="0">
-              <a:solidFill>
-                <a:srgbClr val="595959"/>
-              </a:solidFill>
-            </a:endParaRPr>
-          </a:p>
-        </p:txBody>
-      </p:sp>
-      <p:sp>
-        <p:nvSpPr>
-          <p:cNvPr id="10" name="文本框 9"/>
-          <p:cNvSpPr txBox="1"/>
-          <p:nvPr/>
-        </p:nvSpPr>
-        <p:spPr>
-          <a:xfrm>
-            <a:off x="5426765" y="3429000"/>
-            <a:ext cx="1212574" cy="830997"/>
-          </a:xfrm>
-          <a:prstGeom prst="rect">
-            <a:avLst/>
-          </a:prstGeom>
-          <a:noFill/>
-        </p:spPr>
-        <p:txBody>
-          <a:bodyPr wrap="square" rtlCol="0">
-            <a:spAutoFit/>
-          </a:bodyPr>
-          <a:lstStyle/>
-          <a:p>
-            <a:r>
-              <a:rPr lang="en-US" altLang="zh-CN" sz="4800" dirty="0" smtClean="0">
-                <a:solidFill>
-                  <a:schemeClr val="bg1"/>
-                </a:solidFill>
-                <a:latin typeface="Broadway" panose="04040905080B02020502" pitchFamily="82" charset="0"/>
-              </a:rPr>
-              <a:t>05</a:t>
-            </a:r>
-            <a:endParaRPr lang="zh-CN" altLang="en-US" sz="4800" dirty="0">
-              <a:solidFill>
-                <a:schemeClr val="bg1"/>
-              </a:solidFill>
-              <a:latin typeface="Broadway" panose="04040905080B02020502" pitchFamily="82" charset="0"/>
-            </a:endParaRPr>
-          </a:p>
-        </p:txBody>
-      </p:sp>
-      <p:sp>
-        <p:nvSpPr>
-          <p:cNvPr id="17" name="文本框 16"/>
-          <p:cNvSpPr txBox="1"/>
-          <p:nvPr/>
-        </p:nvSpPr>
-        <p:spPr>
-          <a:xfrm>
-            <a:off x="6301407" y="3582888"/>
-            <a:ext cx="3571461" cy="523220"/>
-          </a:xfrm>
-          <a:prstGeom prst="rect">
-            <a:avLst/>
-          </a:prstGeom>
-          <a:noFill/>
-        </p:spPr>
-        <p:txBody>
-          <a:bodyPr wrap="square" rtlCol="0">
-            <a:spAutoFit/>
-          </a:bodyPr>
-          <a:lstStyle/>
-          <a:p>
-            <a:r>
-              <a:rPr lang="zh-CN" altLang="en-US" sz="2800" b="1" dirty="0">
-                <a:solidFill>
-                  <a:schemeClr val="bg1"/>
-                </a:solidFill>
-                <a:latin typeface="微软雅黑" panose="020B0503020204020204" pitchFamily="34" charset="-122"/>
-                <a:ea typeface="微软雅黑" panose="020B0503020204020204" pitchFamily="34" charset="-122"/>
-              </a:rPr>
-              <a:t>请</a:t>
-            </a:r>
-            <a:r>
-              <a:rPr lang="zh-CN" altLang="en-US" sz="2800" b="1" dirty="0" smtClean="0">
-                <a:solidFill>
-                  <a:schemeClr val="bg1"/>
-                </a:solidFill>
-                <a:latin typeface="微软雅黑" panose="020B0503020204020204" pitchFamily="34" charset="-122"/>
-                <a:ea typeface="微软雅黑" panose="020B0503020204020204" pitchFamily="34" charset="-122"/>
-              </a:rPr>
-              <a:t>在此输入目录标题</a:t>
-            </a:r>
-            <a:endParaRPr lang="zh-CN" altLang="en-US" sz="2800" b="1" dirty="0">
-              <a:solidFill>
-                <a:schemeClr val="bg1"/>
-              </a:solidFill>
-              <a:latin typeface="微软雅黑" panose="020B0503020204020204" pitchFamily="34" charset="-122"/>
-              <a:ea typeface="微软雅黑" panose="020B0503020204020204" pitchFamily="34" charset="-122"/>
-            </a:endParaRPr>
-          </a:p>
-        </p:txBody>
-      </p:sp>
-      <p:sp>
-        <p:nvSpPr>
-          <p:cNvPr id="24" name="文本框 23"/>
-          <p:cNvSpPr txBox="1"/>
-          <p:nvPr/>
-        </p:nvSpPr>
-        <p:spPr>
-          <a:xfrm>
-            <a:off x="5466522" y="2019727"/>
-            <a:ext cx="1212574" cy="830997"/>
-          </a:xfrm>
-          <a:prstGeom prst="rect">
-            <a:avLst/>
-          </a:prstGeom>
-          <a:noFill/>
-        </p:spPr>
-        <p:txBody>
-          <a:bodyPr wrap="square" rtlCol="0">
-            <a:spAutoFit/>
-          </a:bodyPr>
-          <a:lstStyle/>
-          <a:p>
-            <a:r>
-              <a:rPr lang="en-US" altLang="zh-CN" sz="4800" dirty="0" smtClean="0">
-                <a:solidFill>
-                  <a:schemeClr val="bg1"/>
-                </a:solidFill>
-                <a:latin typeface="Broadway" panose="04040905080B02020502" pitchFamily="82" charset="0"/>
-              </a:rPr>
-              <a:t>04</a:t>
-            </a:r>
-            <a:endParaRPr lang="zh-CN" altLang="en-US" sz="4800" dirty="0">
-              <a:solidFill>
-                <a:schemeClr val="bg1"/>
-              </a:solidFill>
-              <a:latin typeface="Broadway" panose="04040905080B02020502" pitchFamily="82" charset="0"/>
-            </a:endParaRPr>
-          </a:p>
-        </p:txBody>
-      </p:sp>
-      <p:sp>
-        <p:nvSpPr>
-          <p:cNvPr id="25" name="文本框 24"/>
-          <p:cNvSpPr txBox="1"/>
-          <p:nvPr/>
-        </p:nvSpPr>
-        <p:spPr>
-          <a:xfrm>
-            <a:off x="6341164" y="2173615"/>
-            <a:ext cx="3571461" cy="523220"/>
-          </a:xfrm>
-          <a:prstGeom prst="rect">
-            <a:avLst/>
-          </a:prstGeom>
-          <a:noFill/>
-        </p:spPr>
-        <p:txBody>
-          <a:bodyPr wrap="square" rtlCol="0">
-            <a:spAutoFit/>
-          </a:bodyPr>
-          <a:lstStyle/>
-          <a:p>
-            <a:r>
-              <a:rPr lang="zh-CN" altLang="en-US" sz="2800" b="1" dirty="0">
-                <a:solidFill>
-                  <a:schemeClr val="bg1"/>
-                </a:solidFill>
-                <a:latin typeface="微软雅黑" panose="020B0503020204020204" pitchFamily="34" charset="-122"/>
-                <a:ea typeface="微软雅黑" panose="020B0503020204020204" pitchFamily="34" charset="-122"/>
-              </a:rPr>
-              <a:t>请</a:t>
-            </a:r>
-            <a:r>
-              <a:rPr lang="zh-CN" altLang="en-US" sz="2800" b="1" dirty="0" smtClean="0">
-                <a:solidFill>
-                  <a:schemeClr val="bg1"/>
-                </a:solidFill>
-                <a:latin typeface="微软雅黑" panose="020B0503020204020204" pitchFamily="34" charset="-122"/>
-                <a:ea typeface="微软雅黑" panose="020B0503020204020204" pitchFamily="34" charset="-122"/>
-              </a:rPr>
-              <a:t>在此输入目录标题</a:t>
-            </a:r>
-            <a:endParaRPr lang="zh-CN" altLang="en-US" sz="2800" b="1" dirty="0">
-              <a:solidFill>
-                <a:schemeClr val="bg1"/>
-              </a:solidFill>
-              <a:latin typeface="微软雅黑" panose="020B0503020204020204" pitchFamily="34" charset="-122"/>
-              <a:ea typeface="微软雅黑" panose="020B0503020204020204" pitchFamily="34" charset="-122"/>
-            </a:endParaRPr>
-          </a:p>
-        </p:txBody>
-      </p:sp>
-      <p:sp>
-        <p:nvSpPr>
-          <p:cNvPr id="37" name="文本框 36"/>
-          <p:cNvSpPr txBox="1"/>
-          <p:nvPr/>
-        </p:nvSpPr>
-        <p:spPr>
-          <a:xfrm>
-            <a:off x="5426765" y="4838273"/>
-            <a:ext cx="1212574" cy="830997"/>
-          </a:xfrm>
-          <a:prstGeom prst="rect">
-            <a:avLst/>
-          </a:prstGeom>
-          <a:noFill/>
-        </p:spPr>
-        <p:txBody>
-          <a:bodyPr wrap="square" rtlCol="0">
-            <a:spAutoFit/>
-          </a:bodyPr>
-          <a:lstStyle/>
-          <a:p>
-            <a:r>
-              <a:rPr lang="en-US" altLang="zh-CN" sz="4800" dirty="0" smtClean="0">
-                <a:solidFill>
-                  <a:schemeClr val="bg1"/>
-                </a:solidFill>
-                <a:latin typeface="Broadway" panose="04040905080B02020502" pitchFamily="82" charset="0"/>
-              </a:rPr>
-              <a:t>06</a:t>
-            </a:r>
-            <a:endParaRPr lang="zh-CN" altLang="en-US" sz="4800" dirty="0">
-              <a:solidFill>
-                <a:schemeClr val="bg1"/>
-              </a:solidFill>
-              <a:latin typeface="Broadway" panose="04040905080B02020502" pitchFamily="82" charset="0"/>
-            </a:endParaRPr>
-          </a:p>
-        </p:txBody>
-      </p:sp>
-      <p:sp>
-        <p:nvSpPr>
-          <p:cNvPr id="38" name="文本框 37"/>
-          <p:cNvSpPr txBox="1"/>
-          <p:nvPr/>
-        </p:nvSpPr>
-        <p:spPr>
-          <a:xfrm>
-            <a:off x="6301407" y="4992161"/>
-            <a:ext cx="3571461" cy="523220"/>
-          </a:xfrm>
-          <a:prstGeom prst="rect">
-            <a:avLst/>
-          </a:prstGeom>
-          <a:noFill/>
-        </p:spPr>
-        <p:txBody>
-          <a:bodyPr wrap="square" rtlCol="0">
-            <a:spAutoFit/>
-          </a:bodyPr>
-          <a:lstStyle/>
-          <a:p>
-            <a:r>
-              <a:rPr lang="zh-CN" altLang="en-US" sz="2800" b="1" dirty="0">
-                <a:solidFill>
-                  <a:schemeClr val="bg1"/>
-                </a:solidFill>
-                <a:latin typeface="微软雅黑" panose="020B0503020204020204" pitchFamily="34" charset="-122"/>
-                <a:ea typeface="微软雅黑" panose="020B0503020204020204" pitchFamily="34" charset="-122"/>
-              </a:rPr>
-              <a:t>请</a:t>
-            </a:r>
-            <a:r>
-              <a:rPr lang="zh-CN" altLang="en-US" sz="2800" b="1" dirty="0" smtClean="0">
-                <a:solidFill>
-                  <a:schemeClr val="bg1"/>
-                </a:solidFill>
-                <a:latin typeface="微软雅黑" panose="020B0503020204020204" pitchFamily="34" charset="-122"/>
-                <a:ea typeface="微软雅黑" panose="020B0503020204020204" pitchFamily="34" charset="-122"/>
-              </a:rPr>
-              <a:t>在此输入目录标题</a:t>
-            </a:r>
-            <a:endParaRPr lang="zh-CN" altLang="en-US" sz="2800" b="1" dirty="0">
-              <a:solidFill>
-                <a:schemeClr val="bg1"/>
-              </a:solidFill>
-              <a:latin typeface="微软雅黑" panose="020B0503020204020204" pitchFamily="34" charset="-122"/>
-              <a:ea typeface="微软雅黑" panose="020B0503020204020204" pitchFamily="34" charset="-122"/>
-            </a:endParaRPr>
-          </a:p>
-        </p:txBody>
-      </p:sp>
-      <p:sp>
-        <p:nvSpPr>
-          <p:cNvPr id="78" name="文本框 77"/>
-          <p:cNvSpPr txBox="1"/>
-          <p:nvPr/>
-        </p:nvSpPr>
-        <p:spPr>
-          <a:xfrm>
-            <a:off x="636104" y="3409122"/>
-            <a:ext cx="1212574" cy="830997"/>
-          </a:xfrm>
-          <a:prstGeom prst="rect">
-            <a:avLst/>
-          </a:prstGeom>
-          <a:noFill/>
-        </p:spPr>
-        <p:txBody>
-          <a:bodyPr wrap="square" rtlCol="0">
-            <a:spAutoFit/>
-          </a:bodyPr>
-          <a:lstStyle/>
-          <a:p>
-            <a:r>
-              <a:rPr lang="en-US" altLang="zh-CN" sz="4800" dirty="0" smtClean="0">
-                <a:solidFill>
-                  <a:schemeClr val="bg1"/>
-                </a:solidFill>
-                <a:latin typeface="Broadway" panose="04040905080B02020502" pitchFamily="82" charset="0"/>
-              </a:rPr>
-              <a:t>02</a:t>
-            </a:r>
-            <a:endParaRPr lang="zh-CN" altLang="en-US" sz="4800" dirty="0">
-              <a:solidFill>
-                <a:schemeClr val="bg1"/>
-              </a:solidFill>
-              <a:latin typeface="Broadway" panose="04040905080B02020502" pitchFamily="82" charset="0"/>
-            </a:endParaRPr>
-          </a:p>
-        </p:txBody>
-      </p:sp>
-      <p:sp>
-        <p:nvSpPr>
-          <p:cNvPr id="79" name="文本框 78"/>
-          <p:cNvSpPr txBox="1"/>
-          <p:nvPr/>
-        </p:nvSpPr>
-        <p:spPr>
-          <a:xfrm>
-            <a:off x="1510746" y="3563010"/>
-            <a:ext cx="3571461" cy="523220"/>
-          </a:xfrm>
-          <a:prstGeom prst="rect">
-            <a:avLst/>
-          </a:prstGeom>
-          <a:noFill/>
-        </p:spPr>
-        <p:txBody>
-          <a:bodyPr wrap="square" rtlCol="0">
-            <a:spAutoFit/>
-          </a:bodyPr>
-          <a:lstStyle/>
-          <a:p>
-            <a:r>
-              <a:rPr lang="zh-CN" altLang="en-US" sz="2800" b="1" dirty="0">
-                <a:solidFill>
-                  <a:schemeClr val="bg1"/>
-                </a:solidFill>
-                <a:latin typeface="微软雅黑" panose="020B0503020204020204" pitchFamily="34" charset="-122"/>
-                <a:ea typeface="微软雅黑" panose="020B0503020204020204" pitchFamily="34" charset="-122"/>
-              </a:rPr>
-              <a:t>请</a:t>
-            </a:r>
-            <a:r>
-              <a:rPr lang="zh-CN" altLang="en-US" sz="2800" b="1" dirty="0" smtClean="0">
-                <a:solidFill>
-                  <a:schemeClr val="bg1"/>
-                </a:solidFill>
-                <a:latin typeface="微软雅黑" panose="020B0503020204020204" pitchFamily="34" charset="-122"/>
-                <a:ea typeface="微软雅黑" panose="020B0503020204020204" pitchFamily="34" charset="-122"/>
-              </a:rPr>
-              <a:t>在此输入目录标题</a:t>
-            </a:r>
-            <a:endParaRPr lang="zh-CN" altLang="en-US" sz="2800" b="1" dirty="0">
-              <a:solidFill>
-                <a:schemeClr val="bg1"/>
-              </a:solidFill>
-              <a:latin typeface="微软雅黑" panose="020B0503020204020204" pitchFamily="34" charset="-122"/>
-              <a:ea typeface="微软雅黑" panose="020B0503020204020204" pitchFamily="34" charset="-122"/>
-            </a:endParaRPr>
-          </a:p>
-        </p:txBody>
-      </p:sp>
-      <p:sp>
-        <p:nvSpPr>
-          <p:cNvPr id="76" name="文本框 75"/>
-          <p:cNvSpPr txBox="1"/>
-          <p:nvPr/>
-        </p:nvSpPr>
-        <p:spPr>
-          <a:xfrm>
-            <a:off x="675861" y="1999849"/>
-            <a:ext cx="1212574" cy="830997"/>
-          </a:xfrm>
-          <a:prstGeom prst="rect">
-            <a:avLst/>
-          </a:prstGeom>
-          <a:noFill/>
-        </p:spPr>
-        <p:txBody>
-          <a:bodyPr wrap="square" rtlCol="0">
-            <a:spAutoFit/>
-          </a:bodyPr>
-          <a:lstStyle/>
-          <a:p>
-            <a:r>
-              <a:rPr lang="en-US" altLang="zh-CN" sz="4800" dirty="0" smtClean="0">
-                <a:solidFill>
-                  <a:schemeClr val="bg1"/>
-                </a:solidFill>
-                <a:latin typeface="Broadway" panose="04040905080B02020502" pitchFamily="82" charset="0"/>
-              </a:rPr>
-              <a:t>01</a:t>
-            </a:r>
-            <a:endParaRPr lang="zh-CN" altLang="en-US" sz="4800" dirty="0">
-              <a:solidFill>
-                <a:schemeClr val="bg1"/>
-              </a:solidFill>
-              <a:latin typeface="Broadway" panose="04040905080B02020502" pitchFamily="82" charset="0"/>
-            </a:endParaRPr>
-          </a:p>
-        </p:txBody>
-      </p:sp>
-      <p:sp>
-        <p:nvSpPr>
-          <p:cNvPr id="77" name="文本框 76"/>
-          <p:cNvSpPr txBox="1"/>
-          <p:nvPr/>
-        </p:nvSpPr>
-        <p:spPr>
-          <a:xfrm>
-            <a:off x="1550503" y="2153737"/>
-            <a:ext cx="3571461" cy="523220"/>
-          </a:xfrm>
-          <a:prstGeom prst="rect">
-            <a:avLst/>
-          </a:prstGeom>
-          <a:noFill/>
-        </p:spPr>
-        <p:txBody>
-          <a:bodyPr wrap="square" rtlCol="0">
-            <a:spAutoFit/>
-          </a:bodyPr>
-          <a:lstStyle/>
-          <a:p>
-            <a:r>
-              <a:rPr lang="zh-CN" altLang="en-US" sz="2800" b="1" dirty="0">
-                <a:solidFill>
-                  <a:schemeClr val="bg1"/>
-                </a:solidFill>
-                <a:latin typeface="微软雅黑" panose="020B0503020204020204" pitchFamily="34" charset="-122"/>
-                <a:ea typeface="微软雅黑" panose="020B0503020204020204" pitchFamily="34" charset="-122"/>
-              </a:rPr>
-              <a:t>请</a:t>
-            </a:r>
-            <a:r>
-              <a:rPr lang="zh-CN" altLang="en-US" sz="2800" b="1" dirty="0" smtClean="0">
-                <a:solidFill>
-                  <a:schemeClr val="bg1"/>
-                </a:solidFill>
-                <a:latin typeface="微软雅黑" panose="020B0503020204020204" pitchFamily="34" charset="-122"/>
-                <a:ea typeface="微软雅黑" panose="020B0503020204020204" pitchFamily="34" charset="-122"/>
-              </a:rPr>
-              <a:t>在此输入目录标题</a:t>
-            </a:r>
-            <a:endParaRPr lang="zh-CN" altLang="en-US" sz="2800" b="1" dirty="0">
-              <a:solidFill>
-                <a:schemeClr val="bg1"/>
-              </a:solidFill>
-              <a:latin typeface="微软雅黑" panose="020B0503020204020204" pitchFamily="34" charset="-122"/>
-              <a:ea typeface="微软雅黑" panose="020B0503020204020204" pitchFamily="34" charset="-122"/>
-            </a:endParaRPr>
-          </a:p>
-        </p:txBody>
-      </p:sp>
-      <p:sp>
-        <p:nvSpPr>
-          <p:cNvPr id="74" name="文本框 73"/>
-          <p:cNvSpPr txBox="1"/>
-          <p:nvPr/>
-        </p:nvSpPr>
-        <p:spPr>
-          <a:xfrm>
-            <a:off x="636104" y="4818395"/>
-            <a:ext cx="1212574" cy="830997"/>
-          </a:xfrm>
-          <a:prstGeom prst="rect">
-            <a:avLst/>
-          </a:prstGeom>
-          <a:noFill/>
-        </p:spPr>
-        <p:txBody>
-          <a:bodyPr wrap="square" rtlCol="0">
-            <a:spAutoFit/>
-          </a:bodyPr>
-          <a:lstStyle/>
-          <a:p>
-            <a:r>
-              <a:rPr lang="en-US" altLang="zh-CN" sz="4800" dirty="0" smtClean="0">
-                <a:solidFill>
-                  <a:schemeClr val="bg1"/>
-                </a:solidFill>
-                <a:latin typeface="Broadway" panose="04040905080B02020502" pitchFamily="82" charset="0"/>
-              </a:rPr>
-              <a:t>03</a:t>
-            </a:r>
-            <a:endParaRPr lang="zh-CN" altLang="en-US" sz="4800" dirty="0">
-              <a:solidFill>
-                <a:schemeClr val="bg1"/>
-              </a:solidFill>
-              <a:latin typeface="Broadway" panose="04040905080B02020502" pitchFamily="82" charset="0"/>
-            </a:endParaRPr>
-          </a:p>
-        </p:txBody>
-      </p:sp>
-      <p:sp>
-        <p:nvSpPr>
-          <p:cNvPr id="75" name="文本框 74"/>
-          <p:cNvSpPr txBox="1"/>
-          <p:nvPr/>
-        </p:nvSpPr>
-        <p:spPr>
-          <a:xfrm>
-            <a:off x="1510746" y="4972283"/>
-            <a:ext cx="3571461" cy="523220"/>
-          </a:xfrm>
-          <a:prstGeom prst="rect">
-            <a:avLst/>
-          </a:prstGeom>
-          <a:noFill/>
-        </p:spPr>
-        <p:txBody>
-          <a:bodyPr wrap="square" rtlCol="0">
-            <a:spAutoFit/>
-          </a:bodyPr>
-          <a:lstStyle/>
-          <a:p>
-            <a:r>
-              <a:rPr lang="zh-CN" altLang="en-US" sz="2800" b="1" dirty="0">
-                <a:solidFill>
-                  <a:schemeClr val="bg1"/>
-                </a:solidFill>
-                <a:latin typeface="微软雅黑" panose="020B0503020204020204" pitchFamily="34" charset="-122"/>
-                <a:ea typeface="微软雅黑" panose="020B0503020204020204" pitchFamily="34" charset="-122"/>
-              </a:rPr>
-              <a:t>请</a:t>
-            </a:r>
-            <a:r>
-              <a:rPr lang="zh-CN" altLang="en-US" sz="2800" b="1" dirty="0" smtClean="0">
-                <a:solidFill>
-                  <a:schemeClr val="bg1"/>
-                </a:solidFill>
-                <a:latin typeface="微软雅黑" panose="020B0503020204020204" pitchFamily="34" charset="-122"/>
-                <a:ea typeface="微软雅黑" panose="020B0503020204020204" pitchFamily="34" charset="-122"/>
-              </a:rPr>
-              <a:t>在此输入目录标题</a:t>
-            </a:r>
-            <a:endParaRPr lang="zh-CN" altLang="en-US" sz="2800" b="1" dirty="0">
-              <a:solidFill>
-                <a:schemeClr val="bg1"/>
-              </a:solidFill>
-              <a:latin typeface="微软雅黑" panose="020B0503020204020204" pitchFamily="34" charset="-122"/>
-              <a:ea typeface="微软雅黑" panose="020B0503020204020204" pitchFamily="34" charset="-122"/>
-            </a:endParaRPr>
+            <a:off x="0" y="5206448"/>
+            <a:ext cx="12364278" cy="45719"/>
+          </a:xfrm>
+          <a:prstGeom prst="rect">
+            <a:avLst/>
+          </a:prstGeom>
+          <a:solidFill>
+            <a:schemeClr val="bg1"/>
+          </a:solidFill>
+          <a:ln>
+            <a:noFill/>
+          </a:ln>
+        </p:spPr>
+        <p:style>
+          <a:lnRef idx="2">
+            <a:schemeClr val="accent1">
+              <a:shade val="50000"/>
+            </a:schemeClr>
+          </a:lnRef>
+          <a:fillRef idx="1">
+            <a:schemeClr val="accent1"/>
+          </a:fillRef>
+          <a:effectRef idx="0">
+            <a:schemeClr val="accent1"/>
+          </a:effectRef>
+          <a:fontRef idx="minor">
+            <a:schemeClr val="lt1"/>
+          </a:fontRef>
+        </p:style>
+        <p:txBody>
+          <a:bodyPr rtlCol="0" anchor="ctr"/>
+          <a:lstStyle/>
+          <a:p>
+            <a:pPr algn="ctr"/>
+            <a:endParaRPr lang="zh-CN" altLang="en-US"/>
           </a:p>
         </p:txBody>
       </p:sp>
@@ -5737,13 +4351,6 @@
   <p:clrMapOvr>
     <a:masterClrMapping/>
   </p:clrMapOvr>
-  <p:timing>
-    <p:tnLst>
-      <p:par>
-        <p:cTn id="1" dur="indefinite" restart="never" nodeType="tmRoot"/>
-      </p:par>
-    </p:tnLst>
-  </p:timing>
 </p:sld>
 </file>
 
@@ -5766,14 +4373,14 @@
       </p:grpSpPr>
       <p:sp>
         <p:nvSpPr>
-          <p:cNvPr id="2" name="矩形 1"/>
+          <p:cNvPr id="4" name="矩形 3"/>
           <p:cNvSpPr/>
           <p:nvPr/>
         </p:nvSpPr>
         <p:spPr>
           <a:xfrm>
-            <a:off x="0" y="0"/>
-            <a:ext cx="12192000" cy="6858000"/>
+            <a:off x="0" y="620713"/>
+            <a:ext cx="10535478" cy="5616575"/>
           </a:xfrm>
           <a:prstGeom prst="rect">
             <a:avLst/>
@@ -5812,14 +4419,14 @@
       </p:sp>
       <p:sp>
         <p:nvSpPr>
-          <p:cNvPr id="3" name="矩形 2"/>
+          <p:cNvPr id="5" name="矩形 4"/>
           <p:cNvSpPr/>
           <p:nvPr/>
         </p:nvSpPr>
         <p:spPr>
           <a:xfrm>
-            <a:off x="1510748" y="0"/>
-            <a:ext cx="993913" cy="2708275"/>
+            <a:off x="-19878" y="1185332"/>
+            <a:ext cx="3480362" cy="504000"/>
           </a:xfrm>
           <a:prstGeom prst="rect">
             <a:avLst/>
@@ -5858,14 +4465,14 @@
       </p:sp>
       <p:sp>
         <p:nvSpPr>
-          <p:cNvPr id="4" name="文本框 3"/>
+          <p:cNvPr id="7" name="文本框 6"/>
           <p:cNvSpPr txBox="1"/>
           <p:nvPr/>
         </p:nvSpPr>
         <p:spPr>
           <a:xfrm>
-            <a:off x="1550504" y="1642040"/>
-            <a:ext cx="1212574" cy="830997"/>
+            <a:off x="-101414" y="1101308"/>
+            <a:ext cx="4060163" cy="584775"/>
           </a:xfrm>
           <a:prstGeom prst="rect">
             <a:avLst/>
@@ -5879,9 +4486,341 @@
           <a:lstStyle/>
           <a:p>
             <a:r>
-              <a:rPr lang="en-US" altLang="zh-CN" sz="4800" dirty="0" smtClean="0">
+              <a:rPr lang="zh-CN" altLang="en-US" sz="3200" b="1" dirty="0">
+                <a:latin typeface="幼圆" panose="02010509060101010101" pitchFamily="49" charset="-122"/>
+                <a:ea typeface="幼圆" panose="02010509060101010101" pitchFamily="49" charset="-122"/>
+              </a:rPr>
+              <a:t>界面原型的分类</a:t>
+            </a:r>
+          </a:p>
+        </p:txBody>
+      </p:sp>
+      <p:sp>
+        <p:nvSpPr>
+          <p:cNvPr id="10" name="文本框 9"/>
+          <p:cNvSpPr txBox="1"/>
+          <p:nvPr/>
+        </p:nvSpPr>
+        <p:spPr>
+          <a:xfrm>
+            <a:off x="5426765" y="3429000"/>
+            <a:ext cx="1212574" cy="830997"/>
+          </a:xfrm>
+          <a:prstGeom prst="rect">
+            <a:avLst/>
+          </a:prstGeom>
+          <a:noFill/>
+        </p:spPr>
+        <p:txBody>
+          <a:bodyPr wrap="square" rtlCol="0">
+            <a:spAutoFit/>
+          </a:bodyPr>
+          <a:lstStyle/>
+          <a:p>
+            <a:r>
+              <a:rPr lang="en-US" altLang="zh-CN" sz="4800" dirty="0">
                 <a:solidFill>
-                  <a:srgbClr val="DB5355"/>
+                  <a:schemeClr val="bg1"/>
+                </a:solidFill>
+                <a:latin typeface="Broadway" panose="04040905080B02020502" pitchFamily="82" charset="0"/>
+              </a:rPr>
+              <a:t>05</a:t>
+            </a:r>
+            <a:endParaRPr lang="zh-CN" altLang="en-US" sz="4800" dirty="0">
+              <a:solidFill>
+                <a:schemeClr val="bg1"/>
+              </a:solidFill>
+              <a:latin typeface="Broadway" panose="04040905080B02020502" pitchFamily="82" charset="0"/>
+            </a:endParaRPr>
+          </a:p>
+        </p:txBody>
+      </p:sp>
+      <p:sp>
+        <p:nvSpPr>
+          <p:cNvPr id="17" name="文本框 16"/>
+          <p:cNvSpPr txBox="1"/>
+          <p:nvPr/>
+        </p:nvSpPr>
+        <p:spPr>
+          <a:xfrm>
+            <a:off x="6301407" y="3582888"/>
+            <a:ext cx="3571461" cy="523220"/>
+          </a:xfrm>
+          <a:prstGeom prst="rect">
+            <a:avLst/>
+          </a:prstGeom>
+          <a:noFill/>
+        </p:spPr>
+        <p:txBody>
+          <a:bodyPr wrap="square" rtlCol="0">
+            <a:spAutoFit/>
+          </a:bodyPr>
+          <a:lstStyle/>
+          <a:p>
+            <a:r>
+              <a:rPr lang="zh-CN" altLang="en-US" sz="2800" b="1" dirty="0">
+                <a:solidFill>
+                  <a:schemeClr val="bg1"/>
+                </a:solidFill>
+                <a:latin typeface="微软雅黑" panose="020B0503020204020204" pitchFamily="34" charset="-122"/>
+                <a:ea typeface="微软雅黑" panose="020B0503020204020204" pitchFamily="34" charset="-122"/>
+              </a:rPr>
+              <a:t>纸上原型</a:t>
+            </a:r>
+          </a:p>
+        </p:txBody>
+      </p:sp>
+      <p:sp>
+        <p:nvSpPr>
+          <p:cNvPr id="24" name="文本框 23"/>
+          <p:cNvSpPr txBox="1"/>
+          <p:nvPr/>
+        </p:nvSpPr>
+        <p:spPr>
+          <a:xfrm>
+            <a:off x="5466522" y="2019727"/>
+            <a:ext cx="1212574" cy="830997"/>
+          </a:xfrm>
+          <a:prstGeom prst="rect">
+            <a:avLst/>
+          </a:prstGeom>
+          <a:noFill/>
+        </p:spPr>
+        <p:txBody>
+          <a:bodyPr wrap="square" rtlCol="0">
+            <a:spAutoFit/>
+          </a:bodyPr>
+          <a:lstStyle/>
+          <a:p>
+            <a:r>
+              <a:rPr lang="en-US" altLang="zh-CN" sz="4800" dirty="0">
+                <a:solidFill>
+                  <a:schemeClr val="bg1"/>
+                </a:solidFill>
+                <a:latin typeface="Broadway" panose="04040905080B02020502" pitchFamily="82" charset="0"/>
+              </a:rPr>
+              <a:t>04</a:t>
+            </a:r>
+            <a:endParaRPr lang="zh-CN" altLang="en-US" sz="4800" dirty="0">
+              <a:solidFill>
+                <a:schemeClr val="bg1"/>
+              </a:solidFill>
+              <a:latin typeface="Broadway" panose="04040905080B02020502" pitchFamily="82" charset="0"/>
+            </a:endParaRPr>
+          </a:p>
+        </p:txBody>
+      </p:sp>
+      <p:sp>
+        <p:nvSpPr>
+          <p:cNvPr id="25" name="文本框 24"/>
+          <p:cNvSpPr txBox="1"/>
+          <p:nvPr/>
+        </p:nvSpPr>
+        <p:spPr>
+          <a:xfrm>
+            <a:off x="6341164" y="2173615"/>
+            <a:ext cx="3571461" cy="523220"/>
+          </a:xfrm>
+          <a:prstGeom prst="rect">
+            <a:avLst/>
+          </a:prstGeom>
+          <a:noFill/>
+        </p:spPr>
+        <p:txBody>
+          <a:bodyPr wrap="square" rtlCol="0">
+            <a:spAutoFit/>
+          </a:bodyPr>
+          <a:lstStyle/>
+          <a:p>
+            <a:r>
+              <a:rPr lang="zh-CN" altLang="en-US" sz="2800" b="1" dirty="0">
+                <a:solidFill>
+                  <a:schemeClr val="bg1"/>
+                </a:solidFill>
+                <a:latin typeface="微软雅黑" panose="020B0503020204020204" pitchFamily="34" charset="-122"/>
+                <a:ea typeface="微软雅黑" panose="020B0503020204020204" pitchFamily="34" charset="-122"/>
+              </a:rPr>
+              <a:t>演化性原型</a:t>
+            </a:r>
+          </a:p>
+        </p:txBody>
+      </p:sp>
+      <p:sp>
+        <p:nvSpPr>
+          <p:cNvPr id="37" name="文本框 36"/>
+          <p:cNvSpPr txBox="1"/>
+          <p:nvPr/>
+        </p:nvSpPr>
+        <p:spPr>
+          <a:xfrm>
+            <a:off x="5426765" y="4838273"/>
+            <a:ext cx="1212574" cy="830997"/>
+          </a:xfrm>
+          <a:prstGeom prst="rect">
+            <a:avLst/>
+          </a:prstGeom>
+          <a:noFill/>
+        </p:spPr>
+        <p:txBody>
+          <a:bodyPr wrap="square" rtlCol="0">
+            <a:spAutoFit/>
+          </a:bodyPr>
+          <a:lstStyle/>
+          <a:p>
+            <a:r>
+              <a:rPr lang="en-US" altLang="zh-CN" sz="4800" dirty="0">
+                <a:solidFill>
+                  <a:schemeClr val="bg1"/>
+                </a:solidFill>
+                <a:latin typeface="Broadway" panose="04040905080B02020502" pitchFamily="82" charset="0"/>
+              </a:rPr>
+              <a:t>06</a:t>
+            </a:r>
+            <a:endParaRPr lang="zh-CN" altLang="en-US" sz="4800" dirty="0">
+              <a:solidFill>
+                <a:schemeClr val="bg1"/>
+              </a:solidFill>
+              <a:latin typeface="Broadway" panose="04040905080B02020502" pitchFamily="82" charset="0"/>
+            </a:endParaRPr>
+          </a:p>
+        </p:txBody>
+      </p:sp>
+      <p:sp>
+        <p:nvSpPr>
+          <p:cNvPr id="38" name="文本框 37"/>
+          <p:cNvSpPr txBox="1"/>
+          <p:nvPr/>
+        </p:nvSpPr>
+        <p:spPr>
+          <a:xfrm>
+            <a:off x="6301407" y="4992161"/>
+            <a:ext cx="3571461" cy="523220"/>
+          </a:xfrm>
+          <a:prstGeom prst="rect">
+            <a:avLst/>
+          </a:prstGeom>
+          <a:noFill/>
+        </p:spPr>
+        <p:txBody>
+          <a:bodyPr wrap="square" rtlCol="0">
+            <a:spAutoFit/>
+          </a:bodyPr>
+          <a:lstStyle/>
+          <a:p>
+            <a:r>
+              <a:rPr lang="zh-CN" altLang="en-US" sz="2800" b="1" dirty="0">
+                <a:solidFill>
+                  <a:schemeClr val="bg1"/>
+                </a:solidFill>
+                <a:latin typeface="微软雅黑" panose="020B0503020204020204" pitchFamily="34" charset="-122"/>
+                <a:ea typeface="微软雅黑" panose="020B0503020204020204" pitchFamily="34" charset="-122"/>
+              </a:rPr>
+              <a:t>电子原型</a:t>
+            </a:r>
+          </a:p>
+        </p:txBody>
+      </p:sp>
+      <p:sp>
+        <p:nvSpPr>
+          <p:cNvPr id="78" name="文本框 77"/>
+          <p:cNvSpPr txBox="1"/>
+          <p:nvPr/>
+        </p:nvSpPr>
+        <p:spPr>
+          <a:xfrm>
+            <a:off x="636104" y="3409122"/>
+            <a:ext cx="1212574" cy="830997"/>
+          </a:xfrm>
+          <a:prstGeom prst="rect">
+            <a:avLst/>
+          </a:prstGeom>
+          <a:noFill/>
+        </p:spPr>
+        <p:txBody>
+          <a:bodyPr wrap="square" rtlCol="0">
+            <a:spAutoFit/>
+          </a:bodyPr>
+          <a:lstStyle/>
+          <a:p>
+            <a:r>
+              <a:rPr lang="en-US" altLang="zh-CN" sz="4800" dirty="0">
+                <a:solidFill>
+                  <a:schemeClr val="bg1"/>
+                </a:solidFill>
+                <a:latin typeface="Broadway" panose="04040905080B02020502" pitchFamily="82" charset="0"/>
+              </a:rPr>
+              <a:t>02</a:t>
+            </a:r>
+            <a:endParaRPr lang="zh-CN" altLang="en-US" sz="4800" dirty="0">
+              <a:solidFill>
+                <a:schemeClr val="bg1"/>
+              </a:solidFill>
+              <a:latin typeface="Broadway" panose="04040905080B02020502" pitchFamily="82" charset="0"/>
+            </a:endParaRPr>
+          </a:p>
+        </p:txBody>
+      </p:sp>
+      <p:sp>
+        <p:nvSpPr>
+          <p:cNvPr id="79" name="文本框 78"/>
+          <p:cNvSpPr txBox="1"/>
+          <p:nvPr/>
+        </p:nvSpPr>
+        <p:spPr>
+          <a:xfrm>
+            <a:off x="1510746" y="3563010"/>
+            <a:ext cx="3571461" cy="523220"/>
+          </a:xfrm>
+          <a:prstGeom prst="rect">
+            <a:avLst/>
+          </a:prstGeom>
+          <a:noFill/>
+        </p:spPr>
+        <p:txBody>
+          <a:bodyPr wrap="square" rtlCol="0">
+            <a:spAutoFit/>
+          </a:bodyPr>
+          <a:lstStyle/>
+          <a:p>
+            <a:r>
+              <a:rPr lang="zh-CN" altLang="en-US" sz="2800" b="1" dirty="0">
+                <a:solidFill>
+                  <a:schemeClr val="bg1"/>
+                </a:solidFill>
+                <a:latin typeface="微软雅黑" panose="020B0503020204020204" pitchFamily="34" charset="-122"/>
+                <a:ea typeface="微软雅黑" panose="020B0503020204020204" pitchFamily="34" charset="-122"/>
+              </a:rPr>
+              <a:t>概念证明原型</a:t>
+            </a:r>
+          </a:p>
+        </p:txBody>
+      </p:sp>
+      <p:sp>
+        <p:nvSpPr>
+          <p:cNvPr id="76" name="文本框 75"/>
+          <p:cNvSpPr txBox="1"/>
+          <p:nvPr/>
+        </p:nvSpPr>
+        <p:spPr>
+          <a:xfrm>
+            <a:off x="675861" y="1999849"/>
+            <a:ext cx="1212574" cy="830997"/>
+          </a:xfrm>
+          <a:prstGeom prst="rect">
+            <a:avLst/>
+          </a:prstGeom>
+          <a:noFill/>
+        </p:spPr>
+        <p:txBody>
+          <a:bodyPr wrap="square" rtlCol="0">
+            <a:spAutoFit/>
+          </a:bodyPr>
+          <a:lstStyle/>
+          <a:p>
+            <a:r>
+              <a:rPr lang="en-US" altLang="zh-CN" sz="4800" dirty="0">
+                <a:solidFill>
+                  <a:schemeClr val="bg1"/>
                 </a:solidFill>
                 <a:latin typeface="Broadway" panose="04040905080B02020502" pitchFamily="82" charset="0"/>
               </a:rPr>
@@ -5889,7 +4828,7 @@
             </a:r>
             <a:endParaRPr lang="zh-CN" altLang="en-US" sz="4800" dirty="0">
               <a:solidFill>
-                <a:srgbClr val="DB5355"/>
+                <a:schemeClr val="bg1"/>
               </a:solidFill>
               <a:latin typeface="Broadway" panose="04040905080B02020502" pitchFamily="82" charset="0"/>
             </a:endParaRPr>
@@ -5898,14 +4837,14 @@
       </p:sp>
       <p:sp>
         <p:nvSpPr>
-          <p:cNvPr id="5" name="文本框 4"/>
+          <p:cNvPr id="77" name="文本框 76"/>
           <p:cNvSpPr txBox="1"/>
           <p:nvPr/>
         </p:nvSpPr>
         <p:spPr>
           <a:xfrm>
-            <a:off x="3867426" y="1708773"/>
-            <a:ext cx="1659467" cy="523220"/>
+            <a:off x="1550503" y="2153737"/>
+            <a:ext cx="3571461" cy="523220"/>
           </a:xfrm>
           <a:prstGeom prst="rect">
             <a:avLst/>
@@ -5923,31 +4862,64 @@
                 <a:solidFill>
                   <a:schemeClr val="bg1"/>
                 </a:solidFill>
-                <a:latin typeface="幼圆" panose="02010509060101010101" pitchFamily="49" charset="-122"/>
-                <a:ea typeface="幼圆" panose="02010509060101010101" pitchFamily="49" charset="-122"/>
+                <a:latin typeface="微软雅黑" panose="020B0503020204020204" pitchFamily="34" charset="-122"/>
+                <a:ea typeface="微软雅黑" panose="020B0503020204020204" pitchFamily="34" charset="-122"/>
               </a:rPr>
-              <a:t>请在此处</a:t>
-            </a:r>
-            <a:endParaRPr lang="zh-CN" altLang="en-US" sz="2800" b="1" dirty="0">
+              <a:t>实物原型</a:t>
+            </a:r>
+          </a:p>
+        </p:txBody>
+      </p:sp>
+      <p:sp>
+        <p:nvSpPr>
+          <p:cNvPr id="74" name="文本框 73"/>
+          <p:cNvSpPr txBox="1"/>
+          <p:nvPr/>
+        </p:nvSpPr>
+        <p:spPr>
+          <a:xfrm>
+            <a:off x="636104" y="4818395"/>
+            <a:ext cx="1212574" cy="830997"/>
+          </a:xfrm>
+          <a:prstGeom prst="rect">
+            <a:avLst/>
+          </a:prstGeom>
+          <a:noFill/>
+        </p:spPr>
+        <p:txBody>
+          <a:bodyPr wrap="square" rtlCol="0">
+            <a:spAutoFit/>
+          </a:bodyPr>
+          <a:lstStyle/>
+          <a:p>
+            <a:r>
+              <a:rPr lang="en-US" altLang="zh-CN" sz="4800" dirty="0">
+                <a:solidFill>
+                  <a:schemeClr val="bg1"/>
+                </a:solidFill>
+                <a:latin typeface="Broadway" panose="04040905080B02020502" pitchFamily="82" charset="0"/>
+              </a:rPr>
+              <a:t>03</a:t>
+            </a:r>
+            <a:endParaRPr lang="zh-CN" altLang="en-US" sz="4800" dirty="0">
               <a:solidFill>
                 <a:schemeClr val="bg1"/>
               </a:solidFill>
-              <a:latin typeface="幼圆" panose="02010509060101010101" pitchFamily="49" charset="-122"/>
-              <a:ea typeface="幼圆" panose="02010509060101010101" pitchFamily="49" charset="-122"/>
+              <a:latin typeface="Broadway" panose="04040905080B02020502" pitchFamily="82" charset="0"/>
             </a:endParaRPr>
           </a:p>
         </p:txBody>
       </p:sp>
       <p:sp>
         <p:nvSpPr>
-          <p:cNvPr id="6" name="文本框 5"/>
+          <p:cNvPr id="75" name="文本框 74"/>
           <p:cNvSpPr txBox="1"/>
           <p:nvPr/>
         </p:nvSpPr>
         <p:spPr>
           <a:xfrm>
-            <a:off x="3850493" y="2117013"/>
-            <a:ext cx="5333264" cy="769441"/>
+            <a:off x="1510746" y="4972283"/>
+            <a:ext cx="3571461" cy="523220"/>
           </a:xfrm>
           <a:prstGeom prst="rect">
             <a:avLst/>
@@ -5961,194 +4933,15 @@
           <a:lstStyle/>
           <a:p>
             <a:r>
-              <a:rPr lang="zh-CN" altLang="en-US" sz="4400" b="1" dirty="0" smtClean="0">
+              <a:rPr lang="zh-CN" altLang="en-US" sz="2800" b="1" dirty="0">
                 <a:solidFill>
                   <a:schemeClr val="bg1"/>
                 </a:solidFill>
-                <a:latin typeface="幼圆" panose="02010509060101010101" pitchFamily="49" charset="-122"/>
-                <a:ea typeface="幼圆" panose="02010509060101010101" pitchFamily="49" charset="-122"/>
+                <a:latin typeface="微软雅黑" panose="020B0503020204020204" pitchFamily="34" charset="-122"/>
+                <a:ea typeface="微软雅黑" panose="020B0503020204020204" pitchFamily="34" charset="-122"/>
               </a:rPr>
-              <a:t>添加幻灯片分节标题</a:t>
-            </a:r>
-            <a:endParaRPr lang="zh-CN" altLang="en-US" sz="4400" b="1" dirty="0">
-              <a:solidFill>
-                <a:schemeClr val="bg1"/>
-              </a:solidFill>
-              <a:latin typeface="幼圆" panose="02010509060101010101" pitchFamily="49" charset="-122"/>
-              <a:ea typeface="幼圆" panose="02010509060101010101" pitchFamily="49" charset="-122"/>
-            </a:endParaRPr>
-          </a:p>
-        </p:txBody>
-      </p:sp>
-      <p:sp>
-        <p:nvSpPr>
-          <p:cNvPr id="7" name="文本框 6"/>
-          <p:cNvSpPr txBox="1"/>
-          <p:nvPr/>
-        </p:nvSpPr>
-        <p:spPr>
-          <a:xfrm>
-            <a:off x="3901295" y="2828744"/>
-            <a:ext cx="4758267" cy="461665"/>
-          </a:xfrm>
-          <a:prstGeom prst="rect">
-            <a:avLst/>
-          </a:prstGeom>
-          <a:noFill/>
-        </p:spPr>
-        <p:txBody>
-          <a:bodyPr wrap="square" rtlCol="0">
-            <a:spAutoFit/>
-          </a:bodyPr>
-          <a:lstStyle/>
-          <a:p>
-            <a:r>
-              <a:rPr lang="en-US" altLang="zh-CN" sz="2400" dirty="0" smtClean="0">
-                <a:solidFill>
-                  <a:schemeClr val="bg1"/>
-                </a:solidFill>
-              </a:rPr>
-              <a:t>Please add your slide title here</a:t>
-            </a:r>
-            <a:endParaRPr lang="zh-CN" altLang="en-US" sz="2400" dirty="0">
-              <a:solidFill>
-                <a:schemeClr val="bg1"/>
-              </a:solidFill>
-            </a:endParaRPr>
-          </a:p>
-        </p:txBody>
-      </p:sp>
-      <p:sp>
-        <p:nvSpPr>
-          <p:cNvPr id="8" name="矩形 7"/>
-          <p:cNvSpPr/>
-          <p:nvPr/>
-        </p:nvSpPr>
-        <p:spPr>
-          <a:xfrm>
-            <a:off x="0" y="5206448"/>
-            <a:ext cx="12364278" cy="45719"/>
-          </a:xfrm>
-          <a:prstGeom prst="rect">
-            <a:avLst/>
-          </a:prstGeom>
-          <a:solidFill>
-            <a:schemeClr val="bg1"/>
-          </a:solidFill>
-          <a:ln>
-            <a:noFill/>
-          </a:ln>
-        </p:spPr>
-        <p:style>
-          <a:lnRef idx="2">
-            <a:schemeClr val="accent1">
-              <a:shade val="50000"/>
-            </a:schemeClr>
-          </a:lnRef>
-          <a:fillRef idx="1">
-            <a:schemeClr val="accent1"/>
-          </a:fillRef>
-          <a:effectRef idx="0">
-            <a:schemeClr val="accent1"/>
-          </a:effectRef>
-          <a:fontRef idx="minor">
-            <a:schemeClr val="lt1"/>
-          </a:fontRef>
-        </p:style>
-        <p:txBody>
-          <a:bodyPr rtlCol="0" anchor="ctr"/>
-          <a:lstStyle/>
-          <a:p>
-            <a:pPr algn="ctr"/>
-            <a:endParaRPr lang="zh-CN" altLang="en-US"/>
-          </a:p>
-        </p:txBody>
-      </p:sp>
-      <p:sp>
-        <p:nvSpPr>
-          <p:cNvPr id="9" name="文本框 8"/>
-          <p:cNvSpPr txBox="1"/>
-          <p:nvPr/>
-        </p:nvSpPr>
-        <p:spPr>
-          <a:xfrm>
-            <a:off x="4610285" y="1115782"/>
-            <a:ext cx="2573865" cy="584775"/>
-          </a:xfrm>
-          <a:prstGeom prst="rect">
-            <a:avLst/>
-          </a:prstGeom>
-          <a:noFill/>
-        </p:spPr>
-        <p:txBody>
-          <a:bodyPr wrap="square" rtlCol="0">
-            <a:spAutoFit/>
-          </a:bodyPr>
-          <a:lstStyle/>
-          <a:p>
-            <a:r>
-              <a:rPr lang="en-US" altLang="zh-CN" sz="3200" dirty="0" smtClean="0">
-                <a:solidFill>
-                  <a:schemeClr val="bg1"/>
-                </a:solidFill>
-              </a:rPr>
-              <a:t>ADD LOGO</a:t>
-            </a:r>
-            <a:endParaRPr lang="zh-CN" altLang="en-US" sz="3200" dirty="0">
-              <a:solidFill>
-                <a:schemeClr val="bg1"/>
-              </a:solidFill>
-            </a:endParaRPr>
-          </a:p>
-        </p:txBody>
-      </p:sp>
-      <p:sp>
-        <p:nvSpPr>
-          <p:cNvPr id="10" name="矩形 9"/>
-          <p:cNvSpPr/>
-          <p:nvPr/>
-        </p:nvSpPr>
-        <p:spPr>
-          <a:xfrm>
-            <a:off x="4020562" y="1097653"/>
-            <a:ext cx="508000" cy="508000"/>
-          </a:xfrm>
-          <a:prstGeom prst="rect">
-            <a:avLst/>
-          </a:prstGeom>
-          <a:solidFill>
-            <a:schemeClr val="bg1"/>
-          </a:solidFill>
-          <a:ln>
-            <a:noFill/>
-          </a:ln>
-        </p:spPr>
-        <p:style>
-          <a:lnRef idx="2">
-            <a:schemeClr val="accent1">
-              <a:shade val="50000"/>
-            </a:schemeClr>
-          </a:lnRef>
-          <a:fillRef idx="1">
-            <a:schemeClr val="accent1"/>
-          </a:fillRef>
-          <a:effectRef idx="0">
-            <a:schemeClr val="accent1"/>
-          </a:effectRef>
-          <a:fontRef idx="minor">
-            <a:schemeClr val="lt1"/>
-          </a:fontRef>
-        </p:style>
-        <p:txBody>
-          <a:bodyPr rtlCol="0" anchor="ctr"/>
-          <a:lstStyle/>
-          <a:p>
-            <a:pPr algn="ctr"/>
-            <a:endParaRPr lang="zh-CN" altLang="en-US">
-              <a:solidFill>
-                <a:schemeClr val="bg1"/>
-              </a:solidFill>
-            </a:endParaRPr>
+              <a:t>抛弃型原型</a:t>
+            </a:r>
           </a:p>
         </p:txBody>
       </p:sp>
@@ -6157,13 +4950,6 @@
   <p:clrMapOvr>
     <a:masterClrMapping/>
   </p:clrMapOvr>
-  <p:timing>
-    <p:tnLst>
-      <p:par>
-        <p:cTn id="1" dur="indefinite" restart="never" nodeType="tmRoot"/>
-      </p:par>
-    </p:tnLst>
-  </p:timing>
 </p:sld>
 </file>
 
@@ -6186,16 +4972,16 @@
       </p:grpSpPr>
       <p:sp>
         <p:nvSpPr>
-          <p:cNvPr id="11" name="泪滴形 10"/>
+          <p:cNvPr id="6" name="矩形 5"/>
           <p:cNvSpPr/>
           <p:nvPr/>
         </p:nvSpPr>
         <p:spPr>
-          <a:xfrm rot="10800000">
-            <a:off x="6096000" y="2098676"/>
-            <a:ext cx="1524000" cy="1447800"/>
-          </a:xfrm>
-          <a:prstGeom prst="teardrop">
+          <a:xfrm>
+            <a:off x="0" y="0"/>
+            <a:ext cx="609600" cy="620713"/>
+          </a:xfrm>
+          <a:prstGeom prst="rect">
             <a:avLst/>
           </a:prstGeom>
           <a:solidFill>
@@ -6232,16 +5018,51 @@
       </p:sp>
       <p:sp>
         <p:nvSpPr>
-          <p:cNvPr id="3" name="泪滴形 2"/>
+          <p:cNvPr id="7" name="文本框 6"/>
+          <p:cNvSpPr txBox="1"/>
+          <p:nvPr/>
+        </p:nvSpPr>
+        <p:spPr>
+          <a:xfrm>
+            <a:off x="651786" y="30480"/>
+            <a:ext cx="4484094" cy="523220"/>
+          </a:xfrm>
+          <a:prstGeom prst="rect">
+            <a:avLst/>
+          </a:prstGeom>
+          <a:noFill/>
+        </p:spPr>
+        <p:txBody>
+          <a:bodyPr wrap="square" rtlCol="0">
+            <a:spAutoFit/>
+          </a:bodyPr>
+          <a:lstStyle/>
+          <a:p>
+            <a:r>
+              <a:rPr lang="zh-CN" altLang="en-US" sz="2800" b="1" dirty="0">
+                <a:solidFill>
+                  <a:srgbClr val="595959"/>
+                </a:solidFill>
+                <a:latin typeface="幼圆" panose="02010509060101010101" pitchFamily="49" charset="-122"/>
+                <a:ea typeface="幼圆" panose="02010509060101010101" pitchFamily="49" charset="-122"/>
+              </a:rPr>
+              <a:t>界面原型的分类</a:t>
+            </a:r>
+          </a:p>
+        </p:txBody>
+      </p:sp>
+      <p:sp>
+        <p:nvSpPr>
+          <p:cNvPr id="5" name="矩形 4"/>
           <p:cNvSpPr/>
           <p:nvPr/>
         </p:nvSpPr>
         <p:spPr>
           <a:xfrm>
-            <a:off x="4572000" y="3514725"/>
-            <a:ext cx="1524000" cy="1447800"/>
-          </a:xfrm>
-          <a:prstGeom prst="teardrop">
+            <a:off x="912157" y="1321911"/>
+            <a:ext cx="548640" cy="4655348"/>
+          </a:xfrm>
+          <a:prstGeom prst="rect">
             <a:avLst/>
           </a:prstGeom>
           <a:solidFill>
@@ -6278,60 +5099,14 @@
       </p:sp>
       <p:sp>
         <p:nvSpPr>
-          <p:cNvPr id="6" name="矩形 5"/>
-          <p:cNvSpPr/>
-          <p:nvPr/>
-        </p:nvSpPr>
-        <p:spPr>
-          <a:xfrm>
-            <a:off x="0" y="0"/>
-            <a:ext cx="609600" cy="620713"/>
-          </a:xfrm>
-          <a:prstGeom prst="rect">
-            <a:avLst/>
-          </a:prstGeom>
-          <a:solidFill>
-            <a:srgbClr val="DB5355"/>
-          </a:solidFill>
-          <a:ln>
-            <a:noFill/>
-          </a:ln>
-        </p:spPr>
-        <p:style>
-          <a:lnRef idx="2">
-            <a:schemeClr val="accent1">
-              <a:shade val="50000"/>
-            </a:schemeClr>
-          </a:lnRef>
-          <a:fillRef idx="1">
-            <a:schemeClr val="accent1"/>
-          </a:fillRef>
-          <a:effectRef idx="0">
-            <a:schemeClr val="accent1"/>
-          </a:effectRef>
-          <a:fontRef idx="minor">
-            <a:schemeClr val="lt1"/>
-          </a:fontRef>
-        </p:style>
-        <p:txBody>
-          <a:bodyPr rtlCol="0" anchor="ctr"/>
-          <a:lstStyle/>
-          <a:p>
-            <a:pPr algn="ctr"/>
-            <a:endParaRPr lang="zh-CN" altLang="en-US"/>
-          </a:p>
-        </p:txBody>
-      </p:sp>
-      <p:sp>
-        <p:nvSpPr>
-          <p:cNvPr id="7" name="文本框 6"/>
+          <p:cNvPr id="9" name="文本框 8"/>
           <p:cNvSpPr txBox="1"/>
           <p:nvPr/>
         </p:nvSpPr>
         <p:spPr>
           <a:xfrm>
-            <a:off x="651786" y="30480"/>
-            <a:ext cx="4484094" cy="523220"/>
+            <a:off x="854510" y="1773238"/>
+            <a:ext cx="743447" cy="584775"/>
           </a:xfrm>
           <a:prstGeom prst="rect">
             <a:avLst/>
@@ -6345,69 +5120,17 @@
           <a:lstStyle/>
           <a:p>
             <a:r>
-              <a:rPr lang="zh-CN" altLang="en-US" sz="2800" b="1" dirty="0">
+              <a:rPr lang="en-US" altLang="zh-CN" sz="3200" dirty="0">
                 <a:solidFill>
-                  <a:srgbClr val="595959"/>
-                </a:solidFill>
-                <a:latin typeface="幼圆" panose="02010509060101010101" pitchFamily="49" charset="-122"/>
-                <a:ea typeface="幼圆" panose="02010509060101010101" pitchFamily="49" charset="-122"/>
-              </a:rPr>
-              <a:t>请在</a:t>
-            </a:r>
-            <a:r>
-              <a:rPr lang="zh-CN" altLang="en-US" sz="2800" b="1" dirty="0" smtClean="0">
-                <a:solidFill>
-                  <a:srgbClr val="595959"/>
-                </a:solidFill>
-                <a:latin typeface="幼圆" panose="02010509060101010101" pitchFamily="49" charset="-122"/>
-                <a:ea typeface="幼圆" panose="02010509060101010101" pitchFamily="49" charset="-122"/>
-              </a:rPr>
-              <a:t>此处添加幻灯片标题</a:t>
-            </a:r>
-            <a:endParaRPr lang="zh-CN" altLang="en-US" sz="2800" b="1" dirty="0">
-              <a:solidFill>
-                <a:srgbClr val="595959"/>
-              </a:solidFill>
-              <a:latin typeface="幼圆" panose="02010509060101010101" pitchFamily="49" charset="-122"/>
-              <a:ea typeface="幼圆" panose="02010509060101010101" pitchFamily="49" charset="-122"/>
-            </a:endParaRPr>
-          </a:p>
-        </p:txBody>
-      </p:sp>
-      <p:sp>
-        <p:nvSpPr>
-          <p:cNvPr id="4" name="文本框 3"/>
-          <p:cNvSpPr txBox="1"/>
-          <p:nvPr/>
-        </p:nvSpPr>
-        <p:spPr>
-          <a:xfrm>
-            <a:off x="4883426" y="2439903"/>
-            <a:ext cx="1212574" cy="830997"/>
-          </a:xfrm>
-          <a:prstGeom prst="rect">
-            <a:avLst/>
-          </a:prstGeom>
-          <a:noFill/>
-        </p:spPr>
-        <p:txBody>
-          <a:bodyPr wrap="square" rtlCol="0">
-            <a:spAutoFit/>
-          </a:bodyPr>
-          <a:lstStyle/>
-          <a:p>
-            <a:r>
-              <a:rPr lang="en-US" altLang="zh-CN" sz="4800" dirty="0" smtClean="0">
-                <a:solidFill>
-                  <a:srgbClr val="DB5355"/>
+                  <a:schemeClr val="bg1"/>
                 </a:solidFill>
                 <a:latin typeface="Broadway" panose="04040905080B02020502" pitchFamily="82" charset="0"/>
               </a:rPr>
               <a:t>01</a:t>
             </a:r>
-            <a:endParaRPr lang="zh-CN" altLang="en-US" sz="4800" dirty="0">
+            <a:endParaRPr lang="zh-CN" altLang="en-US" sz="3200" dirty="0">
               <a:solidFill>
-                <a:srgbClr val="DB5355"/>
+                <a:schemeClr val="bg1"/>
               </a:solidFill>
               <a:latin typeface="Broadway" panose="04040905080B02020502" pitchFamily="82" charset="0"/>
             </a:endParaRPr>
@@ -6416,14 +5139,14 @@
       </p:sp>
       <p:sp>
         <p:nvSpPr>
-          <p:cNvPr id="5" name="文本框 4"/>
+          <p:cNvPr id="11" name="文本框 10"/>
           <p:cNvSpPr txBox="1"/>
           <p:nvPr/>
         </p:nvSpPr>
         <p:spPr>
           <a:xfrm>
-            <a:off x="6442544" y="2439903"/>
-            <a:ext cx="1212574" cy="830997"/>
+            <a:off x="854510" y="2853267"/>
+            <a:ext cx="743447" cy="584775"/>
           </a:xfrm>
           <a:prstGeom prst="rect">
             <a:avLst/>
@@ -6437,7 +5160,7 @@
           <a:lstStyle/>
           <a:p>
             <a:r>
-              <a:rPr lang="en-US" altLang="zh-CN" sz="4800" dirty="0" smtClean="0">
+              <a:rPr lang="en-US" altLang="zh-CN" sz="3200" dirty="0">
                 <a:solidFill>
                   <a:schemeClr val="bg1"/>
                 </a:solidFill>
@@ -6445,7 +5168,7 @@
               </a:rPr>
               <a:t>02</a:t>
             </a:r>
-            <a:endParaRPr lang="zh-CN" altLang="en-US" sz="4800" dirty="0">
+            <a:endParaRPr lang="zh-CN" altLang="en-US" sz="3200" dirty="0">
               <a:solidFill>
                 <a:schemeClr val="bg1"/>
               </a:solidFill>
@@ -6456,14 +5179,14 @@
       </p:sp>
       <p:sp>
         <p:nvSpPr>
-          <p:cNvPr id="8" name="文本框 7"/>
+          <p:cNvPr id="12" name="文本框 11"/>
           <p:cNvSpPr txBox="1"/>
           <p:nvPr/>
         </p:nvSpPr>
         <p:spPr>
           <a:xfrm>
-            <a:off x="4883426" y="3650511"/>
-            <a:ext cx="1212574" cy="830997"/>
+            <a:off x="854510" y="3933296"/>
+            <a:ext cx="804407" cy="584775"/>
           </a:xfrm>
           <a:prstGeom prst="rect">
             <a:avLst/>
@@ -6477,7 +5200,7 @@
           <a:lstStyle/>
           <a:p>
             <a:r>
-              <a:rPr lang="en-US" altLang="zh-CN" sz="4800" dirty="0" smtClean="0">
+              <a:rPr lang="en-US" altLang="zh-CN" sz="3200" dirty="0">
                 <a:solidFill>
                   <a:schemeClr val="bg1"/>
                 </a:solidFill>
@@ -6485,7 +5208,7 @@
               </a:rPr>
               <a:t>03</a:t>
             </a:r>
-            <a:endParaRPr lang="zh-CN" altLang="en-US" sz="4800" dirty="0">
+            <a:endParaRPr lang="zh-CN" altLang="en-US" sz="3200" dirty="0">
               <a:solidFill>
                 <a:schemeClr val="bg1"/>
               </a:solidFill>
@@ -6496,14 +5219,14 @@
       </p:sp>
       <p:sp>
         <p:nvSpPr>
-          <p:cNvPr id="9" name="文本框 8"/>
+          <p:cNvPr id="13" name="文本框 12"/>
           <p:cNvSpPr txBox="1"/>
           <p:nvPr/>
         </p:nvSpPr>
         <p:spPr>
           <a:xfrm>
-            <a:off x="6442544" y="3650511"/>
-            <a:ext cx="1212574" cy="830997"/>
+            <a:off x="854510" y="5013325"/>
+            <a:ext cx="728207" cy="584775"/>
           </a:xfrm>
           <a:prstGeom prst="rect">
             <a:avLst/>
@@ -6517,17 +5240,17 @@
           <a:lstStyle/>
           <a:p>
             <a:r>
-              <a:rPr lang="en-US" altLang="zh-CN" sz="4800" dirty="0" smtClean="0">
+              <a:rPr lang="en-US" altLang="zh-CN" sz="3200" dirty="0">
                 <a:solidFill>
-                  <a:srgbClr val="DB5355"/>
+                  <a:schemeClr val="bg1"/>
                 </a:solidFill>
                 <a:latin typeface="Broadway" panose="04040905080B02020502" pitchFamily="82" charset="0"/>
               </a:rPr>
               <a:t>04</a:t>
             </a:r>
-            <a:endParaRPr lang="zh-CN" altLang="en-US" sz="4800" dirty="0">
+            <a:endParaRPr lang="zh-CN" altLang="en-US" sz="3200" dirty="0">
               <a:solidFill>
-                <a:srgbClr val="DB5355"/>
+                <a:schemeClr val="bg1"/>
               </a:solidFill>
               <a:latin typeface="Broadway" panose="04040905080B02020502" pitchFamily="82" charset="0"/>
             </a:endParaRPr>
@@ -6536,14 +5259,14 @@
       </p:sp>
       <p:sp>
         <p:nvSpPr>
-          <p:cNvPr id="13" name="文本框 12"/>
+          <p:cNvPr id="14" name="文本框 13"/>
           <p:cNvSpPr txBox="1"/>
           <p:nvPr/>
         </p:nvSpPr>
         <p:spPr>
           <a:xfrm>
-            <a:off x="602615" y="1913014"/>
-            <a:ext cx="4358640" cy="799706"/>
+            <a:off x="1750357" y="2769553"/>
+            <a:ext cx="8767980" cy="855812"/>
           </a:xfrm>
           <a:prstGeom prst="rect">
             <a:avLst/>
@@ -6562,75 +5285,119 @@
               </a:lnSpc>
             </a:pPr>
             <a:r>
-              <a:rPr lang="zh-CN" altLang="en-US" sz="2000" dirty="0" smtClean="0">
+              <a:rPr lang="zh-CN" altLang="en-US" sz="2400" b="1" dirty="0">
+                <a:latin typeface="+mn-ea"/>
+              </a:rPr>
+              <a:t>概念证明原型</a:t>
+            </a:r>
+            <a:r>
+              <a:rPr lang="zh-CN" altLang="en-US" sz="2000" dirty="0">
+                <a:latin typeface="+mn-ea"/>
+              </a:rPr>
+              <a:t>，又称“垂直原型”，在所有技术服务层次上从用户界面实现一部分应用功能。</a:t>
+            </a:r>
+            <a:endParaRPr lang="zh-CN" altLang="en-US" sz="2400" dirty="0">
+              <a:solidFill>
+                <a:srgbClr val="595959"/>
+              </a:solidFill>
+              <a:latin typeface="+mn-ea"/>
+            </a:endParaRPr>
+          </a:p>
+        </p:txBody>
+      </p:sp>
+      <p:sp>
+        <p:nvSpPr>
+          <p:cNvPr id="15" name="文本框 14"/>
+          <p:cNvSpPr txBox="1"/>
+          <p:nvPr/>
+        </p:nvSpPr>
+        <p:spPr>
+          <a:xfrm>
+            <a:off x="1750356" y="1697038"/>
+            <a:ext cx="8767981" cy="1242904"/>
+          </a:xfrm>
+          <a:prstGeom prst="rect">
+            <a:avLst/>
+          </a:prstGeom>
+          <a:noFill/>
+        </p:spPr>
+        <p:txBody>
+          <a:bodyPr wrap="square" rtlCol="0">
+            <a:spAutoFit/>
+          </a:bodyPr>
+          <a:lstStyle/>
+          <a:p>
+            <a:pPr>
+              <a:lnSpc>
+                <a:spcPct val="120000"/>
+              </a:lnSpc>
+            </a:pPr>
+            <a:r>
+              <a:rPr lang="zh-CN" altLang="en-US" sz="2400" b="1" dirty="0">
+                <a:latin typeface="宋体" panose="02010600030101010101" pitchFamily="2" charset="-122"/>
+                <a:ea typeface="宋体" panose="02010600030101010101" pitchFamily="2" charset="-122"/>
+              </a:rPr>
+              <a:t>实物原型</a:t>
+            </a:r>
+            <a:r>
+              <a:rPr lang="en-US" altLang="zh-CN" sz="2000" b="1" dirty="0">
                 <a:solidFill>
                   <a:srgbClr val="595959"/>
                 </a:solidFill>
-                <a:latin typeface="微软雅黑" panose="020B0503020204020204" pitchFamily="34" charset="-122"/>
-                <a:ea typeface="微软雅黑" panose="020B0503020204020204" pitchFamily="34" charset="-122"/>
+                <a:latin typeface="宋体" panose="02010600030101010101" pitchFamily="2" charset="-122"/>
+                <a:ea typeface="宋体" panose="02010600030101010101" pitchFamily="2" charset="-122"/>
               </a:rPr>
-              <a:t>请在此处添加内容</a:t>
+              <a:t>,</a:t>
             </a:r>
             <a:r>
               <a:rPr lang="zh-CN" altLang="en-US" sz="2000" dirty="0">
-                <a:solidFill>
-                  <a:srgbClr val="595959"/>
-                </a:solidFill>
-                <a:latin typeface="微软雅黑" panose="020B0503020204020204" pitchFamily="34" charset="-122"/>
-                <a:ea typeface="微软雅黑" panose="020B0503020204020204" pitchFamily="34" charset="-122"/>
+                <a:latin typeface="宋体" panose="02010600030101010101" pitchFamily="2" charset="-122"/>
+                <a:ea typeface="宋体" panose="02010600030101010101" pitchFamily="2" charset="-122"/>
               </a:rPr>
-              <a:t>请在此处添加</a:t>
-            </a:r>
-            <a:r>
-              <a:rPr lang="zh-CN" altLang="en-US" sz="2000" dirty="0" smtClean="0">
-                <a:solidFill>
-                  <a:srgbClr val="595959"/>
-                </a:solidFill>
-                <a:latin typeface="微软雅黑" panose="020B0503020204020204" pitchFamily="34" charset="-122"/>
-                <a:ea typeface="微软雅黑" panose="020B0503020204020204" pitchFamily="34" charset="-122"/>
+              <a:t>又称“水平原型”。实物模型重点关注</a:t>
+            </a:r>
+            <a:r>
+              <a:rPr lang="en-US" altLang="zh-CN" sz="2000" dirty="0">
+                <a:latin typeface="宋体" panose="02010600030101010101" pitchFamily="2" charset="-122"/>
+                <a:ea typeface="宋体" panose="02010600030101010101" pitchFamily="2" charset="-122"/>
               </a:rPr>
-              <a:t>内容</a:t>
+              <a:t>UI</a:t>
             </a:r>
             <a:r>
               <a:rPr lang="zh-CN" altLang="en-US" sz="2000" dirty="0">
-                <a:solidFill>
-                  <a:srgbClr val="595959"/>
-                </a:solidFill>
-                <a:latin typeface="微软雅黑" panose="020B0503020204020204" pitchFamily="34" charset="-122"/>
-                <a:ea typeface="微软雅黑" panose="020B0503020204020204" pitchFamily="34" charset="-122"/>
+                <a:latin typeface="宋体" panose="02010600030101010101" pitchFamily="2" charset="-122"/>
+                <a:ea typeface="宋体" panose="02010600030101010101" pitchFamily="2" charset="-122"/>
               </a:rPr>
-              <a:t>请在此处添加</a:t>
-            </a:r>
-            <a:r>
-              <a:rPr lang="zh-CN" altLang="en-US" sz="2000" dirty="0" smtClean="0">
-                <a:solidFill>
-                  <a:srgbClr val="595959"/>
-                </a:solidFill>
-                <a:latin typeface="微软雅黑" panose="020B0503020204020204" pitchFamily="34" charset="-122"/>
-                <a:ea typeface="微软雅黑" panose="020B0503020204020204" pitchFamily="34" charset="-122"/>
+              <a:t>，意味着它实际上没有实现行为，只是展示了一些</a:t>
+            </a:r>
+            <a:r>
+              <a:rPr lang="en-US" altLang="zh-CN" sz="2000" dirty="0">
+                <a:latin typeface="宋体" panose="02010600030101010101" pitchFamily="2" charset="-122"/>
+                <a:ea typeface="宋体" panose="02010600030101010101" pitchFamily="2" charset="-122"/>
               </a:rPr>
-              <a:t>内容</a:t>
+              <a:t>UI</a:t>
             </a:r>
             <a:r>
               <a:rPr lang="zh-CN" altLang="en-US" sz="2000" dirty="0">
-                <a:solidFill>
-                  <a:srgbClr val="595959"/>
-                </a:solidFill>
-                <a:latin typeface="微软雅黑" panose="020B0503020204020204" pitchFamily="34" charset="-122"/>
-                <a:ea typeface="微软雅黑" panose="020B0503020204020204" pitchFamily="34" charset="-122"/>
+                <a:latin typeface="宋体" panose="02010600030101010101" pitchFamily="2" charset="-122"/>
+                <a:ea typeface="宋体" panose="02010600030101010101" pitchFamily="2" charset="-122"/>
               </a:rPr>
-              <a:t>请在此处添加</a:t>
-            </a:r>
-            <a:r>
-              <a:rPr lang="zh-CN" altLang="en-US" sz="2000" dirty="0" smtClean="0">
-                <a:solidFill>
-                  <a:srgbClr val="595959"/>
-                </a:solidFill>
-                <a:latin typeface="微软雅黑" panose="020B0503020204020204" pitchFamily="34" charset="-122"/>
-                <a:ea typeface="微软雅黑" panose="020B0503020204020204" pitchFamily="34" charset="-122"/>
-              </a:rPr>
-              <a:t>内容</a:t>
-            </a:r>
+              <a:t>屏幕的一些表现形式以及其之间的导航</a:t>
+            </a:r>
+            <a:endParaRPr lang="zh-CN" altLang="en-US" sz="2000" dirty="0">
+              <a:solidFill>
+                <a:schemeClr val="bg1"/>
+              </a:solidFill>
+              <a:latin typeface="宋体" panose="02010600030101010101" pitchFamily="2" charset="-122"/>
+              <a:ea typeface="宋体" panose="02010600030101010101" pitchFamily="2" charset="-122"/>
+            </a:endParaRPr>
+          </a:p>
+          <a:p>
+            <a:pPr>
+              <a:lnSpc>
+                <a:spcPct val="120000"/>
+              </a:lnSpc>
+            </a:pPr>
             <a:endParaRPr lang="zh-CN" altLang="en-US" sz="2000" dirty="0">
               <a:solidFill>
                 <a:srgbClr val="595959"/>
@@ -6643,14 +5410,14 @@
       </p:sp>
       <p:sp>
         <p:nvSpPr>
-          <p:cNvPr id="14" name="文本框 13"/>
+          <p:cNvPr id="16" name="文本框 15"/>
           <p:cNvSpPr txBox="1"/>
           <p:nvPr/>
         </p:nvSpPr>
         <p:spPr>
           <a:xfrm>
-            <a:off x="648335" y="1479068"/>
-            <a:ext cx="4358640" cy="430374"/>
+            <a:off x="1750356" y="3781819"/>
+            <a:ext cx="8767979" cy="855812"/>
           </a:xfrm>
           <a:prstGeom prst="rect">
             <a:avLst/>
@@ -6669,35 +5436,46 @@
               </a:lnSpc>
             </a:pPr>
             <a:r>
-              <a:rPr lang="zh-CN" altLang="en-US" sz="2000" b="1" dirty="0" smtClean="0">
-                <a:solidFill>
-                  <a:srgbClr val="595959"/>
-                </a:solidFill>
-                <a:latin typeface="微软雅黑" panose="020B0503020204020204" pitchFamily="34" charset="-122"/>
-                <a:ea typeface="微软雅黑" panose="020B0503020204020204" pitchFamily="34" charset="-122"/>
+              <a:rPr lang="zh-CN" altLang="en-US" sz="2400" b="1" dirty="0">
+                <a:latin typeface="宋体" panose="02010600030101010101" pitchFamily="2" charset="-122"/>
+                <a:ea typeface="宋体" panose="02010600030101010101" pitchFamily="2" charset="-122"/>
               </a:rPr>
-              <a:t>请在此处输入正文小标题</a:t>
-            </a:r>
-            <a:endParaRPr lang="zh-CN" altLang="en-US" sz="2000" b="1" dirty="0">
+              <a:t>抛弃型原型</a:t>
+            </a:r>
+            <a:r>
+              <a:rPr lang="zh-CN" altLang="en-US" sz="2000" b="1" dirty="0">
+                <a:latin typeface="宋体" panose="02010600030101010101" pitchFamily="2" charset="-122"/>
+                <a:ea typeface="宋体" panose="02010600030101010101" pitchFamily="2" charset="-122"/>
+              </a:rPr>
+              <a:t>，</a:t>
+            </a:r>
+            <a:r>
+              <a:rPr lang="zh-CN" altLang="en-US" sz="2000" dirty="0">
+                <a:latin typeface="宋体" panose="02010600030101010101" pitchFamily="2" charset="-122"/>
+                <a:ea typeface="宋体" panose="02010600030101010101" pitchFamily="2" charset="-122"/>
+              </a:rPr>
+              <a:t>一种快速、低成本方式创建的模型，不可能成为最终交付的产品，所以又被称为不可发布原型</a:t>
+            </a:r>
+            <a:endParaRPr lang="zh-CN" altLang="en-US" sz="2000" dirty="0">
               <a:solidFill>
                 <a:srgbClr val="595959"/>
               </a:solidFill>
-              <a:latin typeface="微软雅黑" panose="020B0503020204020204" pitchFamily="34" charset="-122"/>
-              <a:ea typeface="微软雅黑" panose="020B0503020204020204" pitchFamily="34" charset="-122"/>
+              <a:latin typeface="宋体" panose="02010600030101010101" pitchFamily="2" charset="-122"/>
+              <a:ea typeface="宋体" panose="02010600030101010101" pitchFamily="2" charset="-122"/>
             </a:endParaRPr>
           </a:p>
         </p:txBody>
       </p:sp>
       <p:sp>
         <p:nvSpPr>
-          <p:cNvPr id="15" name="文本框 14"/>
+          <p:cNvPr id="17" name="文本框 16"/>
           <p:cNvSpPr txBox="1"/>
           <p:nvPr/>
         </p:nvSpPr>
         <p:spPr>
           <a:xfrm>
-            <a:off x="7398385" y="4635259"/>
-            <a:ext cx="4358640" cy="799706"/>
+            <a:off x="1750357" y="4879099"/>
+            <a:ext cx="8767978" cy="1242904"/>
           </a:xfrm>
           <a:prstGeom prst="rect">
             <a:avLst/>
@@ -6716,75 +5494,30 @@
               </a:lnSpc>
             </a:pPr>
             <a:r>
-              <a:rPr lang="zh-CN" altLang="en-US" sz="2000" dirty="0" smtClean="0">
-                <a:solidFill>
-                  <a:srgbClr val="595959"/>
-                </a:solidFill>
-                <a:latin typeface="微软雅黑" panose="020B0503020204020204" pitchFamily="34" charset="-122"/>
-                <a:ea typeface="微软雅黑" panose="020B0503020204020204" pitchFamily="34" charset="-122"/>
+              <a:rPr lang="zh-CN" altLang="en-US" sz="2400" b="1" dirty="0">
+                <a:latin typeface="宋体" panose="02010600030101010101" pitchFamily="2" charset="-122"/>
+                <a:ea typeface="宋体" panose="02010600030101010101" pitchFamily="2" charset="-122"/>
               </a:rPr>
-              <a:t>请在此处添加内容</a:t>
+              <a:t>演化性原型</a:t>
             </a:r>
             <a:r>
               <a:rPr lang="zh-CN" altLang="en-US" sz="2000" dirty="0">
-                <a:solidFill>
-                  <a:srgbClr val="595959"/>
-                </a:solidFill>
-                <a:latin typeface="微软雅黑" panose="020B0503020204020204" pitchFamily="34" charset="-122"/>
-                <a:ea typeface="微软雅黑" panose="020B0503020204020204" pitchFamily="34" charset="-122"/>
+                <a:latin typeface="宋体" panose="02010600030101010101" pitchFamily="2" charset="-122"/>
+                <a:ea typeface="宋体" panose="02010600030101010101" pitchFamily="2" charset="-122"/>
               </a:rPr>
-              <a:t>请在此处添加</a:t>
-            </a:r>
-            <a:r>
-              <a:rPr lang="zh-CN" altLang="en-US" sz="2000" dirty="0" smtClean="0">
-                <a:solidFill>
-                  <a:srgbClr val="595959"/>
-                </a:solidFill>
-                <a:latin typeface="微软雅黑" panose="020B0503020204020204" pitchFamily="34" charset="-122"/>
-                <a:ea typeface="微软雅黑" panose="020B0503020204020204" pitchFamily="34" charset="-122"/>
-              </a:rPr>
-              <a:t>内容</a:t>
-            </a:r>
-            <a:r>
-              <a:rPr lang="zh-CN" altLang="en-US" sz="2000" dirty="0">
-                <a:solidFill>
-                  <a:srgbClr val="595959"/>
-                </a:solidFill>
-                <a:latin typeface="微软雅黑" panose="020B0503020204020204" pitchFamily="34" charset="-122"/>
-                <a:ea typeface="微软雅黑" panose="020B0503020204020204" pitchFamily="34" charset="-122"/>
-              </a:rPr>
-              <a:t>请在此处添加</a:t>
-            </a:r>
-            <a:r>
-              <a:rPr lang="zh-CN" altLang="en-US" sz="2000" dirty="0" smtClean="0">
-                <a:solidFill>
-                  <a:srgbClr val="595959"/>
-                </a:solidFill>
-                <a:latin typeface="微软雅黑" panose="020B0503020204020204" pitchFamily="34" charset="-122"/>
-                <a:ea typeface="微软雅黑" panose="020B0503020204020204" pitchFamily="34" charset="-122"/>
-              </a:rPr>
-              <a:t>内容</a:t>
-            </a:r>
-            <a:r>
-              <a:rPr lang="zh-CN" altLang="en-US" sz="2000" dirty="0">
-                <a:solidFill>
-                  <a:srgbClr val="595959"/>
-                </a:solidFill>
-                <a:latin typeface="微软雅黑" panose="020B0503020204020204" pitchFamily="34" charset="-122"/>
-                <a:ea typeface="微软雅黑" panose="020B0503020204020204" pitchFamily="34" charset="-122"/>
-              </a:rPr>
-              <a:t>请在此处添加</a:t>
-            </a:r>
-            <a:r>
-              <a:rPr lang="zh-CN" altLang="en-US" sz="2000" dirty="0" smtClean="0">
-                <a:solidFill>
-                  <a:srgbClr val="595959"/>
-                </a:solidFill>
-                <a:latin typeface="微软雅黑" panose="020B0503020204020204" pitchFamily="34" charset="-122"/>
-                <a:ea typeface="微软雅黑" panose="020B0503020204020204" pitchFamily="34" charset="-122"/>
-              </a:rPr>
-              <a:t>内容</a:t>
-            </a:r>
+              <a:t>，随着时间的推移，会为增量构建产品提供一个稳固的架构基础，比如敏捷原型</a:t>
+            </a:r>
+            <a:endParaRPr lang="en-US" altLang="zh-CN" sz="2000" dirty="0">
+              <a:latin typeface="宋体" panose="02010600030101010101" pitchFamily="2" charset="-122"/>
+              <a:ea typeface="宋体" panose="02010600030101010101" pitchFamily="2" charset="-122"/>
+            </a:endParaRPr>
+          </a:p>
+          <a:p>
+            <a:pPr>
+              <a:lnSpc>
+                <a:spcPct val="120000"/>
+              </a:lnSpc>
+            </a:pPr>
             <a:endParaRPr lang="zh-CN" altLang="en-US" sz="2000" dirty="0">
               <a:solidFill>
                 <a:srgbClr val="595959"/>
@@ -6795,373 +5528,11 @@
           </a:p>
         </p:txBody>
       </p:sp>
-      <p:sp>
-        <p:nvSpPr>
-          <p:cNvPr id="16" name="文本框 15"/>
-          <p:cNvSpPr txBox="1"/>
-          <p:nvPr/>
-        </p:nvSpPr>
-        <p:spPr>
-          <a:xfrm>
-            <a:off x="7444105" y="4201313"/>
-            <a:ext cx="4358640" cy="430374"/>
-          </a:xfrm>
-          <a:prstGeom prst="rect">
-            <a:avLst/>
-          </a:prstGeom>
-          <a:noFill/>
-        </p:spPr>
-        <p:txBody>
-          <a:bodyPr wrap="square" rtlCol="0">
-            <a:spAutoFit/>
-          </a:bodyPr>
-          <a:lstStyle/>
-          <a:p>
-            <a:pPr>
-              <a:lnSpc>
-                <a:spcPct val="120000"/>
-              </a:lnSpc>
-            </a:pPr>
-            <a:r>
-              <a:rPr lang="zh-CN" altLang="en-US" sz="2000" b="1" dirty="0" smtClean="0">
-                <a:solidFill>
-                  <a:srgbClr val="595959"/>
-                </a:solidFill>
-                <a:latin typeface="微软雅黑" panose="020B0503020204020204" pitchFamily="34" charset="-122"/>
-                <a:ea typeface="微软雅黑" panose="020B0503020204020204" pitchFamily="34" charset="-122"/>
-              </a:rPr>
-              <a:t>请在此处输入正文小标题</a:t>
-            </a:r>
-            <a:endParaRPr lang="zh-CN" altLang="en-US" sz="2000" b="1" dirty="0">
-              <a:solidFill>
-                <a:srgbClr val="595959"/>
-              </a:solidFill>
-              <a:latin typeface="微软雅黑" panose="020B0503020204020204" pitchFamily="34" charset="-122"/>
-              <a:ea typeface="微软雅黑" panose="020B0503020204020204" pitchFamily="34" charset="-122"/>
-            </a:endParaRPr>
-          </a:p>
-        </p:txBody>
-      </p:sp>
-      <p:sp>
-        <p:nvSpPr>
-          <p:cNvPr id="17" name="文本框 16"/>
-          <p:cNvSpPr txBox="1"/>
-          <p:nvPr/>
-        </p:nvSpPr>
-        <p:spPr>
-          <a:xfrm>
-            <a:off x="7047865" y="1254762"/>
-            <a:ext cx="4358640" cy="799706"/>
-          </a:xfrm>
-          <a:prstGeom prst="rect">
-            <a:avLst/>
-          </a:prstGeom>
-          <a:noFill/>
-        </p:spPr>
-        <p:txBody>
-          <a:bodyPr wrap="square" rtlCol="0">
-            <a:spAutoFit/>
-          </a:bodyPr>
-          <a:lstStyle/>
-          <a:p>
-            <a:pPr>
-              <a:lnSpc>
-                <a:spcPct val="120000"/>
-              </a:lnSpc>
-            </a:pPr>
-            <a:r>
-              <a:rPr lang="zh-CN" altLang="en-US" sz="2000" dirty="0" smtClean="0">
-                <a:solidFill>
-                  <a:srgbClr val="595959"/>
-                </a:solidFill>
-                <a:latin typeface="微软雅黑" panose="020B0503020204020204" pitchFamily="34" charset="-122"/>
-                <a:ea typeface="微软雅黑" panose="020B0503020204020204" pitchFamily="34" charset="-122"/>
-              </a:rPr>
-              <a:t>请在此处添加内容</a:t>
-            </a:r>
-            <a:r>
-              <a:rPr lang="zh-CN" altLang="en-US" sz="2000" dirty="0">
-                <a:solidFill>
-                  <a:srgbClr val="595959"/>
-                </a:solidFill>
-                <a:latin typeface="微软雅黑" panose="020B0503020204020204" pitchFamily="34" charset="-122"/>
-                <a:ea typeface="微软雅黑" panose="020B0503020204020204" pitchFamily="34" charset="-122"/>
-              </a:rPr>
-              <a:t>请在此处添加</a:t>
-            </a:r>
-            <a:r>
-              <a:rPr lang="zh-CN" altLang="en-US" sz="2000" dirty="0" smtClean="0">
-                <a:solidFill>
-                  <a:srgbClr val="595959"/>
-                </a:solidFill>
-                <a:latin typeface="微软雅黑" panose="020B0503020204020204" pitchFamily="34" charset="-122"/>
-                <a:ea typeface="微软雅黑" panose="020B0503020204020204" pitchFamily="34" charset="-122"/>
-              </a:rPr>
-              <a:t>内容</a:t>
-            </a:r>
-            <a:r>
-              <a:rPr lang="zh-CN" altLang="en-US" sz="2000" dirty="0">
-                <a:solidFill>
-                  <a:srgbClr val="595959"/>
-                </a:solidFill>
-                <a:latin typeface="微软雅黑" panose="020B0503020204020204" pitchFamily="34" charset="-122"/>
-                <a:ea typeface="微软雅黑" panose="020B0503020204020204" pitchFamily="34" charset="-122"/>
-              </a:rPr>
-              <a:t>请在此处添加</a:t>
-            </a:r>
-            <a:r>
-              <a:rPr lang="zh-CN" altLang="en-US" sz="2000" dirty="0" smtClean="0">
-                <a:solidFill>
-                  <a:srgbClr val="595959"/>
-                </a:solidFill>
-                <a:latin typeface="微软雅黑" panose="020B0503020204020204" pitchFamily="34" charset="-122"/>
-                <a:ea typeface="微软雅黑" panose="020B0503020204020204" pitchFamily="34" charset="-122"/>
-              </a:rPr>
-              <a:t>内容</a:t>
-            </a:r>
-            <a:r>
-              <a:rPr lang="zh-CN" altLang="en-US" sz="2000" dirty="0">
-                <a:solidFill>
-                  <a:srgbClr val="595959"/>
-                </a:solidFill>
-                <a:latin typeface="微软雅黑" panose="020B0503020204020204" pitchFamily="34" charset="-122"/>
-                <a:ea typeface="微软雅黑" panose="020B0503020204020204" pitchFamily="34" charset="-122"/>
-              </a:rPr>
-              <a:t>请在此处添加</a:t>
-            </a:r>
-            <a:r>
-              <a:rPr lang="zh-CN" altLang="en-US" sz="2000" dirty="0" smtClean="0">
-                <a:solidFill>
-                  <a:srgbClr val="595959"/>
-                </a:solidFill>
-                <a:latin typeface="微软雅黑" panose="020B0503020204020204" pitchFamily="34" charset="-122"/>
-                <a:ea typeface="微软雅黑" panose="020B0503020204020204" pitchFamily="34" charset="-122"/>
-              </a:rPr>
-              <a:t>内容</a:t>
-            </a:r>
-            <a:endParaRPr lang="zh-CN" altLang="en-US" sz="2000" dirty="0">
-              <a:solidFill>
-                <a:srgbClr val="595959"/>
-              </a:solidFill>
-              <a:latin typeface="微软雅黑" panose="020B0503020204020204" pitchFamily="34" charset="-122"/>
-              <a:ea typeface="微软雅黑" panose="020B0503020204020204" pitchFamily="34" charset="-122"/>
-            </a:endParaRPr>
-          </a:p>
-        </p:txBody>
-      </p:sp>
-      <p:sp>
-        <p:nvSpPr>
-          <p:cNvPr id="18" name="文本框 17"/>
-          <p:cNvSpPr txBox="1"/>
-          <p:nvPr/>
-        </p:nvSpPr>
-        <p:spPr>
-          <a:xfrm>
-            <a:off x="7093585" y="820816"/>
-            <a:ext cx="4358640" cy="430374"/>
-          </a:xfrm>
-          <a:prstGeom prst="rect">
-            <a:avLst/>
-          </a:prstGeom>
-          <a:noFill/>
-        </p:spPr>
-        <p:txBody>
-          <a:bodyPr wrap="square" rtlCol="0">
-            <a:spAutoFit/>
-          </a:bodyPr>
-          <a:lstStyle/>
-          <a:p>
-            <a:pPr>
-              <a:lnSpc>
-                <a:spcPct val="120000"/>
-              </a:lnSpc>
-            </a:pPr>
-            <a:r>
-              <a:rPr lang="zh-CN" altLang="en-US" sz="2000" b="1" dirty="0" smtClean="0">
-                <a:solidFill>
-                  <a:srgbClr val="595959"/>
-                </a:solidFill>
-                <a:latin typeface="微软雅黑" panose="020B0503020204020204" pitchFamily="34" charset="-122"/>
-                <a:ea typeface="微软雅黑" panose="020B0503020204020204" pitchFamily="34" charset="-122"/>
-              </a:rPr>
-              <a:t>请在此处输入正文小标题</a:t>
-            </a:r>
-            <a:endParaRPr lang="zh-CN" altLang="en-US" sz="2000" b="1" dirty="0">
-              <a:solidFill>
-                <a:srgbClr val="595959"/>
-              </a:solidFill>
-              <a:latin typeface="微软雅黑" panose="020B0503020204020204" pitchFamily="34" charset="-122"/>
-              <a:ea typeface="微软雅黑" panose="020B0503020204020204" pitchFamily="34" charset="-122"/>
-            </a:endParaRPr>
-          </a:p>
-        </p:txBody>
-      </p:sp>
-      <p:sp>
-        <p:nvSpPr>
-          <p:cNvPr id="19" name="文本框 18"/>
-          <p:cNvSpPr txBox="1"/>
-          <p:nvPr/>
-        </p:nvSpPr>
-        <p:spPr>
-          <a:xfrm>
-            <a:off x="1028065" y="5013325"/>
-            <a:ext cx="4358640" cy="799706"/>
-          </a:xfrm>
-          <a:prstGeom prst="rect">
-            <a:avLst/>
-          </a:prstGeom>
-          <a:noFill/>
-        </p:spPr>
-        <p:txBody>
-          <a:bodyPr wrap="square" rtlCol="0">
-            <a:spAutoFit/>
-          </a:bodyPr>
-          <a:lstStyle/>
-          <a:p>
-            <a:pPr>
-              <a:lnSpc>
-                <a:spcPct val="120000"/>
-              </a:lnSpc>
-            </a:pPr>
-            <a:r>
-              <a:rPr lang="zh-CN" altLang="en-US" sz="2000" dirty="0" smtClean="0">
-                <a:solidFill>
-                  <a:srgbClr val="595959"/>
-                </a:solidFill>
-                <a:latin typeface="微软雅黑" panose="020B0503020204020204" pitchFamily="34" charset="-122"/>
-                <a:ea typeface="微软雅黑" panose="020B0503020204020204" pitchFamily="34" charset="-122"/>
-              </a:rPr>
-              <a:t>请在此处添加内容</a:t>
-            </a:r>
-            <a:r>
-              <a:rPr lang="zh-CN" altLang="en-US" sz="2000" dirty="0">
-                <a:solidFill>
-                  <a:srgbClr val="595959"/>
-                </a:solidFill>
-                <a:latin typeface="微软雅黑" panose="020B0503020204020204" pitchFamily="34" charset="-122"/>
-                <a:ea typeface="微软雅黑" panose="020B0503020204020204" pitchFamily="34" charset="-122"/>
-              </a:rPr>
-              <a:t>请在此处添加</a:t>
-            </a:r>
-            <a:r>
-              <a:rPr lang="zh-CN" altLang="en-US" sz="2000" dirty="0" smtClean="0">
-                <a:solidFill>
-                  <a:srgbClr val="595959"/>
-                </a:solidFill>
-                <a:latin typeface="微软雅黑" panose="020B0503020204020204" pitchFamily="34" charset="-122"/>
-                <a:ea typeface="微软雅黑" panose="020B0503020204020204" pitchFamily="34" charset="-122"/>
-              </a:rPr>
-              <a:t>内容</a:t>
-            </a:r>
-            <a:r>
-              <a:rPr lang="zh-CN" altLang="en-US" sz="2000" dirty="0">
-                <a:solidFill>
-                  <a:srgbClr val="595959"/>
-                </a:solidFill>
-                <a:latin typeface="微软雅黑" panose="020B0503020204020204" pitchFamily="34" charset="-122"/>
-                <a:ea typeface="微软雅黑" panose="020B0503020204020204" pitchFamily="34" charset="-122"/>
-              </a:rPr>
-              <a:t>请在此处添加</a:t>
-            </a:r>
-            <a:r>
-              <a:rPr lang="zh-CN" altLang="en-US" sz="2000" dirty="0" smtClean="0">
-                <a:solidFill>
-                  <a:srgbClr val="595959"/>
-                </a:solidFill>
-                <a:latin typeface="微软雅黑" panose="020B0503020204020204" pitchFamily="34" charset="-122"/>
-                <a:ea typeface="微软雅黑" panose="020B0503020204020204" pitchFamily="34" charset="-122"/>
-              </a:rPr>
-              <a:t>内容</a:t>
-            </a:r>
-            <a:r>
-              <a:rPr lang="zh-CN" altLang="en-US" sz="2000" dirty="0">
-                <a:solidFill>
-                  <a:srgbClr val="595959"/>
-                </a:solidFill>
-                <a:latin typeface="微软雅黑" panose="020B0503020204020204" pitchFamily="34" charset="-122"/>
-                <a:ea typeface="微软雅黑" panose="020B0503020204020204" pitchFamily="34" charset="-122"/>
-              </a:rPr>
-              <a:t>请在此处添加</a:t>
-            </a:r>
-            <a:r>
-              <a:rPr lang="zh-CN" altLang="en-US" sz="2000" dirty="0" smtClean="0">
-                <a:solidFill>
-                  <a:srgbClr val="595959"/>
-                </a:solidFill>
-                <a:latin typeface="微软雅黑" panose="020B0503020204020204" pitchFamily="34" charset="-122"/>
-                <a:ea typeface="微软雅黑" panose="020B0503020204020204" pitchFamily="34" charset="-122"/>
-              </a:rPr>
-              <a:t>内容</a:t>
-            </a:r>
-            <a:endParaRPr lang="zh-CN" altLang="en-US" sz="2000" dirty="0">
-              <a:solidFill>
-                <a:srgbClr val="595959"/>
-              </a:solidFill>
-              <a:latin typeface="微软雅黑" panose="020B0503020204020204" pitchFamily="34" charset="-122"/>
-              <a:ea typeface="微软雅黑" panose="020B0503020204020204" pitchFamily="34" charset="-122"/>
-            </a:endParaRPr>
-          </a:p>
-        </p:txBody>
-      </p:sp>
-      <p:sp>
-        <p:nvSpPr>
-          <p:cNvPr id="20" name="文本框 19"/>
-          <p:cNvSpPr txBox="1"/>
-          <p:nvPr/>
-        </p:nvSpPr>
-        <p:spPr>
-          <a:xfrm>
-            <a:off x="1073785" y="4579379"/>
-            <a:ext cx="4358640" cy="430374"/>
-          </a:xfrm>
-          <a:prstGeom prst="rect">
-            <a:avLst/>
-          </a:prstGeom>
-          <a:noFill/>
-        </p:spPr>
-        <p:txBody>
-          <a:bodyPr wrap="square" rtlCol="0">
-            <a:spAutoFit/>
-          </a:bodyPr>
-          <a:lstStyle/>
-          <a:p>
-            <a:pPr>
-              <a:lnSpc>
-                <a:spcPct val="120000"/>
-              </a:lnSpc>
-            </a:pPr>
-            <a:r>
-              <a:rPr lang="zh-CN" altLang="en-US" sz="2000" b="1" dirty="0" smtClean="0">
-                <a:solidFill>
-                  <a:srgbClr val="595959"/>
-                </a:solidFill>
-                <a:latin typeface="微软雅黑" panose="020B0503020204020204" pitchFamily="34" charset="-122"/>
-                <a:ea typeface="微软雅黑" panose="020B0503020204020204" pitchFamily="34" charset="-122"/>
-              </a:rPr>
-              <a:t>请在此处输入正文小标题</a:t>
-            </a:r>
-            <a:endParaRPr lang="zh-CN" altLang="en-US" sz="2000" b="1" dirty="0">
-              <a:solidFill>
-                <a:srgbClr val="595959"/>
-              </a:solidFill>
-              <a:latin typeface="微软雅黑" panose="020B0503020204020204" pitchFamily="34" charset="-122"/>
-              <a:ea typeface="微软雅黑" panose="020B0503020204020204" pitchFamily="34" charset="-122"/>
-            </a:endParaRPr>
-          </a:p>
-        </p:txBody>
-      </p:sp>
     </p:spTree>
   </p:cSld>
   <p:clrMapOvr>
     <a:masterClrMapping/>
   </p:clrMapOvr>
-  <p:timing>
-    <p:tnLst>
-      <p:par>
-        <p:cTn id="1" dur="indefinite" restart="never" nodeType="tmRoot"/>
-      </p:par>
-    </p:tnLst>
-  </p:timing>
 </p:sld>
 </file>
 
@@ -7184,14 +5555,14 @@
       </p:grpSpPr>
       <p:sp>
         <p:nvSpPr>
-          <p:cNvPr id="2" name="矩形 1"/>
+          <p:cNvPr id="6" name="矩形 5"/>
           <p:cNvSpPr/>
           <p:nvPr/>
         </p:nvSpPr>
         <p:spPr>
           <a:xfrm>
             <a:off x="0" y="0"/>
-            <a:ext cx="12192000" cy="6858000"/>
+            <a:ext cx="609600" cy="620713"/>
           </a:xfrm>
           <a:prstGeom prst="rect">
             <a:avLst/>
@@ -7230,20 +5601,55 @@
       </p:sp>
       <p:sp>
         <p:nvSpPr>
-          <p:cNvPr id="3" name="矩形 2"/>
+          <p:cNvPr id="7" name="文本框 6"/>
+          <p:cNvSpPr txBox="1"/>
+          <p:nvPr/>
+        </p:nvSpPr>
+        <p:spPr>
+          <a:xfrm>
+            <a:off x="651786" y="30480"/>
+            <a:ext cx="4484094" cy="523220"/>
+          </a:xfrm>
+          <a:prstGeom prst="rect">
+            <a:avLst/>
+          </a:prstGeom>
+          <a:noFill/>
+        </p:spPr>
+        <p:txBody>
+          <a:bodyPr wrap="square" rtlCol="0">
+            <a:spAutoFit/>
+          </a:bodyPr>
+          <a:lstStyle/>
+          <a:p>
+            <a:r>
+              <a:rPr lang="zh-CN" altLang="en-US" sz="2800" b="1" dirty="0">
+                <a:solidFill>
+                  <a:srgbClr val="595959"/>
+                </a:solidFill>
+                <a:latin typeface="幼圆" panose="02010509060101010101" pitchFamily="49" charset="-122"/>
+                <a:ea typeface="幼圆" panose="02010509060101010101" pitchFamily="49" charset="-122"/>
+              </a:rPr>
+              <a:t>界面原型的分类</a:t>
+            </a:r>
+          </a:p>
+        </p:txBody>
+      </p:sp>
+      <p:sp>
+        <p:nvSpPr>
+          <p:cNvPr id="5" name="矩形 4"/>
           <p:cNvSpPr/>
           <p:nvPr/>
         </p:nvSpPr>
         <p:spPr>
           <a:xfrm>
-            <a:off x="1510748" y="0"/>
-            <a:ext cx="993913" cy="2708275"/>
+            <a:off x="912157" y="1321911"/>
+            <a:ext cx="548640" cy="4655348"/>
           </a:xfrm>
           <a:prstGeom prst="rect">
             <a:avLst/>
           </a:prstGeom>
           <a:solidFill>
-            <a:schemeClr val="bg1"/>
+            <a:srgbClr val="DB5355"/>
           </a:solidFill>
           <a:ln>
             <a:noFill/>
@@ -7276,14 +5682,14 @@
       </p:sp>
       <p:sp>
         <p:nvSpPr>
-          <p:cNvPr id="4" name="文本框 3"/>
+          <p:cNvPr id="9" name="文本框 8"/>
           <p:cNvSpPr txBox="1"/>
           <p:nvPr/>
         </p:nvSpPr>
         <p:spPr>
           <a:xfrm>
-            <a:off x="1550504" y="1642040"/>
-            <a:ext cx="1212574" cy="830997"/>
+            <a:off x="854510" y="1773238"/>
+            <a:ext cx="743447" cy="584775"/>
           </a:xfrm>
           <a:prstGeom prst="rect">
             <a:avLst/>
@@ -7297,291 +5703,249 @@
           <a:lstStyle/>
           <a:p>
             <a:r>
-              <a:rPr lang="en-US" altLang="zh-CN" sz="4800" dirty="0" smtClean="0">
+              <a:rPr lang="en-US" altLang="zh-CN" sz="3200" dirty="0">
                 <a:solidFill>
-                  <a:srgbClr val="DB5355"/>
+                  <a:schemeClr val="bg1"/>
                 </a:solidFill>
                 <a:latin typeface="Broadway" panose="04040905080B02020502" pitchFamily="82" charset="0"/>
               </a:rPr>
-              <a:t>02</a:t>
-            </a:r>
-            <a:endParaRPr lang="zh-CN" altLang="en-US" sz="4800" dirty="0">
-              <a:solidFill>
-                <a:srgbClr val="DB5355"/>
-              </a:solidFill>
-              <a:latin typeface="Broadway" panose="04040905080B02020502" pitchFamily="82" charset="0"/>
-            </a:endParaRPr>
-          </a:p>
-        </p:txBody>
-      </p:sp>
-      <p:sp>
-        <p:nvSpPr>
-          <p:cNvPr id="5" name="文本框 4"/>
-          <p:cNvSpPr txBox="1"/>
-          <p:nvPr/>
-        </p:nvSpPr>
-        <p:spPr>
-          <a:xfrm>
-            <a:off x="3867426" y="1708773"/>
-            <a:ext cx="1659467" cy="523220"/>
-          </a:xfrm>
-          <a:prstGeom prst="rect">
-            <a:avLst/>
-          </a:prstGeom>
-          <a:noFill/>
-        </p:spPr>
-        <p:txBody>
-          <a:bodyPr wrap="square" rtlCol="0">
-            <a:spAutoFit/>
-          </a:bodyPr>
-          <a:lstStyle/>
-          <a:p>
-            <a:r>
-              <a:rPr lang="zh-CN" altLang="en-US" sz="2800" b="1" dirty="0">
-                <a:solidFill>
-                  <a:schemeClr val="bg1"/>
-                </a:solidFill>
-                <a:latin typeface="幼圆" panose="02010509060101010101" pitchFamily="49" charset="-122"/>
-                <a:ea typeface="幼圆" panose="02010509060101010101" pitchFamily="49" charset="-122"/>
-              </a:rPr>
-              <a:t>请在此处</a:t>
-            </a:r>
-            <a:endParaRPr lang="zh-CN" altLang="en-US" sz="2800" b="1" dirty="0">
-              <a:solidFill>
-                <a:schemeClr val="bg1"/>
-              </a:solidFill>
-              <a:latin typeface="幼圆" panose="02010509060101010101" pitchFamily="49" charset="-122"/>
-              <a:ea typeface="幼圆" panose="02010509060101010101" pitchFamily="49" charset="-122"/>
-            </a:endParaRPr>
-          </a:p>
-        </p:txBody>
-      </p:sp>
-      <p:sp>
-        <p:nvSpPr>
-          <p:cNvPr id="6" name="文本框 5"/>
-          <p:cNvSpPr txBox="1"/>
-          <p:nvPr/>
-        </p:nvSpPr>
-        <p:spPr>
-          <a:xfrm>
-            <a:off x="3850493" y="2117013"/>
-            <a:ext cx="5333264" cy="769441"/>
-          </a:xfrm>
-          <a:prstGeom prst="rect">
-            <a:avLst/>
-          </a:prstGeom>
-          <a:noFill/>
-        </p:spPr>
-        <p:txBody>
-          <a:bodyPr wrap="square" rtlCol="0">
-            <a:spAutoFit/>
-          </a:bodyPr>
-          <a:lstStyle/>
-          <a:p>
-            <a:r>
-              <a:rPr lang="zh-CN" altLang="en-US" sz="4400" b="1" dirty="0" smtClean="0">
-                <a:solidFill>
-                  <a:schemeClr val="bg1"/>
-                </a:solidFill>
-                <a:latin typeface="幼圆" panose="02010509060101010101" pitchFamily="49" charset="-122"/>
-                <a:ea typeface="幼圆" panose="02010509060101010101" pitchFamily="49" charset="-122"/>
-              </a:rPr>
-              <a:t>添加幻灯片分节标题</a:t>
-            </a:r>
-            <a:endParaRPr lang="zh-CN" altLang="en-US" sz="4400" b="1" dirty="0">
-              <a:solidFill>
-                <a:schemeClr val="bg1"/>
-              </a:solidFill>
-              <a:latin typeface="幼圆" panose="02010509060101010101" pitchFamily="49" charset="-122"/>
-              <a:ea typeface="幼圆" panose="02010509060101010101" pitchFamily="49" charset="-122"/>
-            </a:endParaRPr>
-          </a:p>
-        </p:txBody>
-      </p:sp>
-      <p:sp>
-        <p:nvSpPr>
-          <p:cNvPr id="7" name="文本框 6"/>
-          <p:cNvSpPr txBox="1"/>
-          <p:nvPr/>
-        </p:nvSpPr>
-        <p:spPr>
-          <a:xfrm>
-            <a:off x="3901295" y="2828744"/>
-            <a:ext cx="4758267" cy="461665"/>
-          </a:xfrm>
-          <a:prstGeom prst="rect">
-            <a:avLst/>
-          </a:prstGeom>
-          <a:noFill/>
-        </p:spPr>
-        <p:txBody>
-          <a:bodyPr wrap="square" rtlCol="0">
-            <a:spAutoFit/>
-          </a:bodyPr>
-          <a:lstStyle/>
-          <a:p>
-            <a:r>
-              <a:rPr lang="en-US" altLang="zh-CN" sz="2400" dirty="0" smtClean="0">
-                <a:solidFill>
-                  <a:schemeClr val="bg1"/>
-                </a:solidFill>
-              </a:rPr>
-              <a:t>Please add your slide title here</a:t>
-            </a:r>
-            <a:endParaRPr lang="zh-CN" altLang="en-US" sz="2400" dirty="0">
-              <a:solidFill>
-                <a:schemeClr val="bg1"/>
-              </a:solidFill>
-            </a:endParaRPr>
-          </a:p>
-        </p:txBody>
-      </p:sp>
-      <p:sp>
-        <p:nvSpPr>
-          <p:cNvPr id="8" name="矩形 7"/>
-          <p:cNvSpPr/>
-          <p:nvPr/>
-        </p:nvSpPr>
-        <p:spPr>
-          <a:xfrm>
-            <a:off x="0" y="5206448"/>
-            <a:ext cx="12364278" cy="45719"/>
-          </a:xfrm>
-          <a:prstGeom prst="rect">
-            <a:avLst/>
-          </a:prstGeom>
-          <a:solidFill>
-            <a:schemeClr val="bg1"/>
-          </a:solidFill>
-          <a:ln>
-            <a:noFill/>
-          </a:ln>
-        </p:spPr>
-        <p:style>
-          <a:lnRef idx="2">
-            <a:schemeClr val="accent1">
-              <a:shade val="50000"/>
-            </a:schemeClr>
-          </a:lnRef>
-          <a:fillRef idx="1">
-            <a:schemeClr val="accent1"/>
-          </a:fillRef>
-          <a:effectRef idx="0">
-            <a:schemeClr val="accent1"/>
-          </a:effectRef>
-          <a:fontRef idx="minor">
-            <a:schemeClr val="lt1"/>
-          </a:fontRef>
-        </p:style>
-        <p:txBody>
-          <a:bodyPr rtlCol="0" anchor="ctr"/>
-          <a:lstStyle/>
-          <a:p>
-            <a:pPr algn="ctr"/>
-            <a:endParaRPr lang="zh-CN" altLang="en-US"/>
-          </a:p>
-        </p:txBody>
-      </p:sp>
-      <p:sp>
-        <p:nvSpPr>
-          <p:cNvPr id="9" name="文本框 8"/>
-          <p:cNvSpPr txBox="1"/>
-          <p:nvPr/>
-        </p:nvSpPr>
-        <p:spPr>
-          <a:xfrm>
-            <a:off x="4610285" y="1115782"/>
-            <a:ext cx="2573865" cy="584775"/>
-          </a:xfrm>
-          <a:prstGeom prst="rect">
-            <a:avLst/>
-          </a:prstGeom>
-          <a:noFill/>
-        </p:spPr>
-        <p:txBody>
-          <a:bodyPr wrap="square" rtlCol="0">
-            <a:spAutoFit/>
-          </a:bodyPr>
-          <a:lstStyle/>
-          <a:p>
-            <a:r>
-              <a:rPr lang="en-US" altLang="zh-CN" sz="3200" dirty="0" smtClean="0">
-                <a:solidFill>
-                  <a:schemeClr val="bg1"/>
-                </a:solidFill>
-              </a:rPr>
-              <a:t>ADD LOGO</a:t>
+              <a:t>05</a:t>
             </a:r>
             <a:endParaRPr lang="zh-CN" altLang="en-US" sz="3200" dirty="0">
               <a:solidFill>
                 <a:schemeClr val="bg1"/>
               </a:solidFill>
+              <a:latin typeface="Broadway" panose="04040905080B02020502" pitchFamily="82" charset="0"/>
             </a:endParaRPr>
           </a:p>
         </p:txBody>
       </p:sp>
       <p:sp>
         <p:nvSpPr>
-          <p:cNvPr id="10" name="矩形 9"/>
-          <p:cNvSpPr/>
+          <p:cNvPr id="11" name="文本框 10"/>
+          <p:cNvSpPr txBox="1"/>
           <p:nvPr/>
         </p:nvSpPr>
         <p:spPr>
           <a:xfrm>
-            <a:off x="4020562" y="1097653"/>
-            <a:ext cx="508000" cy="508000"/>
-          </a:xfrm>
-          <a:prstGeom prst="rect">
-            <a:avLst/>
-          </a:prstGeom>
-          <a:solidFill>
-            <a:schemeClr val="bg1"/>
-          </a:solidFill>
-          <a:ln>
-            <a:noFill/>
-          </a:ln>
-        </p:spPr>
-        <p:style>
-          <a:lnRef idx="2">
-            <a:schemeClr val="accent1">
-              <a:shade val="50000"/>
-            </a:schemeClr>
-          </a:lnRef>
-          <a:fillRef idx="1">
-            <a:schemeClr val="accent1"/>
-          </a:fillRef>
-          <a:effectRef idx="0">
-            <a:schemeClr val="accent1"/>
-          </a:effectRef>
-          <a:fontRef idx="minor">
-            <a:schemeClr val="lt1"/>
-          </a:fontRef>
-        </p:style>
-        <p:txBody>
-          <a:bodyPr rtlCol="0" anchor="ctr"/>
-          <a:lstStyle/>
-          <a:p>
-            <a:pPr algn="ctr"/>
-            <a:endParaRPr lang="zh-CN" altLang="en-US">
+            <a:off x="854510" y="3280891"/>
+            <a:ext cx="743447" cy="584775"/>
+          </a:xfrm>
+          <a:prstGeom prst="rect">
+            <a:avLst/>
+          </a:prstGeom>
+          <a:noFill/>
+        </p:spPr>
+        <p:txBody>
+          <a:bodyPr wrap="square" rtlCol="0">
+            <a:spAutoFit/>
+          </a:bodyPr>
+          <a:lstStyle/>
+          <a:p>
+            <a:r>
+              <a:rPr lang="en-US" altLang="zh-CN" sz="3200" dirty="0">
+                <a:solidFill>
+                  <a:schemeClr val="bg1"/>
+                </a:solidFill>
+                <a:latin typeface="Broadway" panose="04040905080B02020502" pitchFamily="82" charset="0"/>
+              </a:rPr>
+              <a:t>06</a:t>
+            </a:r>
+            <a:endParaRPr lang="zh-CN" altLang="en-US" sz="3200" dirty="0">
               <a:solidFill>
                 <a:schemeClr val="bg1"/>
               </a:solidFill>
+              <a:latin typeface="Broadway" panose="04040905080B02020502" pitchFamily="82" charset="0"/>
             </a:endParaRPr>
           </a:p>
         </p:txBody>
       </p:sp>
+      <p:sp>
+        <p:nvSpPr>
+          <p:cNvPr id="14" name="文本框 13"/>
+          <p:cNvSpPr txBox="1"/>
+          <p:nvPr/>
+        </p:nvSpPr>
+        <p:spPr>
+          <a:xfrm>
+            <a:off x="1750357" y="3360901"/>
+            <a:ext cx="9233394" cy="1446037"/>
+          </a:xfrm>
+          <a:prstGeom prst="rect">
+            <a:avLst/>
+          </a:prstGeom>
+          <a:noFill/>
+        </p:spPr>
+        <p:txBody>
+          <a:bodyPr wrap="square" rtlCol="0">
+            <a:spAutoFit/>
+          </a:bodyPr>
+          <a:lstStyle/>
+          <a:p>
+            <a:pPr>
+              <a:lnSpc>
+                <a:spcPct val="150000"/>
+              </a:lnSpc>
+            </a:pPr>
+            <a:r>
+              <a:rPr lang="zh-CN" altLang="en-US" sz="2400" b="1" dirty="0">
+                <a:latin typeface="宋体" panose="02010600030101010101" pitchFamily="2" charset="-122"/>
+                <a:ea typeface="宋体" panose="02010600030101010101" pitchFamily="2" charset="-122"/>
+              </a:rPr>
+              <a:t>电子原型</a:t>
+            </a:r>
+            <a:r>
+              <a:rPr lang="zh-CN" altLang="en-US" sz="2000" dirty="0">
+                <a:solidFill>
+                  <a:srgbClr val="595959"/>
+                </a:solidFill>
+                <a:latin typeface="宋体" panose="02010600030101010101" pitchFamily="2" charset="-122"/>
+                <a:ea typeface="宋体" panose="02010600030101010101" pitchFamily="2" charset="-122"/>
+              </a:rPr>
+              <a:t>，</a:t>
+            </a:r>
+            <a:r>
+              <a:rPr lang="zh-CN" altLang="en-US" sz="2000" dirty="0">
+                <a:latin typeface="宋体" panose="02010600030101010101" pitchFamily="2" charset="-122"/>
+                <a:ea typeface="宋体" panose="02010600030101010101" pitchFamily="2" charset="-122"/>
+              </a:rPr>
+              <a:t>用一些专业的原型工具来创建原型，比如 </a:t>
+            </a:r>
+            <a:r>
+              <a:rPr lang="en-US" altLang="zh-CN" sz="2000" dirty="0">
+                <a:latin typeface="宋体" panose="02010600030101010101" pitchFamily="2" charset="-122"/>
+                <a:ea typeface="宋体" panose="02010600030101010101" pitchFamily="2" charset="-122"/>
+              </a:rPr>
+              <a:t>RP</a:t>
+            </a:r>
+            <a:r>
+              <a:rPr lang="zh-CN" altLang="en-US" sz="2000" dirty="0">
+                <a:latin typeface="宋体" panose="02010600030101010101" pitchFamily="2" charset="-122"/>
+                <a:ea typeface="宋体" panose="02010600030101010101" pitchFamily="2" charset="-122"/>
+              </a:rPr>
+              <a:t>，</a:t>
+            </a:r>
+            <a:r>
+              <a:rPr lang="en-US" altLang="zh-CN" sz="2000" dirty="0">
+                <a:latin typeface="宋体" panose="02010600030101010101" pitchFamily="2" charset="-122"/>
+                <a:ea typeface="宋体" panose="02010600030101010101" pitchFamily="2" charset="-122"/>
+              </a:rPr>
+              <a:t>Visio </a:t>
+            </a:r>
+            <a:r>
+              <a:rPr lang="zh-CN" altLang="en-US" sz="2000" dirty="0">
+                <a:latin typeface="宋体" panose="02010600030101010101" pitchFamily="2" charset="-122"/>
+                <a:ea typeface="宋体" panose="02010600030101010101" pitchFamily="2" charset="-122"/>
+              </a:rPr>
+              <a:t>等，这样的工具可以轻松实现并修改 </a:t>
+            </a:r>
+            <a:r>
+              <a:rPr lang="en-US" altLang="zh-CN" sz="2000" dirty="0">
+                <a:latin typeface="宋体" panose="02010600030101010101" pitchFamily="2" charset="-122"/>
+                <a:ea typeface="宋体" panose="02010600030101010101" pitchFamily="2" charset="-122"/>
+              </a:rPr>
+              <a:t>UI </a:t>
+            </a:r>
+            <a:r>
+              <a:rPr lang="zh-CN" altLang="en-US" sz="2000" dirty="0">
+                <a:latin typeface="宋体" panose="02010600030101010101" pitchFamily="2" charset="-122"/>
+                <a:ea typeface="宋体" panose="02010600030101010101" pitchFamily="2" charset="-122"/>
+              </a:rPr>
+              <a:t>组件。</a:t>
+            </a:r>
+            <a:endParaRPr lang="en-US" altLang="zh-CN" sz="2000" dirty="0">
+              <a:latin typeface="宋体" panose="02010600030101010101" pitchFamily="2" charset="-122"/>
+              <a:ea typeface="宋体" panose="02010600030101010101" pitchFamily="2" charset="-122"/>
+            </a:endParaRPr>
+          </a:p>
+          <a:p>
+            <a:pPr>
+              <a:lnSpc>
+                <a:spcPct val="120000"/>
+              </a:lnSpc>
+            </a:pPr>
+            <a:endParaRPr lang="zh-CN" altLang="en-US" sz="2000" dirty="0">
+              <a:solidFill>
+                <a:srgbClr val="595959"/>
+              </a:solidFill>
+              <a:latin typeface="微软雅黑" panose="020B0503020204020204" pitchFamily="34" charset="-122"/>
+              <a:ea typeface="微软雅黑" panose="020B0503020204020204" pitchFamily="34" charset="-122"/>
+            </a:endParaRPr>
+          </a:p>
+        </p:txBody>
+      </p:sp>
+      <p:sp>
+        <p:nvSpPr>
+          <p:cNvPr id="15" name="文本框 14"/>
+          <p:cNvSpPr txBox="1"/>
+          <p:nvPr/>
+        </p:nvSpPr>
+        <p:spPr>
+          <a:xfrm>
+            <a:off x="1750357" y="1697038"/>
+            <a:ext cx="9233394" cy="1446037"/>
+          </a:xfrm>
+          <a:prstGeom prst="rect">
+            <a:avLst/>
+          </a:prstGeom>
+          <a:noFill/>
+        </p:spPr>
+        <p:txBody>
+          <a:bodyPr wrap="square" rtlCol="0">
+            <a:spAutoFit/>
+          </a:bodyPr>
+          <a:lstStyle/>
+          <a:p>
+            <a:pPr>
+              <a:lnSpc>
+                <a:spcPct val="150000"/>
+              </a:lnSpc>
+            </a:pPr>
+            <a:r>
+              <a:rPr lang="zh-CN" altLang="en-US" sz="2400" b="1" dirty="0">
+                <a:latin typeface="宋体" panose="02010600030101010101" pitchFamily="2" charset="-122"/>
+                <a:ea typeface="宋体" panose="02010600030101010101" pitchFamily="2" charset="-122"/>
+              </a:rPr>
+              <a:t>纸上原型</a:t>
+            </a:r>
+            <a:r>
+              <a:rPr lang="zh-CN" altLang="en-US" sz="2000" dirty="0">
+                <a:latin typeface="宋体" panose="02010600030101010101" pitchFamily="2" charset="-122"/>
+                <a:ea typeface="宋体" panose="02010600030101010101" pitchFamily="2" charset="-122"/>
+              </a:rPr>
+              <a:t>，能帮助我们探究一个要实现的系统的部分外观，并且它是一种低成本、迅速以及低技术难度的方法。</a:t>
+            </a:r>
+            <a:endParaRPr lang="en-US" altLang="zh-CN" sz="2000" dirty="0">
+              <a:latin typeface="宋体" panose="02010600030101010101" pitchFamily="2" charset="-122"/>
+              <a:ea typeface="宋体" panose="02010600030101010101" pitchFamily="2" charset="-122"/>
+            </a:endParaRPr>
+          </a:p>
+          <a:p>
+            <a:pPr>
+              <a:lnSpc>
+                <a:spcPct val="120000"/>
+              </a:lnSpc>
+            </a:pPr>
+            <a:endParaRPr lang="zh-CN" altLang="en-US" sz="2000" dirty="0">
+              <a:solidFill>
+                <a:srgbClr val="595959"/>
+              </a:solidFill>
+              <a:latin typeface="微软雅黑" panose="020B0503020204020204" pitchFamily="34" charset="-122"/>
+              <a:ea typeface="微软雅黑" panose="020B0503020204020204" pitchFamily="34" charset="-122"/>
+            </a:endParaRPr>
+          </a:p>
+        </p:txBody>
+      </p:sp>
     </p:spTree>
+    <p:extLst>
+      <p:ext uri="{BB962C8B-B14F-4D97-AF65-F5344CB8AC3E}">
+        <p14:creationId xmlns:p14="http://schemas.microsoft.com/office/powerpoint/2010/main" val="583389492"/>
+      </p:ext>
+    </p:extLst>
   </p:cSld>
   <p:clrMapOvr>
     <a:masterClrMapping/>
   </p:clrMapOvr>
-  <p:timing>
-    <p:tnLst>
-      <p:par>
-        <p:cTn id="1" dur="indefinite" restart="never" nodeType="tmRoot"/>
-      </p:par>
-    </p:tnLst>
-  </p:timing>
 </p:sld>
 </file>
 
@@ -7604,14 +5968,14 @@
       </p:grpSpPr>
       <p:sp>
         <p:nvSpPr>
-          <p:cNvPr id="6" name="矩形 5"/>
+          <p:cNvPr id="2" name="矩形 1"/>
           <p:cNvSpPr/>
           <p:nvPr/>
         </p:nvSpPr>
         <p:spPr>
           <a:xfrm>
             <a:off x="0" y="0"/>
-            <a:ext cx="609600" cy="620713"/>
+            <a:ext cx="12192000" cy="6858000"/>
           </a:xfrm>
           <a:prstGeom prst="rect">
             <a:avLst/>
@@ -7650,72 +6014,20 @@
       </p:sp>
       <p:sp>
         <p:nvSpPr>
-          <p:cNvPr id="7" name="文本框 6"/>
-          <p:cNvSpPr txBox="1"/>
-          <p:nvPr/>
-        </p:nvSpPr>
-        <p:spPr>
-          <a:xfrm>
-            <a:off x="651786" y="30480"/>
-            <a:ext cx="4484094" cy="523220"/>
-          </a:xfrm>
-          <a:prstGeom prst="rect">
-            <a:avLst/>
-          </a:prstGeom>
-          <a:noFill/>
-        </p:spPr>
-        <p:txBody>
-          <a:bodyPr wrap="square" rtlCol="0">
-            <a:spAutoFit/>
-          </a:bodyPr>
-          <a:lstStyle/>
-          <a:p>
-            <a:r>
-              <a:rPr lang="zh-CN" altLang="en-US" sz="2800" b="1" dirty="0">
-                <a:solidFill>
-                  <a:srgbClr val="595959"/>
-                </a:solidFill>
-                <a:latin typeface="幼圆" panose="02010509060101010101" pitchFamily="49" charset="-122"/>
-                <a:ea typeface="幼圆" panose="02010509060101010101" pitchFamily="49" charset="-122"/>
-              </a:rPr>
-              <a:t>请在</a:t>
-            </a:r>
-            <a:r>
-              <a:rPr lang="zh-CN" altLang="en-US" sz="2800" b="1" dirty="0" smtClean="0">
-                <a:solidFill>
-                  <a:srgbClr val="595959"/>
-                </a:solidFill>
-                <a:latin typeface="幼圆" panose="02010509060101010101" pitchFamily="49" charset="-122"/>
-                <a:ea typeface="幼圆" panose="02010509060101010101" pitchFamily="49" charset="-122"/>
-              </a:rPr>
-              <a:t>此处添加幻灯片标题</a:t>
-            </a:r>
-            <a:endParaRPr lang="zh-CN" altLang="en-US" sz="2800" b="1" dirty="0">
-              <a:solidFill>
-                <a:srgbClr val="595959"/>
-              </a:solidFill>
-              <a:latin typeface="幼圆" panose="02010509060101010101" pitchFamily="49" charset="-122"/>
-              <a:ea typeface="幼圆" panose="02010509060101010101" pitchFamily="49" charset="-122"/>
-            </a:endParaRPr>
-          </a:p>
-        </p:txBody>
-      </p:sp>
-      <p:sp>
-        <p:nvSpPr>
-          <p:cNvPr id="5" name="矩形 4"/>
+          <p:cNvPr id="3" name="矩形 2"/>
           <p:cNvSpPr/>
           <p:nvPr/>
         </p:nvSpPr>
         <p:spPr>
           <a:xfrm>
-            <a:off x="5867400" y="1321911"/>
-            <a:ext cx="548640" cy="4655348"/>
+            <a:off x="1510748" y="0"/>
+            <a:ext cx="993913" cy="2708275"/>
           </a:xfrm>
           <a:prstGeom prst="rect">
             <a:avLst/>
           </a:prstGeom>
           <a:solidFill>
-            <a:srgbClr val="DB5355"/>
+            <a:schemeClr val="bg1"/>
           </a:solidFill>
           <a:ln>
             <a:noFill/>
@@ -7748,20 +6060,95 @@
       </p:sp>
       <p:sp>
         <p:nvSpPr>
+          <p:cNvPr id="4" name="文本框 3"/>
+          <p:cNvSpPr txBox="1"/>
+          <p:nvPr/>
+        </p:nvSpPr>
+        <p:spPr>
+          <a:xfrm>
+            <a:off x="1550504" y="1642040"/>
+            <a:ext cx="1212574" cy="830997"/>
+          </a:xfrm>
+          <a:prstGeom prst="rect">
+            <a:avLst/>
+          </a:prstGeom>
+          <a:noFill/>
+        </p:spPr>
+        <p:txBody>
+          <a:bodyPr wrap="square" rtlCol="0">
+            <a:spAutoFit/>
+          </a:bodyPr>
+          <a:lstStyle/>
+          <a:p>
+            <a:r>
+              <a:rPr lang="en-US" altLang="zh-CN" sz="4800" dirty="0">
+                <a:solidFill>
+                  <a:srgbClr val="DB5355"/>
+                </a:solidFill>
+                <a:latin typeface="Broadway" panose="04040905080B02020502" pitchFamily="82" charset="0"/>
+              </a:rPr>
+              <a:t>01</a:t>
+            </a:r>
+            <a:endParaRPr lang="zh-CN" altLang="en-US" sz="4800" dirty="0">
+              <a:solidFill>
+                <a:srgbClr val="DB5355"/>
+              </a:solidFill>
+              <a:latin typeface="Broadway" panose="04040905080B02020502" pitchFamily="82" charset="0"/>
+            </a:endParaRPr>
+          </a:p>
+        </p:txBody>
+      </p:sp>
+      <p:sp>
+        <p:nvSpPr>
+          <p:cNvPr id="6" name="文本框 5"/>
+          <p:cNvSpPr txBox="1"/>
+          <p:nvPr/>
+        </p:nvSpPr>
+        <p:spPr>
+          <a:xfrm>
+            <a:off x="3593147" y="1642040"/>
+            <a:ext cx="5333264" cy="769441"/>
+          </a:xfrm>
+          <a:prstGeom prst="rect">
+            <a:avLst/>
+          </a:prstGeom>
+          <a:noFill/>
+        </p:spPr>
+        <p:txBody>
+          <a:bodyPr wrap="square" rtlCol="0">
+            <a:spAutoFit/>
+          </a:bodyPr>
+          <a:lstStyle/>
+          <a:p>
+            <a:r>
+              <a:rPr lang="zh-CN" altLang="en-US" sz="4400" b="1" dirty="0">
+                <a:solidFill>
+                  <a:schemeClr val="bg1"/>
+                </a:solidFill>
+                <a:latin typeface="幼圆" panose="02010509060101010101" pitchFamily="49" charset="-122"/>
+                <a:ea typeface="幼圆" panose="02010509060101010101" pitchFamily="49" charset="-122"/>
+              </a:rPr>
+              <a:t>界面原型的设计原则</a:t>
+            </a:r>
+          </a:p>
+        </p:txBody>
+      </p:sp>
+      <p:sp>
+        <p:nvSpPr>
           <p:cNvPr id="8" name="矩形 7"/>
           <p:cNvSpPr/>
           <p:nvPr/>
         </p:nvSpPr>
         <p:spPr>
           <a:xfrm>
-            <a:off x="1082040" y="1291431"/>
-            <a:ext cx="152400" cy="4655348"/>
+            <a:off x="0" y="5206448"/>
+            <a:ext cx="12364278" cy="45719"/>
           </a:xfrm>
           <a:prstGeom prst="rect">
             <a:avLst/>
           </a:prstGeom>
           <a:solidFill>
-            <a:srgbClr val="DB5355"/>
+            <a:schemeClr val="bg1"/>
           </a:solidFill>
           <a:ln>
             <a:noFill/>
@@ -7792,652 +6179,16 @@
           </a:p>
         </p:txBody>
       </p:sp>
-      <p:sp>
-        <p:nvSpPr>
-          <p:cNvPr id="9" name="文本框 8"/>
-          <p:cNvSpPr txBox="1"/>
-          <p:nvPr/>
-        </p:nvSpPr>
-        <p:spPr>
-          <a:xfrm>
-            <a:off x="5809753" y="1773238"/>
-            <a:ext cx="743447" cy="584775"/>
-          </a:xfrm>
-          <a:prstGeom prst="rect">
-            <a:avLst/>
-          </a:prstGeom>
-          <a:noFill/>
-        </p:spPr>
-        <p:txBody>
-          <a:bodyPr wrap="square" rtlCol="0">
-            <a:spAutoFit/>
-          </a:bodyPr>
-          <a:lstStyle/>
-          <a:p>
-            <a:r>
-              <a:rPr lang="en-US" altLang="zh-CN" sz="3200" dirty="0" smtClean="0">
-                <a:solidFill>
-                  <a:schemeClr val="bg1"/>
-                </a:solidFill>
-                <a:latin typeface="Broadway" panose="04040905080B02020502" pitchFamily="82" charset="0"/>
-              </a:rPr>
-              <a:t>01</a:t>
-            </a:r>
-            <a:endParaRPr lang="zh-CN" altLang="en-US" sz="3200" dirty="0">
-              <a:solidFill>
-                <a:schemeClr val="bg1"/>
-              </a:solidFill>
-              <a:latin typeface="Broadway" panose="04040905080B02020502" pitchFamily="82" charset="0"/>
-            </a:endParaRPr>
-          </a:p>
-        </p:txBody>
-      </p:sp>
-      <p:sp>
-        <p:nvSpPr>
-          <p:cNvPr id="10" name="矩形 9"/>
-          <p:cNvSpPr/>
-          <p:nvPr/>
-        </p:nvSpPr>
-        <p:spPr>
-          <a:xfrm>
-            <a:off x="1082040" y="2047875"/>
-            <a:ext cx="609600" cy="620713"/>
-          </a:xfrm>
-          <a:prstGeom prst="rect">
-            <a:avLst/>
-          </a:prstGeom>
-          <a:solidFill>
-            <a:schemeClr val="bg1"/>
-          </a:solidFill>
-          <a:ln>
-            <a:noFill/>
-          </a:ln>
-        </p:spPr>
-        <p:style>
-          <a:lnRef idx="2">
-            <a:schemeClr val="accent1">
-              <a:shade val="50000"/>
-            </a:schemeClr>
-          </a:lnRef>
-          <a:fillRef idx="1">
-            <a:schemeClr val="accent1"/>
-          </a:fillRef>
-          <a:effectRef idx="0">
-            <a:schemeClr val="accent1"/>
-          </a:effectRef>
-          <a:fontRef idx="minor">
-            <a:schemeClr val="lt1"/>
-          </a:fontRef>
-        </p:style>
-        <p:txBody>
-          <a:bodyPr rtlCol="0" anchor="ctr"/>
-          <a:lstStyle/>
-          <a:p>
-            <a:pPr algn="ctr"/>
-            <a:endParaRPr lang="zh-CN" altLang="en-US"/>
-          </a:p>
-        </p:txBody>
-      </p:sp>
-      <p:sp>
-        <p:nvSpPr>
-          <p:cNvPr id="11" name="文本框 10"/>
-          <p:cNvSpPr txBox="1"/>
-          <p:nvPr/>
-        </p:nvSpPr>
-        <p:spPr>
-          <a:xfrm>
-            <a:off x="5809753" y="2853267"/>
-            <a:ext cx="743447" cy="584775"/>
-          </a:xfrm>
-          <a:prstGeom prst="rect">
-            <a:avLst/>
-          </a:prstGeom>
-          <a:noFill/>
-        </p:spPr>
-        <p:txBody>
-          <a:bodyPr wrap="square" rtlCol="0">
-            <a:spAutoFit/>
-          </a:bodyPr>
-          <a:lstStyle/>
-          <a:p>
-            <a:r>
-              <a:rPr lang="en-US" altLang="zh-CN" sz="3200" dirty="0" smtClean="0">
-                <a:solidFill>
-                  <a:schemeClr val="bg1"/>
-                </a:solidFill>
-                <a:latin typeface="Broadway" panose="04040905080B02020502" pitchFamily="82" charset="0"/>
-              </a:rPr>
-              <a:t>02</a:t>
-            </a:r>
-            <a:endParaRPr lang="zh-CN" altLang="en-US" sz="3200" dirty="0">
-              <a:solidFill>
-                <a:schemeClr val="bg1"/>
-              </a:solidFill>
-              <a:latin typeface="Broadway" panose="04040905080B02020502" pitchFamily="82" charset="0"/>
-            </a:endParaRPr>
-          </a:p>
-        </p:txBody>
-      </p:sp>
-      <p:sp>
-        <p:nvSpPr>
-          <p:cNvPr id="12" name="文本框 11"/>
-          <p:cNvSpPr txBox="1"/>
-          <p:nvPr/>
-        </p:nvSpPr>
-        <p:spPr>
-          <a:xfrm>
-            <a:off x="5809753" y="3933296"/>
-            <a:ext cx="804407" cy="584775"/>
-          </a:xfrm>
-          <a:prstGeom prst="rect">
-            <a:avLst/>
-          </a:prstGeom>
-          <a:noFill/>
-        </p:spPr>
-        <p:txBody>
-          <a:bodyPr wrap="square" rtlCol="0">
-            <a:spAutoFit/>
-          </a:bodyPr>
-          <a:lstStyle/>
-          <a:p>
-            <a:r>
-              <a:rPr lang="en-US" altLang="zh-CN" sz="3200" dirty="0" smtClean="0">
-                <a:solidFill>
-                  <a:schemeClr val="bg1"/>
-                </a:solidFill>
-                <a:latin typeface="Broadway" panose="04040905080B02020502" pitchFamily="82" charset="0"/>
-              </a:rPr>
-              <a:t>03</a:t>
-            </a:r>
-            <a:endParaRPr lang="zh-CN" altLang="en-US" sz="3200" dirty="0">
-              <a:solidFill>
-                <a:schemeClr val="bg1"/>
-              </a:solidFill>
-              <a:latin typeface="Broadway" panose="04040905080B02020502" pitchFamily="82" charset="0"/>
-            </a:endParaRPr>
-          </a:p>
-        </p:txBody>
-      </p:sp>
-      <p:sp>
-        <p:nvSpPr>
-          <p:cNvPr id="13" name="文本框 12"/>
-          <p:cNvSpPr txBox="1"/>
-          <p:nvPr/>
-        </p:nvSpPr>
-        <p:spPr>
-          <a:xfrm>
-            <a:off x="5809753" y="5013325"/>
-            <a:ext cx="728207" cy="584775"/>
-          </a:xfrm>
-          <a:prstGeom prst="rect">
-            <a:avLst/>
-          </a:prstGeom>
-          <a:noFill/>
-        </p:spPr>
-        <p:txBody>
-          <a:bodyPr wrap="square" rtlCol="0">
-            <a:spAutoFit/>
-          </a:bodyPr>
-          <a:lstStyle/>
-          <a:p>
-            <a:r>
-              <a:rPr lang="en-US" altLang="zh-CN" sz="3200" dirty="0" smtClean="0">
-                <a:solidFill>
-                  <a:schemeClr val="bg1"/>
-                </a:solidFill>
-                <a:latin typeface="Broadway" panose="04040905080B02020502" pitchFamily="82" charset="0"/>
-              </a:rPr>
-              <a:t>04</a:t>
-            </a:r>
-            <a:endParaRPr lang="zh-CN" altLang="en-US" sz="3200" dirty="0">
-              <a:solidFill>
-                <a:schemeClr val="bg1"/>
-              </a:solidFill>
-              <a:latin typeface="Broadway" panose="04040905080B02020502" pitchFamily="82" charset="0"/>
-            </a:endParaRPr>
-          </a:p>
-        </p:txBody>
-      </p:sp>
-      <p:sp>
-        <p:nvSpPr>
-          <p:cNvPr id="14" name="文本框 13"/>
-          <p:cNvSpPr txBox="1"/>
-          <p:nvPr/>
-        </p:nvSpPr>
-        <p:spPr>
-          <a:xfrm>
-            <a:off x="6705600" y="2769553"/>
-            <a:ext cx="4358640" cy="799706"/>
-          </a:xfrm>
-          <a:prstGeom prst="rect">
-            <a:avLst/>
-          </a:prstGeom>
-          <a:noFill/>
-        </p:spPr>
-        <p:txBody>
-          <a:bodyPr wrap="square" rtlCol="0">
-            <a:spAutoFit/>
-          </a:bodyPr>
-          <a:lstStyle/>
-          <a:p>
-            <a:pPr>
-              <a:lnSpc>
-                <a:spcPct val="120000"/>
-              </a:lnSpc>
-            </a:pPr>
-            <a:r>
-              <a:rPr lang="zh-CN" altLang="en-US" sz="2000" dirty="0" smtClean="0">
-                <a:solidFill>
-                  <a:srgbClr val="595959"/>
-                </a:solidFill>
-                <a:latin typeface="微软雅黑" panose="020B0503020204020204" pitchFamily="34" charset="-122"/>
-                <a:ea typeface="微软雅黑" panose="020B0503020204020204" pitchFamily="34" charset="-122"/>
-              </a:rPr>
-              <a:t>请在此处添加内容</a:t>
-            </a:r>
-            <a:r>
-              <a:rPr lang="zh-CN" altLang="en-US" sz="2000" dirty="0">
-                <a:solidFill>
-                  <a:srgbClr val="595959"/>
-                </a:solidFill>
-                <a:latin typeface="微软雅黑" panose="020B0503020204020204" pitchFamily="34" charset="-122"/>
-                <a:ea typeface="微软雅黑" panose="020B0503020204020204" pitchFamily="34" charset="-122"/>
-              </a:rPr>
-              <a:t>请在此处添加</a:t>
-            </a:r>
-            <a:r>
-              <a:rPr lang="zh-CN" altLang="en-US" sz="2000" dirty="0" smtClean="0">
-                <a:solidFill>
-                  <a:srgbClr val="595959"/>
-                </a:solidFill>
-                <a:latin typeface="微软雅黑" panose="020B0503020204020204" pitchFamily="34" charset="-122"/>
-                <a:ea typeface="微软雅黑" panose="020B0503020204020204" pitchFamily="34" charset="-122"/>
-              </a:rPr>
-              <a:t>内容</a:t>
-            </a:r>
-            <a:r>
-              <a:rPr lang="zh-CN" altLang="en-US" sz="2000" dirty="0">
-                <a:solidFill>
-                  <a:srgbClr val="595959"/>
-                </a:solidFill>
-                <a:latin typeface="微软雅黑" panose="020B0503020204020204" pitchFamily="34" charset="-122"/>
-                <a:ea typeface="微软雅黑" panose="020B0503020204020204" pitchFamily="34" charset="-122"/>
-              </a:rPr>
-              <a:t>请在此处添加</a:t>
-            </a:r>
-            <a:r>
-              <a:rPr lang="zh-CN" altLang="en-US" sz="2000" dirty="0" smtClean="0">
-                <a:solidFill>
-                  <a:srgbClr val="595959"/>
-                </a:solidFill>
-                <a:latin typeface="微软雅黑" panose="020B0503020204020204" pitchFamily="34" charset="-122"/>
-                <a:ea typeface="微软雅黑" panose="020B0503020204020204" pitchFamily="34" charset="-122"/>
-              </a:rPr>
-              <a:t>内容</a:t>
-            </a:r>
-            <a:r>
-              <a:rPr lang="zh-CN" altLang="en-US" sz="2000" dirty="0">
-                <a:solidFill>
-                  <a:srgbClr val="595959"/>
-                </a:solidFill>
-                <a:latin typeface="微软雅黑" panose="020B0503020204020204" pitchFamily="34" charset="-122"/>
-                <a:ea typeface="微软雅黑" panose="020B0503020204020204" pitchFamily="34" charset="-122"/>
-              </a:rPr>
-              <a:t>请在此处添加</a:t>
-            </a:r>
-            <a:r>
-              <a:rPr lang="zh-CN" altLang="en-US" sz="2000" dirty="0" smtClean="0">
-                <a:solidFill>
-                  <a:srgbClr val="595959"/>
-                </a:solidFill>
-                <a:latin typeface="微软雅黑" panose="020B0503020204020204" pitchFamily="34" charset="-122"/>
-                <a:ea typeface="微软雅黑" panose="020B0503020204020204" pitchFamily="34" charset="-122"/>
-              </a:rPr>
-              <a:t>内容</a:t>
-            </a:r>
-            <a:endParaRPr lang="zh-CN" altLang="en-US" sz="2000" dirty="0">
-              <a:solidFill>
-                <a:srgbClr val="595959"/>
-              </a:solidFill>
-              <a:latin typeface="微软雅黑" panose="020B0503020204020204" pitchFamily="34" charset="-122"/>
-              <a:ea typeface="微软雅黑" panose="020B0503020204020204" pitchFamily="34" charset="-122"/>
-            </a:endParaRPr>
-          </a:p>
-        </p:txBody>
-      </p:sp>
-      <p:sp>
-        <p:nvSpPr>
-          <p:cNvPr id="15" name="文本框 14"/>
-          <p:cNvSpPr txBox="1"/>
-          <p:nvPr/>
-        </p:nvSpPr>
-        <p:spPr>
-          <a:xfrm>
-            <a:off x="6705600" y="1697038"/>
-            <a:ext cx="4358640" cy="799706"/>
-          </a:xfrm>
-          <a:prstGeom prst="rect">
-            <a:avLst/>
-          </a:prstGeom>
-          <a:noFill/>
-        </p:spPr>
-        <p:txBody>
-          <a:bodyPr wrap="square" rtlCol="0">
-            <a:spAutoFit/>
-          </a:bodyPr>
-          <a:lstStyle/>
-          <a:p>
-            <a:pPr>
-              <a:lnSpc>
-                <a:spcPct val="120000"/>
-              </a:lnSpc>
-            </a:pPr>
-            <a:r>
-              <a:rPr lang="zh-CN" altLang="en-US" sz="2000" dirty="0" smtClean="0">
-                <a:solidFill>
-                  <a:srgbClr val="595959"/>
-                </a:solidFill>
-                <a:latin typeface="微软雅黑" panose="020B0503020204020204" pitchFamily="34" charset="-122"/>
-                <a:ea typeface="微软雅黑" panose="020B0503020204020204" pitchFamily="34" charset="-122"/>
-              </a:rPr>
-              <a:t>请在此处添加内容</a:t>
-            </a:r>
-            <a:r>
-              <a:rPr lang="zh-CN" altLang="en-US" sz="2000" dirty="0">
-                <a:solidFill>
-                  <a:srgbClr val="595959"/>
-                </a:solidFill>
-                <a:latin typeface="微软雅黑" panose="020B0503020204020204" pitchFamily="34" charset="-122"/>
-                <a:ea typeface="微软雅黑" panose="020B0503020204020204" pitchFamily="34" charset="-122"/>
-              </a:rPr>
-              <a:t>请在此处添加</a:t>
-            </a:r>
-            <a:r>
-              <a:rPr lang="zh-CN" altLang="en-US" sz="2000" dirty="0" smtClean="0">
-                <a:solidFill>
-                  <a:srgbClr val="595959"/>
-                </a:solidFill>
-                <a:latin typeface="微软雅黑" panose="020B0503020204020204" pitchFamily="34" charset="-122"/>
-                <a:ea typeface="微软雅黑" panose="020B0503020204020204" pitchFamily="34" charset="-122"/>
-              </a:rPr>
-              <a:t>内容</a:t>
-            </a:r>
-            <a:r>
-              <a:rPr lang="zh-CN" altLang="en-US" sz="2000" dirty="0">
-                <a:solidFill>
-                  <a:srgbClr val="595959"/>
-                </a:solidFill>
-                <a:latin typeface="微软雅黑" panose="020B0503020204020204" pitchFamily="34" charset="-122"/>
-                <a:ea typeface="微软雅黑" panose="020B0503020204020204" pitchFamily="34" charset="-122"/>
-              </a:rPr>
-              <a:t>请在此处添加</a:t>
-            </a:r>
-            <a:r>
-              <a:rPr lang="zh-CN" altLang="en-US" sz="2000" dirty="0" smtClean="0">
-                <a:solidFill>
-                  <a:srgbClr val="595959"/>
-                </a:solidFill>
-                <a:latin typeface="微软雅黑" panose="020B0503020204020204" pitchFamily="34" charset="-122"/>
-                <a:ea typeface="微软雅黑" panose="020B0503020204020204" pitchFamily="34" charset="-122"/>
-              </a:rPr>
-              <a:t>内容</a:t>
-            </a:r>
-            <a:r>
-              <a:rPr lang="zh-CN" altLang="en-US" sz="2000" dirty="0">
-                <a:solidFill>
-                  <a:srgbClr val="595959"/>
-                </a:solidFill>
-                <a:latin typeface="微软雅黑" panose="020B0503020204020204" pitchFamily="34" charset="-122"/>
-                <a:ea typeface="微软雅黑" panose="020B0503020204020204" pitchFamily="34" charset="-122"/>
-              </a:rPr>
-              <a:t>请在此处添加</a:t>
-            </a:r>
-            <a:r>
-              <a:rPr lang="zh-CN" altLang="en-US" sz="2000" dirty="0" smtClean="0">
-                <a:solidFill>
-                  <a:srgbClr val="595959"/>
-                </a:solidFill>
-                <a:latin typeface="微软雅黑" panose="020B0503020204020204" pitchFamily="34" charset="-122"/>
-                <a:ea typeface="微软雅黑" panose="020B0503020204020204" pitchFamily="34" charset="-122"/>
-              </a:rPr>
-              <a:t>内容</a:t>
-            </a:r>
-            <a:endParaRPr lang="zh-CN" altLang="en-US" sz="2000" dirty="0">
-              <a:solidFill>
-                <a:srgbClr val="595959"/>
-              </a:solidFill>
-              <a:latin typeface="微软雅黑" panose="020B0503020204020204" pitchFamily="34" charset="-122"/>
-              <a:ea typeface="微软雅黑" panose="020B0503020204020204" pitchFamily="34" charset="-122"/>
-            </a:endParaRPr>
-          </a:p>
-        </p:txBody>
-      </p:sp>
-      <p:sp>
-        <p:nvSpPr>
-          <p:cNvPr id="16" name="文本框 15"/>
-          <p:cNvSpPr txBox="1"/>
-          <p:nvPr/>
-        </p:nvSpPr>
-        <p:spPr>
-          <a:xfrm>
-            <a:off x="6705600" y="3781819"/>
-            <a:ext cx="4358640" cy="799706"/>
-          </a:xfrm>
-          <a:prstGeom prst="rect">
-            <a:avLst/>
-          </a:prstGeom>
-          <a:noFill/>
-        </p:spPr>
-        <p:txBody>
-          <a:bodyPr wrap="square" rtlCol="0">
-            <a:spAutoFit/>
-          </a:bodyPr>
-          <a:lstStyle/>
-          <a:p>
-            <a:pPr>
-              <a:lnSpc>
-                <a:spcPct val="120000"/>
-              </a:lnSpc>
-            </a:pPr>
-            <a:r>
-              <a:rPr lang="zh-CN" altLang="en-US" sz="2000" dirty="0" smtClean="0">
-                <a:solidFill>
-                  <a:srgbClr val="595959"/>
-                </a:solidFill>
-                <a:latin typeface="微软雅黑" panose="020B0503020204020204" pitchFamily="34" charset="-122"/>
-                <a:ea typeface="微软雅黑" panose="020B0503020204020204" pitchFamily="34" charset="-122"/>
-              </a:rPr>
-              <a:t>请在此处添加内容</a:t>
-            </a:r>
-            <a:r>
-              <a:rPr lang="zh-CN" altLang="en-US" sz="2000" dirty="0">
-                <a:solidFill>
-                  <a:srgbClr val="595959"/>
-                </a:solidFill>
-                <a:latin typeface="微软雅黑" panose="020B0503020204020204" pitchFamily="34" charset="-122"/>
-                <a:ea typeface="微软雅黑" panose="020B0503020204020204" pitchFamily="34" charset="-122"/>
-              </a:rPr>
-              <a:t>请在此处添加</a:t>
-            </a:r>
-            <a:r>
-              <a:rPr lang="zh-CN" altLang="en-US" sz="2000" dirty="0" smtClean="0">
-                <a:solidFill>
-                  <a:srgbClr val="595959"/>
-                </a:solidFill>
-                <a:latin typeface="微软雅黑" panose="020B0503020204020204" pitchFamily="34" charset="-122"/>
-                <a:ea typeface="微软雅黑" panose="020B0503020204020204" pitchFamily="34" charset="-122"/>
-              </a:rPr>
-              <a:t>内容</a:t>
-            </a:r>
-            <a:r>
-              <a:rPr lang="zh-CN" altLang="en-US" sz="2000" dirty="0">
-                <a:solidFill>
-                  <a:srgbClr val="595959"/>
-                </a:solidFill>
-                <a:latin typeface="微软雅黑" panose="020B0503020204020204" pitchFamily="34" charset="-122"/>
-                <a:ea typeface="微软雅黑" panose="020B0503020204020204" pitchFamily="34" charset="-122"/>
-              </a:rPr>
-              <a:t>请在此处添加</a:t>
-            </a:r>
-            <a:r>
-              <a:rPr lang="zh-CN" altLang="en-US" sz="2000" dirty="0" smtClean="0">
-                <a:solidFill>
-                  <a:srgbClr val="595959"/>
-                </a:solidFill>
-                <a:latin typeface="微软雅黑" panose="020B0503020204020204" pitchFamily="34" charset="-122"/>
-                <a:ea typeface="微软雅黑" panose="020B0503020204020204" pitchFamily="34" charset="-122"/>
-              </a:rPr>
-              <a:t>内容</a:t>
-            </a:r>
-            <a:r>
-              <a:rPr lang="zh-CN" altLang="en-US" sz="2000" dirty="0">
-                <a:solidFill>
-                  <a:srgbClr val="595959"/>
-                </a:solidFill>
-                <a:latin typeface="微软雅黑" panose="020B0503020204020204" pitchFamily="34" charset="-122"/>
-                <a:ea typeface="微软雅黑" panose="020B0503020204020204" pitchFamily="34" charset="-122"/>
-              </a:rPr>
-              <a:t>请在此处添加</a:t>
-            </a:r>
-            <a:r>
-              <a:rPr lang="zh-CN" altLang="en-US" sz="2000" dirty="0" smtClean="0">
-                <a:solidFill>
-                  <a:srgbClr val="595959"/>
-                </a:solidFill>
-                <a:latin typeface="微软雅黑" panose="020B0503020204020204" pitchFamily="34" charset="-122"/>
-                <a:ea typeface="微软雅黑" panose="020B0503020204020204" pitchFamily="34" charset="-122"/>
-              </a:rPr>
-              <a:t>内容</a:t>
-            </a:r>
-            <a:endParaRPr lang="zh-CN" altLang="en-US" sz="2000" dirty="0">
-              <a:solidFill>
-                <a:srgbClr val="595959"/>
-              </a:solidFill>
-              <a:latin typeface="微软雅黑" panose="020B0503020204020204" pitchFamily="34" charset="-122"/>
-              <a:ea typeface="微软雅黑" panose="020B0503020204020204" pitchFamily="34" charset="-122"/>
-            </a:endParaRPr>
-          </a:p>
-        </p:txBody>
-      </p:sp>
-      <p:sp>
-        <p:nvSpPr>
-          <p:cNvPr id="17" name="文本框 16"/>
-          <p:cNvSpPr txBox="1"/>
-          <p:nvPr/>
-        </p:nvSpPr>
-        <p:spPr>
-          <a:xfrm>
-            <a:off x="6705600" y="4879099"/>
-            <a:ext cx="4358640" cy="799706"/>
-          </a:xfrm>
-          <a:prstGeom prst="rect">
-            <a:avLst/>
-          </a:prstGeom>
-          <a:noFill/>
-        </p:spPr>
-        <p:txBody>
-          <a:bodyPr wrap="square" rtlCol="0">
-            <a:spAutoFit/>
-          </a:bodyPr>
-          <a:lstStyle/>
-          <a:p>
-            <a:pPr>
-              <a:lnSpc>
-                <a:spcPct val="120000"/>
-              </a:lnSpc>
-            </a:pPr>
-            <a:r>
-              <a:rPr lang="zh-CN" altLang="en-US" sz="2000" dirty="0" smtClean="0">
-                <a:solidFill>
-                  <a:srgbClr val="595959"/>
-                </a:solidFill>
-                <a:latin typeface="微软雅黑" panose="020B0503020204020204" pitchFamily="34" charset="-122"/>
-                <a:ea typeface="微软雅黑" panose="020B0503020204020204" pitchFamily="34" charset="-122"/>
-              </a:rPr>
-              <a:t>请在此处添加内容</a:t>
-            </a:r>
-            <a:r>
-              <a:rPr lang="zh-CN" altLang="en-US" sz="2000" dirty="0">
-                <a:solidFill>
-                  <a:srgbClr val="595959"/>
-                </a:solidFill>
-                <a:latin typeface="微软雅黑" panose="020B0503020204020204" pitchFamily="34" charset="-122"/>
-                <a:ea typeface="微软雅黑" panose="020B0503020204020204" pitchFamily="34" charset="-122"/>
-              </a:rPr>
-              <a:t>请在此处添加</a:t>
-            </a:r>
-            <a:r>
-              <a:rPr lang="zh-CN" altLang="en-US" sz="2000" dirty="0" smtClean="0">
-                <a:solidFill>
-                  <a:srgbClr val="595959"/>
-                </a:solidFill>
-                <a:latin typeface="微软雅黑" panose="020B0503020204020204" pitchFamily="34" charset="-122"/>
-                <a:ea typeface="微软雅黑" panose="020B0503020204020204" pitchFamily="34" charset="-122"/>
-              </a:rPr>
-              <a:t>内容</a:t>
-            </a:r>
-            <a:r>
-              <a:rPr lang="zh-CN" altLang="en-US" sz="2000" dirty="0">
-                <a:solidFill>
-                  <a:srgbClr val="595959"/>
-                </a:solidFill>
-                <a:latin typeface="微软雅黑" panose="020B0503020204020204" pitchFamily="34" charset="-122"/>
-                <a:ea typeface="微软雅黑" panose="020B0503020204020204" pitchFamily="34" charset="-122"/>
-              </a:rPr>
-              <a:t>请在此处添加</a:t>
-            </a:r>
-            <a:r>
-              <a:rPr lang="zh-CN" altLang="en-US" sz="2000" dirty="0" smtClean="0">
-                <a:solidFill>
-                  <a:srgbClr val="595959"/>
-                </a:solidFill>
-                <a:latin typeface="微软雅黑" panose="020B0503020204020204" pitchFamily="34" charset="-122"/>
-                <a:ea typeface="微软雅黑" panose="020B0503020204020204" pitchFamily="34" charset="-122"/>
-              </a:rPr>
-              <a:t>内容</a:t>
-            </a:r>
-            <a:r>
-              <a:rPr lang="zh-CN" altLang="en-US" sz="2000" dirty="0">
-                <a:solidFill>
-                  <a:srgbClr val="595959"/>
-                </a:solidFill>
-                <a:latin typeface="微软雅黑" panose="020B0503020204020204" pitchFamily="34" charset="-122"/>
-                <a:ea typeface="微软雅黑" panose="020B0503020204020204" pitchFamily="34" charset="-122"/>
-              </a:rPr>
-              <a:t>请在此处添加</a:t>
-            </a:r>
-            <a:r>
-              <a:rPr lang="zh-CN" altLang="en-US" sz="2000" dirty="0" smtClean="0">
-                <a:solidFill>
-                  <a:srgbClr val="595959"/>
-                </a:solidFill>
-                <a:latin typeface="微软雅黑" panose="020B0503020204020204" pitchFamily="34" charset="-122"/>
-                <a:ea typeface="微软雅黑" panose="020B0503020204020204" pitchFamily="34" charset="-122"/>
-              </a:rPr>
-              <a:t>内容</a:t>
-            </a:r>
-            <a:endParaRPr lang="zh-CN" altLang="en-US" sz="2000" dirty="0">
-              <a:solidFill>
-                <a:srgbClr val="595959"/>
-              </a:solidFill>
-              <a:latin typeface="微软雅黑" panose="020B0503020204020204" pitchFamily="34" charset="-122"/>
-              <a:ea typeface="微软雅黑" panose="020B0503020204020204" pitchFamily="34" charset="-122"/>
-            </a:endParaRPr>
-          </a:p>
-        </p:txBody>
-      </p:sp>
     </p:spTree>
+    <p:extLst>
+      <p:ext uri="{BB962C8B-B14F-4D97-AF65-F5344CB8AC3E}">
+        <p14:creationId xmlns:p14="http://schemas.microsoft.com/office/powerpoint/2010/main" val="4212047222"/>
+      </p:ext>
+    </p:extLst>
   </p:cSld>
   <p:clrMapOvr>
     <a:masterClrMapping/>
   </p:clrMapOvr>
-  <p:timing>
-    <p:tnLst>
-      <p:par>
-        <p:cTn id="1" dur="indefinite" restart="never" nodeType="tmRoot"/>
-      </p:par>
-    </p:tnLst>
-  </p:timing>
 </p:sld>
 </file>
 
@@ -8534,130 +6285,21 @@
                 <a:latin typeface="幼圆" panose="02010509060101010101" pitchFamily="49" charset="-122"/>
                 <a:ea typeface="幼圆" panose="02010509060101010101" pitchFamily="49" charset="-122"/>
               </a:rPr>
-              <a:t>请在</a:t>
-            </a:r>
-            <a:r>
-              <a:rPr lang="zh-CN" altLang="en-US" sz="2800" b="1" dirty="0" smtClean="0">
-                <a:solidFill>
-                  <a:srgbClr val="595959"/>
-                </a:solidFill>
-                <a:latin typeface="幼圆" panose="02010509060101010101" pitchFamily="49" charset="-122"/>
-                <a:ea typeface="幼圆" panose="02010509060101010101" pitchFamily="49" charset="-122"/>
-              </a:rPr>
-              <a:t>此处添加幻灯片标题</a:t>
-            </a:r>
-            <a:endParaRPr lang="zh-CN" altLang="en-US" sz="2800" b="1" dirty="0">
-              <a:solidFill>
-                <a:srgbClr val="595959"/>
-              </a:solidFill>
-              <a:latin typeface="幼圆" panose="02010509060101010101" pitchFamily="49" charset="-122"/>
-              <a:ea typeface="幼圆" panose="02010509060101010101" pitchFamily="49" charset="-122"/>
-            </a:endParaRPr>
-          </a:p>
-        </p:txBody>
-      </p:sp>
-      <p:sp>
-        <p:nvSpPr>
-          <p:cNvPr id="4" name="矩形 3"/>
-          <p:cNvSpPr/>
-          <p:nvPr/>
-        </p:nvSpPr>
-        <p:spPr>
-          <a:xfrm>
-            <a:off x="1341646" y="1504267"/>
-            <a:ext cx="4770120" cy="1908969"/>
-          </a:xfrm>
-          <a:prstGeom prst="rect">
-            <a:avLst/>
-          </a:prstGeom>
-          <a:solidFill>
-            <a:srgbClr val="DB5355"/>
-          </a:solidFill>
-          <a:ln>
-            <a:noFill/>
-          </a:ln>
-        </p:spPr>
-        <p:style>
-          <a:lnRef idx="2">
-            <a:schemeClr val="accent1">
-              <a:shade val="50000"/>
-            </a:schemeClr>
-          </a:lnRef>
-          <a:fillRef idx="1">
-            <a:schemeClr val="accent1"/>
-          </a:fillRef>
-          <a:effectRef idx="0">
-            <a:schemeClr val="accent1"/>
-          </a:effectRef>
-          <a:fontRef idx="minor">
-            <a:schemeClr val="lt1"/>
-          </a:fontRef>
-        </p:style>
-        <p:txBody>
-          <a:bodyPr rtlCol="0" anchor="ctr"/>
-          <a:lstStyle/>
-          <a:p>
-            <a:pPr algn="ctr"/>
-            <a:endParaRPr lang="zh-CN" altLang="en-US"/>
-          </a:p>
-        </p:txBody>
-      </p:sp>
-      <p:sp>
-        <p:nvSpPr>
-          <p:cNvPr id="5" name="矩形 4"/>
-          <p:cNvSpPr/>
-          <p:nvPr/>
-        </p:nvSpPr>
-        <p:spPr>
-          <a:xfrm>
-            <a:off x="6080234" y="3421063"/>
-            <a:ext cx="4770120" cy="1908969"/>
-          </a:xfrm>
-          <a:prstGeom prst="rect">
-            <a:avLst/>
-          </a:prstGeom>
-          <a:solidFill>
-            <a:srgbClr val="DB5355"/>
-          </a:solidFill>
-          <a:ln>
-            <a:noFill/>
-          </a:ln>
-        </p:spPr>
-        <p:style>
-          <a:lnRef idx="2">
-            <a:schemeClr val="accent1">
-              <a:shade val="50000"/>
-            </a:schemeClr>
-          </a:lnRef>
-          <a:fillRef idx="1">
-            <a:schemeClr val="accent1"/>
-          </a:fillRef>
-          <a:effectRef idx="0">
-            <a:schemeClr val="accent1"/>
-          </a:effectRef>
-          <a:fontRef idx="minor">
-            <a:schemeClr val="lt1"/>
-          </a:fontRef>
-        </p:style>
-        <p:txBody>
-          <a:bodyPr rtlCol="0" anchor="ctr"/>
-          <a:lstStyle/>
-          <a:p>
-            <a:pPr algn="ctr"/>
-            <a:endParaRPr lang="zh-CN" altLang="en-US"/>
-          </a:p>
-        </p:txBody>
-      </p:sp>
-      <p:sp>
-        <p:nvSpPr>
-          <p:cNvPr id="10" name="文本框 9"/>
+              <a:t>界面原型的设计原则</a:t>
+            </a:r>
+          </a:p>
+        </p:txBody>
+      </p:sp>
+      <p:sp>
+        <p:nvSpPr>
+          <p:cNvPr id="5" name="文本框 4"/>
           <p:cNvSpPr txBox="1"/>
           <p:nvPr/>
         </p:nvSpPr>
         <p:spPr>
           <a:xfrm>
-            <a:off x="1554480" y="2108110"/>
-            <a:ext cx="4358640" cy="1200329"/>
+            <a:off x="565796" y="2194817"/>
+            <a:ext cx="2922065" cy="2266774"/>
           </a:xfrm>
           <a:prstGeom prst="rect">
             <a:avLst/>
@@ -8676,23 +6318,40 @@
               </a:lnSpc>
             </a:pPr>
             <a:r>
-              <a:rPr lang="zh-CN" altLang="en-US" sz="2000" dirty="0" smtClean="0">
-                <a:solidFill>
-                  <a:schemeClr val="bg1"/>
-                </a:solidFill>
-                <a:latin typeface="微软雅黑" panose="020B0503020204020204" pitchFamily="34" charset="-122"/>
-                <a:ea typeface="微软雅黑" panose="020B0503020204020204" pitchFamily="34" charset="-122"/>
-              </a:rPr>
-              <a:t>请在此处添加内容请在此处添加内容请在此处添加内容请在此处添加内容</a:t>
-            </a:r>
-            <a:endParaRPr lang="en-US" altLang="zh-CN" sz="2000" dirty="0" smtClean="0">
+              <a:rPr lang="zh-CN" altLang="en-US" sz="2400" dirty="0"/>
+              <a:t>界面的简洁是要让用户便于使用、便于了解、并能减少用户发生错误选择的可能性</a:t>
+            </a:r>
+            <a:endParaRPr lang="zh-CN" altLang="en-US" sz="2800" dirty="0">
               <a:solidFill>
-                <a:schemeClr val="bg1"/>
+                <a:srgbClr val="595959"/>
               </a:solidFill>
               <a:latin typeface="微软雅黑" panose="020B0503020204020204" pitchFamily="34" charset="-122"/>
               <a:ea typeface="微软雅黑" panose="020B0503020204020204" pitchFamily="34" charset="-122"/>
             </a:endParaRPr>
           </a:p>
+        </p:txBody>
+      </p:sp>
+      <p:sp>
+        <p:nvSpPr>
+          <p:cNvPr id="8" name="文本框 7"/>
+          <p:cNvSpPr txBox="1"/>
+          <p:nvPr/>
+        </p:nvSpPr>
+        <p:spPr>
+          <a:xfrm>
+            <a:off x="609600" y="1384788"/>
+            <a:ext cx="4358640" cy="565604"/>
+          </a:xfrm>
+          <a:prstGeom prst="rect">
+            <a:avLst/>
+          </a:prstGeom>
+          <a:noFill/>
+        </p:spPr>
+        <p:txBody>
+          <a:bodyPr wrap="square" rtlCol="0">
+            <a:spAutoFit/>
+          </a:bodyPr>
+          <a:lstStyle/>
           <a:p>
             <a:pPr>
               <a:lnSpc>
@@ -8700,222 +6359,57 @@
               </a:lnSpc>
             </a:pPr>
             <a:r>
-              <a:rPr lang="zh-CN" altLang="en-US" sz="2000" dirty="0">
+              <a:rPr lang="zh-CN" altLang="en-US" sz="2800" b="1" dirty="0">
                 <a:solidFill>
-                  <a:schemeClr val="bg1"/>
+                  <a:srgbClr val="595959"/>
                 </a:solidFill>
                 <a:latin typeface="微软雅黑" panose="020B0503020204020204" pitchFamily="34" charset="-122"/>
                 <a:ea typeface="微软雅黑" panose="020B0503020204020204" pitchFamily="34" charset="-122"/>
               </a:rPr>
-              <a:t>请在此处添加内容请在此处添加</a:t>
-            </a:r>
-            <a:r>
-              <a:rPr lang="zh-CN" altLang="en-US" sz="2000" dirty="0" smtClean="0">
-                <a:solidFill>
-                  <a:schemeClr val="bg1"/>
-                </a:solidFill>
-                <a:latin typeface="微软雅黑" panose="020B0503020204020204" pitchFamily="34" charset="-122"/>
-                <a:ea typeface="微软雅黑" panose="020B0503020204020204" pitchFamily="34" charset="-122"/>
-              </a:rPr>
-              <a:t>内容</a:t>
-            </a:r>
-            <a:endParaRPr lang="zh-CN" altLang="en-US" sz="2000" dirty="0">
-              <a:solidFill>
-                <a:schemeClr val="bg1"/>
-              </a:solidFill>
-              <a:latin typeface="微软雅黑" panose="020B0503020204020204" pitchFamily="34" charset="-122"/>
-              <a:ea typeface="微软雅黑" panose="020B0503020204020204" pitchFamily="34" charset="-122"/>
-            </a:endParaRPr>
-          </a:p>
-        </p:txBody>
-      </p:sp>
-      <p:sp>
-        <p:nvSpPr>
-          <p:cNvPr id="12" name="文本框 11"/>
-          <p:cNvSpPr txBox="1"/>
+              <a:t>简洁</a:t>
+            </a:r>
+          </a:p>
+        </p:txBody>
+      </p:sp>
+      <p:pic>
+        <p:nvPicPr>
+          <p:cNvPr id="2" name="图片 1">
+            <a:extLst>
+              <a:ext uri="{FF2B5EF4-FFF2-40B4-BE49-F238E27FC236}">
+                <a16:creationId xmlns:a16="http://schemas.microsoft.com/office/drawing/2014/main" id="{C4FAAAA9-4F08-4116-9B2A-9C685841C055}"/>
+              </a:ext>
+            </a:extLst>
+          </p:cNvPr>
+          <p:cNvPicPr>
+            <a:picLocks noChangeAspect="1"/>
+          </p:cNvPicPr>
           <p:nvPr/>
-        </p:nvSpPr>
-        <p:spPr>
-          <a:xfrm>
-            <a:off x="6339840" y="3981360"/>
-            <a:ext cx="4358640" cy="1200329"/>
-          </a:xfrm>
-          <a:prstGeom prst="rect">
-            <a:avLst/>
-          </a:prstGeom>
-          <a:noFill/>
-        </p:spPr>
-        <p:txBody>
-          <a:bodyPr wrap="square" rtlCol="0">
-            <a:spAutoFit/>
-          </a:bodyPr>
-          <a:lstStyle/>
-          <a:p>
-            <a:pPr>
-              <a:lnSpc>
-                <a:spcPct val="120000"/>
-              </a:lnSpc>
-            </a:pPr>
-            <a:r>
-              <a:rPr lang="zh-CN" altLang="en-US" sz="2000" dirty="0" smtClean="0">
-                <a:solidFill>
-                  <a:schemeClr val="bg1"/>
-                </a:solidFill>
-                <a:latin typeface="微软雅黑" panose="020B0503020204020204" pitchFamily="34" charset="-122"/>
-                <a:ea typeface="微软雅黑" panose="020B0503020204020204" pitchFamily="34" charset="-122"/>
-              </a:rPr>
-              <a:t>请在此处添加内容请在此处添加内容请在此处添加内容请在此处添加内容</a:t>
-            </a:r>
-            <a:endParaRPr lang="en-US" altLang="zh-CN" sz="2000" dirty="0" smtClean="0">
-              <a:solidFill>
-                <a:schemeClr val="bg1"/>
-              </a:solidFill>
-              <a:latin typeface="微软雅黑" panose="020B0503020204020204" pitchFamily="34" charset="-122"/>
-              <a:ea typeface="微软雅黑" panose="020B0503020204020204" pitchFamily="34" charset="-122"/>
-            </a:endParaRPr>
-          </a:p>
-          <a:p>
-            <a:pPr>
-              <a:lnSpc>
-                <a:spcPct val="120000"/>
-              </a:lnSpc>
-            </a:pPr>
-            <a:r>
-              <a:rPr lang="zh-CN" altLang="en-US" sz="2000" dirty="0">
-                <a:solidFill>
-                  <a:schemeClr val="bg1"/>
-                </a:solidFill>
-                <a:latin typeface="微软雅黑" panose="020B0503020204020204" pitchFamily="34" charset="-122"/>
-                <a:ea typeface="微软雅黑" panose="020B0503020204020204" pitchFamily="34" charset="-122"/>
-              </a:rPr>
-              <a:t>请在此处添加内容请在此处添加</a:t>
-            </a:r>
-            <a:r>
-              <a:rPr lang="zh-CN" altLang="en-US" sz="2000" dirty="0" smtClean="0">
-                <a:solidFill>
-                  <a:schemeClr val="bg1"/>
-                </a:solidFill>
-                <a:latin typeface="微软雅黑" panose="020B0503020204020204" pitchFamily="34" charset="-122"/>
-                <a:ea typeface="微软雅黑" panose="020B0503020204020204" pitchFamily="34" charset="-122"/>
-              </a:rPr>
-              <a:t>内容</a:t>
-            </a:r>
-            <a:endParaRPr lang="zh-CN" altLang="en-US" sz="2000" dirty="0">
-              <a:solidFill>
-                <a:schemeClr val="bg1"/>
-              </a:solidFill>
-              <a:latin typeface="微软雅黑" panose="020B0503020204020204" pitchFamily="34" charset="-122"/>
-              <a:ea typeface="微软雅黑" panose="020B0503020204020204" pitchFamily="34" charset="-122"/>
-            </a:endParaRPr>
-          </a:p>
-        </p:txBody>
-      </p:sp>
-      <p:sp>
-        <p:nvSpPr>
-          <p:cNvPr id="13" name="文本框 12"/>
-          <p:cNvSpPr txBox="1"/>
-          <p:nvPr/>
-        </p:nvSpPr>
-        <p:spPr>
-          <a:xfrm>
-            <a:off x="1530985" y="1664731"/>
-            <a:ext cx="4358640" cy="430374"/>
-          </a:xfrm>
-          <a:prstGeom prst="rect">
-            <a:avLst/>
-          </a:prstGeom>
-          <a:noFill/>
-        </p:spPr>
-        <p:txBody>
-          <a:bodyPr wrap="square" rtlCol="0">
-            <a:spAutoFit/>
-          </a:bodyPr>
-          <a:lstStyle/>
-          <a:p>
-            <a:pPr>
-              <a:lnSpc>
-                <a:spcPct val="120000"/>
-              </a:lnSpc>
-            </a:pPr>
-            <a:r>
-              <a:rPr lang="zh-CN" altLang="en-US" sz="2000" b="1" dirty="0" smtClean="0">
-                <a:solidFill>
-                  <a:schemeClr val="bg1"/>
-                </a:solidFill>
-                <a:latin typeface="微软雅黑" panose="020B0503020204020204" pitchFamily="34" charset="-122"/>
-                <a:ea typeface="微软雅黑" panose="020B0503020204020204" pitchFamily="34" charset="-122"/>
-              </a:rPr>
-              <a:t>请在此处输入正文小标题</a:t>
-            </a:r>
-            <a:endParaRPr lang="zh-CN" altLang="en-US" sz="2000" b="1" dirty="0">
-              <a:solidFill>
-                <a:schemeClr val="bg1"/>
-              </a:solidFill>
-              <a:latin typeface="微软雅黑" panose="020B0503020204020204" pitchFamily="34" charset="-122"/>
-              <a:ea typeface="微软雅黑" panose="020B0503020204020204" pitchFamily="34" charset="-122"/>
-            </a:endParaRPr>
-          </a:p>
-        </p:txBody>
-      </p:sp>
-      <p:sp>
-        <p:nvSpPr>
-          <p:cNvPr id="14" name="文本框 13"/>
-          <p:cNvSpPr txBox="1"/>
-          <p:nvPr/>
-        </p:nvSpPr>
-        <p:spPr>
-          <a:xfrm>
-            <a:off x="6316345" y="3584971"/>
-            <a:ext cx="4358640" cy="430374"/>
-          </a:xfrm>
-          <a:prstGeom prst="rect">
-            <a:avLst/>
-          </a:prstGeom>
-          <a:noFill/>
-        </p:spPr>
-        <p:txBody>
-          <a:bodyPr wrap="square" rtlCol="0">
-            <a:spAutoFit/>
-          </a:bodyPr>
-          <a:lstStyle/>
-          <a:p>
-            <a:pPr>
-              <a:lnSpc>
-                <a:spcPct val="120000"/>
-              </a:lnSpc>
-            </a:pPr>
-            <a:r>
-              <a:rPr lang="zh-CN" altLang="en-US" sz="2000" b="1" dirty="0" smtClean="0">
-                <a:solidFill>
-                  <a:schemeClr val="bg1"/>
-                </a:solidFill>
-                <a:latin typeface="微软雅黑" panose="020B0503020204020204" pitchFamily="34" charset="-122"/>
-                <a:ea typeface="微软雅黑" panose="020B0503020204020204" pitchFamily="34" charset="-122"/>
-              </a:rPr>
-              <a:t>请在此处输入正文小标题</a:t>
-            </a:r>
-            <a:endParaRPr lang="zh-CN" altLang="en-US" sz="2000" b="1" dirty="0">
-              <a:solidFill>
-                <a:schemeClr val="bg1"/>
-              </a:solidFill>
-              <a:latin typeface="微软雅黑" panose="020B0503020204020204" pitchFamily="34" charset="-122"/>
-              <a:ea typeface="微软雅黑" panose="020B0503020204020204" pitchFamily="34" charset="-122"/>
-            </a:endParaRPr>
-          </a:p>
-        </p:txBody>
-      </p:sp>
+        </p:nvPicPr>
+        <p:blipFill rotWithShape="1">
+          <a:blip r:embed="rId2"/>
+          <a:srcRect r="251" b="4032"/>
+          <a:stretch/>
+        </p:blipFill>
+        <p:spPr>
+          <a:xfrm>
+            <a:off x="3854715" y="863384"/>
+            <a:ext cx="7685817" cy="4929641"/>
+          </a:xfrm>
+          <a:prstGeom prst="rect">
+            <a:avLst/>
+          </a:prstGeom>
+        </p:spPr>
+      </p:pic>
     </p:spTree>
+    <p:extLst>
+      <p:ext uri="{BB962C8B-B14F-4D97-AF65-F5344CB8AC3E}">
+        <p14:creationId xmlns:p14="http://schemas.microsoft.com/office/powerpoint/2010/main" val="1064231821"/>
+      </p:ext>
+    </p:extLst>
   </p:cSld>
   <p:clrMapOvr>
     <a:masterClrMapping/>
   </p:clrMapOvr>
-  <p:timing>
-    <p:tnLst>
-      <p:par>
-        <p:cTn id="1" dur="indefinite" restart="never" nodeType="tmRoot"/>
-      </p:par>
-    </p:tnLst>
-  </p:timing>
 </p:sld>
 </file>
 
@@ -9012,38 +6506,27 @@
                 <a:latin typeface="幼圆" panose="02010509060101010101" pitchFamily="49" charset="-122"/>
                 <a:ea typeface="幼圆" panose="02010509060101010101" pitchFamily="49" charset="-122"/>
               </a:rPr>
-              <a:t>请在</a:t>
-            </a:r>
-            <a:r>
-              <a:rPr lang="zh-CN" altLang="en-US" sz="2800" b="1" dirty="0" smtClean="0">
-                <a:solidFill>
-                  <a:srgbClr val="595959"/>
-                </a:solidFill>
-                <a:latin typeface="幼圆" panose="02010509060101010101" pitchFamily="49" charset="-122"/>
-                <a:ea typeface="幼圆" panose="02010509060101010101" pitchFamily="49" charset="-122"/>
-              </a:rPr>
-              <a:t>此处添加幻灯片标题</a:t>
-            </a:r>
-            <a:endParaRPr lang="zh-CN" altLang="en-US" sz="2800" b="1" dirty="0">
-              <a:solidFill>
-                <a:srgbClr val="595959"/>
-              </a:solidFill>
-              <a:latin typeface="幼圆" panose="02010509060101010101" pitchFamily="49" charset="-122"/>
-              <a:ea typeface="幼圆" panose="02010509060101010101" pitchFamily="49" charset="-122"/>
-            </a:endParaRPr>
-          </a:p>
-        </p:txBody>
-      </p:sp>
-      <p:sp>
-        <p:nvSpPr>
-          <p:cNvPr id="5" name="文本框 4"/>
+              <a:t>界面原型的设计原则</a:t>
+            </a:r>
+          </a:p>
+        </p:txBody>
+      </p:sp>
+      <p:sp>
+        <p:nvSpPr>
+          <p:cNvPr id="14" name="文本框 13">
+            <a:extLst>
+              <a:ext uri="{FF2B5EF4-FFF2-40B4-BE49-F238E27FC236}">
+                <a16:creationId xmlns:a16="http://schemas.microsoft.com/office/drawing/2014/main" id="{D79EF7E1-3034-4548-BC77-7C9C4DCF464C}"/>
+              </a:ext>
+            </a:extLst>
+          </p:cNvPr>
           <p:cNvSpPr txBox="1"/>
           <p:nvPr/>
         </p:nvSpPr>
         <p:spPr>
           <a:xfrm>
-            <a:off x="7245985" y="2287935"/>
-            <a:ext cx="4358640" cy="1569660"/>
+            <a:off x="651786" y="1191293"/>
+            <a:ext cx="4358640" cy="560923"/>
           </a:xfrm>
           <a:prstGeom prst="rect">
             <a:avLst/>
@@ -9062,76 +6545,10 @@
               </a:lnSpc>
             </a:pPr>
             <a:r>
-              <a:rPr lang="zh-CN" altLang="en-US" sz="2000" dirty="0" smtClean="0">
-                <a:solidFill>
-                  <a:srgbClr val="595959"/>
-                </a:solidFill>
-                <a:latin typeface="微软雅黑" panose="020B0503020204020204" pitchFamily="34" charset="-122"/>
-                <a:ea typeface="微软雅黑" panose="020B0503020204020204" pitchFamily="34" charset="-122"/>
-              </a:rPr>
-              <a:t>请在此处添加内容</a:t>
-            </a:r>
-            <a:r>
-              <a:rPr lang="zh-CN" altLang="en-US" sz="2000" dirty="0">
-                <a:solidFill>
-                  <a:srgbClr val="595959"/>
-                </a:solidFill>
-                <a:latin typeface="微软雅黑" panose="020B0503020204020204" pitchFamily="34" charset="-122"/>
-                <a:ea typeface="微软雅黑" panose="020B0503020204020204" pitchFamily="34" charset="-122"/>
-              </a:rPr>
-              <a:t>请在此处添加</a:t>
-            </a:r>
-            <a:r>
-              <a:rPr lang="zh-CN" altLang="en-US" sz="2000" dirty="0" smtClean="0">
-                <a:solidFill>
-                  <a:srgbClr val="595959"/>
-                </a:solidFill>
-                <a:latin typeface="微软雅黑" panose="020B0503020204020204" pitchFamily="34" charset="-122"/>
-                <a:ea typeface="微软雅黑" panose="020B0503020204020204" pitchFamily="34" charset="-122"/>
-              </a:rPr>
-              <a:t>内容</a:t>
-            </a:r>
-            <a:r>
-              <a:rPr lang="zh-CN" altLang="en-US" sz="2000" dirty="0">
-                <a:solidFill>
-                  <a:srgbClr val="595959"/>
-                </a:solidFill>
-                <a:latin typeface="微软雅黑" panose="020B0503020204020204" pitchFamily="34" charset="-122"/>
-                <a:ea typeface="微软雅黑" panose="020B0503020204020204" pitchFamily="34" charset="-122"/>
-              </a:rPr>
-              <a:t>请在此处添加</a:t>
-            </a:r>
-            <a:r>
-              <a:rPr lang="zh-CN" altLang="en-US" sz="2000" dirty="0" smtClean="0">
-                <a:solidFill>
-                  <a:srgbClr val="595959"/>
-                </a:solidFill>
-                <a:latin typeface="微软雅黑" panose="020B0503020204020204" pitchFamily="34" charset="-122"/>
-                <a:ea typeface="微软雅黑" panose="020B0503020204020204" pitchFamily="34" charset="-122"/>
-              </a:rPr>
-              <a:t>内容</a:t>
-            </a:r>
-            <a:r>
-              <a:rPr lang="zh-CN" altLang="en-US" sz="2000" dirty="0">
-                <a:solidFill>
-                  <a:srgbClr val="595959"/>
-                </a:solidFill>
-                <a:latin typeface="微软雅黑" panose="020B0503020204020204" pitchFamily="34" charset="-122"/>
-                <a:ea typeface="微软雅黑" panose="020B0503020204020204" pitchFamily="34" charset="-122"/>
-              </a:rPr>
-              <a:t>请在此处添加</a:t>
-            </a:r>
-            <a:r>
-              <a:rPr lang="zh-CN" altLang="en-US" sz="2000" dirty="0" smtClean="0">
-                <a:solidFill>
-                  <a:srgbClr val="595959"/>
-                </a:solidFill>
-                <a:latin typeface="微软雅黑" panose="020B0503020204020204" pitchFamily="34" charset="-122"/>
-                <a:ea typeface="微软雅黑" panose="020B0503020204020204" pitchFamily="34" charset="-122"/>
-              </a:rPr>
-              <a:t>内容</a:t>
-            </a:r>
-            <a:endParaRPr lang="en-US" altLang="zh-CN" sz="2000" dirty="0" smtClean="0">
+              <a:rPr lang="zh-CN" altLang="en-US" sz="2800" b="1" dirty="0"/>
+              <a:t>从用户的观点考虑</a:t>
+            </a:r>
+            <a:endParaRPr lang="zh-CN" altLang="en-US" sz="3200" b="1" dirty="0">
               <a:solidFill>
                 <a:srgbClr val="595959"/>
               </a:solidFill>
@@ -9139,6 +6556,74 @@
               <a:ea typeface="微软雅黑" panose="020B0503020204020204" pitchFamily="34" charset="-122"/>
             </a:endParaRPr>
           </a:p>
+        </p:txBody>
+      </p:sp>
+      <p:sp>
+        <p:nvSpPr>
+          <p:cNvPr id="15" name="文本框 14">
+            <a:extLst>
+              <a:ext uri="{FF2B5EF4-FFF2-40B4-BE49-F238E27FC236}">
+                <a16:creationId xmlns:a16="http://schemas.microsoft.com/office/drawing/2014/main" id="{D8A202B6-7E40-40B6-9699-E30CCF440F60}"/>
+              </a:ext>
+            </a:extLst>
+          </p:cNvPr>
+          <p:cNvSpPr txBox="1"/>
+          <p:nvPr/>
+        </p:nvSpPr>
+        <p:spPr>
+          <a:xfrm>
+            <a:off x="609600" y="1899184"/>
+            <a:ext cx="3721480" cy="1200329"/>
+          </a:xfrm>
+          <a:prstGeom prst="rect">
+            <a:avLst/>
+          </a:prstGeom>
+          <a:noFill/>
+        </p:spPr>
+        <p:txBody>
+          <a:bodyPr wrap="square" rtlCol="0">
+            <a:spAutoFit/>
+          </a:bodyPr>
+          <a:lstStyle/>
+          <a:p>
+            <a:r>
+              <a:rPr lang="zh-CN" altLang="en-US" sz="2400" dirty="0"/>
+              <a:t>想用户所想，做用户所做。用户总是按照他们自己的方法理解和使用</a:t>
+            </a:r>
+            <a:r>
+              <a:rPr lang="zh-CN" altLang="en-US" dirty="0"/>
+              <a:t>。</a:t>
+            </a:r>
+          </a:p>
+        </p:txBody>
+      </p:sp>
+      <p:sp>
+        <p:nvSpPr>
+          <p:cNvPr id="16" name="文本框 15">
+            <a:extLst>
+              <a:ext uri="{FF2B5EF4-FFF2-40B4-BE49-F238E27FC236}">
+                <a16:creationId xmlns:a16="http://schemas.microsoft.com/office/drawing/2014/main" id="{F411AB2B-FF45-47EA-B287-EFD378C49008}"/>
+              </a:ext>
+            </a:extLst>
+          </p:cNvPr>
+          <p:cNvSpPr txBox="1"/>
+          <p:nvPr/>
+        </p:nvSpPr>
+        <p:spPr>
+          <a:xfrm>
+            <a:off x="651786" y="3241410"/>
+            <a:ext cx="4358640" cy="560923"/>
+          </a:xfrm>
+          <a:prstGeom prst="rect">
+            <a:avLst/>
+          </a:prstGeom>
+          <a:noFill/>
+        </p:spPr>
+        <p:txBody>
+          <a:bodyPr wrap="square" rtlCol="0">
+            <a:spAutoFit/>
+          </a:bodyPr>
+          <a:lstStyle/>
           <a:p>
             <a:pPr>
               <a:lnSpc>
@@ -9146,26 +6631,10 @@
               </a:lnSpc>
             </a:pPr>
             <a:r>
-              <a:rPr lang="zh-CN" altLang="en-US" sz="2000" dirty="0">
-                <a:solidFill>
-                  <a:srgbClr val="595959"/>
-                </a:solidFill>
-                <a:latin typeface="微软雅黑" panose="020B0503020204020204" pitchFamily="34" charset="-122"/>
-                <a:ea typeface="微软雅黑" panose="020B0503020204020204" pitchFamily="34" charset="-122"/>
-              </a:rPr>
-              <a:t>请在此处添加内容请在此处添加内容请在此处添加</a:t>
-            </a:r>
-            <a:r>
-              <a:rPr lang="zh-CN" altLang="en-US" sz="2000" dirty="0" smtClean="0">
-                <a:solidFill>
-                  <a:srgbClr val="595959"/>
-                </a:solidFill>
-                <a:latin typeface="微软雅黑" panose="020B0503020204020204" pitchFamily="34" charset="-122"/>
-                <a:ea typeface="微软雅黑" panose="020B0503020204020204" pitchFamily="34" charset="-122"/>
-              </a:rPr>
-              <a:t>内容</a:t>
-            </a:r>
-            <a:endParaRPr lang="zh-CN" altLang="en-US" sz="2000" dirty="0">
+              <a:rPr lang="zh-CN" altLang="en-US" sz="2800" b="1" dirty="0"/>
+              <a:t>一致性</a:t>
+            </a:r>
+            <a:endParaRPr lang="zh-CN" altLang="en-US" sz="3200" b="1" dirty="0">
               <a:solidFill>
                 <a:srgbClr val="595959"/>
               </a:solidFill>
@@ -9177,14 +6646,20 @@
       </p:sp>
       <p:sp>
         <p:nvSpPr>
-          <p:cNvPr id="8" name="文本框 7"/>
+          <p:cNvPr id="17" name="文本框 16">
+            <a:extLst>
+              <a:ext uri="{FF2B5EF4-FFF2-40B4-BE49-F238E27FC236}">
+                <a16:creationId xmlns:a16="http://schemas.microsoft.com/office/drawing/2014/main" id="{0CCC8BB7-6CBC-4291-BF9D-F2144DF221C1}"/>
+              </a:ext>
+            </a:extLst>
+          </p:cNvPr>
           <p:cNvSpPr txBox="1"/>
           <p:nvPr/>
         </p:nvSpPr>
         <p:spPr>
           <a:xfrm>
-            <a:off x="7245985" y="1558051"/>
-            <a:ext cx="4358640" cy="430374"/>
+            <a:off x="609600" y="3944230"/>
+            <a:ext cx="3776235" cy="1823576"/>
           </a:xfrm>
           <a:prstGeom prst="rect">
             <a:avLst/>
@@ -9203,16 +6678,10 @@
               </a:lnSpc>
             </a:pPr>
             <a:r>
-              <a:rPr lang="zh-CN" altLang="en-US" sz="2000" b="1" dirty="0" smtClean="0">
-                <a:solidFill>
-                  <a:srgbClr val="595959"/>
-                </a:solidFill>
-                <a:latin typeface="微软雅黑" panose="020B0503020204020204" pitchFamily="34" charset="-122"/>
-                <a:ea typeface="微软雅黑" panose="020B0503020204020204" pitchFamily="34" charset="-122"/>
-              </a:rPr>
-              <a:t>请在此处输入正文小标题</a:t>
-            </a:r>
-            <a:endParaRPr lang="zh-CN" altLang="en-US" sz="2000" b="1" dirty="0">
+              <a:rPr lang="zh-CN" altLang="en-US" sz="2400" dirty="0"/>
+              <a:t>这是每一个优秀界面都具备的特点。界面的结构必须清晰且一致，风格必须与游戏内容相一致。</a:t>
+            </a:r>
+            <a:endParaRPr lang="zh-CN" altLang="en-US" sz="2800" dirty="0">
               <a:solidFill>
                 <a:srgbClr val="595959"/>
               </a:solidFill>
@@ -9222,159 +6691,45 @@
           </a:p>
         </p:txBody>
       </p:sp>
-      <p:sp>
-        <p:nvSpPr>
-          <p:cNvPr id="9" name="文本框 8"/>
-          <p:cNvSpPr txBox="1"/>
+      <p:pic>
+        <p:nvPicPr>
+          <p:cNvPr id="2" name="图片 1">
+            <a:extLst>
+              <a:ext uri="{FF2B5EF4-FFF2-40B4-BE49-F238E27FC236}">
+                <a16:creationId xmlns:a16="http://schemas.microsoft.com/office/drawing/2014/main" id="{B5E2B149-D13D-46BA-94F5-B54D74491A22}"/>
+              </a:ext>
+            </a:extLst>
+          </p:cNvPr>
+          <p:cNvPicPr>
+            <a:picLocks noChangeAspect="1"/>
+          </p:cNvPicPr>
           <p:nvPr/>
-        </p:nvSpPr>
-        <p:spPr>
-          <a:xfrm>
-            <a:off x="7245985" y="4047173"/>
-            <a:ext cx="4358640" cy="1569660"/>
-          </a:xfrm>
-          <a:prstGeom prst="rect">
-            <a:avLst/>
-          </a:prstGeom>
-          <a:noFill/>
-        </p:spPr>
-        <p:txBody>
-          <a:bodyPr wrap="square" rtlCol="0">
-            <a:spAutoFit/>
-          </a:bodyPr>
-          <a:lstStyle/>
-          <a:p>
-            <a:pPr>
-              <a:lnSpc>
-                <a:spcPct val="120000"/>
-              </a:lnSpc>
-            </a:pPr>
-            <a:r>
-              <a:rPr lang="zh-CN" altLang="en-US" sz="2000" dirty="0" smtClean="0">
-                <a:solidFill>
-                  <a:srgbClr val="595959"/>
-                </a:solidFill>
-                <a:latin typeface="微软雅黑" panose="020B0503020204020204" pitchFamily="34" charset="-122"/>
-                <a:ea typeface="微软雅黑" panose="020B0503020204020204" pitchFamily="34" charset="-122"/>
-              </a:rPr>
-              <a:t>请在此处添加内容</a:t>
-            </a:r>
-            <a:r>
-              <a:rPr lang="zh-CN" altLang="en-US" sz="2000" dirty="0">
-                <a:solidFill>
-                  <a:srgbClr val="595959"/>
-                </a:solidFill>
-                <a:latin typeface="微软雅黑" panose="020B0503020204020204" pitchFamily="34" charset="-122"/>
-                <a:ea typeface="微软雅黑" panose="020B0503020204020204" pitchFamily="34" charset="-122"/>
-              </a:rPr>
-              <a:t>请在此处添加</a:t>
-            </a:r>
-            <a:r>
-              <a:rPr lang="zh-CN" altLang="en-US" sz="2000" dirty="0" smtClean="0">
-                <a:solidFill>
-                  <a:srgbClr val="595959"/>
-                </a:solidFill>
-                <a:latin typeface="微软雅黑" panose="020B0503020204020204" pitchFamily="34" charset="-122"/>
-                <a:ea typeface="微软雅黑" panose="020B0503020204020204" pitchFamily="34" charset="-122"/>
-              </a:rPr>
-              <a:t>内容</a:t>
-            </a:r>
-            <a:r>
-              <a:rPr lang="zh-CN" altLang="en-US" sz="2000" dirty="0">
-                <a:solidFill>
-                  <a:srgbClr val="595959"/>
-                </a:solidFill>
-                <a:latin typeface="微软雅黑" panose="020B0503020204020204" pitchFamily="34" charset="-122"/>
-                <a:ea typeface="微软雅黑" panose="020B0503020204020204" pitchFamily="34" charset="-122"/>
-              </a:rPr>
-              <a:t>请在此处添加</a:t>
-            </a:r>
-            <a:r>
-              <a:rPr lang="zh-CN" altLang="en-US" sz="2000" dirty="0" smtClean="0">
-                <a:solidFill>
-                  <a:srgbClr val="595959"/>
-                </a:solidFill>
-                <a:latin typeface="微软雅黑" panose="020B0503020204020204" pitchFamily="34" charset="-122"/>
-                <a:ea typeface="微软雅黑" panose="020B0503020204020204" pitchFamily="34" charset="-122"/>
-              </a:rPr>
-              <a:t>内容</a:t>
-            </a:r>
-            <a:r>
-              <a:rPr lang="zh-CN" altLang="en-US" sz="2000" dirty="0">
-                <a:solidFill>
-                  <a:srgbClr val="595959"/>
-                </a:solidFill>
-                <a:latin typeface="微软雅黑" panose="020B0503020204020204" pitchFamily="34" charset="-122"/>
-                <a:ea typeface="微软雅黑" panose="020B0503020204020204" pitchFamily="34" charset="-122"/>
-              </a:rPr>
-              <a:t>请在此处添加</a:t>
-            </a:r>
-            <a:r>
-              <a:rPr lang="zh-CN" altLang="en-US" sz="2000" dirty="0" smtClean="0">
-                <a:solidFill>
-                  <a:srgbClr val="595959"/>
-                </a:solidFill>
-                <a:latin typeface="微软雅黑" panose="020B0503020204020204" pitchFamily="34" charset="-122"/>
-                <a:ea typeface="微软雅黑" panose="020B0503020204020204" pitchFamily="34" charset="-122"/>
-              </a:rPr>
-              <a:t>内容</a:t>
-            </a:r>
-            <a:endParaRPr lang="en-US" altLang="zh-CN" sz="2000" dirty="0" smtClean="0">
-              <a:solidFill>
-                <a:srgbClr val="595959"/>
-              </a:solidFill>
-              <a:latin typeface="微软雅黑" panose="020B0503020204020204" pitchFamily="34" charset="-122"/>
-              <a:ea typeface="微软雅黑" panose="020B0503020204020204" pitchFamily="34" charset="-122"/>
-            </a:endParaRPr>
-          </a:p>
-          <a:p>
-            <a:pPr>
-              <a:lnSpc>
-                <a:spcPct val="120000"/>
-              </a:lnSpc>
-            </a:pPr>
-            <a:r>
-              <a:rPr lang="zh-CN" altLang="en-US" sz="2000" dirty="0">
-                <a:solidFill>
-                  <a:srgbClr val="595959"/>
-                </a:solidFill>
-                <a:latin typeface="微软雅黑" panose="020B0503020204020204" pitchFamily="34" charset="-122"/>
-                <a:ea typeface="微软雅黑" panose="020B0503020204020204" pitchFamily="34" charset="-122"/>
-              </a:rPr>
-              <a:t>请在此处添加内容请在此处添加内容请在此处添加</a:t>
-            </a:r>
-            <a:r>
-              <a:rPr lang="zh-CN" altLang="en-US" sz="2000" dirty="0" smtClean="0">
-                <a:solidFill>
-                  <a:srgbClr val="595959"/>
-                </a:solidFill>
-                <a:latin typeface="微软雅黑" panose="020B0503020204020204" pitchFamily="34" charset="-122"/>
-                <a:ea typeface="微软雅黑" panose="020B0503020204020204" pitchFamily="34" charset="-122"/>
-              </a:rPr>
-              <a:t>内容</a:t>
-            </a:r>
-            <a:endParaRPr lang="zh-CN" altLang="en-US" sz="2000" dirty="0">
-              <a:solidFill>
-                <a:srgbClr val="595959"/>
-              </a:solidFill>
-              <a:latin typeface="微软雅黑" panose="020B0503020204020204" pitchFamily="34" charset="-122"/>
-              <a:ea typeface="微软雅黑" panose="020B0503020204020204" pitchFamily="34" charset="-122"/>
-            </a:endParaRPr>
-          </a:p>
-        </p:txBody>
-      </p:sp>
+        </p:nvPicPr>
+        <p:blipFill rotWithShape="1">
+          <a:blip r:embed="rId2"/>
+          <a:srcRect l="374" t="3751" r="464" b="3633"/>
+          <a:stretch/>
+        </p:blipFill>
+        <p:spPr>
+          <a:xfrm>
+            <a:off x="4561050" y="620713"/>
+            <a:ext cx="7353527" cy="5256488"/>
+          </a:xfrm>
+          <a:prstGeom prst="rect">
+            <a:avLst/>
+          </a:prstGeom>
+        </p:spPr>
+      </p:pic>
     </p:spTree>
+    <p:extLst>
+      <p:ext uri="{BB962C8B-B14F-4D97-AF65-F5344CB8AC3E}">
+        <p14:creationId xmlns:p14="http://schemas.microsoft.com/office/powerpoint/2010/main" val="2650327482"/>
+      </p:ext>
+    </p:extLst>
   </p:cSld>
   <p:clrMapOvr>
     <a:masterClrMapping/>
   </p:clrMapOvr>
-  <p:timing>
-    <p:tnLst>
-      <p:par>
-        <p:cTn id="1" dur="indefinite" restart="never" nodeType="tmRoot"/>
-      </p:par>
-    </p:tnLst>
-  </p:timing>
 </p:sld>
 </file>
 
@@ -9397,14 +6752,14 @@
       </p:grpSpPr>
       <p:sp>
         <p:nvSpPr>
-          <p:cNvPr id="2" name="矩形 1"/>
+          <p:cNvPr id="6" name="矩形 5"/>
           <p:cNvSpPr/>
           <p:nvPr/>
         </p:nvSpPr>
         <p:spPr>
           <a:xfrm>
             <a:off x="0" y="0"/>
-            <a:ext cx="12192000" cy="6858000"/>
+            <a:ext cx="609600" cy="620713"/>
           </a:xfrm>
           <a:prstGeom prst="rect">
             <a:avLst/>
@@ -9443,60 +6798,14 @@
       </p:sp>
       <p:sp>
         <p:nvSpPr>
-          <p:cNvPr id="3" name="矩形 2"/>
-          <p:cNvSpPr/>
-          <p:nvPr/>
-        </p:nvSpPr>
-        <p:spPr>
-          <a:xfrm>
-            <a:off x="1510748" y="0"/>
-            <a:ext cx="993913" cy="2708275"/>
-          </a:xfrm>
-          <a:prstGeom prst="rect">
-            <a:avLst/>
-          </a:prstGeom>
-          <a:solidFill>
-            <a:schemeClr val="bg1"/>
-          </a:solidFill>
-          <a:ln>
-            <a:noFill/>
-          </a:ln>
-        </p:spPr>
-        <p:style>
-          <a:lnRef idx="2">
-            <a:schemeClr val="accent1">
-              <a:shade val="50000"/>
-            </a:schemeClr>
-          </a:lnRef>
-          <a:fillRef idx="1">
-            <a:schemeClr val="accent1"/>
-          </a:fillRef>
-          <a:effectRef idx="0">
-            <a:schemeClr val="accent1"/>
-          </a:effectRef>
-          <a:fontRef idx="minor">
-            <a:schemeClr val="lt1"/>
-          </a:fontRef>
-        </p:style>
-        <p:txBody>
-          <a:bodyPr rtlCol="0" anchor="ctr"/>
-          <a:lstStyle/>
-          <a:p>
-            <a:pPr algn="ctr"/>
-            <a:endParaRPr lang="zh-CN" altLang="en-US"/>
-          </a:p>
-        </p:txBody>
-      </p:sp>
-      <p:sp>
-        <p:nvSpPr>
-          <p:cNvPr id="4" name="文本框 3"/>
+          <p:cNvPr id="7" name="文本框 6"/>
           <p:cNvSpPr txBox="1"/>
           <p:nvPr/>
         </p:nvSpPr>
         <p:spPr>
           <a:xfrm>
-            <a:off x="1550504" y="1642040"/>
-            <a:ext cx="1212574" cy="830997"/>
+            <a:off x="651786" y="30480"/>
+            <a:ext cx="4484094" cy="523220"/>
           </a:xfrm>
           <a:prstGeom prst="rect">
             <a:avLst/>
@@ -9510,75 +6819,34 @@
           <a:lstStyle/>
           <a:p>
             <a:r>
-              <a:rPr lang="en-US" altLang="zh-CN" sz="4800" dirty="0" smtClean="0">
-                <a:solidFill>
-                  <a:srgbClr val="DB5355"/>
-                </a:solidFill>
-                <a:latin typeface="Broadway" panose="04040905080B02020502" pitchFamily="82" charset="0"/>
-              </a:rPr>
-              <a:t>03</a:t>
-            </a:r>
-            <a:endParaRPr lang="zh-CN" altLang="en-US" sz="4800" dirty="0">
-              <a:solidFill>
-                <a:srgbClr val="DB5355"/>
-              </a:solidFill>
-              <a:latin typeface="Broadway" panose="04040905080B02020502" pitchFamily="82" charset="0"/>
-            </a:endParaRPr>
-          </a:p>
-        </p:txBody>
-      </p:sp>
-      <p:sp>
-        <p:nvSpPr>
-          <p:cNvPr id="5" name="文本框 4"/>
-          <p:cNvSpPr txBox="1"/>
-          <p:nvPr/>
-        </p:nvSpPr>
-        <p:spPr>
-          <a:xfrm>
-            <a:off x="3867426" y="1708773"/>
-            <a:ext cx="1659467" cy="523220"/>
-          </a:xfrm>
-          <a:prstGeom prst="rect">
-            <a:avLst/>
-          </a:prstGeom>
-          <a:noFill/>
-        </p:spPr>
-        <p:txBody>
-          <a:bodyPr wrap="square" rtlCol="0">
-            <a:spAutoFit/>
-          </a:bodyPr>
-          <a:lstStyle/>
-          <a:p>
-            <a:r>
               <a:rPr lang="zh-CN" altLang="en-US" sz="2800" b="1" dirty="0">
                 <a:solidFill>
-                  <a:schemeClr val="bg1"/>
+                  <a:srgbClr val="595959"/>
                 </a:solidFill>
                 <a:latin typeface="幼圆" panose="02010509060101010101" pitchFamily="49" charset="-122"/>
                 <a:ea typeface="幼圆" panose="02010509060101010101" pitchFamily="49" charset="-122"/>
               </a:rPr>
-              <a:t>请在此处</a:t>
-            </a:r>
-            <a:endParaRPr lang="zh-CN" altLang="en-US" sz="2800" b="1" dirty="0">
-              <a:solidFill>
-                <a:schemeClr val="bg1"/>
-              </a:solidFill>
-              <a:latin typeface="幼圆" panose="02010509060101010101" pitchFamily="49" charset="-122"/>
-              <a:ea typeface="幼圆" panose="02010509060101010101" pitchFamily="49" charset="-122"/>
-            </a:endParaRPr>
-          </a:p>
-        </p:txBody>
-      </p:sp>
-      <p:sp>
-        <p:nvSpPr>
-          <p:cNvPr id="6" name="文本框 5"/>
+              <a:t>界面原型的设计原则</a:t>
+            </a:r>
+          </a:p>
+        </p:txBody>
+      </p:sp>
+      <p:sp>
+        <p:nvSpPr>
+          <p:cNvPr id="10" name="文本框 9">
+            <a:extLst>
+              <a:ext uri="{FF2B5EF4-FFF2-40B4-BE49-F238E27FC236}">
+                <a16:creationId xmlns:a16="http://schemas.microsoft.com/office/drawing/2014/main" id="{E9C83EBB-6071-41F6-9161-6FF8024B5158}"/>
+              </a:ext>
+            </a:extLst>
+          </p:cNvPr>
           <p:cNvSpPr txBox="1"/>
           <p:nvPr/>
         </p:nvSpPr>
         <p:spPr>
           <a:xfrm>
-            <a:off x="3850493" y="2117013"/>
-            <a:ext cx="5333264" cy="769441"/>
+            <a:off x="832471" y="1150598"/>
+            <a:ext cx="4358640" cy="565604"/>
           </a:xfrm>
           <a:prstGeom prst="rect">
             <a:avLst/>
@@ -9591,36 +6859,40 @@
           </a:bodyPr>
           <a:lstStyle/>
           <a:p>
-            <a:r>
-              <a:rPr lang="zh-CN" altLang="en-US" sz="4400" b="1" dirty="0" smtClean="0">
+            <a:pPr>
+              <a:lnSpc>
+                <a:spcPct val="120000"/>
+              </a:lnSpc>
+            </a:pPr>
+            <a:r>
+              <a:rPr lang="zh-CN" altLang="en-US" sz="2800" b="1" dirty="0">
                 <a:solidFill>
-                  <a:schemeClr val="bg1"/>
+                  <a:srgbClr val="595959"/>
                 </a:solidFill>
-                <a:latin typeface="幼圆" panose="02010509060101010101" pitchFamily="49" charset="-122"/>
-                <a:ea typeface="幼圆" panose="02010509060101010101" pitchFamily="49" charset="-122"/>
+                <a:latin typeface="微软雅黑" panose="020B0503020204020204" pitchFamily="34" charset="-122"/>
+                <a:ea typeface="微软雅黑" panose="020B0503020204020204" pitchFamily="34" charset="-122"/>
               </a:rPr>
-              <a:t>添加幻灯片分节标题</a:t>
-            </a:r>
-            <a:endParaRPr lang="zh-CN" altLang="en-US" sz="4400" b="1" dirty="0">
-              <a:solidFill>
-                <a:schemeClr val="bg1"/>
-              </a:solidFill>
-              <a:latin typeface="幼圆" panose="02010509060101010101" pitchFamily="49" charset="-122"/>
-              <a:ea typeface="幼圆" panose="02010509060101010101" pitchFamily="49" charset="-122"/>
-            </a:endParaRPr>
-          </a:p>
-        </p:txBody>
-      </p:sp>
-      <p:sp>
-        <p:nvSpPr>
-          <p:cNvPr id="7" name="文本框 6"/>
+              <a:t>安全性</a:t>
+            </a:r>
+          </a:p>
+        </p:txBody>
+      </p:sp>
+      <p:sp>
+        <p:nvSpPr>
+          <p:cNvPr id="11" name="文本框 10">
+            <a:extLst>
+              <a:ext uri="{FF2B5EF4-FFF2-40B4-BE49-F238E27FC236}">
+                <a16:creationId xmlns:a16="http://schemas.microsoft.com/office/drawing/2014/main" id="{197EDA87-A714-4EB0-9B4B-F85DF9FA2517}"/>
+              </a:ext>
+            </a:extLst>
+          </p:cNvPr>
           <p:cNvSpPr txBox="1"/>
           <p:nvPr/>
         </p:nvSpPr>
         <p:spPr>
           <a:xfrm>
-            <a:off x="3901295" y="2828744"/>
-            <a:ext cx="4758267" cy="461665"/>
+            <a:off x="790285" y="1769353"/>
+            <a:ext cx="4358640" cy="1904367"/>
           </a:xfrm>
           <a:prstGeom prst="rect">
             <a:avLst/>
@@ -9633,78 +6905,41 @@
           </a:bodyPr>
           <a:lstStyle/>
           <a:p>
-            <a:r>
-              <a:rPr lang="en-US" altLang="zh-CN" sz="2400" dirty="0" smtClean="0">
-                <a:solidFill>
-                  <a:schemeClr val="bg1"/>
-                </a:solidFill>
-              </a:rPr>
-              <a:t>Please add your slide title here</a:t>
+            <a:pPr>
+              <a:lnSpc>
+                <a:spcPct val="120000"/>
+              </a:lnSpc>
+            </a:pPr>
+            <a:r>
+              <a:rPr lang="zh-CN" altLang="en-US" sz="2000" dirty="0"/>
+              <a:t>用户能自由的作出选择，且所有选择都是可逆的。在用户作出危险的选择时有信息介入系统的提示。这样会让用户会觉得很安全，自己的权益不会遭到损失！</a:t>
             </a:r>
             <a:endParaRPr lang="zh-CN" altLang="en-US" sz="2400" dirty="0">
               <a:solidFill>
-                <a:schemeClr val="bg1"/>
+                <a:srgbClr val="595959"/>
               </a:solidFill>
+              <a:latin typeface="微软雅黑" panose="020B0503020204020204" pitchFamily="34" charset="-122"/>
+              <a:ea typeface="微软雅黑" panose="020B0503020204020204" pitchFamily="34" charset="-122"/>
             </a:endParaRPr>
           </a:p>
         </p:txBody>
       </p:sp>
       <p:sp>
         <p:nvSpPr>
-          <p:cNvPr id="8" name="矩形 7"/>
-          <p:cNvSpPr/>
-          <p:nvPr/>
-        </p:nvSpPr>
-        <p:spPr>
-          <a:xfrm>
-            <a:off x="0" y="5206448"/>
-            <a:ext cx="12364278" cy="45719"/>
-          </a:xfrm>
-          <a:prstGeom prst="rect">
-            <a:avLst/>
-          </a:prstGeom>
-          <a:solidFill>
-            <a:schemeClr val="bg1"/>
-          </a:solidFill>
-          <a:ln>
-            <a:noFill/>
-          </a:ln>
-        </p:spPr>
-        <p:style>
-          <a:lnRef idx="2">
-            <a:schemeClr val="accent1">
-              <a:shade val="50000"/>
-            </a:schemeClr>
-          </a:lnRef>
-          <a:fillRef idx="1">
-            <a:schemeClr val="accent1"/>
-          </a:fillRef>
-          <a:effectRef idx="0">
-            <a:schemeClr val="accent1"/>
-          </a:effectRef>
-          <a:fontRef idx="minor">
-            <a:schemeClr val="lt1"/>
-          </a:fontRef>
-        </p:style>
-        <p:txBody>
-          <a:bodyPr rtlCol="0" anchor="ctr"/>
-          <a:lstStyle/>
-          <a:p>
-            <a:pPr algn="ctr"/>
-            <a:endParaRPr lang="zh-CN" altLang="en-US"/>
-          </a:p>
-        </p:txBody>
-      </p:sp>
-      <p:sp>
-        <p:nvSpPr>
-          <p:cNvPr id="9" name="文本框 8"/>
+          <p:cNvPr id="16" name="文本框 15">
+            <a:extLst>
+              <a:ext uri="{FF2B5EF4-FFF2-40B4-BE49-F238E27FC236}">
+                <a16:creationId xmlns:a16="http://schemas.microsoft.com/office/drawing/2014/main" id="{75205A6B-2DCB-4DD8-BE44-DFF887B9BE46}"/>
+              </a:ext>
+            </a:extLst>
+          </p:cNvPr>
           <p:cNvSpPr txBox="1"/>
           <p:nvPr/>
         </p:nvSpPr>
         <p:spPr>
           <a:xfrm>
-            <a:off x="4610285" y="1115782"/>
-            <a:ext cx="2573865" cy="584775"/>
+            <a:off x="790285" y="3740038"/>
+            <a:ext cx="4358640" cy="565604"/>
           </a:xfrm>
           <a:prstGeom prst="rect">
             <a:avLst/>
@@ -9717,68 +6952,286 @@
           </a:bodyPr>
           <a:lstStyle/>
           <a:p>
-            <a:r>
-              <a:rPr lang="en-US" altLang="zh-CN" sz="3200" dirty="0" smtClean="0">
+            <a:pPr>
+              <a:lnSpc>
+                <a:spcPct val="120000"/>
+              </a:lnSpc>
+            </a:pPr>
+            <a:r>
+              <a:rPr lang="zh-CN" altLang="en-US" sz="2800" b="1" dirty="0">
                 <a:solidFill>
-                  <a:schemeClr val="bg1"/>
+                  <a:srgbClr val="595959"/>
                 </a:solidFill>
+                <a:latin typeface="微软雅黑" panose="020B0503020204020204" pitchFamily="34" charset="-122"/>
+                <a:ea typeface="微软雅黑" panose="020B0503020204020204" pitchFamily="34" charset="-122"/>
               </a:rPr>
-              <a:t>ADD LOGO</a:t>
-            </a:r>
-            <a:endParaRPr lang="zh-CN" altLang="en-US" sz="3200" dirty="0">
+              <a:t>灵活性</a:t>
+            </a:r>
+          </a:p>
+        </p:txBody>
+      </p:sp>
+      <p:sp>
+        <p:nvSpPr>
+          <p:cNvPr id="17" name="文本框 16">
+            <a:extLst>
+              <a:ext uri="{FF2B5EF4-FFF2-40B4-BE49-F238E27FC236}">
+                <a16:creationId xmlns:a16="http://schemas.microsoft.com/office/drawing/2014/main" id="{D83A2911-E9B1-4BB9-B8F0-B0D9EA9A745E}"/>
+              </a:ext>
+            </a:extLst>
+          </p:cNvPr>
+          <p:cNvSpPr txBox="1"/>
+          <p:nvPr/>
+        </p:nvSpPr>
+        <p:spPr>
+          <a:xfrm>
+            <a:off x="790285" y="4354134"/>
+            <a:ext cx="4358640" cy="1540037"/>
+          </a:xfrm>
+          <a:prstGeom prst="rect">
+            <a:avLst/>
+          </a:prstGeom>
+          <a:noFill/>
+        </p:spPr>
+        <p:txBody>
+          <a:bodyPr wrap="square" rtlCol="0">
+            <a:spAutoFit/>
+          </a:bodyPr>
+          <a:lstStyle/>
+          <a:p>
+            <a:pPr>
+              <a:lnSpc>
+                <a:spcPct val="120000"/>
+              </a:lnSpc>
+            </a:pPr>
+            <a:r>
+              <a:rPr lang="zh-CN" altLang="en-US" sz="2000" dirty="0">
+                <a:latin typeface="+mn-ea"/>
+              </a:rPr>
+              <a:t>简单来说就是要让用户方便的使用，但不同于上述。即互动多重性，不局限于单一的工具</a:t>
+            </a:r>
+            <a:r>
+              <a:rPr lang="en-US" altLang="zh-CN" sz="2000" dirty="0">
+                <a:latin typeface="+mn-ea"/>
+              </a:rPr>
+              <a:t>(</a:t>
+            </a:r>
+            <a:r>
+              <a:rPr lang="zh-CN" altLang="en-US" sz="2000" dirty="0">
+                <a:latin typeface="+mn-ea"/>
+              </a:rPr>
+              <a:t>包括鼠标、键盘或手柄、界面</a:t>
+            </a:r>
+            <a:r>
+              <a:rPr lang="en-US" altLang="zh-CN" sz="2000" dirty="0">
+                <a:latin typeface="+mn-ea"/>
+              </a:rPr>
+              <a:t>)</a:t>
+            </a:r>
+            <a:r>
+              <a:rPr lang="zh-CN" altLang="en-US" sz="2000" dirty="0">
+                <a:latin typeface="+mn-ea"/>
+              </a:rPr>
+              <a:t>。</a:t>
+            </a:r>
+            <a:endParaRPr lang="zh-CN" altLang="en-US" sz="2400" dirty="0">
               <a:solidFill>
-                <a:schemeClr val="bg1"/>
+                <a:srgbClr val="595959"/>
               </a:solidFill>
+              <a:latin typeface="+mn-ea"/>
             </a:endParaRPr>
           </a:p>
         </p:txBody>
       </p:sp>
       <p:sp>
         <p:nvSpPr>
-          <p:cNvPr id="10" name="矩形 9"/>
-          <p:cNvSpPr/>
+          <p:cNvPr id="18" name="文本框 17">
+            <a:extLst>
+              <a:ext uri="{FF2B5EF4-FFF2-40B4-BE49-F238E27FC236}">
+                <a16:creationId xmlns:a16="http://schemas.microsoft.com/office/drawing/2014/main" id="{F76FBE39-0F63-4A7B-8994-EB4364DEE813}"/>
+              </a:ext>
+            </a:extLst>
+          </p:cNvPr>
+          <p:cNvSpPr txBox="1"/>
           <p:nvPr/>
         </p:nvSpPr>
         <p:spPr>
           <a:xfrm>
-            <a:off x="4020562" y="1097653"/>
-            <a:ext cx="508000" cy="508000"/>
-          </a:xfrm>
-          <a:prstGeom prst="rect">
-            <a:avLst/>
-          </a:prstGeom>
-          <a:solidFill>
-            <a:schemeClr val="bg1"/>
-          </a:solidFill>
-          <a:ln>
-            <a:noFill/>
-          </a:ln>
-        </p:spPr>
-        <p:style>
-          <a:lnRef idx="2">
-            <a:schemeClr val="accent1">
-              <a:shade val="50000"/>
-            </a:schemeClr>
-          </a:lnRef>
-          <a:fillRef idx="1">
-            <a:schemeClr val="accent1"/>
-          </a:fillRef>
-          <a:effectRef idx="0">
-            <a:schemeClr val="accent1"/>
-          </a:effectRef>
-          <a:fontRef idx="minor">
-            <a:schemeClr val="lt1"/>
-          </a:fontRef>
-        </p:style>
-        <p:txBody>
-          <a:bodyPr rtlCol="0" anchor="ctr"/>
-          <a:lstStyle/>
-          <a:p>
-            <a:pPr algn="ctr"/>
-            <a:endParaRPr lang="zh-CN" altLang="en-US">
+            <a:off x="6235835" y="1150598"/>
+            <a:ext cx="4358640" cy="565604"/>
+          </a:xfrm>
+          <a:prstGeom prst="rect">
+            <a:avLst/>
+          </a:prstGeom>
+          <a:noFill/>
+        </p:spPr>
+        <p:txBody>
+          <a:bodyPr wrap="square" rtlCol="0">
+            <a:spAutoFit/>
+          </a:bodyPr>
+          <a:lstStyle/>
+          <a:p>
+            <a:pPr>
+              <a:lnSpc>
+                <a:spcPct val="120000"/>
+              </a:lnSpc>
+            </a:pPr>
+            <a:r>
+              <a:rPr lang="zh-CN" altLang="en-US" sz="2800" b="1" dirty="0">
+                <a:solidFill>
+                  <a:srgbClr val="595959"/>
+                </a:solidFill>
+                <a:latin typeface="微软雅黑" panose="020B0503020204020204" pitchFamily="34" charset="-122"/>
+                <a:ea typeface="微软雅黑" panose="020B0503020204020204" pitchFamily="34" charset="-122"/>
+              </a:rPr>
+              <a:t>人性化</a:t>
+            </a:r>
+          </a:p>
+        </p:txBody>
+      </p:sp>
+      <p:sp>
+        <p:nvSpPr>
+          <p:cNvPr id="19" name="文本框 18">
+            <a:extLst>
+              <a:ext uri="{FF2B5EF4-FFF2-40B4-BE49-F238E27FC236}">
+                <a16:creationId xmlns:a16="http://schemas.microsoft.com/office/drawing/2014/main" id="{1309ABCE-215A-49E7-A0E7-2389EA6956F6}"/>
+              </a:ext>
+            </a:extLst>
+          </p:cNvPr>
+          <p:cNvSpPr txBox="1"/>
+          <p:nvPr/>
+        </p:nvSpPr>
+        <p:spPr>
+          <a:xfrm>
+            <a:off x="6235834" y="1769353"/>
+            <a:ext cx="5229759" cy="1904367"/>
+          </a:xfrm>
+          <a:prstGeom prst="rect">
+            <a:avLst/>
+          </a:prstGeom>
+          <a:noFill/>
+        </p:spPr>
+        <p:txBody>
+          <a:bodyPr wrap="square" rtlCol="0">
+            <a:spAutoFit/>
+          </a:bodyPr>
+          <a:lstStyle/>
+          <a:p>
+            <a:pPr>
+              <a:lnSpc>
+                <a:spcPct val="120000"/>
+              </a:lnSpc>
+            </a:pPr>
+            <a:r>
+              <a:rPr lang="zh-CN" altLang="en-US" sz="2000" dirty="0"/>
+              <a:t>高效率和用户满意度是人性化的体现。应具备专家级和初级玩家系统，即用户可依据自己的习惯定制界面，并能保存设置。所以一个优秀的</a:t>
+            </a:r>
+            <a:r>
+              <a:rPr lang="en-US" altLang="zh-CN" sz="2000" dirty="0"/>
+              <a:t>UI</a:t>
+            </a:r>
+            <a:r>
+              <a:rPr lang="zh-CN" altLang="en-US" sz="2000" dirty="0"/>
+              <a:t>设计师，从技能上讲，不仅能画图标，还能做好界面，会很多交互知识。</a:t>
+            </a:r>
+            <a:endParaRPr lang="zh-CN" altLang="en-US" sz="2400" dirty="0">
               <a:solidFill>
-                <a:schemeClr val="bg1"/>
+                <a:srgbClr val="595959"/>
               </a:solidFill>
+              <a:latin typeface="微软雅黑" panose="020B0503020204020204" pitchFamily="34" charset="-122"/>
+              <a:ea typeface="微软雅黑" panose="020B0503020204020204" pitchFamily="34" charset="-122"/>
+            </a:endParaRPr>
+          </a:p>
+        </p:txBody>
+      </p:sp>
+      <p:sp>
+        <p:nvSpPr>
+          <p:cNvPr id="20" name="文本框 19">
+            <a:extLst>
+              <a:ext uri="{FF2B5EF4-FFF2-40B4-BE49-F238E27FC236}">
+                <a16:creationId xmlns:a16="http://schemas.microsoft.com/office/drawing/2014/main" id="{09868469-93E2-415C-A5AE-13143FADA59E}"/>
+              </a:ext>
+            </a:extLst>
+          </p:cNvPr>
+          <p:cNvSpPr txBox="1"/>
+          <p:nvPr/>
+        </p:nvSpPr>
+        <p:spPr>
+          <a:xfrm>
+            <a:off x="6235835" y="3740038"/>
+            <a:ext cx="4358640" cy="565604"/>
+          </a:xfrm>
+          <a:prstGeom prst="rect">
+            <a:avLst/>
+          </a:prstGeom>
+          <a:noFill/>
+        </p:spPr>
+        <p:txBody>
+          <a:bodyPr wrap="square" rtlCol="0">
+            <a:spAutoFit/>
+          </a:bodyPr>
+          <a:lstStyle/>
+          <a:p>
+            <a:pPr>
+              <a:lnSpc>
+                <a:spcPct val="120000"/>
+              </a:lnSpc>
+            </a:pPr>
+            <a:r>
+              <a:rPr lang="zh-CN" altLang="en-US" sz="2800" b="1" dirty="0">
+                <a:solidFill>
+                  <a:srgbClr val="595959"/>
+                </a:solidFill>
+                <a:latin typeface="微软雅黑" panose="020B0503020204020204" pitchFamily="34" charset="-122"/>
+                <a:ea typeface="微软雅黑" panose="020B0503020204020204" pitchFamily="34" charset="-122"/>
+              </a:rPr>
+              <a:t>清楚</a:t>
+            </a:r>
+          </a:p>
+        </p:txBody>
+      </p:sp>
+      <p:sp>
+        <p:nvSpPr>
+          <p:cNvPr id="21" name="文本框 20">
+            <a:extLst>
+              <a:ext uri="{FF2B5EF4-FFF2-40B4-BE49-F238E27FC236}">
+                <a16:creationId xmlns:a16="http://schemas.microsoft.com/office/drawing/2014/main" id="{AC0BD3A8-67F3-4FE8-B553-26F6B6F7E6ED}"/>
+              </a:ext>
+            </a:extLst>
+          </p:cNvPr>
+          <p:cNvSpPr txBox="1"/>
+          <p:nvPr/>
+        </p:nvSpPr>
+        <p:spPr>
+          <a:xfrm>
+            <a:off x="6235835" y="4354134"/>
+            <a:ext cx="5016216" cy="796372"/>
+          </a:xfrm>
+          <a:prstGeom prst="rect">
+            <a:avLst/>
+          </a:prstGeom>
+          <a:noFill/>
+        </p:spPr>
+        <p:txBody>
+          <a:bodyPr wrap="square" rtlCol="0">
+            <a:spAutoFit/>
+          </a:bodyPr>
+          <a:lstStyle/>
+          <a:p>
+            <a:pPr>
+              <a:lnSpc>
+                <a:spcPct val="120000"/>
+              </a:lnSpc>
+            </a:pPr>
+            <a:r>
+              <a:rPr lang="zh-CN" altLang="en-US" sz="2000" dirty="0"/>
+              <a:t>在视觉效果上便于理解和使用，用户能够很清晰快速的完成他的目标。</a:t>
+            </a:r>
+            <a:endParaRPr lang="zh-CN" altLang="en-US" sz="2400" dirty="0">
+              <a:solidFill>
+                <a:srgbClr val="595959"/>
+              </a:solidFill>
+              <a:latin typeface="微软雅黑" panose="020B0503020204020204" pitchFamily="34" charset="-122"/>
+              <a:ea typeface="微软雅黑" panose="020B0503020204020204" pitchFamily="34" charset="-122"/>
             </a:endParaRPr>
           </a:p>
         </p:txBody>
@@ -9788,13 +7241,6 @@
   <p:clrMapOvr>
     <a:masterClrMapping/>
   </p:clrMapOvr>
-  <p:timing>
-    <p:tnLst>
-      <p:par>
-        <p:cTn id="1" dur="indefinite" restart="never" nodeType="tmRoot"/>
-      </p:par>
-    </p:tnLst>
-  </p:timing>
 </p:sld>
 </file>
 
@@ -10049,6 +7495,8 @@
       </a:bgFillStyleLst>
     </a:fmtScheme>
   </a:themeElements>
+  <a:objectDefaults/>
+  <a:extraClrSchemeLst/>
   <a:extLst>
     <a:ext uri="{05A4C25C-085E-4340-85A3-A5531E510DB2}">
       <thm15:themeFamily xmlns:thm15="http://schemas.microsoft.com/office/thememl/2012/main" name="Office Theme" id="{62F939B6-93AF-4DB8-9C6B-D6C7DFDC589F}" vid="{4A3C46E8-61CC-4603-A589-7422A47A8E4A}"/>
@@ -10308,6 +7756,8 @@
       </a:bgFillStyleLst>
     </a:fmtScheme>
   </a:themeElements>
+  <a:objectDefaults/>
+  <a:extraClrSchemeLst/>
   <a:extLst>
     <a:ext uri="{05A4C25C-085E-4340-85A3-A5531E510DB2}">
       <thm15:themeFamily xmlns:thm15="http://schemas.microsoft.com/office/thememl/2012/main" name="Office Theme" id="{62F939B6-93AF-4DB8-9C6B-D6C7DFDC589F}" vid="{4A3C46E8-61CC-4603-A589-7422A47A8E4A}"/>

--- a/非受控文档/2_叶柏成/PPT/红灰配色简洁实用PPT模板.pptx
+++ b/非受控文档/2_叶柏成/PPT/红灰配色简洁实用PPT模板.pptx
@@ -5,19 +5,18 @@
     <p:sldMasterId id="2147483648" r:id="rId1"/>
   </p:sldMasterIdLst>
   <p:notesMasterIdLst>
-    <p:notesMasterId r:id="rId12"/>
+    <p:notesMasterId r:id="rId11"/>
   </p:notesMasterIdLst>
   <p:sldIdLst>
-    <p:sldId id="256" r:id="rId2"/>
-    <p:sldId id="258" r:id="rId3"/>
-    <p:sldId id="257" r:id="rId4"/>
-    <p:sldId id="267" r:id="rId5"/>
-    <p:sldId id="280" r:id="rId6"/>
-    <p:sldId id="273" r:id="rId7"/>
-    <p:sldId id="286" r:id="rId8"/>
-    <p:sldId id="287" r:id="rId9"/>
-    <p:sldId id="272" r:id="rId10"/>
-    <p:sldId id="264" r:id="rId11"/>
+    <p:sldId id="258" r:id="rId2"/>
+    <p:sldId id="257" r:id="rId3"/>
+    <p:sldId id="267" r:id="rId4"/>
+    <p:sldId id="280" r:id="rId5"/>
+    <p:sldId id="273" r:id="rId6"/>
+    <p:sldId id="286" r:id="rId7"/>
+    <p:sldId id="287" r:id="rId8"/>
+    <p:sldId id="272" r:id="rId9"/>
+    <p:sldId id="264" r:id="rId10"/>
   </p:sldIdLst>
   <p:sldSz cx="12192000" cy="6858000"/>
   <p:notesSz cx="6858000" cy="9144000"/>
@@ -656,7 +655,7 @@
           <a:p>
             <a:fld id="{497CA5E9-242A-4AE6-B3B0-7066F408D434}" type="slidenum">
               <a:rPr lang="zh-CN" altLang="en-US" smtClean="0"/>
-              <a:t>4</a:t>
+              <a:t>3</a:t>
             </a:fld>
             <a:endParaRPr lang="zh-CN" altLang="en-US"/>
           </a:p>
@@ -767,7 +766,7 @@
           <a:p>
             <a:fld id="{497CA5E9-242A-4AE6-B3B0-7066F408D434}" type="slidenum">
               <a:rPr lang="zh-CN" altLang="en-US" smtClean="0"/>
-              <a:t>5</a:t>
+              <a:t>4</a:t>
             </a:fld>
             <a:endParaRPr lang="zh-CN" altLang="en-US"/>
           </a:p>
@@ -3564,23 +3563,20 @@
       </p:grpSpPr>
       <p:sp>
         <p:nvSpPr>
-          <p:cNvPr id="5" name="矩形 4"/>
+          <p:cNvPr id="2" name="矩形 1"/>
           <p:cNvSpPr/>
           <p:nvPr/>
         </p:nvSpPr>
         <p:spPr>
           <a:xfrm>
-            <a:off x="0" y="1808163"/>
-            <a:ext cx="6096000" cy="3241675"/>
+            <a:off x="0" y="0"/>
+            <a:ext cx="12192000" cy="6858000"/>
           </a:xfrm>
           <a:prstGeom prst="rect">
             <a:avLst/>
           </a:prstGeom>
           <a:solidFill>
-            <a:schemeClr val="tx1">
-              <a:lumMod val="65000"/>
-              <a:lumOff val="35000"/>
-            </a:schemeClr>
+            <a:srgbClr val="DB5355"/>
           </a:solidFill>
           <a:ln>
             <a:noFill/>
@@ -3613,20 +3609,20 @@
       </p:sp>
       <p:sp>
         <p:nvSpPr>
-          <p:cNvPr id="6" name="矩形 5"/>
+          <p:cNvPr id="3" name="矩形 2"/>
           <p:cNvSpPr/>
           <p:nvPr/>
         </p:nvSpPr>
         <p:spPr>
           <a:xfrm>
-            <a:off x="5588000" y="2708276"/>
-            <a:ext cx="5921513" cy="1476374"/>
+            <a:off x="1510748" y="0"/>
+            <a:ext cx="993913" cy="2708275"/>
           </a:xfrm>
           <a:prstGeom prst="rect">
             <a:avLst/>
           </a:prstGeom>
           <a:solidFill>
-            <a:srgbClr val="DB5355"/>
+            <a:schemeClr val="bg1"/>
           </a:solidFill>
           <a:ln>
             <a:noFill/>
@@ -3659,14 +3655,14 @@
       </p:sp>
       <p:sp>
         <p:nvSpPr>
-          <p:cNvPr id="7" name="文本框 6"/>
+          <p:cNvPr id="4" name="文本框 3"/>
           <p:cNvSpPr txBox="1"/>
           <p:nvPr/>
         </p:nvSpPr>
         <p:spPr>
           <a:xfrm>
-            <a:off x="1083733" y="732550"/>
-            <a:ext cx="2573865" cy="584775"/>
+            <a:off x="1550504" y="1642040"/>
+            <a:ext cx="1212574" cy="830997"/>
           </a:xfrm>
           <a:prstGeom prst="rect">
             <a:avLst/>
@@ -3680,66 +3676,33 @@
           <a:lstStyle/>
           <a:p>
             <a:r>
-              <a:rPr lang="en-US" altLang="zh-CN" sz="3200" dirty="0">
+              <a:rPr lang="en-US" altLang="zh-CN" sz="4800" dirty="0">
                 <a:solidFill>
-                  <a:srgbClr val="595959"/>
+                  <a:srgbClr val="DB5355"/>
                 </a:solidFill>
+                <a:latin typeface="Broadway" panose="04040905080B02020502" pitchFamily="82" charset="0"/>
               </a:rPr>
-              <a:t>ADD LOGO</a:t>
-            </a:r>
-            <a:endParaRPr lang="zh-CN" altLang="en-US" sz="3200" dirty="0">
+              <a:t>01</a:t>
+            </a:r>
+            <a:endParaRPr lang="zh-CN" altLang="en-US" sz="4800" dirty="0">
               <a:solidFill>
-                <a:srgbClr val="595959"/>
+                <a:srgbClr val="DB5355"/>
               </a:solidFill>
+              <a:latin typeface="Broadway" panose="04040905080B02020502" pitchFamily="82" charset="0"/>
             </a:endParaRPr>
           </a:p>
         </p:txBody>
       </p:sp>
       <p:sp>
         <p:nvSpPr>
-          <p:cNvPr id="8" name="文本框 7"/>
+          <p:cNvPr id="6" name="文本框 5"/>
           <p:cNvSpPr txBox="1"/>
           <p:nvPr/>
         </p:nvSpPr>
         <p:spPr>
           <a:xfrm>
-            <a:off x="5994399" y="2661481"/>
-            <a:ext cx="1659467" cy="523220"/>
-          </a:xfrm>
-          <a:prstGeom prst="rect">
-            <a:avLst/>
-          </a:prstGeom>
-          <a:noFill/>
-        </p:spPr>
-        <p:txBody>
-          <a:bodyPr wrap="square" rtlCol="0">
-            <a:spAutoFit/>
-          </a:bodyPr>
-          <a:lstStyle/>
-          <a:p>
-            <a:r>
-              <a:rPr lang="zh-CN" altLang="en-US" sz="2800" b="1" dirty="0">
-                <a:solidFill>
-                  <a:schemeClr val="bg1"/>
-                </a:solidFill>
-                <a:latin typeface="幼圆" panose="02010509060101010101" pitchFamily="49" charset="-122"/>
-                <a:ea typeface="幼圆" panose="02010509060101010101" pitchFamily="49" charset="-122"/>
-              </a:rPr>
-              <a:t>请在此处</a:t>
-            </a:r>
-          </a:p>
-        </p:txBody>
-      </p:sp>
-      <p:sp>
-        <p:nvSpPr>
-          <p:cNvPr id="9" name="文本框 8"/>
-          <p:cNvSpPr txBox="1"/>
-          <p:nvPr/>
-        </p:nvSpPr>
-        <p:spPr>
-          <a:xfrm>
-            <a:off x="5977466" y="3109477"/>
-            <a:ext cx="4758267" cy="769441"/>
+            <a:off x="3593147" y="1642040"/>
+            <a:ext cx="5333264" cy="769441"/>
           </a:xfrm>
           <a:prstGeom prst="rect">
             <a:avLst/>
@@ -3760,102 +3723,27 @@
                 <a:latin typeface="幼圆" panose="02010509060101010101" pitchFamily="49" charset="-122"/>
                 <a:ea typeface="幼圆" panose="02010509060101010101" pitchFamily="49" charset="-122"/>
               </a:rPr>
-              <a:t>添加幻灯片标题</a:t>
-            </a:r>
-          </a:p>
-        </p:txBody>
-      </p:sp>
-      <p:sp>
-        <p:nvSpPr>
-          <p:cNvPr id="10" name="文本框 9"/>
-          <p:cNvSpPr txBox="1"/>
-          <p:nvPr/>
-        </p:nvSpPr>
-        <p:spPr>
-          <a:xfrm>
-            <a:off x="6028268" y="3781452"/>
-            <a:ext cx="4758267" cy="461665"/>
-          </a:xfrm>
-          <a:prstGeom prst="rect">
-            <a:avLst/>
-          </a:prstGeom>
-          <a:noFill/>
-        </p:spPr>
-        <p:txBody>
-          <a:bodyPr wrap="square" rtlCol="0">
-            <a:spAutoFit/>
-          </a:bodyPr>
-          <a:lstStyle/>
-          <a:p>
-            <a:r>
-              <a:rPr lang="en-US" altLang="zh-CN" sz="2400" dirty="0">
-                <a:solidFill>
-                  <a:schemeClr val="bg1"/>
-                </a:solidFill>
-              </a:rPr>
-              <a:t>Please add your slide title here</a:t>
-            </a:r>
-            <a:endParaRPr lang="zh-CN" altLang="en-US" sz="2400" dirty="0">
-              <a:solidFill>
-                <a:schemeClr val="bg1"/>
-              </a:solidFill>
-            </a:endParaRPr>
-          </a:p>
-        </p:txBody>
-      </p:sp>
-      <p:sp>
-        <p:nvSpPr>
-          <p:cNvPr id="11" name="文本框 10"/>
-          <p:cNvSpPr txBox="1"/>
-          <p:nvPr/>
-        </p:nvSpPr>
-        <p:spPr>
-          <a:xfrm>
-            <a:off x="4127867" y="5403372"/>
-            <a:ext cx="3936266" cy="461665"/>
-          </a:xfrm>
-          <a:prstGeom prst="rect">
-            <a:avLst/>
-          </a:prstGeom>
-          <a:noFill/>
-        </p:spPr>
-        <p:txBody>
-          <a:bodyPr wrap="square" rtlCol="0">
-            <a:spAutoFit/>
-          </a:bodyPr>
-          <a:lstStyle/>
-          <a:p>
-            <a:r>
-              <a:rPr lang="zh-CN" altLang="en-US" sz="2400" b="1" dirty="0">
-                <a:solidFill>
-                  <a:srgbClr val="595959"/>
-                </a:solidFill>
-                <a:latin typeface="幼圆" panose="02010509060101010101" pitchFamily="49" charset="-122"/>
-                <a:ea typeface="幼圆" panose="02010509060101010101" pitchFamily="49" charset="-122"/>
-              </a:rPr>
-              <a:t>请在此处添加您的公司名称</a:t>
-            </a:r>
-          </a:p>
-        </p:txBody>
-      </p:sp>
-      <p:sp>
-        <p:nvSpPr>
-          <p:cNvPr id="13" name="矩形 12"/>
+              <a:t>界面原型的分类</a:t>
+            </a:r>
+          </a:p>
+        </p:txBody>
+      </p:sp>
+      <p:sp>
+        <p:nvSpPr>
+          <p:cNvPr id="8" name="矩形 7"/>
           <p:cNvSpPr/>
           <p:nvPr/>
         </p:nvSpPr>
         <p:spPr>
           <a:xfrm>
-            <a:off x="4639981" y="2713405"/>
-            <a:ext cx="948267" cy="1476375"/>
+            <a:off x="0" y="5206448"/>
+            <a:ext cx="12364278" cy="45719"/>
           </a:xfrm>
           <a:prstGeom prst="rect">
             <a:avLst/>
           </a:prstGeom>
           <a:solidFill>
-            <a:srgbClr val="DB5355">
-              <a:alpha val="75000"/>
-            </a:srgbClr>
+            <a:schemeClr val="bg1"/>
           </a:solidFill>
           <a:ln>
             <a:noFill/>
@@ -3883,228 +3771,6 @@
           <a:p>
             <a:pPr algn="ctr"/>
             <a:endParaRPr lang="zh-CN" altLang="en-US"/>
-          </a:p>
-        </p:txBody>
-      </p:sp>
-      <p:sp>
-        <p:nvSpPr>
-          <p:cNvPr id="14" name="矩形 13"/>
-          <p:cNvSpPr/>
-          <p:nvPr/>
-        </p:nvSpPr>
-        <p:spPr>
-          <a:xfrm>
-            <a:off x="621379" y="783351"/>
-            <a:ext cx="508000" cy="508000"/>
-          </a:xfrm>
-          <a:prstGeom prst="rect">
-            <a:avLst/>
-          </a:prstGeom>
-          <a:solidFill>
-            <a:srgbClr val="DB5355"/>
-          </a:solidFill>
-          <a:ln>
-            <a:noFill/>
-          </a:ln>
-        </p:spPr>
-        <p:style>
-          <a:lnRef idx="2">
-            <a:schemeClr val="accent1">
-              <a:shade val="50000"/>
-            </a:schemeClr>
-          </a:lnRef>
-          <a:fillRef idx="1">
-            <a:schemeClr val="accent1"/>
-          </a:fillRef>
-          <a:effectRef idx="0">
-            <a:schemeClr val="accent1"/>
-          </a:effectRef>
-          <a:fontRef idx="minor">
-            <a:schemeClr val="lt1"/>
-          </a:fontRef>
-        </p:style>
-        <p:txBody>
-          <a:bodyPr rtlCol="0" anchor="ctr"/>
-          <a:lstStyle/>
-          <a:p>
-            <a:pPr algn="ctr"/>
-            <a:endParaRPr lang="zh-CN" altLang="en-US"/>
-          </a:p>
-        </p:txBody>
-      </p:sp>
-    </p:spTree>
-  </p:cSld>
-  <p:clrMapOvr>
-    <a:masterClrMapping/>
-  </p:clrMapOvr>
-</p:sld>
-</file>
-
-<file path=ppt/slides/slide10.xml><?xml version="1.0" encoding="utf-8"?>
-<p:sld xmlns:a="http://schemas.openxmlformats.org/drawingml/2006/main" xmlns:r="http://schemas.openxmlformats.org/officeDocument/2006/relationships" xmlns:p="http://schemas.openxmlformats.org/presentationml/2006/main">
-  <p:cSld>
-    <p:spTree>
-      <p:nvGrpSpPr>
-        <p:cNvPr id="1" name=""/>
-        <p:cNvGrpSpPr/>
-        <p:nvPr/>
-      </p:nvGrpSpPr>
-      <p:grpSpPr>
-        <a:xfrm>
-          <a:off x="0" y="0"/>
-          <a:ext cx="0" cy="0"/>
-          <a:chOff x="0" y="0"/>
-          <a:chExt cx="0" cy="0"/>
-        </a:xfrm>
-      </p:grpSpPr>
-      <p:sp>
-        <p:nvSpPr>
-          <p:cNvPr id="2" name="矩形 1"/>
-          <p:cNvSpPr/>
-          <p:nvPr/>
-        </p:nvSpPr>
-        <p:spPr>
-          <a:xfrm>
-            <a:off x="0" y="0"/>
-            <a:ext cx="6096000" cy="6858000"/>
-          </a:xfrm>
-          <a:prstGeom prst="rect">
-            <a:avLst/>
-          </a:prstGeom>
-          <a:solidFill>
-            <a:srgbClr val="DB5355"/>
-          </a:solidFill>
-          <a:ln>
-            <a:noFill/>
-          </a:ln>
-        </p:spPr>
-        <p:style>
-          <a:lnRef idx="2">
-            <a:schemeClr val="accent1">
-              <a:shade val="50000"/>
-            </a:schemeClr>
-          </a:lnRef>
-          <a:fillRef idx="1">
-            <a:schemeClr val="accent1"/>
-          </a:fillRef>
-          <a:effectRef idx="0">
-            <a:schemeClr val="accent1"/>
-          </a:effectRef>
-          <a:fontRef idx="minor">
-            <a:schemeClr val="lt1"/>
-          </a:fontRef>
-        </p:style>
-        <p:txBody>
-          <a:bodyPr rtlCol="0" anchor="ctr"/>
-          <a:lstStyle/>
-          <a:p>
-            <a:pPr algn="ctr"/>
-            <a:endParaRPr lang="zh-CN" altLang="en-US"/>
-          </a:p>
-        </p:txBody>
-      </p:sp>
-      <p:sp>
-        <p:nvSpPr>
-          <p:cNvPr id="3" name="文本框 2"/>
-          <p:cNvSpPr txBox="1"/>
-          <p:nvPr/>
-        </p:nvSpPr>
-        <p:spPr>
-          <a:xfrm>
-            <a:off x="4148667" y="2728153"/>
-            <a:ext cx="2112985" cy="1200329"/>
-          </a:xfrm>
-          <a:prstGeom prst="rect">
-            <a:avLst/>
-          </a:prstGeom>
-          <a:noFill/>
-        </p:spPr>
-        <p:txBody>
-          <a:bodyPr wrap="square" rtlCol="0">
-            <a:spAutoFit/>
-          </a:bodyPr>
-          <a:lstStyle/>
-          <a:p>
-            <a:r>
-              <a:rPr lang="zh-CN" altLang="en-US" sz="7200" b="1" dirty="0">
-                <a:solidFill>
-                  <a:schemeClr val="bg1"/>
-                </a:solidFill>
-                <a:latin typeface="幼圆" panose="02010509060101010101" pitchFamily="49" charset="-122"/>
-                <a:ea typeface="幼圆" panose="02010509060101010101" pitchFamily="49" charset="-122"/>
-              </a:rPr>
-              <a:t>谢谢</a:t>
-            </a:r>
-          </a:p>
-        </p:txBody>
-      </p:sp>
-      <p:sp>
-        <p:nvSpPr>
-          <p:cNvPr id="4" name="文本框 3"/>
-          <p:cNvSpPr txBox="1"/>
-          <p:nvPr/>
-        </p:nvSpPr>
-        <p:spPr>
-          <a:xfrm>
-            <a:off x="6036366" y="2728153"/>
-            <a:ext cx="2132863" cy="1200329"/>
-          </a:xfrm>
-          <a:prstGeom prst="rect">
-            <a:avLst/>
-          </a:prstGeom>
-          <a:noFill/>
-        </p:spPr>
-        <p:txBody>
-          <a:bodyPr wrap="square" rtlCol="0">
-            <a:spAutoFit/>
-          </a:bodyPr>
-          <a:lstStyle/>
-          <a:p>
-            <a:r>
-              <a:rPr lang="zh-CN" altLang="en-US" sz="7200" b="1" dirty="0">
-                <a:solidFill>
-                  <a:srgbClr val="DB5355"/>
-                </a:solidFill>
-                <a:latin typeface="幼圆" panose="02010509060101010101" pitchFamily="49" charset="-122"/>
-                <a:ea typeface="幼圆" panose="02010509060101010101" pitchFamily="49" charset="-122"/>
-              </a:rPr>
-              <a:t>观看</a:t>
-            </a:r>
-          </a:p>
-        </p:txBody>
-      </p:sp>
-      <p:sp>
-        <p:nvSpPr>
-          <p:cNvPr id="5" name="文本框 4"/>
-          <p:cNvSpPr txBox="1"/>
-          <p:nvPr/>
-        </p:nvSpPr>
-        <p:spPr>
-          <a:xfrm>
-            <a:off x="7163431" y="5789691"/>
-            <a:ext cx="3936266" cy="461665"/>
-          </a:xfrm>
-          <a:prstGeom prst="rect">
-            <a:avLst/>
-          </a:prstGeom>
-          <a:noFill/>
-        </p:spPr>
-        <p:txBody>
-          <a:bodyPr wrap="square" rtlCol="0">
-            <a:spAutoFit/>
-          </a:bodyPr>
-          <a:lstStyle/>
-          <a:p>
-            <a:r>
-              <a:rPr lang="zh-CN" altLang="en-US" sz="2400" b="1" dirty="0">
-                <a:solidFill>
-                  <a:srgbClr val="595959"/>
-                </a:solidFill>
-                <a:latin typeface="幼圆" panose="02010509060101010101" pitchFamily="49" charset="-122"/>
-                <a:ea typeface="幼圆" panose="02010509060101010101" pitchFamily="49" charset="-122"/>
-              </a:rPr>
-              <a:t>请在此处添加您的公司名称</a:t>
-            </a:r>
           </a:p>
         </p:txBody>
       </p:sp>
@@ -4135,14 +3801,14 @@
       </p:grpSpPr>
       <p:sp>
         <p:nvSpPr>
-          <p:cNvPr id="2" name="矩形 1"/>
+          <p:cNvPr id="4" name="矩形 3"/>
           <p:cNvSpPr/>
           <p:nvPr/>
         </p:nvSpPr>
         <p:spPr>
           <a:xfrm>
-            <a:off x="0" y="0"/>
-            <a:ext cx="12192000" cy="6858000"/>
+            <a:off x="0" y="620713"/>
+            <a:ext cx="10535478" cy="5616575"/>
           </a:xfrm>
           <a:prstGeom prst="rect">
             <a:avLst/>
@@ -4181,14 +3847,14 @@
       </p:sp>
       <p:sp>
         <p:nvSpPr>
-          <p:cNvPr id="3" name="矩形 2"/>
+          <p:cNvPr id="5" name="矩形 4"/>
           <p:cNvSpPr/>
           <p:nvPr/>
         </p:nvSpPr>
         <p:spPr>
           <a:xfrm>
-            <a:off x="1510748" y="0"/>
-            <a:ext cx="993913" cy="2708275"/>
+            <a:off x="-19878" y="1185332"/>
+            <a:ext cx="3480362" cy="504000"/>
           </a:xfrm>
           <a:prstGeom prst="rect">
             <a:avLst/>
@@ -4227,14 +3893,14 @@
       </p:sp>
       <p:sp>
         <p:nvSpPr>
-          <p:cNvPr id="4" name="文本框 3"/>
+          <p:cNvPr id="7" name="文本框 6"/>
           <p:cNvSpPr txBox="1"/>
           <p:nvPr/>
         </p:nvSpPr>
         <p:spPr>
           <a:xfrm>
-            <a:off x="1550504" y="1642040"/>
-            <a:ext cx="1212574" cy="830997"/>
+            <a:off x="-101414" y="1101308"/>
+            <a:ext cx="4060163" cy="584775"/>
           </a:xfrm>
           <a:prstGeom prst="rect">
             <a:avLst/>
@@ -4248,9 +3914,341 @@
           <a:lstStyle/>
           <a:p>
             <a:r>
+              <a:rPr lang="zh-CN" altLang="en-US" sz="3200" b="1" dirty="0">
+                <a:latin typeface="幼圆" panose="02010509060101010101" pitchFamily="49" charset="-122"/>
+                <a:ea typeface="幼圆" panose="02010509060101010101" pitchFamily="49" charset="-122"/>
+              </a:rPr>
+              <a:t>界面原型的分类</a:t>
+            </a:r>
+          </a:p>
+        </p:txBody>
+      </p:sp>
+      <p:sp>
+        <p:nvSpPr>
+          <p:cNvPr id="10" name="文本框 9"/>
+          <p:cNvSpPr txBox="1"/>
+          <p:nvPr/>
+        </p:nvSpPr>
+        <p:spPr>
+          <a:xfrm>
+            <a:off x="5426765" y="3429000"/>
+            <a:ext cx="1212574" cy="830997"/>
+          </a:xfrm>
+          <a:prstGeom prst="rect">
+            <a:avLst/>
+          </a:prstGeom>
+          <a:noFill/>
+        </p:spPr>
+        <p:txBody>
+          <a:bodyPr wrap="square" rtlCol="0">
+            <a:spAutoFit/>
+          </a:bodyPr>
+          <a:lstStyle/>
+          <a:p>
+            <a:r>
               <a:rPr lang="en-US" altLang="zh-CN" sz="4800" dirty="0">
                 <a:solidFill>
-                  <a:srgbClr val="DB5355"/>
+                  <a:schemeClr val="bg1"/>
+                </a:solidFill>
+                <a:latin typeface="Broadway" panose="04040905080B02020502" pitchFamily="82" charset="0"/>
+              </a:rPr>
+              <a:t>05</a:t>
+            </a:r>
+            <a:endParaRPr lang="zh-CN" altLang="en-US" sz="4800" dirty="0">
+              <a:solidFill>
+                <a:schemeClr val="bg1"/>
+              </a:solidFill>
+              <a:latin typeface="Broadway" panose="04040905080B02020502" pitchFamily="82" charset="0"/>
+            </a:endParaRPr>
+          </a:p>
+        </p:txBody>
+      </p:sp>
+      <p:sp>
+        <p:nvSpPr>
+          <p:cNvPr id="17" name="文本框 16"/>
+          <p:cNvSpPr txBox="1"/>
+          <p:nvPr/>
+        </p:nvSpPr>
+        <p:spPr>
+          <a:xfrm>
+            <a:off x="6301407" y="3582888"/>
+            <a:ext cx="3571461" cy="523220"/>
+          </a:xfrm>
+          <a:prstGeom prst="rect">
+            <a:avLst/>
+          </a:prstGeom>
+          <a:noFill/>
+        </p:spPr>
+        <p:txBody>
+          <a:bodyPr wrap="square" rtlCol="0">
+            <a:spAutoFit/>
+          </a:bodyPr>
+          <a:lstStyle/>
+          <a:p>
+            <a:r>
+              <a:rPr lang="zh-CN" altLang="en-US" sz="2800" b="1" dirty="0">
+                <a:solidFill>
+                  <a:schemeClr val="bg1"/>
+                </a:solidFill>
+                <a:latin typeface="微软雅黑" panose="020B0503020204020204" pitchFamily="34" charset="-122"/>
+                <a:ea typeface="微软雅黑" panose="020B0503020204020204" pitchFamily="34" charset="-122"/>
+              </a:rPr>
+              <a:t>纸上原型</a:t>
+            </a:r>
+          </a:p>
+        </p:txBody>
+      </p:sp>
+      <p:sp>
+        <p:nvSpPr>
+          <p:cNvPr id="24" name="文本框 23"/>
+          <p:cNvSpPr txBox="1"/>
+          <p:nvPr/>
+        </p:nvSpPr>
+        <p:spPr>
+          <a:xfrm>
+            <a:off x="5466522" y="2019727"/>
+            <a:ext cx="1212574" cy="830997"/>
+          </a:xfrm>
+          <a:prstGeom prst="rect">
+            <a:avLst/>
+          </a:prstGeom>
+          <a:noFill/>
+        </p:spPr>
+        <p:txBody>
+          <a:bodyPr wrap="square" rtlCol="0">
+            <a:spAutoFit/>
+          </a:bodyPr>
+          <a:lstStyle/>
+          <a:p>
+            <a:r>
+              <a:rPr lang="en-US" altLang="zh-CN" sz="4800" dirty="0">
+                <a:solidFill>
+                  <a:schemeClr val="bg1"/>
+                </a:solidFill>
+                <a:latin typeface="Broadway" panose="04040905080B02020502" pitchFamily="82" charset="0"/>
+              </a:rPr>
+              <a:t>04</a:t>
+            </a:r>
+            <a:endParaRPr lang="zh-CN" altLang="en-US" sz="4800" dirty="0">
+              <a:solidFill>
+                <a:schemeClr val="bg1"/>
+              </a:solidFill>
+              <a:latin typeface="Broadway" panose="04040905080B02020502" pitchFamily="82" charset="0"/>
+            </a:endParaRPr>
+          </a:p>
+        </p:txBody>
+      </p:sp>
+      <p:sp>
+        <p:nvSpPr>
+          <p:cNvPr id="25" name="文本框 24"/>
+          <p:cNvSpPr txBox="1"/>
+          <p:nvPr/>
+        </p:nvSpPr>
+        <p:spPr>
+          <a:xfrm>
+            <a:off x="6341164" y="2173615"/>
+            <a:ext cx="3571461" cy="523220"/>
+          </a:xfrm>
+          <a:prstGeom prst="rect">
+            <a:avLst/>
+          </a:prstGeom>
+          <a:noFill/>
+        </p:spPr>
+        <p:txBody>
+          <a:bodyPr wrap="square" rtlCol="0">
+            <a:spAutoFit/>
+          </a:bodyPr>
+          <a:lstStyle/>
+          <a:p>
+            <a:r>
+              <a:rPr lang="zh-CN" altLang="en-US" sz="2800" b="1" dirty="0">
+                <a:solidFill>
+                  <a:schemeClr val="bg1"/>
+                </a:solidFill>
+                <a:latin typeface="微软雅黑" panose="020B0503020204020204" pitchFamily="34" charset="-122"/>
+                <a:ea typeface="微软雅黑" panose="020B0503020204020204" pitchFamily="34" charset="-122"/>
+              </a:rPr>
+              <a:t>演化性原型</a:t>
+            </a:r>
+          </a:p>
+        </p:txBody>
+      </p:sp>
+      <p:sp>
+        <p:nvSpPr>
+          <p:cNvPr id="37" name="文本框 36"/>
+          <p:cNvSpPr txBox="1"/>
+          <p:nvPr/>
+        </p:nvSpPr>
+        <p:spPr>
+          <a:xfrm>
+            <a:off x="5426765" y="4838273"/>
+            <a:ext cx="1212574" cy="830997"/>
+          </a:xfrm>
+          <a:prstGeom prst="rect">
+            <a:avLst/>
+          </a:prstGeom>
+          <a:noFill/>
+        </p:spPr>
+        <p:txBody>
+          <a:bodyPr wrap="square" rtlCol="0">
+            <a:spAutoFit/>
+          </a:bodyPr>
+          <a:lstStyle/>
+          <a:p>
+            <a:r>
+              <a:rPr lang="en-US" altLang="zh-CN" sz="4800" dirty="0">
+                <a:solidFill>
+                  <a:schemeClr val="bg1"/>
+                </a:solidFill>
+                <a:latin typeface="Broadway" panose="04040905080B02020502" pitchFamily="82" charset="0"/>
+              </a:rPr>
+              <a:t>06</a:t>
+            </a:r>
+            <a:endParaRPr lang="zh-CN" altLang="en-US" sz="4800" dirty="0">
+              <a:solidFill>
+                <a:schemeClr val="bg1"/>
+              </a:solidFill>
+              <a:latin typeface="Broadway" panose="04040905080B02020502" pitchFamily="82" charset="0"/>
+            </a:endParaRPr>
+          </a:p>
+        </p:txBody>
+      </p:sp>
+      <p:sp>
+        <p:nvSpPr>
+          <p:cNvPr id="38" name="文本框 37"/>
+          <p:cNvSpPr txBox="1"/>
+          <p:nvPr/>
+        </p:nvSpPr>
+        <p:spPr>
+          <a:xfrm>
+            <a:off x="6301407" y="4992161"/>
+            <a:ext cx="3571461" cy="523220"/>
+          </a:xfrm>
+          <a:prstGeom prst="rect">
+            <a:avLst/>
+          </a:prstGeom>
+          <a:noFill/>
+        </p:spPr>
+        <p:txBody>
+          <a:bodyPr wrap="square" rtlCol="0">
+            <a:spAutoFit/>
+          </a:bodyPr>
+          <a:lstStyle/>
+          <a:p>
+            <a:r>
+              <a:rPr lang="zh-CN" altLang="en-US" sz="2800" b="1" dirty="0">
+                <a:solidFill>
+                  <a:schemeClr val="bg1"/>
+                </a:solidFill>
+                <a:latin typeface="微软雅黑" panose="020B0503020204020204" pitchFamily="34" charset="-122"/>
+                <a:ea typeface="微软雅黑" panose="020B0503020204020204" pitchFamily="34" charset="-122"/>
+              </a:rPr>
+              <a:t>电子原型</a:t>
+            </a:r>
+          </a:p>
+        </p:txBody>
+      </p:sp>
+      <p:sp>
+        <p:nvSpPr>
+          <p:cNvPr id="78" name="文本框 77"/>
+          <p:cNvSpPr txBox="1"/>
+          <p:nvPr/>
+        </p:nvSpPr>
+        <p:spPr>
+          <a:xfrm>
+            <a:off x="636104" y="3409122"/>
+            <a:ext cx="1212574" cy="830997"/>
+          </a:xfrm>
+          <a:prstGeom prst="rect">
+            <a:avLst/>
+          </a:prstGeom>
+          <a:noFill/>
+        </p:spPr>
+        <p:txBody>
+          <a:bodyPr wrap="square" rtlCol="0">
+            <a:spAutoFit/>
+          </a:bodyPr>
+          <a:lstStyle/>
+          <a:p>
+            <a:r>
+              <a:rPr lang="en-US" altLang="zh-CN" sz="4800" dirty="0">
+                <a:solidFill>
+                  <a:schemeClr val="bg1"/>
+                </a:solidFill>
+                <a:latin typeface="Broadway" panose="04040905080B02020502" pitchFamily="82" charset="0"/>
+              </a:rPr>
+              <a:t>02</a:t>
+            </a:r>
+            <a:endParaRPr lang="zh-CN" altLang="en-US" sz="4800" dirty="0">
+              <a:solidFill>
+                <a:schemeClr val="bg1"/>
+              </a:solidFill>
+              <a:latin typeface="Broadway" panose="04040905080B02020502" pitchFamily="82" charset="0"/>
+            </a:endParaRPr>
+          </a:p>
+        </p:txBody>
+      </p:sp>
+      <p:sp>
+        <p:nvSpPr>
+          <p:cNvPr id="79" name="文本框 78"/>
+          <p:cNvSpPr txBox="1"/>
+          <p:nvPr/>
+        </p:nvSpPr>
+        <p:spPr>
+          <a:xfrm>
+            <a:off x="1510746" y="3563010"/>
+            <a:ext cx="3571461" cy="523220"/>
+          </a:xfrm>
+          <a:prstGeom prst="rect">
+            <a:avLst/>
+          </a:prstGeom>
+          <a:noFill/>
+        </p:spPr>
+        <p:txBody>
+          <a:bodyPr wrap="square" rtlCol="0">
+            <a:spAutoFit/>
+          </a:bodyPr>
+          <a:lstStyle/>
+          <a:p>
+            <a:r>
+              <a:rPr lang="zh-CN" altLang="en-US" sz="2800" b="1" dirty="0">
+                <a:solidFill>
+                  <a:schemeClr val="bg1"/>
+                </a:solidFill>
+                <a:latin typeface="微软雅黑" panose="020B0503020204020204" pitchFamily="34" charset="-122"/>
+                <a:ea typeface="微软雅黑" panose="020B0503020204020204" pitchFamily="34" charset="-122"/>
+              </a:rPr>
+              <a:t>概念证明原型</a:t>
+            </a:r>
+          </a:p>
+        </p:txBody>
+      </p:sp>
+      <p:sp>
+        <p:nvSpPr>
+          <p:cNvPr id="76" name="文本框 75"/>
+          <p:cNvSpPr txBox="1"/>
+          <p:nvPr/>
+        </p:nvSpPr>
+        <p:spPr>
+          <a:xfrm>
+            <a:off x="675861" y="1999849"/>
+            <a:ext cx="1212574" cy="830997"/>
+          </a:xfrm>
+          <a:prstGeom prst="rect">
+            <a:avLst/>
+          </a:prstGeom>
+          <a:noFill/>
+        </p:spPr>
+        <p:txBody>
+          <a:bodyPr wrap="square" rtlCol="0">
+            <a:spAutoFit/>
+          </a:bodyPr>
+          <a:lstStyle/>
+          <a:p>
+            <a:r>
+              <a:rPr lang="en-US" altLang="zh-CN" sz="4800" dirty="0">
+                <a:solidFill>
+                  <a:schemeClr val="bg1"/>
                 </a:solidFill>
                 <a:latin typeface="Broadway" panose="04040905080B02020502" pitchFamily="82" charset="0"/>
               </a:rPr>
@@ -4258,7 +4256,7 @@
             </a:r>
             <a:endParaRPr lang="zh-CN" altLang="en-US" sz="4800" dirty="0">
               <a:solidFill>
-                <a:srgbClr val="DB5355"/>
+                <a:schemeClr val="bg1"/>
               </a:solidFill>
               <a:latin typeface="Broadway" panose="04040905080B02020502" pitchFamily="82" charset="0"/>
             </a:endParaRPr>
@@ -4267,14 +4265,14 @@
       </p:sp>
       <p:sp>
         <p:nvSpPr>
-          <p:cNvPr id="6" name="文本框 5"/>
+          <p:cNvPr id="77" name="文本框 76"/>
           <p:cNvSpPr txBox="1"/>
           <p:nvPr/>
         </p:nvSpPr>
         <p:spPr>
           <a:xfrm>
-            <a:off x="3593147" y="1642040"/>
-            <a:ext cx="5333264" cy="769441"/>
+            <a:off x="1550503" y="2153737"/>
+            <a:ext cx="3571461" cy="523220"/>
           </a:xfrm>
           <a:prstGeom prst="rect">
             <a:avLst/>
@@ -4288,61 +4286,90 @@
           <a:lstStyle/>
           <a:p>
             <a:r>
-              <a:rPr lang="zh-CN" altLang="en-US" sz="4400" b="1" dirty="0">
+              <a:rPr lang="zh-CN" altLang="en-US" sz="2800" b="1" dirty="0">
                 <a:solidFill>
                   <a:schemeClr val="bg1"/>
                 </a:solidFill>
-                <a:latin typeface="幼圆" panose="02010509060101010101" pitchFamily="49" charset="-122"/>
-                <a:ea typeface="幼圆" panose="02010509060101010101" pitchFamily="49" charset="-122"/>
+                <a:latin typeface="微软雅黑" panose="020B0503020204020204" pitchFamily="34" charset="-122"/>
+                <a:ea typeface="微软雅黑" panose="020B0503020204020204" pitchFamily="34" charset="-122"/>
               </a:rPr>
-              <a:t>界面原型的分类</a:t>
-            </a:r>
-          </a:p>
-        </p:txBody>
-      </p:sp>
-      <p:sp>
-        <p:nvSpPr>
-          <p:cNvPr id="8" name="矩形 7"/>
-          <p:cNvSpPr/>
+              <a:t>实物原型</a:t>
+            </a:r>
+          </a:p>
+        </p:txBody>
+      </p:sp>
+      <p:sp>
+        <p:nvSpPr>
+          <p:cNvPr id="74" name="文本框 73"/>
+          <p:cNvSpPr txBox="1"/>
           <p:nvPr/>
         </p:nvSpPr>
         <p:spPr>
           <a:xfrm>
-            <a:off x="0" y="5206448"/>
-            <a:ext cx="12364278" cy="45719"/>
-          </a:xfrm>
-          <a:prstGeom prst="rect">
-            <a:avLst/>
-          </a:prstGeom>
-          <a:solidFill>
-            <a:schemeClr val="bg1"/>
-          </a:solidFill>
-          <a:ln>
-            <a:noFill/>
-          </a:ln>
-        </p:spPr>
-        <p:style>
-          <a:lnRef idx="2">
-            <a:schemeClr val="accent1">
-              <a:shade val="50000"/>
-            </a:schemeClr>
-          </a:lnRef>
-          <a:fillRef idx="1">
-            <a:schemeClr val="accent1"/>
-          </a:fillRef>
-          <a:effectRef idx="0">
-            <a:schemeClr val="accent1"/>
-          </a:effectRef>
-          <a:fontRef idx="minor">
-            <a:schemeClr val="lt1"/>
-          </a:fontRef>
-        </p:style>
-        <p:txBody>
-          <a:bodyPr rtlCol="0" anchor="ctr"/>
-          <a:lstStyle/>
-          <a:p>
-            <a:pPr algn="ctr"/>
-            <a:endParaRPr lang="zh-CN" altLang="en-US"/>
+            <a:off x="636104" y="4818395"/>
+            <a:ext cx="1212574" cy="830997"/>
+          </a:xfrm>
+          <a:prstGeom prst="rect">
+            <a:avLst/>
+          </a:prstGeom>
+          <a:noFill/>
+        </p:spPr>
+        <p:txBody>
+          <a:bodyPr wrap="square" rtlCol="0">
+            <a:spAutoFit/>
+          </a:bodyPr>
+          <a:lstStyle/>
+          <a:p>
+            <a:r>
+              <a:rPr lang="en-US" altLang="zh-CN" sz="4800" dirty="0">
+                <a:solidFill>
+                  <a:schemeClr val="bg1"/>
+                </a:solidFill>
+                <a:latin typeface="Broadway" panose="04040905080B02020502" pitchFamily="82" charset="0"/>
+              </a:rPr>
+              <a:t>03</a:t>
+            </a:r>
+            <a:endParaRPr lang="zh-CN" altLang="en-US" sz="4800" dirty="0">
+              <a:solidFill>
+                <a:schemeClr val="bg1"/>
+              </a:solidFill>
+              <a:latin typeface="Broadway" panose="04040905080B02020502" pitchFamily="82" charset="0"/>
+            </a:endParaRPr>
+          </a:p>
+        </p:txBody>
+      </p:sp>
+      <p:sp>
+        <p:nvSpPr>
+          <p:cNvPr id="75" name="文本框 74"/>
+          <p:cNvSpPr txBox="1"/>
+          <p:nvPr/>
+        </p:nvSpPr>
+        <p:spPr>
+          <a:xfrm>
+            <a:off x="1510746" y="4972283"/>
+            <a:ext cx="3571461" cy="523220"/>
+          </a:xfrm>
+          <a:prstGeom prst="rect">
+            <a:avLst/>
+          </a:prstGeom>
+          <a:noFill/>
+        </p:spPr>
+        <p:txBody>
+          <a:bodyPr wrap="square" rtlCol="0">
+            <a:spAutoFit/>
+          </a:bodyPr>
+          <a:lstStyle/>
+          <a:p>
+            <a:r>
+              <a:rPr lang="zh-CN" altLang="en-US" sz="2800" b="1" dirty="0">
+                <a:solidFill>
+                  <a:schemeClr val="bg1"/>
+                </a:solidFill>
+                <a:latin typeface="微软雅黑" panose="020B0503020204020204" pitchFamily="34" charset="-122"/>
+                <a:ea typeface="微软雅黑" panose="020B0503020204020204" pitchFamily="34" charset="-122"/>
+              </a:rPr>
+              <a:t>抛弃型原型</a:t>
+            </a:r>
           </a:p>
         </p:txBody>
       </p:sp>
@@ -4373,14 +4400,14 @@
       </p:grpSpPr>
       <p:sp>
         <p:nvSpPr>
-          <p:cNvPr id="4" name="矩形 3"/>
+          <p:cNvPr id="6" name="矩形 5"/>
           <p:cNvSpPr/>
           <p:nvPr/>
         </p:nvSpPr>
         <p:spPr>
           <a:xfrm>
-            <a:off x="0" y="620713"/>
-            <a:ext cx="10535478" cy="5616575"/>
+            <a:off x="0" y="0"/>
+            <a:ext cx="609600" cy="620713"/>
           </a:xfrm>
           <a:prstGeom prst="rect">
             <a:avLst/>
@@ -4419,20 +4446,55 @@
       </p:sp>
       <p:sp>
         <p:nvSpPr>
+          <p:cNvPr id="7" name="文本框 6"/>
+          <p:cNvSpPr txBox="1"/>
+          <p:nvPr/>
+        </p:nvSpPr>
+        <p:spPr>
+          <a:xfrm>
+            <a:off x="651786" y="30480"/>
+            <a:ext cx="4484094" cy="523220"/>
+          </a:xfrm>
+          <a:prstGeom prst="rect">
+            <a:avLst/>
+          </a:prstGeom>
+          <a:noFill/>
+        </p:spPr>
+        <p:txBody>
+          <a:bodyPr wrap="square" rtlCol="0">
+            <a:spAutoFit/>
+          </a:bodyPr>
+          <a:lstStyle/>
+          <a:p>
+            <a:r>
+              <a:rPr lang="zh-CN" altLang="en-US" sz="2800" b="1" dirty="0">
+                <a:solidFill>
+                  <a:srgbClr val="595959"/>
+                </a:solidFill>
+                <a:latin typeface="幼圆" panose="02010509060101010101" pitchFamily="49" charset="-122"/>
+                <a:ea typeface="幼圆" panose="02010509060101010101" pitchFamily="49" charset="-122"/>
+              </a:rPr>
+              <a:t>界面原型的分类</a:t>
+            </a:r>
+          </a:p>
+        </p:txBody>
+      </p:sp>
+      <p:sp>
+        <p:nvSpPr>
           <p:cNvPr id="5" name="矩形 4"/>
           <p:cNvSpPr/>
           <p:nvPr/>
         </p:nvSpPr>
         <p:spPr>
           <a:xfrm>
-            <a:off x="-19878" y="1185332"/>
-            <a:ext cx="3480362" cy="504000"/>
+            <a:off x="912157" y="1321911"/>
+            <a:ext cx="548640" cy="4655348"/>
           </a:xfrm>
           <a:prstGeom prst="rect">
             <a:avLst/>
           </a:prstGeom>
           <a:solidFill>
-            <a:schemeClr val="bg1"/>
+            <a:srgbClr val="DB5355"/>
           </a:solidFill>
           <a:ln>
             <a:noFill/>
@@ -4465,14 +4527,14 @@
       </p:sp>
       <p:sp>
         <p:nvSpPr>
-          <p:cNvPr id="7" name="文本框 6"/>
+          <p:cNvPr id="9" name="文本框 8"/>
           <p:cNvSpPr txBox="1"/>
           <p:nvPr/>
         </p:nvSpPr>
         <p:spPr>
           <a:xfrm>
-            <a:off x="-101414" y="1101308"/>
-            <a:ext cx="4060163" cy="584775"/>
+            <a:off x="854510" y="1773238"/>
+            <a:ext cx="743447" cy="584775"/>
           </a:xfrm>
           <a:prstGeom prst="rect">
             <a:avLst/>
@@ -4486,47 +4548,15 @@
           <a:lstStyle/>
           <a:p>
             <a:r>
-              <a:rPr lang="zh-CN" altLang="en-US" sz="3200" b="1" dirty="0">
-                <a:latin typeface="幼圆" panose="02010509060101010101" pitchFamily="49" charset="-122"/>
-                <a:ea typeface="幼圆" panose="02010509060101010101" pitchFamily="49" charset="-122"/>
-              </a:rPr>
-              <a:t>界面原型的分类</a:t>
-            </a:r>
-          </a:p>
-        </p:txBody>
-      </p:sp>
-      <p:sp>
-        <p:nvSpPr>
-          <p:cNvPr id="10" name="文本框 9"/>
-          <p:cNvSpPr txBox="1"/>
-          <p:nvPr/>
-        </p:nvSpPr>
-        <p:spPr>
-          <a:xfrm>
-            <a:off x="5426765" y="3429000"/>
-            <a:ext cx="1212574" cy="830997"/>
-          </a:xfrm>
-          <a:prstGeom prst="rect">
-            <a:avLst/>
-          </a:prstGeom>
-          <a:noFill/>
-        </p:spPr>
-        <p:txBody>
-          <a:bodyPr wrap="square" rtlCol="0">
-            <a:spAutoFit/>
-          </a:bodyPr>
-          <a:lstStyle/>
-          <a:p>
-            <a:r>
-              <a:rPr lang="en-US" altLang="zh-CN" sz="4800" dirty="0">
+              <a:rPr lang="en-US" altLang="zh-CN" sz="3200" dirty="0">
                 <a:solidFill>
                   <a:schemeClr val="bg1"/>
                 </a:solidFill>
                 <a:latin typeface="Broadway" panose="04040905080B02020502" pitchFamily="82" charset="0"/>
               </a:rPr>
-              <a:t>05</a:t>
-            </a:r>
-            <a:endParaRPr lang="zh-CN" altLang="en-US" sz="4800" dirty="0">
+              <a:t>01</a:t>
+            </a:r>
+            <a:endParaRPr lang="zh-CN" altLang="en-US" sz="3200" dirty="0">
               <a:solidFill>
                 <a:schemeClr val="bg1"/>
               </a:solidFill>
@@ -4537,14 +4567,14 @@
       </p:sp>
       <p:sp>
         <p:nvSpPr>
-          <p:cNvPr id="17" name="文本框 16"/>
+          <p:cNvPr id="11" name="文本框 10"/>
           <p:cNvSpPr txBox="1"/>
           <p:nvPr/>
         </p:nvSpPr>
         <p:spPr>
           <a:xfrm>
-            <a:off x="6301407" y="3582888"/>
-            <a:ext cx="3571461" cy="523220"/>
+            <a:off x="854510" y="2853267"/>
+            <a:ext cx="743447" cy="584775"/>
           </a:xfrm>
           <a:prstGeom prst="rect">
             <a:avLst/>
@@ -4558,28 +4588,33 @@
           <a:lstStyle/>
           <a:p>
             <a:r>
-              <a:rPr lang="zh-CN" altLang="en-US" sz="2800" b="1" dirty="0">
+              <a:rPr lang="en-US" altLang="zh-CN" sz="3200" dirty="0">
                 <a:solidFill>
                   <a:schemeClr val="bg1"/>
                 </a:solidFill>
-                <a:latin typeface="微软雅黑" panose="020B0503020204020204" pitchFamily="34" charset="-122"/>
-                <a:ea typeface="微软雅黑" panose="020B0503020204020204" pitchFamily="34" charset="-122"/>
+                <a:latin typeface="Broadway" panose="04040905080B02020502" pitchFamily="82" charset="0"/>
               </a:rPr>
-              <a:t>纸上原型</a:t>
-            </a:r>
-          </a:p>
-        </p:txBody>
-      </p:sp>
-      <p:sp>
-        <p:nvSpPr>
-          <p:cNvPr id="24" name="文本框 23"/>
+              <a:t>02</a:t>
+            </a:r>
+            <a:endParaRPr lang="zh-CN" altLang="en-US" sz="3200" dirty="0">
+              <a:solidFill>
+                <a:schemeClr val="bg1"/>
+              </a:solidFill>
+              <a:latin typeface="Broadway" panose="04040905080B02020502" pitchFamily="82" charset="0"/>
+            </a:endParaRPr>
+          </a:p>
+        </p:txBody>
+      </p:sp>
+      <p:sp>
+        <p:nvSpPr>
+          <p:cNvPr id="12" name="文本框 11"/>
           <p:cNvSpPr txBox="1"/>
           <p:nvPr/>
         </p:nvSpPr>
         <p:spPr>
           <a:xfrm>
-            <a:off x="5466522" y="2019727"/>
-            <a:ext cx="1212574" cy="830997"/>
+            <a:off x="854510" y="3933296"/>
+            <a:ext cx="804407" cy="584775"/>
           </a:xfrm>
           <a:prstGeom prst="rect">
             <a:avLst/>
@@ -4593,7 +4628,47 @@
           <a:lstStyle/>
           <a:p>
             <a:r>
-              <a:rPr lang="en-US" altLang="zh-CN" sz="4800" dirty="0">
+              <a:rPr lang="en-US" altLang="zh-CN" sz="3200" dirty="0">
+                <a:solidFill>
+                  <a:schemeClr val="bg1"/>
+                </a:solidFill>
+                <a:latin typeface="Broadway" panose="04040905080B02020502" pitchFamily="82" charset="0"/>
+              </a:rPr>
+              <a:t>03</a:t>
+            </a:r>
+            <a:endParaRPr lang="zh-CN" altLang="en-US" sz="3200" dirty="0">
+              <a:solidFill>
+                <a:schemeClr val="bg1"/>
+              </a:solidFill>
+              <a:latin typeface="Broadway" panose="04040905080B02020502" pitchFamily="82" charset="0"/>
+            </a:endParaRPr>
+          </a:p>
+        </p:txBody>
+      </p:sp>
+      <p:sp>
+        <p:nvSpPr>
+          <p:cNvPr id="13" name="文本框 12"/>
+          <p:cNvSpPr txBox="1"/>
+          <p:nvPr/>
+        </p:nvSpPr>
+        <p:spPr>
+          <a:xfrm>
+            <a:off x="854510" y="5013325"/>
+            <a:ext cx="728207" cy="584775"/>
+          </a:xfrm>
+          <a:prstGeom prst="rect">
+            <a:avLst/>
+          </a:prstGeom>
+          <a:noFill/>
+        </p:spPr>
+        <p:txBody>
+          <a:bodyPr wrap="square" rtlCol="0">
+            <a:spAutoFit/>
+          </a:bodyPr>
+          <a:lstStyle/>
+          <a:p>
+            <a:r>
+              <a:rPr lang="en-US" altLang="zh-CN" sz="3200" dirty="0">
                 <a:solidFill>
                   <a:schemeClr val="bg1"/>
                 </a:solidFill>
@@ -4601,7 +4676,7 @@
               </a:rPr>
               <a:t>04</a:t>
             </a:r>
-            <a:endParaRPr lang="zh-CN" altLang="en-US" sz="4800" dirty="0">
+            <a:endParaRPr lang="zh-CN" altLang="en-US" sz="3200" dirty="0">
               <a:solidFill>
                 <a:schemeClr val="bg1"/>
               </a:solidFill>
@@ -4612,14 +4687,14 @@
       </p:sp>
       <p:sp>
         <p:nvSpPr>
-          <p:cNvPr id="25" name="文本框 24"/>
+          <p:cNvPr id="14" name="文本框 13"/>
           <p:cNvSpPr txBox="1"/>
           <p:nvPr/>
         </p:nvSpPr>
         <p:spPr>
           <a:xfrm>
-            <a:off x="6341164" y="2173615"/>
-            <a:ext cx="3571461" cy="523220"/>
+            <a:off x="1750357" y="2769553"/>
+            <a:ext cx="8767980" cy="855812"/>
           </a:xfrm>
           <a:prstGeom prst="rect">
             <a:avLst/>
@@ -4632,29 +4707,42 @@
           </a:bodyPr>
           <a:lstStyle/>
           <a:p>
-            <a:r>
-              <a:rPr lang="zh-CN" altLang="en-US" sz="2800" b="1" dirty="0">
-                <a:solidFill>
-                  <a:schemeClr val="bg1"/>
-                </a:solidFill>
-                <a:latin typeface="微软雅黑" panose="020B0503020204020204" pitchFamily="34" charset="-122"/>
-                <a:ea typeface="微软雅黑" panose="020B0503020204020204" pitchFamily="34" charset="-122"/>
+            <a:pPr>
+              <a:lnSpc>
+                <a:spcPct val="120000"/>
+              </a:lnSpc>
+            </a:pPr>
+            <a:r>
+              <a:rPr lang="zh-CN" altLang="en-US" sz="2400" b="1" dirty="0">
+                <a:latin typeface="+mn-ea"/>
               </a:rPr>
-              <a:t>演化性原型</a:t>
-            </a:r>
-          </a:p>
-        </p:txBody>
-      </p:sp>
-      <p:sp>
-        <p:nvSpPr>
-          <p:cNvPr id="37" name="文本框 36"/>
+              <a:t>概念证明原型</a:t>
+            </a:r>
+            <a:r>
+              <a:rPr lang="zh-CN" altLang="en-US" sz="2000" dirty="0">
+                <a:latin typeface="+mn-ea"/>
+              </a:rPr>
+              <a:t>，又称“垂直原型”，在所有技术服务层次上从用户界面实现一部分应用功能。</a:t>
+            </a:r>
+            <a:endParaRPr lang="zh-CN" altLang="en-US" sz="2400" dirty="0">
+              <a:solidFill>
+                <a:srgbClr val="595959"/>
+              </a:solidFill>
+              <a:latin typeface="+mn-ea"/>
+            </a:endParaRPr>
+          </a:p>
+        </p:txBody>
+      </p:sp>
+      <p:sp>
+        <p:nvSpPr>
+          <p:cNvPr id="15" name="文本框 14"/>
           <p:cNvSpPr txBox="1"/>
           <p:nvPr/>
         </p:nvSpPr>
         <p:spPr>
           <a:xfrm>
-            <a:off x="5426765" y="4838273"/>
-            <a:ext cx="1212574" cy="830997"/>
+            <a:off x="1750356" y="1697038"/>
+            <a:ext cx="8767981" cy="1242904"/>
           </a:xfrm>
           <a:prstGeom prst="rect">
             <a:avLst/>
@@ -4667,34 +4755,97 @@
           </a:bodyPr>
           <a:lstStyle/>
           <a:p>
-            <a:r>
-              <a:rPr lang="en-US" altLang="zh-CN" sz="4800" dirty="0">
+            <a:pPr>
+              <a:lnSpc>
+                <a:spcPct val="120000"/>
+              </a:lnSpc>
+            </a:pPr>
+            <a:r>
+              <a:rPr lang="zh-CN" altLang="en-US" sz="2400" b="1" dirty="0">
+                <a:latin typeface="宋体" panose="02010600030101010101" pitchFamily="2" charset="-122"/>
+                <a:ea typeface="宋体" panose="02010600030101010101" pitchFamily="2" charset="-122"/>
+              </a:rPr>
+              <a:t>实物原型</a:t>
+            </a:r>
+            <a:r>
+              <a:rPr lang="en-US" altLang="zh-CN" sz="2000" b="1" dirty="0">
                 <a:solidFill>
-                  <a:schemeClr val="bg1"/>
+                  <a:srgbClr val="595959"/>
                 </a:solidFill>
-                <a:latin typeface="Broadway" panose="04040905080B02020502" pitchFamily="82" charset="0"/>
+                <a:latin typeface="宋体" panose="02010600030101010101" pitchFamily="2" charset="-122"/>
+                <a:ea typeface="宋体" panose="02010600030101010101" pitchFamily="2" charset="-122"/>
               </a:rPr>
-              <a:t>06</a:t>
-            </a:r>
-            <a:endParaRPr lang="zh-CN" altLang="en-US" sz="4800" dirty="0">
+              <a:t>,</a:t>
+            </a:r>
+            <a:r>
+              <a:rPr lang="zh-CN" altLang="en-US" sz="2000" dirty="0">
+                <a:latin typeface="宋体" panose="02010600030101010101" pitchFamily="2" charset="-122"/>
+                <a:ea typeface="宋体" panose="02010600030101010101" pitchFamily="2" charset="-122"/>
+              </a:rPr>
+              <a:t>又称“水平原型”。实物模型重点关注</a:t>
+            </a:r>
+            <a:r>
+              <a:rPr lang="en-US" altLang="zh-CN" sz="2000" dirty="0">
+                <a:latin typeface="宋体" panose="02010600030101010101" pitchFamily="2" charset="-122"/>
+                <a:ea typeface="宋体" panose="02010600030101010101" pitchFamily="2" charset="-122"/>
+              </a:rPr>
+              <a:t>UI</a:t>
+            </a:r>
+            <a:r>
+              <a:rPr lang="zh-CN" altLang="en-US" sz="2000" dirty="0">
+                <a:latin typeface="宋体" panose="02010600030101010101" pitchFamily="2" charset="-122"/>
+                <a:ea typeface="宋体" panose="02010600030101010101" pitchFamily="2" charset="-122"/>
+              </a:rPr>
+              <a:t>，意味着它实际上没有实现行为，只是展示了一些</a:t>
+            </a:r>
+            <a:r>
+              <a:rPr lang="en-US" altLang="zh-CN" sz="2000" dirty="0">
+                <a:latin typeface="宋体" panose="02010600030101010101" pitchFamily="2" charset="-122"/>
+                <a:ea typeface="宋体" panose="02010600030101010101" pitchFamily="2" charset="-122"/>
+              </a:rPr>
+              <a:t>UI</a:t>
+            </a:r>
+            <a:r>
+              <a:rPr lang="zh-CN" altLang="en-US" sz="2000" dirty="0">
+                <a:latin typeface="宋体" panose="02010600030101010101" pitchFamily="2" charset="-122"/>
+                <a:ea typeface="宋体" panose="02010600030101010101" pitchFamily="2" charset="-122"/>
+              </a:rPr>
+              <a:t>屏幕的一些表现形式以及其之间的导航</a:t>
+            </a:r>
+            <a:endParaRPr lang="zh-CN" altLang="en-US" sz="2000" dirty="0">
               <a:solidFill>
                 <a:schemeClr val="bg1"/>
               </a:solidFill>
-              <a:latin typeface="Broadway" panose="04040905080B02020502" pitchFamily="82" charset="0"/>
+              <a:latin typeface="宋体" panose="02010600030101010101" pitchFamily="2" charset="-122"/>
+              <a:ea typeface="宋体" panose="02010600030101010101" pitchFamily="2" charset="-122"/>
             </a:endParaRPr>
           </a:p>
-        </p:txBody>
-      </p:sp>
-      <p:sp>
-        <p:nvSpPr>
-          <p:cNvPr id="38" name="文本框 37"/>
+          <a:p>
+            <a:pPr>
+              <a:lnSpc>
+                <a:spcPct val="120000"/>
+              </a:lnSpc>
+            </a:pPr>
+            <a:endParaRPr lang="zh-CN" altLang="en-US" sz="2000" dirty="0">
+              <a:solidFill>
+                <a:srgbClr val="595959"/>
+              </a:solidFill>
+              <a:latin typeface="微软雅黑" panose="020B0503020204020204" pitchFamily="34" charset="-122"/>
+              <a:ea typeface="微软雅黑" panose="020B0503020204020204" pitchFamily="34" charset="-122"/>
+            </a:endParaRPr>
+          </a:p>
+        </p:txBody>
+      </p:sp>
+      <p:sp>
+        <p:nvSpPr>
+          <p:cNvPr id="16" name="文本框 15"/>
           <p:cNvSpPr txBox="1"/>
           <p:nvPr/>
         </p:nvSpPr>
         <p:spPr>
           <a:xfrm>
-            <a:off x="6301407" y="4992161"/>
-            <a:ext cx="3571461" cy="523220"/>
+            <a:off x="1750356" y="3781819"/>
+            <a:ext cx="8767979" cy="855812"/>
           </a:xfrm>
           <a:prstGeom prst="rect">
             <a:avLst/>
@@ -4707,29 +4858,52 @@
           </a:bodyPr>
           <a:lstStyle/>
           <a:p>
-            <a:r>
-              <a:rPr lang="zh-CN" altLang="en-US" sz="2800" b="1" dirty="0">
-                <a:solidFill>
-                  <a:schemeClr val="bg1"/>
-                </a:solidFill>
-                <a:latin typeface="微软雅黑" panose="020B0503020204020204" pitchFamily="34" charset="-122"/>
-                <a:ea typeface="微软雅黑" panose="020B0503020204020204" pitchFamily="34" charset="-122"/>
+            <a:pPr>
+              <a:lnSpc>
+                <a:spcPct val="120000"/>
+              </a:lnSpc>
+            </a:pPr>
+            <a:r>
+              <a:rPr lang="zh-CN" altLang="en-US" sz="2400" b="1" dirty="0">
+                <a:latin typeface="宋体" panose="02010600030101010101" pitchFamily="2" charset="-122"/>
+                <a:ea typeface="宋体" panose="02010600030101010101" pitchFamily="2" charset="-122"/>
               </a:rPr>
-              <a:t>电子原型</a:t>
-            </a:r>
-          </a:p>
-        </p:txBody>
-      </p:sp>
-      <p:sp>
-        <p:nvSpPr>
-          <p:cNvPr id="78" name="文本框 77"/>
+              <a:t>抛弃型原型</a:t>
+            </a:r>
+            <a:r>
+              <a:rPr lang="zh-CN" altLang="en-US" sz="2000" b="1" dirty="0">
+                <a:latin typeface="宋体" panose="02010600030101010101" pitchFamily="2" charset="-122"/>
+                <a:ea typeface="宋体" panose="02010600030101010101" pitchFamily="2" charset="-122"/>
+              </a:rPr>
+              <a:t>，</a:t>
+            </a:r>
+            <a:r>
+              <a:rPr lang="zh-CN" altLang="en-US" sz="2000" dirty="0">
+                <a:latin typeface="宋体" panose="02010600030101010101" pitchFamily="2" charset="-122"/>
+                <a:ea typeface="宋体" panose="02010600030101010101" pitchFamily="2" charset="-122"/>
+              </a:rPr>
+              <a:t>一种快速、低成本方式创建的模型，不可能成为最终交付的产品，所以又被称为不可发布原型</a:t>
+            </a:r>
+            <a:endParaRPr lang="zh-CN" altLang="en-US" sz="2000" dirty="0">
+              <a:solidFill>
+                <a:srgbClr val="595959"/>
+              </a:solidFill>
+              <a:latin typeface="宋体" panose="02010600030101010101" pitchFamily="2" charset="-122"/>
+              <a:ea typeface="宋体" panose="02010600030101010101" pitchFamily="2" charset="-122"/>
+            </a:endParaRPr>
+          </a:p>
+        </p:txBody>
+      </p:sp>
+      <p:sp>
+        <p:nvSpPr>
+          <p:cNvPr id="17" name="文本框 16"/>
           <p:cNvSpPr txBox="1"/>
           <p:nvPr/>
         </p:nvSpPr>
         <p:spPr>
           <a:xfrm>
-            <a:off x="636104" y="3409122"/>
-            <a:ext cx="1212574" cy="830997"/>
+            <a:off x="1750357" y="4879099"/>
+            <a:ext cx="8767978" cy="1242904"/>
           </a:xfrm>
           <a:prstGeom prst="rect">
             <a:avLst/>
@@ -4742,206 +4916,43 @@
           </a:bodyPr>
           <a:lstStyle/>
           <a:p>
-            <a:r>
-              <a:rPr lang="en-US" altLang="zh-CN" sz="4800" dirty="0">
-                <a:solidFill>
-                  <a:schemeClr val="bg1"/>
-                </a:solidFill>
-                <a:latin typeface="Broadway" panose="04040905080B02020502" pitchFamily="82" charset="0"/>
+            <a:pPr>
+              <a:lnSpc>
+                <a:spcPct val="120000"/>
+              </a:lnSpc>
+            </a:pPr>
+            <a:r>
+              <a:rPr lang="zh-CN" altLang="en-US" sz="2400" b="1" dirty="0">
+                <a:latin typeface="宋体" panose="02010600030101010101" pitchFamily="2" charset="-122"/>
+                <a:ea typeface="宋体" panose="02010600030101010101" pitchFamily="2" charset="-122"/>
               </a:rPr>
-              <a:t>02</a:t>
-            </a:r>
-            <a:endParaRPr lang="zh-CN" altLang="en-US" sz="4800" dirty="0">
+              <a:t>演化性原型</a:t>
+            </a:r>
+            <a:r>
+              <a:rPr lang="zh-CN" altLang="en-US" sz="2000" dirty="0">
+                <a:latin typeface="宋体" panose="02010600030101010101" pitchFamily="2" charset="-122"/>
+                <a:ea typeface="宋体" panose="02010600030101010101" pitchFamily="2" charset="-122"/>
+              </a:rPr>
+              <a:t>，随着时间的推移，会为增量构建产品提供一个稳固的架构基础，比如敏捷原型</a:t>
+            </a:r>
+            <a:endParaRPr lang="en-US" altLang="zh-CN" sz="2000" dirty="0">
+              <a:latin typeface="宋体" panose="02010600030101010101" pitchFamily="2" charset="-122"/>
+              <a:ea typeface="宋体" panose="02010600030101010101" pitchFamily="2" charset="-122"/>
+            </a:endParaRPr>
+          </a:p>
+          <a:p>
+            <a:pPr>
+              <a:lnSpc>
+                <a:spcPct val="120000"/>
+              </a:lnSpc>
+            </a:pPr>
+            <a:endParaRPr lang="zh-CN" altLang="en-US" sz="2000" dirty="0">
               <a:solidFill>
-                <a:schemeClr val="bg1"/>
+                <a:srgbClr val="595959"/>
               </a:solidFill>
-              <a:latin typeface="Broadway" panose="04040905080B02020502" pitchFamily="82" charset="0"/>
+              <a:latin typeface="微软雅黑" panose="020B0503020204020204" pitchFamily="34" charset="-122"/>
+              <a:ea typeface="微软雅黑" panose="020B0503020204020204" pitchFamily="34" charset="-122"/>
             </a:endParaRPr>
-          </a:p>
-        </p:txBody>
-      </p:sp>
-      <p:sp>
-        <p:nvSpPr>
-          <p:cNvPr id="79" name="文本框 78"/>
-          <p:cNvSpPr txBox="1"/>
-          <p:nvPr/>
-        </p:nvSpPr>
-        <p:spPr>
-          <a:xfrm>
-            <a:off x="1510746" y="3563010"/>
-            <a:ext cx="3571461" cy="523220"/>
-          </a:xfrm>
-          <a:prstGeom prst="rect">
-            <a:avLst/>
-          </a:prstGeom>
-          <a:noFill/>
-        </p:spPr>
-        <p:txBody>
-          <a:bodyPr wrap="square" rtlCol="0">
-            <a:spAutoFit/>
-          </a:bodyPr>
-          <a:lstStyle/>
-          <a:p>
-            <a:r>
-              <a:rPr lang="zh-CN" altLang="en-US" sz="2800" b="1" dirty="0">
-                <a:solidFill>
-                  <a:schemeClr val="bg1"/>
-                </a:solidFill>
-                <a:latin typeface="微软雅黑" panose="020B0503020204020204" pitchFamily="34" charset="-122"/>
-                <a:ea typeface="微软雅黑" panose="020B0503020204020204" pitchFamily="34" charset="-122"/>
-              </a:rPr>
-              <a:t>概念证明原型</a:t>
-            </a:r>
-          </a:p>
-        </p:txBody>
-      </p:sp>
-      <p:sp>
-        <p:nvSpPr>
-          <p:cNvPr id="76" name="文本框 75"/>
-          <p:cNvSpPr txBox="1"/>
-          <p:nvPr/>
-        </p:nvSpPr>
-        <p:spPr>
-          <a:xfrm>
-            <a:off x="675861" y="1999849"/>
-            <a:ext cx="1212574" cy="830997"/>
-          </a:xfrm>
-          <a:prstGeom prst="rect">
-            <a:avLst/>
-          </a:prstGeom>
-          <a:noFill/>
-        </p:spPr>
-        <p:txBody>
-          <a:bodyPr wrap="square" rtlCol="0">
-            <a:spAutoFit/>
-          </a:bodyPr>
-          <a:lstStyle/>
-          <a:p>
-            <a:r>
-              <a:rPr lang="en-US" altLang="zh-CN" sz="4800" dirty="0">
-                <a:solidFill>
-                  <a:schemeClr val="bg1"/>
-                </a:solidFill>
-                <a:latin typeface="Broadway" panose="04040905080B02020502" pitchFamily="82" charset="0"/>
-              </a:rPr>
-              <a:t>01</a:t>
-            </a:r>
-            <a:endParaRPr lang="zh-CN" altLang="en-US" sz="4800" dirty="0">
-              <a:solidFill>
-                <a:schemeClr val="bg1"/>
-              </a:solidFill>
-              <a:latin typeface="Broadway" panose="04040905080B02020502" pitchFamily="82" charset="0"/>
-            </a:endParaRPr>
-          </a:p>
-        </p:txBody>
-      </p:sp>
-      <p:sp>
-        <p:nvSpPr>
-          <p:cNvPr id="77" name="文本框 76"/>
-          <p:cNvSpPr txBox="1"/>
-          <p:nvPr/>
-        </p:nvSpPr>
-        <p:spPr>
-          <a:xfrm>
-            <a:off x="1550503" y="2153737"/>
-            <a:ext cx="3571461" cy="523220"/>
-          </a:xfrm>
-          <a:prstGeom prst="rect">
-            <a:avLst/>
-          </a:prstGeom>
-          <a:noFill/>
-        </p:spPr>
-        <p:txBody>
-          <a:bodyPr wrap="square" rtlCol="0">
-            <a:spAutoFit/>
-          </a:bodyPr>
-          <a:lstStyle/>
-          <a:p>
-            <a:r>
-              <a:rPr lang="zh-CN" altLang="en-US" sz="2800" b="1" dirty="0">
-                <a:solidFill>
-                  <a:schemeClr val="bg1"/>
-                </a:solidFill>
-                <a:latin typeface="微软雅黑" panose="020B0503020204020204" pitchFamily="34" charset="-122"/>
-                <a:ea typeface="微软雅黑" panose="020B0503020204020204" pitchFamily="34" charset="-122"/>
-              </a:rPr>
-              <a:t>实物原型</a:t>
-            </a:r>
-          </a:p>
-        </p:txBody>
-      </p:sp>
-      <p:sp>
-        <p:nvSpPr>
-          <p:cNvPr id="74" name="文本框 73"/>
-          <p:cNvSpPr txBox="1"/>
-          <p:nvPr/>
-        </p:nvSpPr>
-        <p:spPr>
-          <a:xfrm>
-            <a:off x="636104" y="4818395"/>
-            <a:ext cx="1212574" cy="830997"/>
-          </a:xfrm>
-          <a:prstGeom prst="rect">
-            <a:avLst/>
-          </a:prstGeom>
-          <a:noFill/>
-        </p:spPr>
-        <p:txBody>
-          <a:bodyPr wrap="square" rtlCol="0">
-            <a:spAutoFit/>
-          </a:bodyPr>
-          <a:lstStyle/>
-          <a:p>
-            <a:r>
-              <a:rPr lang="en-US" altLang="zh-CN" sz="4800" dirty="0">
-                <a:solidFill>
-                  <a:schemeClr val="bg1"/>
-                </a:solidFill>
-                <a:latin typeface="Broadway" panose="04040905080B02020502" pitchFamily="82" charset="0"/>
-              </a:rPr>
-              <a:t>03</a:t>
-            </a:r>
-            <a:endParaRPr lang="zh-CN" altLang="en-US" sz="4800" dirty="0">
-              <a:solidFill>
-                <a:schemeClr val="bg1"/>
-              </a:solidFill>
-              <a:latin typeface="Broadway" panose="04040905080B02020502" pitchFamily="82" charset="0"/>
-            </a:endParaRPr>
-          </a:p>
-        </p:txBody>
-      </p:sp>
-      <p:sp>
-        <p:nvSpPr>
-          <p:cNvPr id="75" name="文本框 74"/>
-          <p:cNvSpPr txBox="1"/>
-          <p:nvPr/>
-        </p:nvSpPr>
-        <p:spPr>
-          <a:xfrm>
-            <a:off x="1510746" y="4972283"/>
-            <a:ext cx="3571461" cy="523220"/>
-          </a:xfrm>
-          <a:prstGeom prst="rect">
-            <a:avLst/>
-          </a:prstGeom>
-          <a:noFill/>
-        </p:spPr>
-        <p:txBody>
-          <a:bodyPr wrap="square" rtlCol="0">
-            <a:spAutoFit/>
-          </a:bodyPr>
-          <a:lstStyle/>
-          <a:p>
-            <a:r>
-              <a:rPr lang="zh-CN" altLang="en-US" sz="2800" b="1" dirty="0">
-                <a:solidFill>
-                  <a:schemeClr val="bg1"/>
-                </a:solidFill>
-                <a:latin typeface="微软雅黑" panose="020B0503020204020204" pitchFamily="34" charset="-122"/>
-                <a:ea typeface="微软雅黑" panose="020B0503020204020204" pitchFamily="34" charset="-122"/>
-              </a:rPr>
-              <a:t>抛弃型原型</a:t>
-            </a:r>
           </a:p>
         </p:txBody>
       </p:sp>
@@ -5126,7 +5137,7 @@
                 </a:solidFill>
                 <a:latin typeface="Broadway" panose="04040905080B02020502" pitchFamily="82" charset="0"/>
               </a:rPr>
-              <a:t>01</a:t>
+              <a:t>05</a:t>
             </a:r>
             <a:endParaRPr lang="zh-CN" altLang="en-US" sz="3200" dirty="0">
               <a:solidFill>
@@ -5145,7 +5156,7 @@
         </p:nvSpPr>
         <p:spPr>
           <a:xfrm>
-            <a:off x="854510" y="2853267"/>
+            <a:off x="854510" y="3280891"/>
             <a:ext cx="743447" cy="584775"/>
           </a:xfrm>
           <a:prstGeom prst="rect">
@@ -5166,7 +5177,7 @@
                 </a:solidFill>
                 <a:latin typeface="Broadway" panose="04040905080B02020502" pitchFamily="82" charset="0"/>
               </a:rPr>
-              <a:t>02</a:t>
+              <a:t>06</a:t>
             </a:r>
             <a:endParaRPr lang="zh-CN" altLang="en-US" sz="3200" dirty="0">
               <a:solidFill>
@@ -5179,14 +5190,14 @@
       </p:sp>
       <p:sp>
         <p:nvSpPr>
-          <p:cNvPr id="12" name="文本框 11"/>
+          <p:cNvPr id="14" name="文本框 13"/>
           <p:cNvSpPr txBox="1"/>
           <p:nvPr/>
         </p:nvSpPr>
         <p:spPr>
           <a:xfrm>
-            <a:off x="854510" y="3933296"/>
-            <a:ext cx="804407" cy="584775"/>
+            <a:off x="1750357" y="3360901"/>
+            <a:ext cx="9233394" cy="1446037"/>
           </a:xfrm>
           <a:prstGeom prst="rect">
             <a:avLst/>
@@ -5199,137 +5210,9 @@
           </a:bodyPr>
           <a:lstStyle/>
           <a:p>
-            <a:r>
-              <a:rPr lang="en-US" altLang="zh-CN" sz="3200" dirty="0">
-                <a:solidFill>
-                  <a:schemeClr val="bg1"/>
-                </a:solidFill>
-                <a:latin typeface="Broadway" panose="04040905080B02020502" pitchFamily="82" charset="0"/>
-              </a:rPr>
-              <a:t>03</a:t>
-            </a:r>
-            <a:endParaRPr lang="zh-CN" altLang="en-US" sz="3200" dirty="0">
-              <a:solidFill>
-                <a:schemeClr val="bg1"/>
-              </a:solidFill>
-              <a:latin typeface="Broadway" panose="04040905080B02020502" pitchFamily="82" charset="0"/>
-            </a:endParaRPr>
-          </a:p>
-        </p:txBody>
-      </p:sp>
-      <p:sp>
-        <p:nvSpPr>
-          <p:cNvPr id="13" name="文本框 12"/>
-          <p:cNvSpPr txBox="1"/>
-          <p:nvPr/>
-        </p:nvSpPr>
-        <p:spPr>
-          <a:xfrm>
-            <a:off x="854510" y="5013325"/>
-            <a:ext cx="728207" cy="584775"/>
-          </a:xfrm>
-          <a:prstGeom prst="rect">
-            <a:avLst/>
-          </a:prstGeom>
-          <a:noFill/>
-        </p:spPr>
-        <p:txBody>
-          <a:bodyPr wrap="square" rtlCol="0">
-            <a:spAutoFit/>
-          </a:bodyPr>
-          <a:lstStyle/>
-          <a:p>
-            <a:r>
-              <a:rPr lang="en-US" altLang="zh-CN" sz="3200" dirty="0">
-                <a:solidFill>
-                  <a:schemeClr val="bg1"/>
-                </a:solidFill>
-                <a:latin typeface="Broadway" panose="04040905080B02020502" pitchFamily="82" charset="0"/>
-              </a:rPr>
-              <a:t>04</a:t>
-            </a:r>
-            <a:endParaRPr lang="zh-CN" altLang="en-US" sz="3200" dirty="0">
-              <a:solidFill>
-                <a:schemeClr val="bg1"/>
-              </a:solidFill>
-              <a:latin typeface="Broadway" panose="04040905080B02020502" pitchFamily="82" charset="0"/>
-            </a:endParaRPr>
-          </a:p>
-        </p:txBody>
-      </p:sp>
-      <p:sp>
-        <p:nvSpPr>
-          <p:cNvPr id="14" name="文本框 13"/>
-          <p:cNvSpPr txBox="1"/>
-          <p:nvPr/>
-        </p:nvSpPr>
-        <p:spPr>
-          <a:xfrm>
-            <a:off x="1750357" y="2769553"/>
-            <a:ext cx="8767980" cy="855812"/>
-          </a:xfrm>
-          <a:prstGeom prst="rect">
-            <a:avLst/>
-          </a:prstGeom>
-          <a:noFill/>
-        </p:spPr>
-        <p:txBody>
-          <a:bodyPr wrap="square" rtlCol="0">
-            <a:spAutoFit/>
-          </a:bodyPr>
-          <a:lstStyle/>
-          <a:p>
             <a:pPr>
               <a:lnSpc>
-                <a:spcPct val="120000"/>
-              </a:lnSpc>
-            </a:pPr>
-            <a:r>
-              <a:rPr lang="zh-CN" altLang="en-US" sz="2400" b="1" dirty="0">
-                <a:latin typeface="+mn-ea"/>
-              </a:rPr>
-              <a:t>概念证明原型</a:t>
-            </a:r>
-            <a:r>
-              <a:rPr lang="zh-CN" altLang="en-US" sz="2000" dirty="0">
-                <a:latin typeface="+mn-ea"/>
-              </a:rPr>
-              <a:t>，又称“垂直原型”，在所有技术服务层次上从用户界面实现一部分应用功能。</a:t>
-            </a:r>
-            <a:endParaRPr lang="zh-CN" altLang="en-US" sz="2400" dirty="0">
-              <a:solidFill>
-                <a:srgbClr val="595959"/>
-              </a:solidFill>
-              <a:latin typeface="+mn-ea"/>
-            </a:endParaRPr>
-          </a:p>
-        </p:txBody>
-      </p:sp>
-      <p:sp>
-        <p:nvSpPr>
-          <p:cNvPr id="15" name="文本框 14"/>
-          <p:cNvSpPr txBox="1"/>
-          <p:nvPr/>
-        </p:nvSpPr>
-        <p:spPr>
-          <a:xfrm>
-            <a:off x="1750356" y="1697038"/>
-            <a:ext cx="8767981" cy="1242904"/>
-          </a:xfrm>
-          <a:prstGeom prst="rect">
-            <a:avLst/>
-          </a:prstGeom>
-          <a:noFill/>
-        </p:spPr>
-        <p:txBody>
-          <a:bodyPr wrap="square" rtlCol="0">
-            <a:spAutoFit/>
-          </a:bodyPr>
-          <a:lstStyle/>
-          <a:p>
-            <a:pPr>
-              <a:lnSpc>
-                <a:spcPct val="120000"/>
+                <a:spcPct val="150000"/>
               </a:lnSpc>
             </a:pPr>
             <a:r>
@@ -5337,57 +5220,68 @@
                 <a:latin typeface="宋体" panose="02010600030101010101" pitchFamily="2" charset="-122"/>
                 <a:ea typeface="宋体" panose="02010600030101010101" pitchFamily="2" charset="-122"/>
               </a:rPr>
-              <a:t>实物原型</a:t>
-            </a:r>
-            <a:r>
-              <a:rPr lang="en-US" altLang="zh-CN" sz="2000" b="1" dirty="0">
+              <a:t>电子原型</a:t>
+            </a:r>
+            <a:r>
+              <a:rPr lang="zh-CN" altLang="en-US" sz="2000" dirty="0">
                 <a:solidFill>
                   <a:srgbClr val="595959"/>
                 </a:solidFill>
                 <a:latin typeface="宋体" panose="02010600030101010101" pitchFamily="2" charset="-122"/>
                 <a:ea typeface="宋体" panose="02010600030101010101" pitchFamily="2" charset="-122"/>
               </a:rPr>
-              <a:t>,</a:t>
+              <a:t>，</a:t>
             </a:r>
             <a:r>
               <a:rPr lang="zh-CN" altLang="en-US" sz="2000" dirty="0">
                 <a:latin typeface="宋体" panose="02010600030101010101" pitchFamily="2" charset="-122"/>
                 <a:ea typeface="宋体" panose="02010600030101010101" pitchFamily="2" charset="-122"/>
               </a:rPr>
-              <a:t>又称“水平原型”。实物模型重点关注</a:t>
+              <a:t>用一些专业的原型工具来创建原型，比如 </a:t>
             </a:r>
             <a:r>
               <a:rPr lang="en-US" altLang="zh-CN" sz="2000" dirty="0">
                 <a:latin typeface="宋体" panose="02010600030101010101" pitchFamily="2" charset="-122"/>
                 <a:ea typeface="宋体" panose="02010600030101010101" pitchFamily="2" charset="-122"/>
               </a:rPr>
-              <a:t>UI</a:t>
+              <a:t>RP</a:t>
             </a:r>
             <a:r>
               <a:rPr lang="zh-CN" altLang="en-US" sz="2000" dirty="0">
                 <a:latin typeface="宋体" panose="02010600030101010101" pitchFamily="2" charset="-122"/>
                 <a:ea typeface="宋体" panose="02010600030101010101" pitchFamily="2" charset="-122"/>
               </a:rPr>
-              <a:t>，意味着它实际上没有实现行为，只是展示了一些</a:t>
+              <a:t>，</a:t>
             </a:r>
             <a:r>
               <a:rPr lang="en-US" altLang="zh-CN" sz="2000" dirty="0">
                 <a:latin typeface="宋体" panose="02010600030101010101" pitchFamily="2" charset="-122"/>
                 <a:ea typeface="宋体" panose="02010600030101010101" pitchFamily="2" charset="-122"/>
               </a:rPr>
-              <a:t>UI</a:t>
+              <a:t>Visio </a:t>
             </a:r>
             <a:r>
               <a:rPr lang="zh-CN" altLang="en-US" sz="2000" dirty="0">
                 <a:latin typeface="宋体" panose="02010600030101010101" pitchFamily="2" charset="-122"/>
                 <a:ea typeface="宋体" panose="02010600030101010101" pitchFamily="2" charset="-122"/>
               </a:rPr>
-              <a:t>屏幕的一些表现形式以及其之间的导航</a:t>
-            </a:r>
-            <a:endParaRPr lang="zh-CN" altLang="en-US" sz="2000" dirty="0">
-              <a:solidFill>
-                <a:schemeClr val="bg1"/>
-              </a:solidFill>
+              <a:t>等，这样的工具可以轻松实现并修改 </a:t>
+            </a:r>
+            <a:r>
+              <a:rPr lang="en-US" altLang="zh-CN" sz="2000" dirty="0">
+                <a:latin typeface="宋体" panose="02010600030101010101" pitchFamily="2" charset="-122"/>
+                <a:ea typeface="宋体" panose="02010600030101010101" pitchFamily="2" charset="-122"/>
+              </a:rPr>
+              <a:t>UI </a:t>
+            </a:r>
+            <a:r>
+              <a:rPr lang="zh-CN" altLang="en-US" sz="2000" dirty="0">
+                <a:latin typeface="宋体" panose="02010600030101010101" pitchFamily="2" charset="-122"/>
+                <a:ea typeface="宋体" panose="02010600030101010101" pitchFamily="2" charset="-122"/>
+              </a:rPr>
+              <a:t>组件。</a:t>
+            </a:r>
+            <a:endParaRPr lang="en-US" altLang="zh-CN" sz="2000" dirty="0">
               <a:latin typeface="宋体" panose="02010600030101010101" pitchFamily="2" charset="-122"/>
               <a:ea typeface="宋体" panose="02010600030101010101" pitchFamily="2" charset="-122"/>
             </a:endParaRPr>
@@ -5410,14 +5304,14 @@
       </p:sp>
       <p:sp>
         <p:nvSpPr>
-          <p:cNvPr id="16" name="文本框 15"/>
+          <p:cNvPr id="15" name="文本框 14"/>
           <p:cNvSpPr txBox="1"/>
           <p:nvPr/>
         </p:nvSpPr>
         <p:spPr>
           <a:xfrm>
-            <a:off x="1750356" y="3781819"/>
-            <a:ext cx="8767979" cy="855812"/>
+            <a:off x="1750357" y="1697038"/>
+            <a:ext cx="9233394" cy="1446037"/>
           </a:xfrm>
           <a:prstGeom prst="rect">
             <a:avLst/>
@@ -5432,7 +5326,7 @@
           <a:p>
             <a:pPr>
               <a:lnSpc>
-                <a:spcPct val="120000"/>
+                <a:spcPct val="150000"/>
               </a:lnSpc>
             </a:pPr>
             <a:r>
@@ -5440,72 +5334,14 @@
                 <a:latin typeface="宋体" panose="02010600030101010101" pitchFamily="2" charset="-122"/>
                 <a:ea typeface="宋体" panose="02010600030101010101" pitchFamily="2" charset="-122"/>
               </a:rPr>
-              <a:t>抛弃型原型</a:t>
-            </a:r>
-            <a:r>
-              <a:rPr lang="zh-CN" altLang="en-US" sz="2000" b="1" dirty="0">
-                <a:latin typeface="宋体" panose="02010600030101010101" pitchFamily="2" charset="-122"/>
-                <a:ea typeface="宋体" panose="02010600030101010101" pitchFamily="2" charset="-122"/>
-              </a:rPr>
-              <a:t>，</a:t>
+              <a:t>纸上原型</a:t>
             </a:r>
             <a:r>
               <a:rPr lang="zh-CN" altLang="en-US" sz="2000" dirty="0">
                 <a:latin typeface="宋体" panose="02010600030101010101" pitchFamily="2" charset="-122"/>
                 <a:ea typeface="宋体" panose="02010600030101010101" pitchFamily="2" charset="-122"/>
               </a:rPr>
-              <a:t>一种快速、低成本方式创建的模型，不可能成为最终交付的产品，所以又被称为不可发布原型</a:t>
-            </a:r>
-            <a:endParaRPr lang="zh-CN" altLang="en-US" sz="2000" dirty="0">
-              <a:solidFill>
-                <a:srgbClr val="595959"/>
-              </a:solidFill>
-              <a:latin typeface="宋体" panose="02010600030101010101" pitchFamily="2" charset="-122"/>
-              <a:ea typeface="宋体" panose="02010600030101010101" pitchFamily="2" charset="-122"/>
-            </a:endParaRPr>
-          </a:p>
-        </p:txBody>
-      </p:sp>
-      <p:sp>
-        <p:nvSpPr>
-          <p:cNvPr id="17" name="文本框 16"/>
-          <p:cNvSpPr txBox="1"/>
-          <p:nvPr/>
-        </p:nvSpPr>
-        <p:spPr>
-          <a:xfrm>
-            <a:off x="1750357" y="4879099"/>
-            <a:ext cx="8767978" cy="1242904"/>
-          </a:xfrm>
-          <a:prstGeom prst="rect">
-            <a:avLst/>
-          </a:prstGeom>
-          <a:noFill/>
-        </p:spPr>
-        <p:txBody>
-          <a:bodyPr wrap="square" rtlCol="0">
-            <a:spAutoFit/>
-          </a:bodyPr>
-          <a:lstStyle/>
-          <a:p>
-            <a:pPr>
-              <a:lnSpc>
-                <a:spcPct val="120000"/>
-              </a:lnSpc>
-            </a:pPr>
-            <a:r>
-              <a:rPr lang="zh-CN" altLang="en-US" sz="2400" b="1" dirty="0">
-                <a:latin typeface="宋体" panose="02010600030101010101" pitchFamily="2" charset="-122"/>
-                <a:ea typeface="宋体" panose="02010600030101010101" pitchFamily="2" charset="-122"/>
-              </a:rPr>
-              <a:t>演化性原型</a:t>
-            </a:r>
-            <a:r>
-              <a:rPr lang="zh-CN" altLang="en-US" sz="2000" dirty="0">
-                <a:latin typeface="宋体" panose="02010600030101010101" pitchFamily="2" charset="-122"/>
-                <a:ea typeface="宋体" panose="02010600030101010101" pitchFamily="2" charset="-122"/>
-              </a:rPr>
-              <a:t>，随着时间的推移，会为增量构建产品提供一个稳固的架构基础，比如敏捷原型</a:t>
+              <a:t>，能帮助我们探究一个要实现的系统的部分外观，并且它是一种低成本、迅速以及低技术难度的方法。</a:t>
             </a:r>
             <a:endParaRPr lang="en-US" altLang="zh-CN" sz="2000" dirty="0">
               <a:latin typeface="宋体" panose="02010600030101010101" pitchFamily="2" charset="-122"/>
@@ -5529,6 +5365,11 @@
         </p:txBody>
       </p:sp>
     </p:spTree>
+    <p:extLst>
+      <p:ext uri="{BB962C8B-B14F-4D97-AF65-F5344CB8AC3E}">
+        <p14:creationId xmlns:p14="http://schemas.microsoft.com/office/powerpoint/2010/main" val="583389492"/>
+      </p:ext>
+    </p:extLst>
   </p:cSld>
   <p:clrMapOvr>
     <a:masterClrMapping/>
@@ -5555,14 +5396,14 @@
       </p:grpSpPr>
       <p:sp>
         <p:nvSpPr>
-          <p:cNvPr id="6" name="矩形 5"/>
+          <p:cNvPr id="2" name="矩形 1"/>
           <p:cNvSpPr/>
           <p:nvPr/>
         </p:nvSpPr>
         <p:spPr>
           <a:xfrm>
             <a:off x="0" y="0"/>
-            <a:ext cx="609600" cy="620713"/>
+            <a:ext cx="12192000" cy="6858000"/>
           </a:xfrm>
           <a:prstGeom prst="rect">
             <a:avLst/>
@@ -5601,55 +5442,20 @@
       </p:sp>
       <p:sp>
         <p:nvSpPr>
-          <p:cNvPr id="7" name="文本框 6"/>
-          <p:cNvSpPr txBox="1"/>
-          <p:nvPr/>
-        </p:nvSpPr>
-        <p:spPr>
-          <a:xfrm>
-            <a:off x="651786" y="30480"/>
-            <a:ext cx="4484094" cy="523220"/>
-          </a:xfrm>
-          <a:prstGeom prst="rect">
-            <a:avLst/>
-          </a:prstGeom>
-          <a:noFill/>
-        </p:spPr>
-        <p:txBody>
-          <a:bodyPr wrap="square" rtlCol="0">
-            <a:spAutoFit/>
-          </a:bodyPr>
-          <a:lstStyle/>
-          <a:p>
-            <a:r>
-              <a:rPr lang="zh-CN" altLang="en-US" sz="2800" b="1" dirty="0">
-                <a:solidFill>
-                  <a:srgbClr val="595959"/>
-                </a:solidFill>
-                <a:latin typeface="幼圆" panose="02010509060101010101" pitchFamily="49" charset="-122"/>
-                <a:ea typeface="幼圆" panose="02010509060101010101" pitchFamily="49" charset="-122"/>
-              </a:rPr>
-              <a:t>界面原型的分类</a:t>
-            </a:r>
-          </a:p>
-        </p:txBody>
-      </p:sp>
-      <p:sp>
-        <p:nvSpPr>
-          <p:cNvPr id="5" name="矩形 4"/>
+          <p:cNvPr id="3" name="矩形 2"/>
           <p:cNvSpPr/>
           <p:nvPr/>
         </p:nvSpPr>
         <p:spPr>
           <a:xfrm>
-            <a:off x="912157" y="1321911"/>
-            <a:ext cx="548640" cy="4655348"/>
+            <a:off x="1510748" y="0"/>
+            <a:ext cx="993913" cy="2708275"/>
           </a:xfrm>
           <a:prstGeom prst="rect">
             <a:avLst/>
           </a:prstGeom>
           <a:solidFill>
-            <a:srgbClr val="DB5355"/>
+            <a:schemeClr val="bg1"/>
           </a:solidFill>
           <a:ln>
             <a:noFill/>
@@ -5682,14 +5488,14 @@
       </p:sp>
       <p:sp>
         <p:nvSpPr>
-          <p:cNvPr id="9" name="文本框 8"/>
+          <p:cNvPr id="4" name="文本框 3"/>
           <p:cNvSpPr txBox="1"/>
           <p:nvPr/>
         </p:nvSpPr>
         <p:spPr>
           <a:xfrm>
-            <a:off x="854510" y="1773238"/>
-            <a:ext cx="743447" cy="584775"/>
+            <a:off x="1550504" y="1642040"/>
+            <a:ext cx="1212574" cy="830997"/>
           </a:xfrm>
           <a:prstGeom prst="rect">
             <a:avLst/>
@@ -5703,243 +5509,108 @@
           <a:lstStyle/>
           <a:p>
             <a:r>
-              <a:rPr lang="en-US" altLang="zh-CN" sz="3200" dirty="0">
+              <a:rPr lang="en-US" altLang="zh-CN" sz="4800" dirty="0">
+                <a:solidFill>
+                  <a:srgbClr val="DB5355"/>
+                </a:solidFill>
+                <a:latin typeface="Broadway" panose="04040905080B02020502" pitchFamily="82" charset="0"/>
+              </a:rPr>
+              <a:t>01</a:t>
+            </a:r>
+            <a:endParaRPr lang="zh-CN" altLang="en-US" sz="4800" dirty="0">
+              <a:solidFill>
+                <a:srgbClr val="DB5355"/>
+              </a:solidFill>
+              <a:latin typeface="Broadway" panose="04040905080B02020502" pitchFamily="82" charset="0"/>
+            </a:endParaRPr>
+          </a:p>
+        </p:txBody>
+      </p:sp>
+      <p:sp>
+        <p:nvSpPr>
+          <p:cNvPr id="6" name="文本框 5"/>
+          <p:cNvSpPr txBox="1"/>
+          <p:nvPr/>
+        </p:nvSpPr>
+        <p:spPr>
+          <a:xfrm>
+            <a:off x="3593147" y="1642040"/>
+            <a:ext cx="5333264" cy="769441"/>
+          </a:xfrm>
+          <a:prstGeom prst="rect">
+            <a:avLst/>
+          </a:prstGeom>
+          <a:noFill/>
+        </p:spPr>
+        <p:txBody>
+          <a:bodyPr wrap="square" rtlCol="0">
+            <a:spAutoFit/>
+          </a:bodyPr>
+          <a:lstStyle/>
+          <a:p>
+            <a:r>
+              <a:rPr lang="zh-CN" altLang="en-US" sz="4400" b="1" dirty="0">
                 <a:solidFill>
                   <a:schemeClr val="bg1"/>
                 </a:solidFill>
-                <a:latin typeface="Broadway" panose="04040905080B02020502" pitchFamily="82" charset="0"/>
+                <a:latin typeface="幼圆" panose="02010509060101010101" pitchFamily="49" charset="-122"/>
+                <a:ea typeface="幼圆" panose="02010509060101010101" pitchFamily="49" charset="-122"/>
               </a:rPr>
-              <a:t>05</a:t>
-            </a:r>
-            <a:endParaRPr lang="zh-CN" altLang="en-US" sz="3200" dirty="0">
-              <a:solidFill>
-                <a:schemeClr val="bg1"/>
-              </a:solidFill>
-              <a:latin typeface="Broadway" panose="04040905080B02020502" pitchFamily="82" charset="0"/>
-            </a:endParaRPr>
-          </a:p>
-        </p:txBody>
-      </p:sp>
-      <p:sp>
-        <p:nvSpPr>
-          <p:cNvPr id="11" name="文本框 10"/>
-          <p:cNvSpPr txBox="1"/>
+              <a:t>界面原型的设计原则</a:t>
+            </a:r>
+          </a:p>
+        </p:txBody>
+      </p:sp>
+      <p:sp>
+        <p:nvSpPr>
+          <p:cNvPr id="8" name="矩形 7"/>
+          <p:cNvSpPr/>
           <p:nvPr/>
         </p:nvSpPr>
         <p:spPr>
           <a:xfrm>
-            <a:off x="854510" y="3280891"/>
-            <a:ext cx="743447" cy="584775"/>
-          </a:xfrm>
-          <a:prstGeom prst="rect">
-            <a:avLst/>
-          </a:prstGeom>
-          <a:noFill/>
-        </p:spPr>
-        <p:txBody>
-          <a:bodyPr wrap="square" rtlCol="0">
-            <a:spAutoFit/>
-          </a:bodyPr>
-          <a:lstStyle/>
-          <a:p>
-            <a:r>
-              <a:rPr lang="en-US" altLang="zh-CN" sz="3200" dirty="0">
-                <a:solidFill>
-                  <a:schemeClr val="bg1"/>
-                </a:solidFill>
-                <a:latin typeface="Broadway" panose="04040905080B02020502" pitchFamily="82" charset="0"/>
-              </a:rPr>
-              <a:t>06</a:t>
-            </a:r>
-            <a:endParaRPr lang="zh-CN" altLang="en-US" sz="3200" dirty="0">
-              <a:solidFill>
-                <a:schemeClr val="bg1"/>
-              </a:solidFill>
-              <a:latin typeface="Broadway" panose="04040905080B02020502" pitchFamily="82" charset="0"/>
-            </a:endParaRPr>
-          </a:p>
-        </p:txBody>
-      </p:sp>
-      <p:sp>
-        <p:nvSpPr>
-          <p:cNvPr id="14" name="文本框 13"/>
-          <p:cNvSpPr txBox="1"/>
-          <p:nvPr/>
-        </p:nvSpPr>
-        <p:spPr>
-          <a:xfrm>
-            <a:off x="1750357" y="3360901"/>
-            <a:ext cx="9233394" cy="1446037"/>
-          </a:xfrm>
-          <a:prstGeom prst="rect">
-            <a:avLst/>
-          </a:prstGeom>
-          <a:noFill/>
-        </p:spPr>
-        <p:txBody>
-          <a:bodyPr wrap="square" rtlCol="0">
-            <a:spAutoFit/>
-          </a:bodyPr>
-          <a:lstStyle/>
-          <a:p>
-            <a:pPr>
-              <a:lnSpc>
-                <a:spcPct val="150000"/>
-              </a:lnSpc>
-            </a:pPr>
-            <a:r>
-              <a:rPr lang="zh-CN" altLang="en-US" sz="2400" b="1" dirty="0">
-                <a:latin typeface="宋体" panose="02010600030101010101" pitchFamily="2" charset="-122"/>
-                <a:ea typeface="宋体" panose="02010600030101010101" pitchFamily="2" charset="-122"/>
-              </a:rPr>
-              <a:t>电子原型</a:t>
-            </a:r>
-            <a:r>
-              <a:rPr lang="zh-CN" altLang="en-US" sz="2000" dirty="0">
-                <a:solidFill>
-                  <a:srgbClr val="595959"/>
-                </a:solidFill>
-                <a:latin typeface="宋体" panose="02010600030101010101" pitchFamily="2" charset="-122"/>
-                <a:ea typeface="宋体" panose="02010600030101010101" pitchFamily="2" charset="-122"/>
-              </a:rPr>
-              <a:t>，</a:t>
-            </a:r>
-            <a:r>
-              <a:rPr lang="zh-CN" altLang="en-US" sz="2000" dirty="0">
-                <a:latin typeface="宋体" panose="02010600030101010101" pitchFamily="2" charset="-122"/>
-                <a:ea typeface="宋体" panose="02010600030101010101" pitchFamily="2" charset="-122"/>
-              </a:rPr>
-              <a:t>用一些专业的原型工具来创建原型，比如 </a:t>
-            </a:r>
-            <a:r>
-              <a:rPr lang="en-US" altLang="zh-CN" sz="2000" dirty="0">
-                <a:latin typeface="宋体" panose="02010600030101010101" pitchFamily="2" charset="-122"/>
-                <a:ea typeface="宋体" panose="02010600030101010101" pitchFamily="2" charset="-122"/>
-              </a:rPr>
-              <a:t>RP</a:t>
-            </a:r>
-            <a:r>
-              <a:rPr lang="zh-CN" altLang="en-US" sz="2000" dirty="0">
-                <a:latin typeface="宋体" panose="02010600030101010101" pitchFamily="2" charset="-122"/>
-                <a:ea typeface="宋体" panose="02010600030101010101" pitchFamily="2" charset="-122"/>
-              </a:rPr>
-              <a:t>，</a:t>
-            </a:r>
-            <a:r>
-              <a:rPr lang="en-US" altLang="zh-CN" sz="2000" dirty="0">
-                <a:latin typeface="宋体" panose="02010600030101010101" pitchFamily="2" charset="-122"/>
-                <a:ea typeface="宋体" panose="02010600030101010101" pitchFamily="2" charset="-122"/>
-              </a:rPr>
-              <a:t>Visio </a:t>
-            </a:r>
-            <a:r>
-              <a:rPr lang="zh-CN" altLang="en-US" sz="2000" dirty="0">
-                <a:latin typeface="宋体" panose="02010600030101010101" pitchFamily="2" charset="-122"/>
-                <a:ea typeface="宋体" panose="02010600030101010101" pitchFamily="2" charset="-122"/>
-              </a:rPr>
-              <a:t>等，这样的工具可以轻松实现并修改 </a:t>
-            </a:r>
-            <a:r>
-              <a:rPr lang="en-US" altLang="zh-CN" sz="2000" dirty="0">
-                <a:latin typeface="宋体" panose="02010600030101010101" pitchFamily="2" charset="-122"/>
-                <a:ea typeface="宋体" panose="02010600030101010101" pitchFamily="2" charset="-122"/>
-              </a:rPr>
-              <a:t>UI </a:t>
-            </a:r>
-            <a:r>
-              <a:rPr lang="zh-CN" altLang="en-US" sz="2000" dirty="0">
-                <a:latin typeface="宋体" panose="02010600030101010101" pitchFamily="2" charset="-122"/>
-                <a:ea typeface="宋体" panose="02010600030101010101" pitchFamily="2" charset="-122"/>
-              </a:rPr>
-              <a:t>组件。</a:t>
-            </a:r>
-            <a:endParaRPr lang="en-US" altLang="zh-CN" sz="2000" dirty="0">
-              <a:latin typeface="宋体" panose="02010600030101010101" pitchFamily="2" charset="-122"/>
-              <a:ea typeface="宋体" panose="02010600030101010101" pitchFamily="2" charset="-122"/>
-            </a:endParaRPr>
-          </a:p>
-          <a:p>
-            <a:pPr>
-              <a:lnSpc>
-                <a:spcPct val="120000"/>
-              </a:lnSpc>
-            </a:pPr>
-            <a:endParaRPr lang="zh-CN" altLang="en-US" sz="2000" dirty="0">
-              <a:solidFill>
-                <a:srgbClr val="595959"/>
-              </a:solidFill>
-              <a:latin typeface="微软雅黑" panose="020B0503020204020204" pitchFamily="34" charset="-122"/>
-              <a:ea typeface="微软雅黑" panose="020B0503020204020204" pitchFamily="34" charset="-122"/>
-            </a:endParaRPr>
-          </a:p>
-        </p:txBody>
-      </p:sp>
-      <p:sp>
-        <p:nvSpPr>
-          <p:cNvPr id="15" name="文本框 14"/>
-          <p:cNvSpPr txBox="1"/>
-          <p:nvPr/>
-        </p:nvSpPr>
-        <p:spPr>
-          <a:xfrm>
-            <a:off x="1750357" y="1697038"/>
-            <a:ext cx="9233394" cy="1446037"/>
-          </a:xfrm>
-          <a:prstGeom prst="rect">
-            <a:avLst/>
-          </a:prstGeom>
-          <a:noFill/>
-        </p:spPr>
-        <p:txBody>
-          <a:bodyPr wrap="square" rtlCol="0">
-            <a:spAutoFit/>
-          </a:bodyPr>
-          <a:lstStyle/>
-          <a:p>
-            <a:pPr>
-              <a:lnSpc>
-                <a:spcPct val="150000"/>
-              </a:lnSpc>
-            </a:pPr>
-            <a:r>
-              <a:rPr lang="zh-CN" altLang="en-US" sz="2400" b="1" dirty="0">
-                <a:latin typeface="宋体" panose="02010600030101010101" pitchFamily="2" charset="-122"/>
-                <a:ea typeface="宋体" panose="02010600030101010101" pitchFamily="2" charset="-122"/>
-              </a:rPr>
-              <a:t>纸上原型</a:t>
-            </a:r>
-            <a:r>
-              <a:rPr lang="zh-CN" altLang="en-US" sz="2000" dirty="0">
-                <a:latin typeface="宋体" panose="02010600030101010101" pitchFamily="2" charset="-122"/>
-                <a:ea typeface="宋体" panose="02010600030101010101" pitchFamily="2" charset="-122"/>
-              </a:rPr>
-              <a:t>，能帮助我们探究一个要实现的系统的部分外观，并且它是一种低成本、迅速以及低技术难度的方法。</a:t>
-            </a:r>
-            <a:endParaRPr lang="en-US" altLang="zh-CN" sz="2000" dirty="0">
-              <a:latin typeface="宋体" panose="02010600030101010101" pitchFamily="2" charset="-122"/>
-              <a:ea typeface="宋体" panose="02010600030101010101" pitchFamily="2" charset="-122"/>
-            </a:endParaRPr>
-          </a:p>
-          <a:p>
-            <a:pPr>
-              <a:lnSpc>
-                <a:spcPct val="120000"/>
-              </a:lnSpc>
-            </a:pPr>
-            <a:endParaRPr lang="zh-CN" altLang="en-US" sz="2000" dirty="0">
-              <a:solidFill>
-                <a:srgbClr val="595959"/>
-              </a:solidFill>
-              <a:latin typeface="微软雅黑" panose="020B0503020204020204" pitchFamily="34" charset="-122"/>
-              <a:ea typeface="微软雅黑" panose="020B0503020204020204" pitchFamily="34" charset="-122"/>
-            </a:endParaRPr>
+            <a:off x="0" y="5206448"/>
+            <a:ext cx="12364278" cy="45719"/>
+          </a:xfrm>
+          <a:prstGeom prst="rect">
+            <a:avLst/>
+          </a:prstGeom>
+          <a:solidFill>
+            <a:schemeClr val="bg1"/>
+          </a:solidFill>
+          <a:ln>
+            <a:noFill/>
+          </a:ln>
+        </p:spPr>
+        <p:style>
+          <a:lnRef idx="2">
+            <a:schemeClr val="accent1">
+              <a:shade val="50000"/>
+            </a:schemeClr>
+          </a:lnRef>
+          <a:fillRef idx="1">
+            <a:schemeClr val="accent1"/>
+          </a:fillRef>
+          <a:effectRef idx="0">
+            <a:schemeClr val="accent1"/>
+          </a:effectRef>
+          <a:fontRef idx="minor">
+            <a:schemeClr val="lt1"/>
+          </a:fontRef>
+        </p:style>
+        <p:txBody>
+          <a:bodyPr rtlCol="0" anchor="ctr"/>
+          <a:lstStyle/>
+          <a:p>
+            <a:pPr algn="ctr"/>
+            <a:endParaRPr lang="zh-CN" altLang="en-US"/>
           </a:p>
         </p:txBody>
       </p:sp>
     </p:spTree>
     <p:extLst>
       <p:ext uri="{BB962C8B-B14F-4D97-AF65-F5344CB8AC3E}">
-        <p14:creationId xmlns:p14="http://schemas.microsoft.com/office/powerpoint/2010/main" val="583389492"/>
+        <p14:creationId xmlns:p14="http://schemas.microsoft.com/office/powerpoint/2010/main" val="4212047222"/>
       </p:ext>
     </p:extLst>
   </p:cSld>
@@ -5968,14 +5639,14 @@
       </p:grpSpPr>
       <p:sp>
         <p:nvSpPr>
-          <p:cNvPr id="2" name="矩形 1"/>
+          <p:cNvPr id="6" name="矩形 5"/>
           <p:cNvSpPr/>
           <p:nvPr/>
         </p:nvSpPr>
         <p:spPr>
           <a:xfrm>
             <a:off x="0" y="0"/>
-            <a:ext cx="12192000" cy="6858000"/>
+            <a:ext cx="609600" cy="620713"/>
           </a:xfrm>
           <a:prstGeom prst="rect">
             <a:avLst/>
@@ -6014,60 +5685,14 @@
       </p:sp>
       <p:sp>
         <p:nvSpPr>
-          <p:cNvPr id="3" name="矩形 2"/>
-          <p:cNvSpPr/>
-          <p:nvPr/>
-        </p:nvSpPr>
-        <p:spPr>
-          <a:xfrm>
-            <a:off x="1510748" y="0"/>
-            <a:ext cx="993913" cy="2708275"/>
-          </a:xfrm>
-          <a:prstGeom prst="rect">
-            <a:avLst/>
-          </a:prstGeom>
-          <a:solidFill>
-            <a:schemeClr val="bg1"/>
-          </a:solidFill>
-          <a:ln>
-            <a:noFill/>
-          </a:ln>
-        </p:spPr>
-        <p:style>
-          <a:lnRef idx="2">
-            <a:schemeClr val="accent1">
-              <a:shade val="50000"/>
-            </a:schemeClr>
-          </a:lnRef>
-          <a:fillRef idx="1">
-            <a:schemeClr val="accent1"/>
-          </a:fillRef>
-          <a:effectRef idx="0">
-            <a:schemeClr val="accent1"/>
-          </a:effectRef>
-          <a:fontRef idx="minor">
-            <a:schemeClr val="lt1"/>
-          </a:fontRef>
-        </p:style>
-        <p:txBody>
-          <a:bodyPr rtlCol="0" anchor="ctr"/>
-          <a:lstStyle/>
-          <a:p>
-            <a:pPr algn="ctr"/>
-            <a:endParaRPr lang="zh-CN" altLang="en-US"/>
-          </a:p>
-        </p:txBody>
-      </p:sp>
-      <p:sp>
-        <p:nvSpPr>
-          <p:cNvPr id="4" name="文本框 3"/>
+          <p:cNvPr id="7" name="文本框 6"/>
           <p:cNvSpPr txBox="1"/>
           <p:nvPr/>
         </p:nvSpPr>
         <p:spPr>
           <a:xfrm>
-            <a:off x="1550504" y="1642040"/>
-            <a:ext cx="1212574" cy="830997"/>
+            <a:off x="651786" y="30480"/>
+            <a:ext cx="4484094" cy="523220"/>
           </a:xfrm>
           <a:prstGeom prst="rect">
             <a:avLst/>
@@ -6081,49 +5706,9 @@
           <a:lstStyle/>
           <a:p>
             <a:r>
-              <a:rPr lang="en-US" altLang="zh-CN" sz="4800" dirty="0">
+              <a:rPr lang="zh-CN" altLang="en-US" sz="2800" b="1" dirty="0">
                 <a:solidFill>
-                  <a:srgbClr val="DB5355"/>
-                </a:solidFill>
-                <a:latin typeface="Broadway" panose="04040905080B02020502" pitchFamily="82" charset="0"/>
-              </a:rPr>
-              <a:t>01</a:t>
-            </a:r>
-            <a:endParaRPr lang="zh-CN" altLang="en-US" sz="4800" dirty="0">
-              <a:solidFill>
-                <a:srgbClr val="DB5355"/>
-              </a:solidFill>
-              <a:latin typeface="Broadway" panose="04040905080B02020502" pitchFamily="82" charset="0"/>
-            </a:endParaRPr>
-          </a:p>
-        </p:txBody>
-      </p:sp>
-      <p:sp>
-        <p:nvSpPr>
-          <p:cNvPr id="6" name="文本框 5"/>
-          <p:cNvSpPr txBox="1"/>
-          <p:nvPr/>
-        </p:nvSpPr>
-        <p:spPr>
-          <a:xfrm>
-            <a:off x="3593147" y="1642040"/>
-            <a:ext cx="5333264" cy="769441"/>
-          </a:xfrm>
-          <a:prstGeom prst="rect">
-            <a:avLst/>
-          </a:prstGeom>
-          <a:noFill/>
-        </p:spPr>
-        <p:txBody>
-          <a:bodyPr wrap="square" rtlCol="0">
-            <a:spAutoFit/>
-          </a:bodyPr>
-          <a:lstStyle/>
-          <a:p>
-            <a:r>
-              <a:rPr lang="zh-CN" altLang="en-US" sz="4400" b="1" dirty="0">
-                <a:solidFill>
-                  <a:schemeClr val="bg1"/>
+                  <a:srgbClr val="595959"/>
                 </a:solidFill>
                 <a:latin typeface="幼圆" panose="02010509060101010101" pitchFamily="49" charset="-122"/>
                 <a:ea typeface="幼圆" panose="02010509060101010101" pitchFamily="49" charset="-122"/>
@@ -6135,54 +5720,118 @@
       </p:sp>
       <p:sp>
         <p:nvSpPr>
-          <p:cNvPr id="8" name="矩形 7"/>
-          <p:cNvSpPr/>
+          <p:cNvPr id="5" name="文本框 4"/>
+          <p:cNvSpPr txBox="1"/>
           <p:nvPr/>
         </p:nvSpPr>
         <p:spPr>
           <a:xfrm>
-            <a:off x="0" y="5206448"/>
-            <a:ext cx="12364278" cy="45719"/>
-          </a:xfrm>
-          <a:prstGeom prst="rect">
-            <a:avLst/>
-          </a:prstGeom>
-          <a:solidFill>
-            <a:schemeClr val="bg1"/>
-          </a:solidFill>
-          <a:ln>
-            <a:noFill/>
-          </a:ln>
-        </p:spPr>
-        <p:style>
-          <a:lnRef idx="2">
-            <a:schemeClr val="accent1">
-              <a:shade val="50000"/>
-            </a:schemeClr>
-          </a:lnRef>
-          <a:fillRef idx="1">
-            <a:schemeClr val="accent1"/>
-          </a:fillRef>
-          <a:effectRef idx="0">
-            <a:schemeClr val="accent1"/>
-          </a:effectRef>
-          <a:fontRef idx="minor">
-            <a:schemeClr val="lt1"/>
-          </a:fontRef>
-        </p:style>
-        <p:txBody>
-          <a:bodyPr rtlCol="0" anchor="ctr"/>
-          <a:lstStyle/>
-          <a:p>
-            <a:pPr algn="ctr"/>
-            <a:endParaRPr lang="zh-CN" altLang="en-US"/>
-          </a:p>
-        </p:txBody>
-      </p:sp>
+            <a:off x="565796" y="2194817"/>
+            <a:ext cx="2922065" cy="2266774"/>
+          </a:xfrm>
+          <a:prstGeom prst="rect">
+            <a:avLst/>
+          </a:prstGeom>
+          <a:noFill/>
+        </p:spPr>
+        <p:txBody>
+          <a:bodyPr wrap="square" rtlCol="0">
+            <a:spAutoFit/>
+          </a:bodyPr>
+          <a:lstStyle/>
+          <a:p>
+            <a:pPr>
+              <a:lnSpc>
+                <a:spcPct val="120000"/>
+              </a:lnSpc>
+            </a:pPr>
+            <a:r>
+              <a:rPr lang="zh-CN" altLang="en-US" sz="2400" dirty="0"/>
+              <a:t>界面的简洁是要让用户便于使用、便于了解、并能减少用户发生错误选择的可能性</a:t>
+            </a:r>
+            <a:endParaRPr lang="zh-CN" altLang="en-US" sz="2800" dirty="0">
+              <a:solidFill>
+                <a:srgbClr val="595959"/>
+              </a:solidFill>
+              <a:latin typeface="微软雅黑" panose="020B0503020204020204" pitchFamily="34" charset="-122"/>
+              <a:ea typeface="微软雅黑" panose="020B0503020204020204" pitchFamily="34" charset="-122"/>
+            </a:endParaRPr>
+          </a:p>
+        </p:txBody>
+      </p:sp>
+      <p:sp>
+        <p:nvSpPr>
+          <p:cNvPr id="8" name="文本框 7"/>
+          <p:cNvSpPr txBox="1"/>
+          <p:nvPr/>
+        </p:nvSpPr>
+        <p:spPr>
+          <a:xfrm>
+            <a:off x="609600" y="1384788"/>
+            <a:ext cx="4358640" cy="565604"/>
+          </a:xfrm>
+          <a:prstGeom prst="rect">
+            <a:avLst/>
+          </a:prstGeom>
+          <a:noFill/>
+        </p:spPr>
+        <p:txBody>
+          <a:bodyPr wrap="square" rtlCol="0">
+            <a:spAutoFit/>
+          </a:bodyPr>
+          <a:lstStyle/>
+          <a:p>
+            <a:pPr>
+              <a:lnSpc>
+                <a:spcPct val="120000"/>
+              </a:lnSpc>
+            </a:pPr>
+            <a:r>
+              <a:rPr lang="zh-CN" altLang="en-US" sz="2800" b="1" dirty="0">
+                <a:solidFill>
+                  <a:srgbClr val="595959"/>
+                </a:solidFill>
+                <a:latin typeface="微软雅黑" panose="020B0503020204020204" pitchFamily="34" charset="-122"/>
+                <a:ea typeface="微软雅黑" panose="020B0503020204020204" pitchFamily="34" charset="-122"/>
+              </a:rPr>
+              <a:t>简洁</a:t>
+            </a:r>
+          </a:p>
+        </p:txBody>
+      </p:sp>
+      <p:pic>
+        <p:nvPicPr>
+          <p:cNvPr id="2" name="图片 1">
+            <a:extLst>
+              <a:ext uri="{FF2B5EF4-FFF2-40B4-BE49-F238E27FC236}">
+                <a16:creationId xmlns:a16="http://schemas.microsoft.com/office/drawing/2014/main" id="{C4FAAAA9-4F08-4116-9B2A-9C685841C055}"/>
+              </a:ext>
+            </a:extLst>
+          </p:cNvPr>
+          <p:cNvPicPr>
+            <a:picLocks noChangeAspect="1"/>
+          </p:cNvPicPr>
+          <p:nvPr/>
+        </p:nvPicPr>
+        <p:blipFill rotWithShape="1">
+          <a:blip r:embed="rId2"/>
+          <a:srcRect r="251" b="4032"/>
+          <a:stretch/>
+        </p:blipFill>
+        <p:spPr>
+          <a:xfrm>
+            <a:off x="3854715" y="863384"/>
+            <a:ext cx="7685817" cy="4929641"/>
+          </a:xfrm>
+          <a:prstGeom prst="rect">
+            <a:avLst/>
+          </a:prstGeom>
+        </p:spPr>
+      </p:pic>
     </p:spTree>
     <p:extLst>
       <p:ext uri="{BB962C8B-B14F-4D97-AF65-F5344CB8AC3E}">
-        <p14:creationId xmlns:p14="http://schemas.microsoft.com/office/powerpoint/2010/main" val="4212047222"/>
+        <p14:creationId xmlns:p14="http://schemas.microsoft.com/office/powerpoint/2010/main" val="1064231821"/>
       </p:ext>
     </p:extLst>
   </p:cSld>
@@ -6292,14 +5941,20 @@
       </p:sp>
       <p:sp>
         <p:nvSpPr>
-          <p:cNvPr id="5" name="文本框 4"/>
+          <p:cNvPr id="14" name="文本框 13">
+            <a:extLst>
+              <a:ext uri="{FF2B5EF4-FFF2-40B4-BE49-F238E27FC236}">
+                <a16:creationId xmlns:a16="http://schemas.microsoft.com/office/drawing/2014/main" id="{D79EF7E1-3034-4548-BC77-7C9C4DCF464C}"/>
+              </a:ext>
+            </a:extLst>
+          </p:cNvPr>
           <p:cNvSpPr txBox="1"/>
           <p:nvPr/>
         </p:nvSpPr>
         <p:spPr>
           <a:xfrm>
-            <a:off x="565796" y="2194817"/>
-            <a:ext cx="2922065" cy="2266774"/>
+            <a:off x="651786" y="1191293"/>
+            <a:ext cx="4358640" cy="560923"/>
           </a:xfrm>
           <a:prstGeom prst="rect">
             <a:avLst/>
@@ -6318,8 +5973,141 @@
               </a:lnSpc>
             </a:pPr>
             <a:r>
+              <a:rPr lang="zh-CN" altLang="en-US" sz="2800" b="1" dirty="0"/>
+              <a:t>从用户的观点考虑</a:t>
+            </a:r>
+            <a:endParaRPr lang="zh-CN" altLang="en-US" sz="3200" b="1" dirty="0">
+              <a:solidFill>
+                <a:srgbClr val="595959"/>
+              </a:solidFill>
+              <a:latin typeface="微软雅黑" panose="020B0503020204020204" pitchFamily="34" charset="-122"/>
+              <a:ea typeface="微软雅黑" panose="020B0503020204020204" pitchFamily="34" charset="-122"/>
+            </a:endParaRPr>
+          </a:p>
+        </p:txBody>
+      </p:sp>
+      <p:sp>
+        <p:nvSpPr>
+          <p:cNvPr id="15" name="文本框 14">
+            <a:extLst>
+              <a:ext uri="{FF2B5EF4-FFF2-40B4-BE49-F238E27FC236}">
+                <a16:creationId xmlns:a16="http://schemas.microsoft.com/office/drawing/2014/main" id="{D8A202B6-7E40-40B6-9699-E30CCF440F60}"/>
+              </a:ext>
+            </a:extLst>
+          </p:cNvPr>
+          <p:cNvSpPr txBox="1"/>
+          <p:nvPr/>
+        </p:nvSpPr>
+        <p:spPr>
+          <a:xfrm>
+            <a:off x="609600" y="1899184"/>
+            <a:ext cx="3721480" cy="1200329"/>
+          </a:xfrm>
+          <a:prstGeom prst="rect">
+            <a:avLst/>
+          </a:prstGeom>
+          <a:noFill/>
+        </p:spPr>
+        <p:txBody>
+          <a:bodyPr wrap="square" rtlCol="0">
+            <a:spAutoFit/>
+          </a:bodyPr>
+          <a:lstStyle/>
+          <a:p>
+            <a:r>
               <a:rPr lang="zh-CN" altLang="en-US" sz="2400" dirty="0"/>
-              <a:t>界面的简洁是要让用户便于使用、便于了解、并能减少用户发生错误选择的可能性</a:t>
+              <a:t>想用户所想，做用户所做。用户总是按照他们自己的方法理解和使用</a:t>
+            </a:r>
+            <a:r>
+              <a:rPr lang="zh-CN" altLang="en-US" dirty="0"/>
+              <a:t>。</a:t>
+            </a:r>
+          </a:p>
+        </p:txBody>
+      </p:sp>
+      <p:sp>
+        <p:nvSpPr>
+          <p:cNvPr id="16" name="文本框 15">
+            <a:extLst>
+              <a:ext uri="{FF2B5EF4-FFF2-40B4-BE49-F238E27FC236}">
+                <a16:creationId xmlns:a16="http://schemas.microsoft.com/office/drawing/2014/main" id="{F411AB2B-FF45-47EA-B287-EFD378C49008}"/>
+              </a:ext>
+            </a:extLst>
+          </p:cNvPr>
+          <p:cNvSpPr txBox="1"/>
+          <p:nvPr/>
+        </p:nvSpPr>
+        <p:spPr>
+          <a:xfrm>
+            <a:off x="651786" y="3241410"/>
+            <a:ext cx="4358640" cy="560923"/>
+          </a:xfrm>
+          <a:prstGeom prst="rect">
+            <a:avLst/>
+          </a:prstGeom>
+          <a:noFill/>
+        </p:spPr>
+        <p:txBody>
+          <a:bodyPr wrap="square" rtlCol="0">
+            <a:spAutoFit/>
+          </a:bodyPr>
+          <a:lstStyle/>
+          <a:p>
+            <a:pPr>
+              <a:lnSpc>
+                <a:spcPct val="120000"/>
+              </a:lnSpc>
+            </a:pPr>
+            <a:r>
+              <a:rPr lang="zh-CN" altLang="en-US" sz="2800" b="1" dirty="0"/>
+              <a:t>一致性</a:t>
+            </a:r>
+            <a:endParaRPr lang="zh-CN" altLang="en-US" sz="3200" b="1" dirty="0">
+              <a:solidFill>
+                <a:srgbClr val="595959"/>
+              </a:solidFill>
+              <a:latin typeface="微软雅黑" panose="020B0503020204020204" pitchFamily="34" charset="-122"/>
+              <a:ea typeface="微软雅黑" panose="020B0503020204020204" pitchFamily="34" charset="-122"/>
+            </a:endParaRPr>
+          </a:p>
+        </p:txBody>
+      </p:sp>
+      <p:sp>
+        <p:nvSpPr>
+          <p:cNvPr id="17" name="文本框 16">
+            <a:extLst>
+              <a:ext uri="{FF2B5EF4-FFF2-40B4-BE49-F238E27FC236}">
+                <a16:creationId xmlns:a16="http://schemas.microsoft.com/office/drawing/2014/main" id="{0CCC8BB7-6CBC-4291-BF9D-F2144DF221C1}"/>
+              </a:ext>
+            </a:extLst>
+          </p:cNvPr>
+          <p:cNvSpPr txBox="1"/>
+          <p:nvPr/>
+        </p:nvSpPr>
+        <p:spPr>
+          <a:xfrm>
+            <a:off x="609600" y="3944230"/>
+            <a:ext cx="3776235" cy="1823576"/>
+          </a:xfrm>
+          <a:prstGeom prst="rect">
+            <a:avLst/>
+          </a:prstGeom>
+          <a:noFill/>
+        </p:spPr>
+        <p:txBody>
+          <a:bodyPr wrap="square" rtlCol="0">
+            <a:spAutoFit/>
+          </a:bodyPr>
+          <a:lstStyle/>
+          <a:p>
+            <a:pPr>
+              <a:lnSpc>
+                <a:spcPct val="120000"/>
+              </a:lnSpc>
+            </a:pPr>
+            <a:r>
+              <a:rPr lang="zh-CN" altLang="en-US" sz="2400" dirty="0"/>
+              <a:t>这是每一个优秀界面都具备的特点。界面的结构必须清晰且一致，风格必须与游戏内容相一致。</a:t>
             </a:r>
             <a:endParaRPr lang="zh-CN" altLang="en-US" sz="2800" dirty="0">
               <a:solidFill>
@@ -6331,52 +6119,12 @@
           </a:p>
         </p:txBody>
       </p:sp>
-      <p:sp>
-        <p:nvSpPr>
-          <p:cNvPr id="8" name="文本框 7"/>
-          <p:cNvSpPr txBox="1"/>
-          <p:nvPr/>
-        </p:nvSpPr>
-        <p:spPr>
-          <a:xfrm>
-            <a:off x="609600" y="1384788"/>
-            <a:ext cx="4358640" cy="565604"/>
-          </a:xfrm>
-          <a:prstGeom prst="rect">
-            <a:avLst/>
-          </a:prstGeom>
-          <a:noFill/>
-        </p:spPr>
-        <p:txBody>
-          <a:bodyPr wrap="square" rtlCol="0">
-            <a:spAutoFit/>
-          </a:bodyPr>
-          <a:lstStyle/>
-          <a:p>
-            <a:pPr>
-              <a:lnSpc>
-                <a:spcPct val="120000"/>
-              </a:lnSpc>
-            </a:pPr>
-            <a:r>
-              <a:rPr lang="zh-CN" altLang="en-US" sz="2800" b="1" dirty="0">
-                <a:solidFill>
-                  <a:srgbClr val="595959"/>
-                </a:solidFill>
-                <a:latin typeface="微软雅黑" panose="020B0503020204020204" pitchFamily="34" charset="-122"/>
-                <a:ea typeface="微软雅黑" panose="020B0503020204020204" pitchFamily="34" charset="-122"/>
-              </a:rPr>
-              <a:t>简洁</a:t>
-            </a:r>
-          </a:p>
-        </p:txBody>
-      </p:sp>
       <p:pic>
         <p:nvPicPr>
           <p:cNvPr id="2" name="图片 1">
             <a:extLst>
               <a:ext uri="{FF2B5EF4-FFF2-40B4-BE49-F238E27FC236}">
-                <a16:creationId xmlns:a16="http://schemas.microsoft.com/office/drawing/2014/main" id="{C4FAAAA9-4F08-4116-9B2A-9C685841C055}"/>
+                <a16:creationId xmlns:a16="http://schemas.microsoft.com/office/drawing/2014/main" id="{B5E2B149-D13D-46BA-94F5-B54D74491A22}"/>
               </a:ext>
             </a:extLst>
           </p:cNvPr>
@@ -6387,13 +6135,13 @@
         </p:nvPicPr>
         <p:blipFill rotWithShape="1">
           <a:blip r:embed="rId2"/>
-          <a:srcRect r="251" b="4032"/>
+          <a:srcRect l="374" t="3751" r="464" b="3633"/>
           <a:stretch/>
         </p:blipFill>
         <p:spPr>
           <a:xfrm>
-            <a:off x="3854715" y="863384"/>
-            <a:ext cx="7685817" cy="4929641"/>
+            <a:off x="4561050" y="620713"/>
+            <a:ext cx="7353527" cy="5256488"/>
           </a:xfrm>
           <a:prstGeom prst="rect">
             <a:avLst/>
@@ -6403,7 +6151,7 @@
     </p:spTree>
     <p:extLst>
       <p:ext uri="{BB962C8B-B14F-4D97-AF65-F5344CB8AC3E}">
-        <p14:creationId xmlns:p14="http://schemas.microsoft.com/office/powerpoint/2010/main" val="1064231821"/>
+        <p14:creationId xmlns:p14="http://schemas.microsoft.com/office/powerpoint/2010/main" val="2650327482"/>
       </p:ext>
     </p:extLst>
   </p:cSld>
@@ -6513,10 +6261,10 @@
       </p:sp>
       <p:sp>
         <p:nvSpPr>
-          <p:cNvPr id="14" name="文本框 13">
+          <p:cNvPr id="10" name="文本框 9">
             <a:extLst>
               <a:ext uri="{FF2B5EF4-FFF2-40B4-BE49-F238E27FC236}">
-                <a16:creationId xmlns:a16="http://schemas.microsoft.com/office/drawing/2014/main" id="{D79EF7E1-3034-4548-BC77-7C9C4DCF464C}"/>
+                <a16:creationId xmlns:a16="http://schemas.microsoft.com/office/drawing/2014/main" id="{E9C83EBB-6071-41F6-9161-6FF8024B5158}"/>
               </a:ext>
             </a:extLst>
           </p:cNvPr>
@@ -6525,8 +6273,8 @@
         </p:nvSpPr>
         <p:spPr>
           <a:xfrm>
-            <a:off x="651786" y="1191293"/>
-            <a:ext cx="4358640" cy="560923"/>
+            <a:off x="832471" y="1150598"/>
+            <a:ext cx="4358640" cy="565604"/>
           </a:xfrm>
           <a:prstGeom prst="rect">
             <a:avLst/>
@@ -6545,10 +6293,56 @@
               </a:lnSpc>
             </a:pPr>
             <a:r>
-              <a:rPr lang="zh-CN" altLang="en-US" sz="2800" b="1" dirty="0"/>
-              <a:t>从用户的观点考虑</a:t>
-            </a:r>
-            <a:endParaRPr lang="zh-CN" altLang="en-US" sz="3200" b="1" dirty="0">
+              <a:rPr lang="zh-CN" altLang="en-US" sz="2800" b="1" dirty="0">
+                <a:solidFill>
+                  <a:srgbClr val="595959"/>
+                </a:solidFill>
+                <a:latin typeface="微软雅黑" panose="020B0503020204020204" pitchFamily="34" charset="-122"/>
+                <a:ea typeface="微软雅黑" panose="020B0503020204020204" pitchFamily="34" charset="-122"/>
+              </a:rPr>
+              <a:t>安全性</a:t>
+            </a:r>
+          </a:p>
+        </p:txBody>
+      </p:sp>
+      <p:sp>
+        <p:nvSpPr>
+          <p:cNvPr id="11" name="文本框 10">
+            <a:extLst>
+              <a:ext uri="{FF2B5EF4-FFF2-40B4-BE49-F238E27FC236}">
+                <a16:creationId xmlns:a16="http://schemas.microsoft.com/office/drawing/2014/main" id="{197EDA87-A714-4EB0-9B4B-F85DF9FA2517}"/>
+              </a:ext>
+            </a:extLst>
+          </p:cNvPr>
+          <p:cNvSpPr txBox="1"/>
+          <p:nvPr/>
+        </p:nvSpPr>
+        <p:spPr>
+          <a:xfrm>
+            <a:off x="790285" y="1769353"/>
+            <a:ext cx="4358640" cy="1904367"/>
+          </a:xfrm>
+          <a:prstGeom prst="rect">
+            <a:avLst/>
+          </a:prstGeom>
+          <a:noFill/>
+        </p:spPr>
+        <p:txBody>
+          <a:bodyPr wrap="square" rtlCol="0">
+            <a:spAutoFit/>
+          </a:bodyPr>
+          <a:lstStyle/>
+          <a:p>
+            <a:pPr>
+              <a:lnSpc>
+                <a:spcPct val="120000"/>
+              </a:lnSpc>
+            </a:pPr>
+            <a:r>
+              <a:rPr lang="zh-CN" altLang="en-US" sz="2000" dirty="0"/>
+              <a:t>用户能自由的作出选择，且所有选择都是可逆的。在用户作出危险的选择时有信息介入系统的提示。这样会让用户会觉得很安全，自己的权益不会遭到损失！</a:t>
+            </a:r>
+            <a:endParaRPr lang="zh-CN" altLang="en-US" sz="2400" dirty="0">
               <a:solidFill>
                 <a:srgbClr val="595959"/>
               </a:solidFill>
@@ -6560,10 +6354,10 @@
       </p:sp>
       <p:sp>
         <p:nvSpPr>
-          <p:cNvPr id="15" name="文本框 14">
+          <p:cNvPr id="16" name="文本框 15">
             <a:extLst>
               <a:ext uri="{FF2B5EF4-FFF2-40B4-BE49-F238E27FC236}">
-                <a16:creationId xmlns:a16="http://schemas.microsoft.com/office/drawing/2014/main" id="{D8A202B6-7E40-40B6-9699-E30CCF440F60}"/>
+                <a16:creationId xmlns:a16="http://schemas.microsoft.com/office/drawing/2014/main" id="{75205A6B-2DCB-4DD8-BE44-DFF887B9BE46}"/>
               </a:ext>
             </a:extLst>
           </p:cNvPr>
@@ -6572,8 +6366,8 @@
         </p:nvSpPr>
         <p:spPr>
           <a:xfrm>
-            <a:off x="609600" y="1899184"/>
-            <a:ext cx="3721480" cy="1200329"/>
+            <a:off x="790285" y="3740038"/>
+            <a:ext cx="4358640" cy="565604"/>
           </a:xfrm>
           <a:prstGeom prst="rect">
             <a:avLst/>
@@ -6586,23 +6380,30 @@
           </a:bodyPr>
           <a:lstStyle/>
           <a:p>
-            <a:r>
-              <a:rPr lang="zh-CN" altLang="en-US" sz="2400" dirty="0"/>
-              <a:t>想用户所想，做用户所做。用户总是按照他们自己的方法理解和使用</a:t>
-            </a:r>
-            <a:r>
-              <a:rPr lang="zh-CN" altLang="en-US" dirty="0"/>
-              <a:t>。</a:t>
-            </a:r>
-          </a:p>
-        </p:txBody>
-      </p:sp>
-      <p:sp>
-        <p:nvSpPr>
-          <p:cNvPr id="16" name="文本框 15">
+            <a:pPr>
+              <a:lnSpc>
+                <a:spcPct val="120000"/>
+              </a:lnSpc>
+            </a:pPr>
+            <a:r>
+              <a:rPr lang="zh-CN" altLang="en-US" sz="2800" b="1" dirty="0">
+                <a:solidFill>
+                  <a:srgbClr val="595959"/>
+                </a:solidFill>
+                <a:latin typeface="微软雅黑" panose="020B0503020204020204" pitchFamily="34" charset="-122"/>
+                <a:ea typeface="微软雅黑" panose="020B0503020204020204" pitchFamily="34" charset="-122"/>
+              </a:rPr>
+              <a:t>灵活性</a:t>
+            </a:r>
+          </a:p>
+        </p:txBody>
+      </p:sp>
+      <p:sp>
+        <p:nvSpPr>
+          <p:cNvPr id="17" name="文本框 16">
             <a:extLst>
               <a:ext uri="{FF2B5EF4-FFF2-40B4-BE49-F238E27FC236}">
-                <a16:creationId xmlns:a16="http://schemas.microsoft.com/office/drawing/2014/main" id="{F411AB2B-FF45-47EA-B287-EFD378C49008}"/>
+                <a16:creationId xmlns:a16="http://schemas.microsoft.com/office/drawing/2014/main" id="{D83A2911-E9B1-4BB9-B8F0-B0D9EA9A745E}"/>
               </a:ext>
             </a:extLst>
           </p:cNvPr>
@@ -6611,8 +6412,8 @@
         </p:nvSpPr>
         <p:spPr>
           <a:xfrm>
-            <a:off x="651786" y="3241410"/>
-            <a:ext cx="4358640" cy="560923"/>
+            <a:off x="790285" y="4354134"/>
+            <a:ext cx="4358640" cy="1540037"/>
           </a:xfrm>
           <a:prstGeom prst="rect">
             <a:avLst/>
@@ -6631,10 +6432,136 @@
               </a:lnSpc>
             </a:pPr>
             <a:r>
-              <a:rPr lang="zh-CN" altLang="en-US" sz="2800" b="1" dirty="0"/>
-              <a:t>一致性</a:t>
-            </a:r>
-            <a:endParaRPr lang="zh-CN" altLang="en-US" sz="3200" b="1" dirty="0">
+              <a:rPr lang="zh-CN" altLang="en-US" sz="2000" dirty="0">
+                <a:latin typeface="+mn-ea"/>
+              </a:rPr>
+              <a:t>简单来说就是要让用户方便的使用，但不同于上述。即互动多重性，不局限于单一的工具</a:t>
+            </a:r>
+            <a:r>
+              <a:rPr lang="en-US" altLang="zh-CN" sz="2000" dirty="0">
+                <a:latin typeface="+mn-ea"/>
+              </a:rPr>
+              <a:t>(</a:t>
+            </a:r>
+            <a:r>
+              <a:rPr lang="zh-CN" altLang="en-US" sz="2000" dirty="0">
+                <a:latin typeface="+mn-ea"/>
+              </a:rPr>
+              <a:t>包括鼠标、键盘或手柄、界面</a:t>
+            </a:r>
+            <a:r>
+              <a:rPr lang="en-US" altLang="zh-CN" sz="2000" dirty="0">
+                <a:latin typeface="+mn-ea"/>
+              </a:rPr>
+              <a:t>)</a:t>
+            </a:r>
+            <a:r>
+              <a:rPr lang="zh-CN" altLang="en-US" sz="2000" dirty="0">
+                <a:latin typeface="+mn-ea"/>
+              </a:rPr>
+              <a:t>。</a:t>
+            </a:r>
+            <a:endParaRPr lang="zh-CN" altLang="en-US" sz="2400" dirty="0">
+              <a:solidFill>
+                <a:srgbClr val="595959"/>
+              </a:solidFill>
+              <a:latin typeface="+mn-ea"/>
+            </a:endParaRPr>
+          </a:p>
+        </p:txBody>
+      </p:sp>
+      <p:sp>
+        <p:nvSpPr>
+          <p:cNvPr id="18" name="文本框 17">
+            <a:extLst>
+              <a:ext uri="{FF2B5EF4-FFF2-40B4-BE49-F238E27FC236}">
+                <a16:creationId xmlns:a16="http://schemas.microsoft.com/office/drawing/2014/main" id="{F76FBE39-0F63-4A7B-8994-EB4364DEE813}"/>
+              </a:ext>
+            </a:extLst>
+          </p:cNvPr>
+          <p:cNvSpPr txBox="1"/>
+          <p:nvPr/>
+        </p:nvSpPr>
+        <p:spPr>
+          <a:xfrm>
+            <a:off x="6235835" y="1150598"/>
+            <a:ext cx="4358640" cy="565604"/>
+          </a:xfrm>
+          <a:prstGeom prst="rect">
+            <a:avLst/>
+          </a:prstGeom>
+          <a:noFill/>
+        </p:spPr>
+        <p:txBody>
+          <a:bodyPr wrap="square" rtlCol="0">
+            <a:spAutoFit/>
+          </a:bodyPr>
+          <a:lstStyle/>
+          <a:p>
+            <a:pPr>
+              <a:lnSpc>
+                <a:spcPct val="120000"/>
+              </a:lnSpc>
+            </a:pPr>
+            <a:r>
+              <a:rPr lang="zh-CN" altLang="en-US" sz="2800" b="1" dirty="0">
+                <a:solidFill>
+                  <a:srgbClr val="595959"/>
+                </a:solidFill>
+                <a:latin typeface="微软雅黑" panose="020B0503020204020204" pitchFamily="34" charset="-122"/>
+                <a:ea typeface="微软雅黑" panose="020B0503020204020204" pitchFamily="34" charset="-122"/>
+              </a:rPr>
+              <a:t>人性化</a:t>
+            </a:r>
+          </a:p>
+        </p:txBody>
+      </p:sp>
+      <p:sp>
+        <p:nvSpPr>
+          <p:cNvPr id="19" name="文本框 18">
+            <a:extLst>
+              <a:ext uri="{FF2B5EF4-FFF2-40B4-BE49-F238E27FC236}">
+                <a16:creationId xmlns:a16="http://schemas.microsoft.com/office/drawing/2014/main" id="{1309ABCE-215A-49E7-A0E7-2389EA6956F6}"/>
+              </a:ext>
+            </a:extLst>
+          </p:cNvPr>
+          <p:cNvSpPr txBox="1"/>
+          <p:nvPr/>
+        </p:nvSpPr>
+        <p:spPr>
+          <a:xfrm>
+            <a:off x="6235834" y="1769353"/>
+            <a:ext cx="5229759" cy="1904367"/>
+          </a:xfrm>
+          <a:prstGeom prst="rect">
+            <a:avLst/>
+          </a:prstGeom>
+          <a:noFill/>
+        </p:spPr>
+        <p:txBody>
+          <a:bodyPr wrap="square" rtlCol="0">
+            <a:spAutoFit/>
+          </a:bodyPr>
+          <a:lstStyle/>
+          <a:p>
+            <a:pPr>
+              <a:lnSpc>
+                <a:spcPct val="120000"/>
+              </a:lnSpc>
+            </a:pPr>
+            <a:r>
+              <a:rPr lang="zh-CN" altLang="en-US" sz="2000" dirty="0"/>
+              <a:t>高效率和用户满意度是人性化的体现。应具备专家级和初级玩家系统，即用户可依据自己的习惯定制界面，并能保存设置。所以一个优秀的</a:t>
+            </a:r>
+            <a:r>
+              <a:rPr lang="en-US" altLang="zh-CN" sz="2000" dirty="0"/>
+              <a:t>UI</a:t>
+            </a:r>
+            <a:r>
+              <a:rPr lang="zh-CN" altLang="en-US" sz="2000" dirty="0"/>
+              <a:t>设计师，从技能上讲，不仅能画图标，还能做好界面，会很多交互知识。</a:t>
+            </a:r>
+            <a:endParaRPr lang="zh-CN" altLang="en-US" sz="2400" dirty="0">
               <a:solidFill>
                 <a:srgbClr val="595959"/>
               </a:solidFill>
@@ -6646,10 +6573,10 @@
       </p:sp>
       <p:sp>
         <p:nvSpPr>
-          <p:cNvPr id="17" name="文本框 16">
+          <p:cNvPr id="20" name="文本框 19">
             <a:extLst>
               <a:ext uri="{FF2B5EF4-FFF2-40B4-BE49-F238E27FC236}">
-                <a16:creationId xmlns:a16="http://schemas.microsoft.com/office/drawing/2014/main" id="{0CCC8BB7-6CBC-4291-BF9D-F2144DF221C1}"/>
+                <a16:creationId xmlns:a16="http://schemas.microsoft.com/office/drawing/2014/main" id="{09868469-93E2-415C-A5AE-13143FADA59E}"/>
               </a:ext>
             </a:extLst>
           </p:cNvPr>
@@ -6658,8 +6585,8 @@
         </p:nvSpPr>
         <p:spPr>
           <a:xfrm>
-            <a:off x="609600" y="3944230"/>
-            <a:ext cx="3776235" cy="1823576"/>
+            <a:off x="6235835" y="3740038"/>
+            <a:ext cx="4358640" cy="565604"/>
           </a:xfrm>
           <a:prstGeom prst="rect">
             <a:avLst/>
@@ -6678,10 +6605,56 @@
               </a:lnSpc>
             </a:pPr>
             <a:r>
-              <a:rPr lang="zh-CN" altLang="en-US" sz="2400" dirty="0"/>
-              <a:t>这是每一个优秀界面都具备的特点。界面的结构必须清晰且一致，风格必须与游戏内容相一致。</a:t>
-            </a:r>
-            <a:endParaRPr lang="zh-CN" altLang="en-US" sz="2800" dirty="0">
+              <a:rPr lang="zh-CN" altLang="en-US" sz="2800" b="1" dirty="0">
+                <a:solidFill>
+                  <a:srgbClr val="595959"/>
+                </a:solidFill>
+                <a:latin typeface="微软雅黑" panose="020B0503020204020204" pitchFamily="34" charset="-122"/>
+                <a:ea typeface="微软雅黑" panose="020B0503020204020204" pitchFamily="34" charset="-122"/>
+              </a:rPr>
+              <a:t>清楚</a:t>
+            </a:r>
+          </a:p>
+        </p:txBody>
+      </p:sp>
+      <p:sp>
+        <p:nvSpPr>
+          <p:cNvPr id="21" name="文本框 20">
+            <a:extLst>
+              <a:ext uri="{FF2B5EF4-FFF2-40B4-BE49-F238E27FC236}">
+                <a16:creationId xmlns:a16="http://schemas.microsoft.com/office/drawing/2014/main" id="{AC0BD3A8-67F3-4FE8-B553-26F6B6F7E6ED}"/>
+              </a:ext>
+            </a:extLst>
+          </p:cNvPr>
+          <p:cNvSpPr txBox="1"/>
+          <p:nvPr/>
+        </p:nvSpPr>
+        <p:spPr>
+          <a:xfrm>
+            <a:off x="6235835" y="4354134"/>
+            <a:ext cx="5016216" cy="796372"/>
+          </a:xfrm>
+          <a:prstGeom prst="rect">
+            <a:avLst/>
+          </a:prstGeom>
+          <a:noFill/>
+        </p:spPr>
+        <p:txBody>
+          <a:bodyPr wrap="square" rtlCol="0">
+            <a:spAutoFit/>
+          </a:bodyPr>
+          <a:lstStyle/>
+          <a:p>
+            <a:pPr>
+              <a:lnSpc>
+                <a:spcPct val="120000"/>
+              </a:lnSpc>
+            </a:pPr>
+            <a:r>
+              <a:rPr lang="zh-CN" altLang="en-US" sz="2000" dirty="0"/>
+              <a:t>在视觉效果上便于理解和使用，用户能够很清晰快速的完成他的目标。</a:t>
+            </a:r>
+            <a:endParaRPr lang="zh-CN" altLang="en-US" sz="2400" dirty="0">
               <a:solidFill>
                 <a:srgbClr val="595959"/>
               </a:solidFill>
@@ -6691,41 +6664,7 @@
           </a:p>
         </p:txBody>
       </p:sp>
-      <p:pic>
-        <p:nvPicPr>
-          <p:cNvPr id="2" name="图片 1">
-            <a:extLst>
-              <a:ext uri="{FF2B5EF4-FFF2-40B4-BE49-F238E27FC236}">
-                <a16:creationId xmlns:a16="http://schemas.microsoft.com/office/drawing/2014/main" id="{B5E2B149-D13D-46BA-94F5-B54D74491A22}"/>
-              </a:ext>
-            </a:extLst>
-          </p:cNvPr>
-          <p:cNvPicPr>
-            <a:picLocks noChangeAspect="1"/>
-          </p:cNvPicPr>
-          <p:nvPr/>
-        </p:nvPicPr>
-        <p:blipFill rotWithShape="1">
-          <a:blip r:embed="rId2"/>
-          <a:srcRect l="374" t="3751" r="464" b="3633"/>
-          <a:stretch/>
-        </p:blipFill>
-        <p:spPr>
-          <a:xfrm>
-            <a:off x="4561050" y="620713"/>
-            <a:ext cx="7353527" cy="5256488"/>
-          </a:xfrm>
-          <a:prstGeom prst="rect">
-            <a:avLst/>
-          </a:prstGeom>
-        </p:spPr>
-      </p:pic>
     </p:spTree>
-    <p:extLst>
-      <p:ext uri="{BB962C8B-B14F-4D97-AF65-F5344CB8AC3E}">
-        <p14:creationId xmlns:p14="http://schemas.microsoft.com/office/powerpoint/2010/main" val="2650327482"/>
-      </p:ext>
-    </p:extLst>
   </p:cSld>
   <p:clrMapOvr>
     <a:masterClrMapping/>
@@ -6752,14 +6691,14 @@
       </p:grpSpPr>
       <p:sp>
         <p:nvSpPr>
-          <p:cNvPr id="6" name="矩形 5"/>
+          <p:cNvPr id="2" name="矩形 1"/>
           <p:cNvSpPr/>
           <p:nvPr/>
         </p:nvSpPr>
         <p:spPr>
           <a:xfrm>
             <a:off x="0" y="0"/>
-            <a:ext cx="609600" cy="620713"/>
+            <a:ext cx="6096000" cy="6858000"/>
           </a:xfrm>
           <a:prstGeom prst="rect">
             <a:avLst/>
@@ -6798,45 +6737,10 @@
       </p:sp>
       <p:sp>
         <p:nvSpPr>
-          <p:cNvPr id="7" name="文本框 6"/>
-          <p:cNvSpPr txBox="1"/>
-          <p:nvPr/>
-        </p:nvSpPr>
-        <p:spPr>
-          <a:xfrm>
-            <a:off x="651786" y="30480"/>
-            <a:ext cx="4484094" cy="523220"/>
-          </a:xfrm>
-          <a:prstGeom prst="rect">
-            <a:avLst/>
-          </a:prstGeom>
-          <a:noFill/>
-        </p:spPr>
-        <p:txBody>
-          <a:bodyPr wrap="square" rtlCol="0">
-            <a:spAutoFit/>
-          </a:bodyPr>
-          <a:lstStyle/>
-          <a:p>
-            <a:r>
-              <a:rPr lang="zh-CN" altLang="en-US" sz="2800" b="1" dirty="0">
-                <a:solidFill>
-                  <a:srgbClr val="595959"/>
-                </a:solidFill>
-                <a:latin typeface="幼圆" panose="02010509060101010101" pitchFamily="49" charset="-122"/>
-                <a:ea typeface="幼圆" panose="02010509060101010101" pitchFamily="49" charset="-122"/>
-              </a:rPr>
-              <a:t>界面原型的设计原则</a:t>
-            </a:r>
-          </a:p>
-        </p:txBody>
-      </p:sp>
-      <p:sp>
-        <p:nvSpPr>
-          <p:cNvPr id="10" name="文本框 9">
+          <p:cNvPr id="6" name="文本框 5">
             <a:extLst>
               <a:ext uri="{FF2B5EF4-FFF2-40B4-BE49-F238E27FC236}">
-                <a16:creationId xmlns:a16="http://schemas.microsoft.com/office/drawing/2014/main" id="{E9C83EBB-6071-41F6-9161-6FF8024B5158}"/>
+                <a16:creationId xmlns:a16="http://schemas.microsoft.com/office/drawing/2014/main" id="{224232BA-B3EE-4114-BB71-FBF2C327742E}"/>
               </a:ext>
             </a:extLst>
           </p:cNvPr>
@@ -6845,8 +6749,8 @@
         </p:nvSpPr>
         <p:spPr>
           <a:xfrm>
-            <a:off x="832471" y="1150598"/>
-            <a:ext cx="4358640" cy="565604"/>
+            <a:off x="941777" y="1023909"/>
+            <a:ext cx="9215181" cy="646331"/>
           </a:xfrm>
           <a:prstGeom prst="rect">
             <a:avLst/>
@@ -6859,380 +6763,50 @@
           </a:bodyPr>
           <a:lstStyle/>
           <a:p>
-            <a:pPr>
-              <a:lnSpc>
-                <a:spcPct val="120000"/>
-              </a:lnSpc>
-            </a:pPr>
-            <a:r>
-              <a:rPr lang="zh-CN" altLang="en-US" sz="2800" b="1" dirty="0">
-                <a:solidFill>
-                  <a:srgbClr val="595959"/>
-                </a:solidFill>
-                <a:latin typeface="微软雅黑" panose="020B0503020204020204" pitchFamily="34" charset="-122"/>
-                <a:ea typeface="微软雅黑" panose="020B0503020204020204" pitchFamily="34" charset="-122"/>
-              </a:rPr>
-              <a:t>安全性</a:t>
-            </a:r>
-          </a:p>
-        </p:txBody>
-      </p:sp>
-      <p:sp>
-        <p:nvSpPr>
-          <p:cNvPr id="11" name="文本框 10">
-            <a:extLst>
-              <a:ext uri="{FF2B5EF4-FFF2-40B4-BE49-F238E27FC236}">
-                <a16:creationId xmlns:a16="http://schemas.microsoft.com/office/drawing/2014/main" id="{197EDA87-A714-4EB0-9B4B-F85DF9FA2517}"/>
-              </a:ext>
-            </a:extLst>
-          </p:cNvPr>
-          <p:cNvSpPr txBox="1"/>
-          <p:nvPr/>
-        </p:nvSpPr>
-        <p:spPr>
-          <a:xfrm>
-            <a:off x="790285" y="1769353"/>
-            <a:ext cx="4358640" cy="1904367"/>
-          </a:xfrm>
-          <a:prstGeom prst="rect">
-            <a:avLst/>
-          </a:prstGeom>
-          <a:noFill/>
-        </p:spPr>
-        <p:txBody>
-          <a:bodyPr wrap="square" rtlCol="0">
-            <a:spAutoFit/>
-          </a:bodyPr>
-          <a:lstStyle/>
-          <a:p>
-            <a:pPr>
-              <a:lnSpc>
-                <a:spcPct val="120000"/>
-              </a:lnSpc>
-            </a:pPr>
-            <a:r>
-              <a:rPr lang="zh-CN" altLang="en-US" sz="2000" dirty="0"/>
-              <a:t>用户能自由的作出选择，且所有选择都是可逆的。在用户作出危险的选择时有信息介入系统的提示。这样会让用户会觉得很安全，自己的权益不会遭到损失！</a:t>
-            </a:r>
-            <a:endParaRPr lang="zh-CN" altLang="en-US" sz="2400" dirty="0">
-              <a:solidFill>
-                <a:srgbClr val="595959"/>
-              </a:solidFill>
-              <a:latin typeface="微软雅黑" panose="020B0503020204020204" pitchFamily="34" charset="-122"/>
-              <a:ea typeface="微软雅黑" panose="020B0503020204020204" pitchFamily="34" charset="-122"/>
-            </a:endParaRPr>
-          </a:p>
-        </p:txBody>
-      </p:sp>
-      <p:sp>
-        <p:nvSpPr>
-          <p:cNvPr id="16" name="文本框 15">
-            <a:extLst>
-              <a:ext uri="{FF2B5EF4-FFF2-40B4-BE49-F238E27FC236}">
-                <a16:creationId xmlns:a16="http://schemas.microsoft.com/office/drawing/2014/main" id="{75205A6B-2DCB-4DD8-BE44-DFF887B9BE46}"/>
-              </a:ext>
-            </a:extLst>
-          </p:cNvPr>
-          <p:cNvSpPr txBox="1"/>
-          <p:nvPr/>
-        </p:nvSpPr>
-        <p:spPr>
-          <a:xfrm>
-            <a:off x="790285" y="3740038"/>
-            <a:ext cx="4358640" cy="565604"/>
-          </a:xfrm>
-          <a:prstGeom prst="rect">
-            <a:avLst/>
-          </a:prstGeom>
-          <a:noFill/>
-        </p:spPr>
-        <p:txBody>
-          <a:bodyPr wrap="square" rtlCol="0">
-            <a:spAutoFit/>
-          </a:bodyPr>
-          <a:lstStyle/>
-          <a:p>
-            <a:pPr>
-              <a:lnSpc>
-                <a:spcPct val="120000"/>
-              </a:lnSpc>
-            </a:pPr>
-            <a:r>
-              <a:rPr lang="zh-CN" altLang="en-US" sz="2800" b="1" dirty="0">
-                <a:solidFill>
-                  <a:srgbClr val="595959"/>
-                </a:solidFill>
-                <a:latin typeface="微软雅黑" panose="020B0503020204020204" pitchFamily="34" charset="-122"/>
-                <a:ea typeface="微软雅黑" panose="020B0503020204020204" pitchFamily="34" charset="-122"/>
-              </a:rPr>
-              <a:t>灵活性</a:t>
-            </a:r>
-          </a:p>
-        </p:txBody>
-      </p:sp>
-      <p:sp>
-        <p:nvSpPr>
-          <p:cNvPr id="17" name="文本框 16">
-            <a:extLst>
-              <a:ext uri="{FF2B5EF4-FFF2-40B4-BE49-F238E27FC236}">
-                <a16:creationId xmlns:a16="http://schemas.microsoft.com/office/drawing/2014/main" id="{D83A2911-E9B1-4BB9-B8F0-B0D9EA9A745E}"/>
-              </a:ext>
-            </a:extLst>
-          </p:cNvPr>
-          <p:cNvSpPr txBox="1"/>
-          <p:nvPr/>
-        </p:nvSpPr>
-        <p:spPr>
-          <a:xfrm>
-            <a:off x="790285" y="4354134"/>
-            <a:ext cx="4358640" cy="1540037"/>
-          </a:xfrm>
-          <a:prstGeom prst="rect">
-            <a:avLst/>
-          </a:prstGeom>
-          <a:noFill/>
-        </p:spPr>
-        <p:txBody>
-          <a:bodyPr wrap="square" rtlCol="0">
-            <a:spAutoFit/>
-          </a:bodyPr>
-          <a:lstStyle/>
-          <a:p>
-            <a:pPr>
-              <a:lnSpc>
-                <a:spcPct val="120000"/>
-              </a:lnSpc>
-            </a:pPr>
-            <a:r>
-              <a:rPr lang="zh-CN" altLang="en-US" sz="2000" dirty="0">
-                <a:latin typeface="+mn-ea"/>
-              </a:rPr>
-              <a:t>简单来说就是要让用户方便的使用，但不同于上述。即互动多重性，不局限于单一的工具</a:t>
-            </a:r>
-            <a:r>
-              <a:rPr lang="en-US" altLang="zh-CN" sz="2000" dirty="0">
-                <a:latin typeface="+mn-ea"/>
-              </a:rPr>
-              <a:t>(</a:t>
-            </a:r>
-            <a:r>
-              <a:rPr lang="zh-CN" altLang="en-US" sz="2000" dirty="0">
-                <a:latin typeface="+mn-ea"/>
-              </a:rPr>
-              <a:t>包括鼠标、键盘或手柄、界面</a:t>
-            </a:r>
-            <a:r>
-              <a:rPr lang="en-US" altLang="zh-CN" sz="2000" dirty="0">
-                <a:latin typeface="+mn-ea"/>
-              </a:rPr>
-              <a:t>)</a:t>
-            </a:r>
-            <a:r>
-              <a:rPr lang="zh-CN" altLang="en-US" sz="2000" dirty="0">
-                <a:latin typeface="+mn-ea"/>
-              </a:rPr>
-              <a:t>。</a:t>
-            </a:r>
-            <a:endParaRPr lang="zh-CN" altLang="en-US" sz="2400" dirty="0">
-              <a:solidFill>
-                <a:srgbClr val="595959"/>
-              </a:solidFill>
-              <a:latin typeface="+mn-ea"/>
-            </a:endParaRPr>
-          </a:p>
-        </p:txBody>
-      </p:sp>
-      <p:sp>
-        <p:nvSpPr>
-          <p:cNvPr id="18" name="文本框 17">
-            <a:extLst>
-              <a:ext uri="{FF2B5EF4-FFF2-40B4-BE49-F238E27FC236}">
-                <a16:creationId xmlns:a16="http://schemas.microsoft.com/office/drawing/2014/main" id="{F76FBE39-0F63-4A7B-8994-EB4364DEE813}"/>
-              </a:ext>
-            </a:extLst>
-          </p:cNvPr>
-          <p:cNvSpPr txBox="1"/>
-          <p:nvPr/>
-        </p:nvSpPr>
-        <p:spPr>
-          <a:xfrm>
-            <a:off x="6235835" y="1150598"/>
-            <a:ext cx="4358640" cy="565604"/>
-          </a:xfrm>
-          <a:prstGeom prst="rect">
-            <a:avLst/>
-          </a:prstGeom>
-          <a:noFill/>
-        </p:spPr>
-        <p:txBody>
-          <a:bodyPr wrap="square" rtlCol="0">
-            <a:spAutoFit/>
-          </a:bodyPr>
-          <a:lstStyle/>
-          <a:p>
-            <a:pPr>
-              <a:lnSpc>
-                <a:spcPct val="120000"/>
-              </a:lnSpc>
-            </a:pPr>
-            <a:r>
-              <a:rPr lang="zh-CN" altLang="en-US" sz="2800" b="1" dirty="0">
-                <a:solidFill>
-                  <a:srgbClr val="595959"/>
-                </a:solidFill>
-                <a:latin typeface="微软雅黑" panose="020B0503020204020204" pitchFamily="34" charset="-122"/>
-                <a:ea typeface="微软雅黑" panose="020B0503020204020204" pitchFamily="34" charset="-122"/>
-              </a:rPr>
-              <a:t>人性化</a:t>
-            </a:r>
-          </a:p>
-        </p:txBody>
-      </p:sp>
-      <p:sp>
-        <p:nvSpPr>
-          <p:cNvPr id="19" name="文本框 18">
-            <a:extLst>
-              <a:ext uri="{FF2B5EF4-FFF2-40B4-BE49-F238E27FC236}">
-                <a16:creationId xmlns:a16="http://schemas.microsoft.com/office/drawing/2014/main" id="{1309ABCE-215A-49E7-A0E7-2389EA6956F6}"/>
-              </a:ext>
-            </a:extLst>
-          </p:cNvPr>
-          <p:cNvSpPr txBox="1"/>
-          <p:nvPr/>
-        </p:nvSpPr>
-        <p:spPr>
-          <a:xfrm>
-            <a:off x="6235834" y="1769353"/>
-            <a:ext cx="5229759" cy="1904367"/>
-          </a:xfrm>
-          <a:prstGeom prst="rect">
-            <a:avLst/>
-          </a:prstGeom>
-          <a:noFill/>
-        </p:spPr>
-        <p:txBody>
-          <a:bodyPr wrap="square" rtlCol="0">
-            <a:spAutoFit/>
-          </a:bodyPr>
-          <a:lstStyle/>
-          <a:p>
-            <a:pPr>
-              <a:lnSpc>
-                <a:spcPct val="120000"/>
-              </a:lnSpc>
-            </a:pPr>
-            <a:r>
-              <a:rPr lang="zh-CN" altLang="en-US" sz="2000" dirty="0"/>
-              <a:t>高效率和用户满意度是人性化的体现。应具备专家级和初级玩家系统，即用户可依据自己的习惯定制界面，并能保存设置。所以一个优秀的</a:t>
-            </a:r>
-            <a:r>
-              <a:rPr lang="en-US" altLang="zh-CN" sz="2000" dirty="0"/>
-              <a:t>UI</a:t>
-            </a:r>
-            <a:r>
-              <a:rPr lang="zh-CN" altLang="en-US" sz="2000" dirty="0"/>
-              <a:t>设计师，从技能上讲，不仅能画图标，还能做好界面，会很多交互知识。</a:t>
-            </a:r>
-            <a:endParaRPr lang="zh-CN" altLang="en-US" sz="2400" dirty="0">
-              <a:solidFill>
-                <a:srgbClr val="595959"/>
-              </a:solidFill>
-              <a:latin typeface="微软雅黑" panose="020B0503020204020204" pitchFamily="34" charset="-122"/>
-              <a:ea typeface="微软雅黑" panose="020B0503020204020204" pitchFamily="34" charset="-122"/>
-            </a:endParaRPr>
-          </a:p>
-        </p:txBody>
-      </p:sp>
-      <p:sp>
-        <p:nvSpPr>
-          <p:cNvPr id="20" name="文本框 19">
-            <a:extLst>
-              <a:ext uri="{FF2B5EF4-FFF2-40B4-BE49-F238E27FC236}">
-                <a16:creationId xmlns:a16="http://schemas.microsoft.com/office/drawing/2014/main" id="{09868469-93E2-415C-A5AE-13143FADA59E}"/>
-              </a:ext>
-            </a:extLst>
-          </p:cNvPr>
-          <p:cNvSpPr txBox="1"/>
-          <p:nvPr/>
-        </p:nvSpPr>
-        <p:spPr>
-          <a:xfrm>
-            <a:off x="6235835" y="3740038"/>
-            <a:ext cx="4358640" cy="565604"/>
-          </a:xfrm>
-          <a:prstGeom prst="rect">
-            <a:avLst/>
-          </a:prstGeom>
-          <a:noFill/>
-        </p:spPr>
-        <p:txBody>
-          <a:bodyPr wrap="square" rtlCol="0">
-            <a:spAutoFit/>
-          </a:bodyPr>
-          <a:lstStyle/>
-          <a:p>
-            <a:pPr>
-              <a:lnSpc>
-                <a:spcPct val="120000"/>
-              </a:lnSpc>
-            </a:pPr>
-            <a:r>
-              <a:rPr lang="zh-CN" altLang="en-US" sz="2800" b="1" dirty="0">
-                <a:solidFill>
-                  <a:srgbClr val="595959"/>
-                </a:solidFill>
-                <a:latin typeface="微软雅黑" panose="020B0503020204020204" pitchFamily="34" charset="-122"/>
-                <a:ea typeface="微软雅黑" panose="020B0503020204020204" pitchFamily="34" charset="-122"/>
-              </a:rPr>
-              <a:t>清楚</a:t>
-            </a:r>
-          </a:p>
-        </p:txBody>
-      </p:sp>
-      <p:sp>
-        <p:nvSpPr>
-          <p:cNvPr id="21" name="文本框 20">
-            <a:extLst>
-              <a:ext uri="{FF2B5EF4-FFF2-40B4-BE49-F238E27FC236}">
-                <a16:creationId xmlns:a16="http://schemas.microsoft.com/office/drawing/2014/main" id="{AC0BD3A8-67F3-4FE8-B553-26F6B6F7E6ED}"/>
-              </a:ext>
-            </a:extLst>
-          </p:cNvPr>
-          <p:cNvSpPr txBox="1"/>
-          <p:nvPr/>
-        </p:nvSpPr>
-        <p:spPr>
-          <a:xfrm>
-            <a:off x="6235835" y="4354134"/>
-            <a:ext cx="5016216" cy="796372"/>
-          </a:xfrm>
-          <a:prstGeom prst="rect">
-            <a:avLst/>
-          </a:prstGeom>
-          <a:noFill/>
-        </p:spPr>
-        <p:txBody>
-          <a:bodyPr wrap="square" rtlCol="0">
-            <a:spAutoFit/>
-          </a:bodyPr>
-          <a:lstStyle/>
-          <a:p>
-            <a:pPr>
-              <a:lnSpc>
-                <a:spcPct val="120000"/>
-              </a:lnSpc>
-            </a:pPr>
-            <a:r>
-              <a:rPr lang="zh-CN" altLang="en-US" sz="2000" dirty="0"/>
-              <a:t>在视觉效果上便于理解和使用，用户能够很清晰快速的完成他的目标。</a:t>
-            </a:r>
-            <a:endParaRPr lang="zh-CN" altLang="en-US" sz="2400" dirty="0">
-              <a:solidFill>
-                <a:srgbClr val="595959"/>
-              </a:solidFill>
-              <a:latin typeface="微软雅黑" panose="020B0503020204020204" pitchFamily="34" charset="-122"/>
-              <a:ea typeface="微软雅黑" panose="020B0503020204020204" pitchFamily="34" charset="-122"/>
-            </a:endParaRPr>
+            <a:r>
+              <a:rPr lang="zh-CN" altLang="en-US" dirty="0"/>
+              <a:t>界面原型分类部分参考：</a:t>
+            </a:r>
+            <a:endParaRPr lang="en-US" altLang="zh-CN" dirty="0"/>
+          </a:p>
+          <a:p>
+            <a:r>
+              <a:rPr lang="en-US" altLang="zh-CN" dirty="0"/>
+              <a:t>《</a:t>
+            </a:r>
+            <a:r>
+              <a:rPr lang="zh-CN" altLang="en-US" dirty="0"/>
+              <a:t>软件需求</a:t>
+            </a:r>
+            <a:r>
+              <a:rPr lang="en-US" altLang="zh-CN" dirty="0"/>
+              <a:t>》</a:t>
+            </a:r>
+            <a:r>
+              <a:rPr lang="zh-CN" altLang="en-US" dirty="0"/>
+              <a:t>（第三版）</a:t>
+            </a:r>
+            <a:r>
+              <a:rPr lang="en-US" altLang="zh-CN" dirty="0"/>
+              <a:t>--Karl </a:t>
+            </a:r>
+            <a:r>
+              <a:rPr lang="en-US" altLang="zh-CN" dirty="0" err="1"/>
+              <a:t>Wiegers</a:t>
+            </a:r>
+            <a:r>
+              <a:rPr lang="en-US" altLang="zh-CN" dirty="0"/>
+              <a:t> Joy Beatty</a:t>
+            </a:r>
+            <a:r>
+              <a:rPr lang="zh-CN" altLang="en-US" dirty="0"/>
+              <a:t>著    </a:t>
+            </a:r>
+            <a:r>
+              <a:rPr lang="en-US" altLang="zh-CN"/>
+              <a:t>p266-271</a:t>
+            </a:r>
+            <a:endParaRPr lang="zh-CN" altLang="en-US" dirty="0"/>
           </a:p>
         </p:txBody>
       </p:sp>

--- a/非受控文档/2_叶柏成/PPT/红灰配色简洁实用PPT模板.pptx
+++ b/非受控文档/2_叶柏成/PPT/红灰配色简洁实用PPT模板.pptx
@@ -6731,7 +6731,7 @@
           <a:lstStyle/>
           <a:p>
             <a:pPr algn="ctr"/>
-            <a:endParaRPr lang="zh-CN" altLang="en-US"/>
+            <a:endParaRPr lang="zh-CN" altLang="en-US" dirty="0"/>
           </a:p>
         </p:txBody>
       </p:sp>
@@ -6750,7 +6750,7 @@
         <p:spPr>
           <a:xfrm>
             <a:off x="941777" y="1023909"/>
-            <a:ext cx="9215181" cy="646331"/>
+            <a:ext cx="9215181" cy="1477328"/>
           </a:xfrm>
           <a:prstGeom prst="rect">
             <a:avLst/>
@@ -6803,8 +6803,40 @@
               <a:t>著    </a:t>
             </a:r>
             <a:r>
+              <a:rPr lang="en-US" altLang="zh-CN" dirty="0"/>
+              <a:t>p266-271</a:t>
+            </a:r>
+          </a:p>
+          <a:p>
+            <a:r>
+              <a:rPr lang="zh-CN" altLang="en-US" dirty="0"/>
+              <a:t>界面原型的设计</a:t>
+            </a:r>
+            <a:r>
               <a:rPr lang="en-US" altLang="zh-CN"/>
-              <a:t>p266-271</a:t>
+              <a:t>	</a:t>
+            </a:r>
+            <a:r>
+              <a:rPr lang="zh-CN" altLang="en-US"/>
+              <a:t>原则</a:t>
+            </a:r>
+            <a:r>
+              <a:rPr lang="zh-CN" altLang="en-US" dirty="0"/>
+              <a:t>参考：</a:t>
+            </a:r>
+            <a:r>
+              <a:rPr lang="en-US" altLang="zh-CN" dirty="0">
+                <a:hlinkClick r:id="rId2"/>
+              </a:rPr>
+              <a:t>http://www.sohu.com/a/213225394_99977946</a:t>
+            </a:r>
+            <a:r>
+              <a:rPr lang="zh-CN" altLang="en-US" dirty="0"/>
+              <a:t>和</a:t>
+            </a:r>
+            <a:r>
+              <a:rPr lang="en-US" altLang="zh-CN" dirty="0"/>
+              <a:t>https://baike.baidu.com/item/%E7%94%A8%E6%88%B7%E7%95%8C%E9%9D%A2%E8%AE%BE%E8%AE%A1/8031166?fr=aladdin</a:t>
             </a:r>
             <a:endParaRPr lang="zh-CN" altLang="en-US" dirty="0"/>
           </a:p>
